--- a/dev-docs/guide/03_An_introduction-to-.NET/Training.pptx
+++ b/dev-docs/guide/03_An_introduction-to-.NET/Training.pptx
@@ -5,26 +5,25 @@
     <p:sldMasterId id="2147483660" r:id="rId1"/>
   </p:sldMasterIdLst>
   <p:notesMasterIdLst>
-    <p:notesMasterId r:id="rId16"/>
+    <p:notesMasterId r:id="rId15"/>
   </p:notesMasterIdLst>
   <p:handoutMasterIdLst>
-    <p:handoutMasterId r:id="rId17"/>
+    <p:handoutMasterId r:id="rId16"/>
   </p:handoutMasterIdLst>
   <p:sldIdLst>
     <p:sldId id="283" r:id="rId2"/>
     <p:sldId id="259" r:id="rId3"/>
-    <p:sldId id="285" r:id="rId4"/>
-    <p:sldId id="261" r:id="rId5"/>
-    <p:sldId id="286" r:id="rId6"/>
-    <p:sldId id="280" r:id="rId7"/>
-    <p:sldId id="279" r:id="rId8"/>
-    <p:sldId id="258" r:id="rId9"/>
-    <p:sldId id="257" r:id="rId10"/>
-    <p:sldId id="278" r:id="rId11"/>
-    <p:sldId id="262" r:id="rId12"/>
-    <p:sldId id="269" r:id="rId13"/>
-    <p:sldId id="281" r:id="rId14"/>
-    <p:sldId id="284" r:id="rId15"/>
+    <p:sldId id="287" r:id="rId4"/>
+    <p:sldId id="286" r:id="rId5"/>
+    <p:sldId id="280" r:id="rId6"/>
+    <p:sldId id="279" r:id="rId7"/>
+    <p:sldId id="258" r:id="rId8"/>
+    <p:sldId id="257" r:id="rId9"/>
+    <p:sldId id="278" r:id="rId10"/>
+    <p:sldId id="262" r:id="rId11"/>
+    <p:sldId id="269" r:id="rId12"/>
+    <p:sldId id="281" r:id="rId13"/>
+    <p:sldId id="284" r:id="rId14"/>
   </p:sldIdLst>
   <p:sldSz cx="9144000" cy="6858000" type="screen4x3"/>
   <p:notesSz cx="6858000" cy="9144000"/>
@@ -238,7 +237,7 @@
           <a:p>
             <a:fld id="{0C562DBC-A057-4482-B1DA-F1223766652F}" type="datetimeFigureOut">
               <a:rPr lang="he-IL" smtClean="0"/>
-              <a:t>ט"ו/טבת/תשע"ז</a:t>
+              <a:t>י"ז/טבת/תשע"ז</a:t>
             </a:fld>
             <a:endParaRPr lang="he-IL"/>
           </a:p>
@@ -403,7 +402,7 @@
           <a:p>
             <a:fld id="{79B72168-67EB-4E58-85AA-EDFD7A3D899E}" type="datetimeFigureOut">
               <a:rPr lang="en-US" smtClean="0"/>
-              <a:t>1/13/2017</a:t>
+              <a:t>1/15/2017</a:t>
             </a:fld>
             <a:endParaRPr lang="en-US"/>
           </a:p>
@@ -828,7 +827,7 @@
     </p:spTree>
     <p:extLst>
       <p:ext uri="{BB962C8B-B14F-4D97-AF65-F5344CB8AC3E}">
-        <p14:creationId xmlns:p14="http://schemas.microsoft.com/office/powerpoint/2010/main" val="2954561325"/>
+        <p14:creationId xmlns:p14="http://schemas.microsoft.com/office/powerpoint/2010/main" val="2193989170"/>
       </p:ext>
     </p:extLst>
   </p:cSld>
@@ -903,7 +902,7 @@
           <a:p>
             <a:fld id="{B9481C2B-38DC-427F-9F6F-35E2AA129D6D}" type="slidenum">
               <a:rPr lang="en-US" smtClean="0"/>
-              <a:t>12</a:t>
+              <a:t>11</a:t>
             </a:fld>
             <a:endParaRPr lang="en-US"/>
           </a:p>
@@ -987,7 +986,7 @@
           <a:p>
             <a:fld id="{B9481C2B-38DC-427F-9F6F-35E2AA129D6D}" type="slidenum">
               <a:rPr lang="en-US" smtClean="0"/>
-              <a:t>14</a:t>
+              <a:t>13</a:t>
             </a:fld>
             <a:endParaRPr lang="en-US"/>
           </a:p>
@@ -3074,3965 +3073,6 @@
           <a:chExt cx="0" cy="0"/>
         </a:xfrm>
       </p:grpSpPr>
-      <p:sp>
-        <p:nvSpPr>
-          <p:cNvPr id="22530" name="Rectangle 2"/>
-          <p:cNvSpPr>
-            <a:spLocks noGrp="1" noChangeArrowheads="1"/>
-          </p:cNvSpPr>
-          <p:nvPr>
-            <p:ph type="title"/>
-          </p:nvPr>
-        </p:nvSpPr>
-        <p:spPr/>
-        <p:txBody>
-          <a:bodyPr/>
-          <a:lstStyle/>
-          <a:p>
-            <a:r>
-              <a:rPr lang="en-US" altLang="en-US" dirty="0"/>
-              <a:t>Task Circle of Life</a:t>
-            </a:r>
-          </a:p>
-        </p:txBody>
-      </p:sp>
-      <p:sp>
-        <p:nvSpPr>
-          <p:cNvPr id="501766" name="Rectangle 6"/>
-          <p:cNvSpPr>
-            <a:spLocks noChangeArrowheads="1"/>
-          </p:cNvSpPr>
-          <p:nvPr/>
-        </p:nvSpPr>
-        <p:spPr bwMode="auto">
-          <a:xfrm>
-            <a:off x="3127375" y="2062163"/>
-            <a:ext cx="1731963" cy="358775"/>
-          </a:xfrm>
-          <a:prstGeom prst="rect">
-            <a:avLst/>
-          </a:prstGeom>
-          <a:solidFill>
-            <a:schemeClr val="bg1"/>
-          </a:solidFill>
-          <a:ln w="9525" algn="ctr">
-            <a:solidFill>
-              <a:schemeClr val="tx1"/>
-            </a:solidFill>
-            <a:miter lim="800000"/>
-            <a:headEnd/>
-            <a:tailEnd/>
-          </a:ln>
-          <a:effectLst/>
-          <a:extLst>
-            <a:ext uri="{AF507438-7753-43E0-B8FC-AC1667EBCBE1}">
-              <a14:hiddenEffects xmlns:a14="http://schemas.microsoft.com/office/drawing/2010/main">
-                <a:effectLst>
-                  <a:outerShdw dist="35921" dir="2700000" algn="ctr" rotWithShape="0">
-                    <a:schemeClr val="bg2"/>
-                  </a:outerShdw>
-                </a:effectLst>
-              </a14:hiddenEffects>
-            </a:ext>
-          </a:extLst>
-        </p:spPr>
-        <p:txBody>
-          <a:bodyPr wrap="none" anchor="ctr"/>
-          <a:lstStyle>
-            <a:lvl1pPr eaLnBrk="0" hangingPunct="0">
-              <a:defRPr i="1">
-                <a:solidFill>
-                  <a:schemeClr val="tx1"/>
-                </a:solidFill>
-                <a:latin typeface="Verdana" panose="020B0604030504040204" pitchFamily="34" charset="0"/>
-                <a:cs typeface="Arial" panose="020B0604020202020204" pitchFamily="34" charset="0"/>
-              </a:defRPr>
-            </a:lvl1pPr>
-            <a:lvl2pPr marL="742950" indent="-285750" eaLnBrk="0" hangingPunct="0">
-              <a:defRPr i="1">
-                <a:solidFill>
-                  <a:schemeClr val="tx1"/>
-                </a:solidFill>
-                <a:latin typeface="Verdana" panose="020B0604030504040204" pitchFamily="34" charset="0"/>
-                <a:cs typeface="Arial" panose="020B0604020202020204" pitchFamily="34" charset="0"/>
-              </a:defRPr>
-            </a:lvl2pPr>
-            <a:lvl3pPr marL="1143000" indent="-228600" eaLnBrk="0" hangingPunct="0">
-              <a:defRPr i="1">
-                <a:solidFill>
-                  <a:schemeClr val="tx1"/>
-                </a:solidFill>
-                <a:latin typeface="Verdana" panose="020B0604030504040204" pitchFamily="34" charset="0"/>
-                <a:cs typeface="Arial" panose="020B0604020202020204" pitchFamily="34" charset="0"/>
-              </a:defRPr>
-            </a:lvl3pPr>
-            <a:lvl4pPr marL="1600200" indent="-228600" eaLnBrk="0" hangingPunct="0">
-              <a:defRPr i="1">
-                <a:solidFill>
-                  <a:schemeClr val="tx1"/>
-                </a:solidFill>
-                <a:latin typeface="Verdana" panose="020B0604030504040204" pitchFamily="34" charset="0"/>
-                <a:cs typeface="Arial" panose="020B0604020202020204" pitchFamily="34" charset="0"/>
-              </a:defRPr>
-            </a:lvl4pPr>
-            <a:lvl5pPr marL="2057400" indent="-228600" eaLnBrk="0" hangingPunct="0">
-              <a:defRPr i="1">
-                <a:solidFill>
-                  <a:schemeClr val="tx1"/>
-                </a:solidFill>
-                <a:latin typeface="Verdana" panose="020B0604030504040204" pitchFamily="34" charset="0"/>
-                <a:cs typeface="Arial" panose="020B0604020202020204" pitchFamily="34" charset="0"/>
-              </a:defRPr>
-            </a:lvl5pPr>
-            <a:lvl6pPr marL="2514600" indent="-228600" eaLnBrk="0" fontAlgn="base" hangingPunct="0">
-              <a:spcBef>
-                <a:spcPct val="0"/>
-              </a:spcBef>
-              <a:spcAft>
-                <a:spcPct val="0"/>
-              </a:spcAft>
-              <a:defRPr i="1">
-                <a:solidFill>
-                  <a:schemeClr val="tx1"/>
-                </a:solidFill>
-                <a:latin typeface="Verdana" panose="020B0604030504040204" pitchFamily="34" charset="0"/>
-                <a:cs typeface="Arial" panose="020B0604020202020204" pitchFamily="34" charset="0"/>
-              </a:defRPr>
-            </a:lvl6pPr>
-            <a:lvl7pPr marL="2971800" indent="-228600" eaLnBrk="0" fontAlgn="base" hangingPunct="0">
-              <a:spcBef>
-                <a:spcPct val="0"/>
-              </a:spcBef>
-              <a:spcAft>
-                <a:spcPct val="0"/>
-              </a:spcAft>
-              <a:defRPr i="1">
-                <a:solidFill>
-                  <a:schemeClr val="tx1"/>
-                </a:solidFill>
-                <a:latin typeface="Verdana" panose="020B0604030504040204" pitchFamily="34" charset="0"/>
-                <a:cs typeface="Arial" panose="020B0604020202020204" pitchFamily="34" charset="0"/>
-              </a:defRPr>
-            </a:lvl7pPr>
-            <a:lvl8pPr marL="3429000" indent="-228600" eaLnBrk="0" fontAlgn="base" hangingPunct="0">
-              <a:spcBef>
-                <a:spcPct val="0"/>
-              </a:spcBef>
-              <a:spcAft>
-                <a:spcPct val="0"/>
-              </a:spcAft>
-              <a:defRPr i="1">
-                <a:solidFill>
-                  <a:schemeClr val="tx1"/>
-                </a:solidFill>
-                <a:latin typeface="Verdana" panose="020B0604030504040204" pitchFamily="34" charset="0"/>
-                <a:cs typeface="Arial" panose="020B0604020202020204" pitchFamily="34" charset="0"/>
-              </a:defRPr>
-            </a:lvl8pPr>
-            <a:lvl9pPr marL="3886200" indent="-228600" eaLnBrk="0" fontAlgn="base" hangingPunct="0">
-              <a:spcBef>
-                <a:spcPct val="0"/>
-              </a:spcBef>
-              <a:spcAft>
-                <a:spcPct val="0"/>
-              </a:spcAft>
-              <a:defRPr i="1">
-                <a:solidFill>
-                  <a:schemeClr val="tx1"/>
-                </a:solidFill>
-                <a:latin typeface="Verdana" panose="020B0604030504040204" pitchFamily="34" charset="0"/>
-                <a:cs typeface="Arial" panose="020B0604020202020204" pitchFamily="34" charset="0"/>
-              </a:defRPr>
-            </a:lvl9pPr>
-          </a:lstStyle>
-          <a:p>
-            <a:pPr algn="l" rtl="0" eaLnBrk="1" hangingPunct="1"/>
-            <a:r>
-              <a:rPr lang="en-US" altLang="en-US" i="0" dirty="0" err="1">
-                <a:latin typeface="Arial" panose="020B0604020202020204" pitchFamily="34" charset="0"/>
-              </a:rPr>
-              <a:t>OnLoad</a:t>
-            </a:r>
-            <a:endParaRPr lang="en-US" altLang="en-US" i="0" dirty="0">
-              <a:latin typeface="Arial" panose="020B0604020202020204" pitchFamily="34" charset="0"/>
-            </a:endParaRPr>
-          </a:p>
-        </p:txBody>
-      </p:sp>
-      <p:sp>
-        <p:nvSpPr>
-          <p:cNvPr id="22532" name="Rectangle 7"/>
-          <p:cNvSpPr>
-            <a:spLocks noChangeArrowheads="1"/>
-          </p:cNvSpPr>
-          <p:nvPr/>
-        </p:nvSpPr>
-        <p:spPr bwMode="auto">
-          <a:xfrm>
-            <a:off x="468313" y="1268413"/>
-            <a:ext cx="1800225" cy="503237"/>
-          </a:xfrm>
-          <a:prstGeom prst="rect">
-            <a:avLst/>
-          </a:prstGeom>
-          <a:solidFill>
-            <a:schemeClr val="bg1"/>
-          </a:solidFill>
-          <a:ln w="9525" algn="ctr">
-            <a:solidFill>
-              <a:schemeClr val="tx1"/>
-            </a:solidFill>
-            <a:miter lim="800000"/>
-            <a:headEnd/>
-            <a:tailEnd/>
-          </a:ln>
-          <a:effectLst/>
-          <a:extLst>
-            <a:ext uri="{AF507438-7753-43E0-B8FC-AC1667EBCBE1}">
-              <a14:hiddenEffects xmlns:a14="http://schemas.microsoft.com/office/drawing/2010/main">
-                <a:effectLst>
-                  <a:outerShdw dist="35921" dir="2700000" algn="ctr" rotWithShape="0">
-                    <a:schemeClr val="bg2"/>
-                  </a:outerShdw>
-                </a:effectLst>
-              </a14:hiddenEffects>
-            </a:ext>
-          </a:extLst>
-        </p:spPr>
-        <p:txBody>
-          <a:bodyPr wrap="none" anchor="ctr"/>
-          <a:lstStyle>
-            <a:lvl1pPr eaLnBrk="0" hangingPunct="0">
-              <a:defRPr i="1">
-                <a:solidFill>
-                  <a:schemeClr val="tx1"/>
-                </a:solidFill>
-                <a:latin typeface="Verdana" panose="020B0604030504040204" pitchFamily="34" charset="0"/>
-                <a:cs typeface="Arial" panose="020B0604020202020204" pitchFamily="34" charset="0"/>
-              </a:defRPr>
-            </a:lvl1pPr>
-            <a:lvl2pPr marL="742950" indent="-285750" eaLnBrk="0" hangingPunct="0">
-              <a:defRPr i="1">
-                <a:solidFill>
-                  <a:schemeClr val="tx1"/>
-                </a:solidFill>
-                <a:latin typeface="Verdana" panose="020B0604030504040204" pitchFamily="34" charset="0"/>
-                <a:cs typeface="Arial" panose="020B0604020202020204" pitchFamily="34" charset="0"/>
-              </a:defRPr>
-            </a:lvl2pPr>
-            <a:lvl3pPr marL="1143000" indent="-228600" eaLnBrk="0" hangingPunct="0">
-              <a:defRPr i="1">
-                <a:solidFill>
-                  <a:schemeClr val="tx1"/>
-                </a:solidFill>
-                <a:latin typeface="Verdana" panose="020B0604030504040204" pitchFamily="34" charset="0"/>
-                <a:cs typeface="Arial" panose="020B0604020202020204" pitchFamily="34" charset="0"/>
-              </a:defRPr>
-            </a:lvl3pPr>
-            <a:lvl4pPr marL="1600200" indent="-228600" eaLnBrk="0" hangingPunct="0">
-              <a:defRPr i="1">
-                <a:solidFill>
-                  <a:schemeClr val="tx1"/>
-                </a:solidFill>
-                <a:latin typeface="Verdana" panose="020B0604030504040204" pitchFamily="34" charset="0"/>
-                <a:cs typeface="Arial" panose="020B0604020202020204" pitchFamily="34" charset="0"/>
-              </a:defRPr>
-            </a:lvl4pPr>
-            <a:lvl5pPr marL="2057400" indent="-228600" eaLnBrk="0" hangingPunct="0">
-              <a:defRPr i="1">
-                <a:solidFill>
-                  <a:schemeClr val="tx1"/>
-                </a:solidFill>
-                <a:latin typeface="Verdana" panose="020B0604030504040204" pitchFamily="34" charset="0"/>
-                <a:cs typeface="Arial" panose="020B0604020202020204" pitchFamily="34" charset="0"/>
-              </a:defRPr>
-            </a:lvl5pPr>
-            <a:lvl6pPr marL="2514600" indent="-228600" eaLnBrk="0" fontAlgn="base" hangingPunct="0">
-              <a:spcBef>
-                <a:spcPct val="0"/>
-              </a:spcBef>
-              <a:spcAft>
-                <a:spcPct val="0"/>
-              </a:spcAft>
-              <a:defRPr i="1">
-                <a:solidFill>
-                  <a:schemeClr val="tx1"/>
-                </a:solidFill>
-                <a:latin typeface="Verdana" panose="020B0604030504040204" pitchFamily="34" charset="0"/>
-                <a:cs typeface="Arial" panose="020B0604020202020204" pitchFamily="34" charset="0"/>
-              </a:defRPr>
-            </a:lvl6pPr>
-            <a:lvl7pPr marL="2971800" indent="-228600" eaLnBrk="0" fontAlgn="base" hangingPunct="0">
-              <a:spcBef>
-                <a:spcPct val="0"/>
-              </a:spcBef>
-              <a:spcAft>
-                <a:spcPct val="0"/>
-              </a:spcAft>
-              <a:defRPr i="1">
-                <a:solidFill>
-                  <a:schemeClr val="tx1"/>
-                </a:solidFill>
-                <a:latin typeface="Verdana" panose="020B0604030504040204" pitchFamily="34" charset="0"/>
-                <a:cs typeface="Arial" panose="020B0604020202020204" pitchFamily="34" charset="0"/>
-              </a:defRPr>
-            </a:lvl7pPr>
-            <a:lvl8pPr marL="3429000" indent="-228600" eaLnBrk="0" fontAlgn="base" hangingPunct="0">
-              <a:spcBef>
-                <a:spcPct val="0"/>
-              </a:spcBef>
-              <a:spcAft>
-                <a:spcPct val="0"/>
-              </a:spcAft>
-              <a:defRPr i="1">
-                <a:solidFill>
-                  <a:schemeClr val="tx1"/>
-                </a:solidFill>
-                <a:latin typeface="Verdana" panose="020B0604030504040204" pitchFamily="34" charset="0"/>
-                <a:cs typeface="Arial" panose="020B0604020202020204" pitchFamily="34" charset="0"/>
-              </a:defRPr>
-            </a:lvl8pPr>
-            <a:lvl9pPr marL="3886200" indent="-228600" eaLnBrk="0" fontAlgn="base" hangingPunct="0">
-              <a:spcBef>
-                <a:spcPct val="0"/>
-              </a:spcBef>
-              <a:spcAft>
-                <a:spcPct val="0"/>
-              </a:spcAft>
-              <a:defRPr i="1">
-                <a:solidFill>
-                  <a:schemeClr val="tx1"/>
-                </a:solidFill>
-                <a:latin typeface="Verdana" panose="020B0604030504040204" pitchFamily="34" charset="0"/>
-                <a:cs typeface="Arial" panose="020B0604020202020204" pitchFamily="34" charset="0"/>
-              </a:defRPr>
-            </a:lvl9pPr>
-          </a:lstStyle>
-          <a:p>
-            <a:pPr algn="ctr" rtl="0" eaLnBrk="1" hangingPunct="1"/>
-            <a:r>
-              <a:rPr lang="en-US" altLang="en-US" i="0" dirty="0">
-                <a:latin typeface="Arial" panose="020B0604020202020204" pitchFamily="34" charset="0"/>
-              </a:rPr>
-              <a:t>Constructor</a:t>
-            </a:r>
-          </a:p>
-        </p:txBody>
-      </p:sp>
-      <p:sp>
-        <p:nvSpPr>
-          <p:cNvPr id="501768" name="Text Box 8"/>
-          <p:cNvSpPr txBox="1">
-            <a:spLocks noChangeArrowheads="1"/>
-          </p:cNvSpPr>
-          <p:nvPr/>
-        </p:nvSpPr>
-        <p:spPr bwMode="auto">
-          <a:xfrm>
-            <a:off x="3059113" y="1284288"/>
-            <a:ext cx="3384550" cy="569515"/>
-          </a:xfrm>
-          <a:prstGeom prst="rect">
-            <a:avLst/>
-          </a:prstGeom>
-          <a:noFill/>
-          <a:ln>
-            <a:noFill/>
-          </a:ln>
-          <a:effectLst/>
-          <a:extLst>
-            <a:ext uri="{909E8E84-426E-40DD-AFC4-6F175D3DCCD1}">
-              <a14:hiddenFill xmlns:a14="http://schemas.microsoft.com/office/drawing/2010/main">
-                <a:solidFill>
-                  <a:schemeClr val="accent1"/>
-                </a:solidFill>
-              </a14:hiddenFill>
-            </a:ext>
-            <a:ext uri="{91240B29-F687-4F45-9708-019B960494DF}">
-              <a14:hiddenLine xmlns:a14="http://schemas.microsoft.com/office/drawing/2010/main" w="9525" algn="ctr">
-                <a:solidFill>
-                  <a:schemeClr val="tx1"/>
-                </a:solidFill>
-                <a:miter lim="800000"/>
-                <a:headEnd/>
-                <a:tailEnd/>
-              </a14:hiddenLine>
-            </a:ext>
-            <a:ext uri="{AF507438-7753-43E0-B8FC-AC1667EBCBE1}">
-              <a14:hiddenEffects xmlns:a14="http://schemas.microsoft.com/office/drawing/2010/main">
-                <a:effectLst>
-                  <a:outerShdw dist="35921" dir="2700000" algn="ctr" rotWithShape="0">
-                    <a:schemeClr val="bg2"/>
-                  </a:outerShdw>
-                </a:effectLst>
-              </a14:hiddenEffects>
-            </a:ext>
-          </a:extLst>
-        </p:spPr>
-        <p:txBody>
-          <a:bodyPr>
-            <a:spAutoFit/>
-          </a:bodyPr>
-          <a:lstStyle>
-            <a:lvl1pPr eaLnBrk="0" hangingPunct="0">
-              <a:defRPr i="1">
-                <a:solidFill>
-                  <a:schemeClr val="tx1"/>
-                </a:solidFill>
-                <a:latin typeface="Verdana" panose="020B0604030504040204" pitchFamily="34" charset="0"/>
-                <a:cs typeface="Arial" panose="020B0604020202020204" pitchFamily="34" charset="0"/>
-              </a:defRPr>
-            </a:lvl1pPr>
-            <a:lvl2pPr marL="742950" indent="-285750" eaLnBrk="0" hangingPunct="0">
-              <a:defRPr i="1">
-                <a:solidFill>
-                  <a:schemeClr val="tx1"/>
-                </a:solidFill>
-                <a:latin typeface="Verdana" panose="020B0604030504040204" pitchFamily="34" charset="0"/>
-                <a:cs typeface="Arial" panose="020B0604020202020204" pitchFamily="34" charset="0"/>
-              </a:defRPr>
-            </a:lvl2pPr>
-            <a:lvl3pPr marL="1143000" indent="-228600" eaLnBrk="0" hangingPunct="0">
-              <a:defRPr i="1">
-                <a:solidFill>
-                  <a:schemeClr val="tx1"/>
-                </a:solidFill>
-                <a:latin typeface="Verdana" panose="020B0604030504040204" pitchFamily="34" charset="0"/>
-                <a:cs typeface="Arial" panose="020B0604020202020204" pitchFamily="34" charset="0"/>
-              </a:defRPr>
-            </a:lvl3pPr>
-            <a:lvl4pPr marL="1600200" indent="-228600" eaLnBrk="0" hangingPunct="0">
-              <a:defRPr i="1">
-                <a:solidFill>
-                  <a:schemeClr val="tx1"/>
-                </a:solidFill>
-                <a:latin typeface="Verdana" panose="020B0604030504040204" pitchFamily="34" charset="0"/>
-                <a:cs typeface="Arial" panose="020B0604020202020204" pitchFamily="34" charset="0"/>
-              </a:defRPr>
-            </a:lvl4pPr>
-            <a:lvl5pPr marL="2057400" indent="-228600" eaLnBrk="0" hangingPunct="0">
-              <a:defRPr i="1">
-                <a:solidFill>
-                  <a:schemeClr val="tx1"/>
-                </a:solidFill>
-                <a:latin typeface="Verdana" panose="020B0604030504040204" pitchFamily="34" charset="0"/>
-                <a:cs typeface="Arial" panose="020B0604020202020204" pitchFamily="34" charset="0"/>
-              </a:defRPr>
-            </a:lvl5pPr>
-            <a:lvl6pPr marL="2514600" indent="-228600" eaLnBrk="0" fontAlgn="base" hangingPunct="0">
-              <a:spcBef>
-                <a:spcPct val="0"/>
-              </a:spcBef>
-              <a:spcAft>
-                <a:spcPct val="0"/>
-              </a:spcAft>
-              <a:defRPr i="1">
-                <a:solidFill>
-                  <a:schemeClr val="tx1"/>
-                </a:solidFill>
-                <a:latin typeface="Verdana" panose="020B0604030504040204" pitchFamily="34" charset="0"/>
-                <a:cs typeface="Arial" panose="020B0604020202020204" pitchFamily="34" charset="0"/>
-              </a:defRPr>
-            </a:lvl6pPr>
-            <a:lvl7pPr marL="2971800" indent="-228600" eaLnBrk="0" fontAlgn="base" hangingPunct="0">
-              <a:spcBef>
-                <a:spcPct val="0"/>
-              </a:spcBef>
-              <a:spcAft>
-                <a:spcPct val="0"/>
-              </a:spcAft>
-              <a:defRPr i="1">
-                <a:solidFill>
-                  <a:schemeClr val="tx1"/>
-                </a:solidFill>
-                <a:latin typeface="Verdana" panose="020B0604030504040204" pitchFamily="34" charset="0"/>
-                <a:cs typeface="Arial" panose="020B0604020202020204" pitchFamily="34" charset="0"/>
-              </a:defRPr>
-            </a:lvl7pPr>
-            <a:lvl8pPr marL="3429000" indent="-228600" eaLnBrk="0" fontAlgn="base" hangingPunct="0">
-              <a:spcBef>
-                <a:spcPct val="0"/>
-              </a:spcBef>
-              <a:spcAft>
-                <a:spcPct val="0"/>
-              </a:spcAft>
-              <a:defRPr i="1">
-                <a:solidFill>
-                  <a:schemeClr val="tx1"/>
-                </a:solidFill>
-                <a:latin typeface="Verdana" panose="020B0604030504040204" pitchFamily="34" charset="0"/>
-                <a:cs typeface="Arial" panose="020B0604020202020204" pitchFamily="34" charset="0"/>
-              </a:defRPr>
-            </a:lvl8pPr>
-            <a:lvl9pPr marL="3886200" indent="-228600" eaLnBrk="0" fontAlgn="base" hangingPunct="0">
-              <a:spcBef>
-                <a:spcPct val="0"/>
-              </a:spcBef>
-              <a:spcAft>
-                <a:spcPct val="0"/>
-              </a:spcAft>
-              <a:defRPr i="1">
-                <a:solidFill>
-                  <a:schemeClr val="tx1"/>
-                </a:solidFill>
-                <a:latin typeface="Verdana" panose="020B0604030504040204" pitchFamily="34" charset="0"/>
-                <a:cs typeface="Arial" panose="020B0604020202020204" pitchFamily="34" charset="0"/>
-              </a:defRPr>
-            </a:lvl9pPr>
-          </a:lstStyle>
-          <a:p>
-            <a:pPr algn="l" rtl="0" eaLnBrk="1" hangingPunct="1">
-              <a:lnSpc>
-                <a:spcPct val="60000"/>
-              </a:lnSpc>
-              <a:spcBef>
-                <a:spcPct val="50000"/>
-              </a:spcBef>
-              <a:buFontTx/>
-              <a:buChar char="•"/>
-            </a:pPr>
-            <a:r>
-              <a:rPr lang="en-US" altLang="en-US" dirty="0"/>
-              <a:t>Define the </a:t>
-            </a:r>
-            <a:r>
-              <a:rPr lang="en-US" altLang="en-US" dirty="0" err="1"/>
-              <a:t>DataView</a:t>
-            </a:r>
-            <a:r>
-              <a:rPr lang="en-US" altLang="en-US" dirty="0"/>
-              <a:t> </a:t>
-            </a:r>
-          </a:p>
-          <a:p>
-            <a:pPr algn="l" rtl="0" eaLnBrk="1" hangingPunct="1">
-              <a:lnSpc>
-                <a:spcPct val="60000"/>
-              </a:lnSpc>
-              <a:spcBef>
-                <a:spcPct val="50000"/>
-              </a:spcBef>
-              <a:buFontTx/>
-              <a:buChar char="•"/>
-            </a:pPr>
-            <a:r>
-              <a:rPr lang="en-US" altLang="en-US" dirty="0"/>
-              <a:t>Construct the task</a:t>
-            </a:r>
-          </a:p>
-        </p:txBody>
-      </p:sp>
-      <p:sp>
-        <p:nvSpPr>
-          <p:cNvPr id="501769" name="Rectangle 9"/>
-          <p:cNvSpPr>
-            <a:spLocks noChangeArrowheads="1"/>
-          </p:cNvSpPr>
-          <p:nvPr/>
-        </p:nvSpPr>
-        <p:spPr bwMode="auto">
-          <a:xfrm>
-            <a:off x="468313" y="1844675"/>
-            <a:ext cx="1800225" cy="4941888"/>
-          </a:xfrm>
-          <a:prstGeom prst="rect">
-            <a:avLst/>
-          </a:prstGeom>
-          <a:solidFill>
-            <a:schemeClr val="bg1"/>
-          </a:solidFill>
-          <a:ln w="9525" algn="ctr">
-            <a:solidFill>
-              <a:schemeClr val="tx1"/>
-            </a:solidFill>
-            <a:miter lim="800000"/>
-            <a:headEnd/>
-            <a:tailEnd/>
-          </a:ln>
-          <a:effectLst/>
-          <a:extLst>
-            <a:ext uri="{AF507438-7753-43E0-B8FC-AC1667EBCBE1}">
-              <a14:hiddenEffects xmlns:a14="http://schemas.microsoft.com/office/drawing/2010/main">
-                <a:effectLst>
-                  <a:outerShdw dist="35921" dir="2700000" algn="ctr" rotWithShape="0">
-                    <a:schemeClr val="bg2"/>
-                  </a:outerShdw>
-                </a:effectLst>
-              </a14:hiddenEffects>
-            </a:ext>
-          </a:extLst>
-        </p:spPr>
-        <p:txBody>
-          <a:bodyPr wrap="none" anchor="ctr"/>
-          <a:lstStyle>
-            <a:lvl1pPr eaLnBrk="0" hangingPunct="0">
-              <a:defRPr i="1">
-                <a:solidFill>
-                  <a:schemeClr val="tx1"/>
-                </a:solidFill>
-                <a:latin typeface="Verdana" panose="020B0604030504040204" pitchFamily="34" charset="0"/>
-                <a:cs typeface="Arial" panose="020B0604020202020204" pitchFamily="34" charset="0"/>
-              </a:defRPr>
-            </a:lvl1pPr>
-            <a:lvl2pPr marL="742950" indent="-285750" eaLnBrk="0" hangingPunct="0">
-              <a:defRPr i="1">
-                <a:solidFill>
-                  <a:schemeClr val="tx1"/>
-                </a:solidFill>
-                <a:latin typeface="Verdana" panose="020B0604030504040204" pitchFamily="34" charset="0"/>
-                <a:cs typeface="Arial" panose="020B0604020202020204" pitchFamily="34" charset="0"/>
-              </a:defRPr>
-            </a:lvl2pPr>
-            <a:lvl3pPr marL="1143000" indent="-228600" eaLnBrk="0" hangingPunct="0">
-              <a:defRPr i="1">
-                <a:solidFill>
-                  <a:schemeClr val="tx1"/>
-                </a:solidFill>
-                <a:latin typeface="Verdana" panose="020B0604030504040204" pitchFamily="34" charset="0"/>
-                <a:cs typeface="Arial" panose="020B0604020202020204" pitchFamily="34" charset="0"/>
-              </a:defRPr>
-            </a:lvl3pPr>
-            <a:lvl4pPr marL="1600200" indent="-228600" eaLnBrk="0" hangingPunct="0">
-              <a:defRPr i="1">
-                <a:solidFill>
-                  <a:schemeClr val="tx1"/>
-                </a:solidFill>
-                <a:latin typeface="Verdana" panose="020B0604030504040204" pitchFamily="34" charset="0"/>
-                <a:cs typeface="Arial" panose="020B0604020202020204" pitchFamily="34" charset="0"/>
-              </a:defRPr>
-            </a:lvl4pPr>
-            <a:lvl5pPr marL="2057400" indent="-228600" eaLnBrk="0" hangingPunct="0">
-              <a:defRPr i="1">
-                <a:solidFill>
-                  <a:schemeClr val="tx1"/>
-                </a:solidFill>
-                <a:latin typeface="Verdana" panose="020B0604030504040204" pitchFamily="34" charset="0"/>
-                <a:cs typeface="Arial" panose="020B0604020202020204" pitchFamily="34" charset="0"/>
-              </a:defRPr>
-            </a:lvl5pPr>
-            <a:lvl6pPr marL="2514600" indent="-228600" eaLnBrk="0" fontAlgn="base" hangingPunct="0">
-              <a:spcBef>
-                <a:spcPct val="0"/>
-              </a:spcBef>
-              <a:spcAft>
-                <a:spcPct val="0"/>
-              </a:spcAft>
-              <a:defRPr i="1">
-                <a:solidFill>
-                  <a:schemeClr val="tx1"/>
-                </a:solidFill>
-                <a:latin typeface="Verdana" panose="020B0604030504040204" pitchFamily="34" charset="0"/>
-                <a:cs typeface="Arial" panose="020B0604020202020204" pitchFamily="34" charset="0"/>
-              </a:defRPr>
-            </a:lvl6pPr>
-            <a:lvl7pPr marL="2971800" indent="-228600" eaLnBrk="0" fontAlgn="base" hangingPunct="0">
-              <a:spcBef>
-                <a:spcPct val="0"/>
-              </a:spcBef>
-              <a:spcAft>
-                <a:spcPct val="0"/>
-              </a:spcAft>
-              <a:defRPr i="1">
-                <a:solidFill>
-                  <a:schemeClr val="tx1"/>
-                </a:solidFill>
-                <a:latin typeface="Verdana" panose="020B0604030504040204" pitchFamily="34" charset="0"/>
-                <a:cs typeface="Arial" panose="020B0604020202020204" pitchFamily="34" charset="0"/>
-              </a:defRPr>
-            </a:lvl7pPr>
-            <a:lvl8pPr marL="3429000" indent="-228600" eaLnBrk="0" fontAlgn="base" hangingPunct="0">
-              <a:spcBef>
-                <a:spcPct val="0"/>
-              </a:spcBef>
-              <a:spcAft>
-                <a:spcPct val="0"/>
-              </a:spcAft>
-              <a:defRPr i="1">
-                <a:solidFill>
-                  <a:schemeClr val="tx1"/>
-                </a:solidFill>
-                <a:latin typeface="Verdana" panose="020B0604030504040204" pitchFamily="34" charset="0"/>
-                <a:cs typeface="Arial" panose="020B0604020202020204" pitchFamily="34" charset="0"/>
-              </a:defRPr>
-            </a:lvl8pPr>
-            <a:lvl9pPr marL="3886200" indent="-228600" eaLnBrk="0" fontAlgn="base" hangingPunct="0">
-              <a:spcBef>
-                <a:spcPct val="0"/>
-              </a:spcBef>
-              <a:spcAft>
-                <a:spcPct val="0"/>
-              </a:spcAft>
-              <a:defRPr i="1">
-                <a:solidFill>
-                  <a:schemeClr val="tx1"/>
-                </a:solidFill>
-                <a:latin typeface="Verdana" panose="020B0604030504040204" pitchFamily="34" charset="0"/>
-                <a:cs typeface="Arial" panose="020B0604020202020204" pitchFamily="34" charset="0"/>
-              </a:defRPr>
-            </a:lvl9pPr>
-          </a:lstStyle>
-          <a:p>
-            <a:pPr algn="ctr" rtl="0" eaLnBrk="1" hangingPunct="1"/>
-            <a:r>
-              <a:rPr lang="en-US" altLang="en-US" i="0" u="sng">
-                <a:latin typeface="Arial" panose="020B0604020202020204" pitchFamily="34" charset="0"/>
-              </a:rPr>
-              <a:t>Run Method:</a:t>
-            </a:r>
-          </a:p>
-          <a:p>
-            <a:pPr algn="ctr" rtl="0" eaLnBrk="1" hangingPunct="1"/>
-            <a:r>
-              <a:rPr lang="en-US" altLang="en-US" i="0">
-                <a:latin typeface="Arial" panose="020B0604020202020204" pitchFamily="34" charset="0"/>
-              </a:rPr>
-              <a:t>Base.Execute();</a:t>
-            </a:r>
-          </a:p>
-        </p:txBody>
-      </p:sp>
-      <p:sp>
-        <p:nvSpPr>
-          <p:cNvPr id="501770" name="Rectangle 10"/>
-          <p:cNvSpPr>
-            <a:spLocks noChangeArrowheads="1"/>
-          </p:cNvSpPr>
-          <p:nvPr/>
-        </p:nvSpPr>
-        <p:spPr bwMode="auto">
-          <a:xfrm>
-            <a:off x="3127375" y="2981325"/>
-            <a:ext cx="1731963" cy="358775"/>
-          </a:xfrm>
-          <a:prstGeom prst="rect">
-            <a:avLst/>
-          </a:prstGeom>
-          <a:solidFill>
-            <a:schemeClr val="bg1"/>
-          </a:solidFill>
-          <a:ln w="9525" algn="ctr">
-            <a:solidFill>
-              <a:schemeClr val="tx1"/>
-            </a:solidFill>
-            <a:miter lim="800000"/>
-            <a:headEnd/>
-            <a:tailEnd/>
-          </a:ln>
-          <a:effectLst/>
-          <a:extLst>
-            <a:ext uri="{AF507438-7753-43E0-B8FC-AC1667EBCBE1}">
-              <a14:hiddenEffects xmlns:a14="http://schemas.microsoft.com/office/drawing/2010/main">
-                <a:effectLst>
-                  <a:outerShdw dist="35921" dir="2700000" algn="ctr" rotWithShape="0">
-                    <a:schemeClr val="bg2"/>
-                  </a:outerShdw>
-                </a:effectLst>
-              </a14:hiddenEffects>
-            </a:ext>
-          </a:extLst>
-        </p:spPr>
-        <p:txBody>
-          <a:bodyPr wrap="none" anchor="ctr"/>
-          <a:lstStyle>
-            <a:lvl1pPr eaLnBrk="0" hangingPunct="0">
-              <a:defRPr i="1">
-                <a:solidFill>
-                  <a:schemeClr val="tx1"/>
-                </a:solidFill>
-                <a:latin typeface="Verdana" panose="020B0604030504040204" pitchFamily="34" charset="0"/>
-                <a:cs typeface="Arial" panose="020B0604020202020204" pitchFamily="34" charset="0"/>
-              </a:defRPr>
-            </a:lvl1pPr>
-            <a:lvl2pPr marL="742950" indent="-285750" eaLnBrk="0" hangingPunct="0">
-              <a:defRPr i="1">
-                <a:solidFill>
-                  <a:schemeClr val="tx1"/>
-                </a:solidFill>
-                <a:latin typeface="Verdana" panose="020B0604030504040204" pitchFamily="34" charset="0"/>
-                <a:cs typeface="Arial" panose="020B0604020202020204" pitchFamily="34" charset="0"/>
-              </a:defRPr>
-            </a:lvl2pPr>
-            <a:lvl3pPr marL="1143000" indent="-228600" eaLnBrk="0" hangingPunct="0">
-              <a:defRPr i="1">
-                <a:solidFill>
-                  <a:schemeClr val="tx1"/>
-                </a:solidFill>
-                <a:latin typeface="Verdana" panose="020B0604030504040204" pitchFamily="34" charset="0"/>
-                <a:cs typeface="Arial" panose="020B0604020202020204" pitchFamily="34" charset="0"/>
-              </a:defRPr>
-            </a:lvl3pPr>
-            <a:lvl4pPr marL="1600200" indent="-228600" eaLnBrk="0" hangingPunct="0">
-              <a:defRPr i="1">
-                <a:solidFill>
-                  <a:schemeClr val="tx1"/>
-                </a:solidFill>
-                <a:latin typeface="Verdana" panose="020B0604030504040204" pitchFamily="34" charset="0"/>
-                <a:cs typeface="Arial" panose="020B0604020202020204" pitchFamily="34" charset="0"/>
-              </a:defRPr>
-            </a:lvl4pPr>
-            <a:lvl5pPr marL="2057400" indent="-228600" eaLnBrk="0" hangingPunct="0">
-              <a:defRPr i="1">
-                <a:solidFill>
-                  <a:schemeClr val="tx1"/>
-                </a:solidFill>
-                <a:latin typeface="Verdana" panose="020B0604030504040204" pitchFamily="34" charset="0"/>
-                <a:cs typeface="Arial" panose="020B0604020202020204" pitchFamily="34" charset="0"/>
-              </a:defRPr>
-            </a:lvl5pPr>
-            <a:lvl6pPr marL="2514600" indent="-228600" eaLnBrk="0" fontAlgn="base" hangingPunct="0">
-              <a:spcBef>
-                <a:spcPct val="0"/>
-              </a:spcBef>
-              <a:spcAft>
-                <a:spcPct val="0"/>
-              </a:spcAft>
-              <a:defRPr i="1">
-                <a:solidFill>
-                  <a:schemeClr val="tx1"/>
-                </a:solidFill>
-                <a:latin typeface="Verdana" panose="020B0604030504040204" pitchFamily="34" charset="0"/>
-                <a:cs typeface="Arial" panose="020B0604020202020204" pitchFamily="34" charset="0"/>
-              </a:defRPr>
-            </a:lvl6pPr>
-            <a:lvl7pPr marL="2971800" indent="-228600" eaLnBrk="0" fontAlgn="base" hangingPunct="0">
-              <a:spcBef>
-                <a:spcPct val="0"/>
-              </a:spcBef>
-              <a:spcAft>
-                <a:spcPct val="0"/>
-              </a:spcAft>
-              <a:defRPr i="1">
-                <a:solidFill>
-                  <a:schemeClr val="tx1"/>
-                </a:solidFill>
-                <a:latin typeface="Verdana" panose="020B0604030504040204" pitchFamily="34" charset="0"/>
-                <a:cs typeface="Arial" panose="020B0604020202020204" pitchFamily="34" charset="0"/>
-              </a:defRPr>
-            </a:lvl7pPr>
-            <a:lvl8pPr marL="3429000" indent="-228600" eaLnBrk="0" fontAlgn="base" hangingPunct="0">
-              <a:spcBef>
-                <a:spcPct val="0"/>
-              </a:spcBef>
-              <a:spcAft>
-                <a:spcPct val="0"/>
-              </a:spcAft>
-              <a:defRPr i="1">
-                <a:solidFill>
-                  <a:schemeClr val="tx1"/>
-                </a:solidFill>
-                <a:latin typeface="Verdana" panose="020B0604030504040204" pitchFamily="34" charset="0"/>
-                <a:cs typeface="Arial" panose="020B0604020202020204" pitchFamily="34" charset="0"/>
-              </a:defRPr>
-            </a:lvl8pPr>
-            <a:lvl9pPr marL="3886200" indent="-228600" eaLnBrk="0" fontAlgn="base" hangingPunct="0">
-              <a:spcBef>
-                <a:spcPct val="0"/>
-              </a:spcBef>
-              <a:spcAft>
-                <a:spcPct val="0"/>
-              </a:spcAft>
-              <a:defRPr i="1">
-                <a:solidFill>
-                  <a:schemeClr val="tx1"/>
-                </a:solidFill>
-                <a:latin typeface="Verdana" panose="020B0604030504040204" pitchFamily="34" charset="0"/>
-                <a:cs typeface="Arial" panose="020B0604020202020204" pitchFamily="34" charset="0"/>
-              </a:defRPr>
-            </a:lvl9pPr>
-          </a:lstStyle>
-          <a:p>
-            <a:pPr algn="l" rtl="0" eaLnBrk="1" hangingPunct="1"/>
-            <a:r>
-              <a:rPr lang="en-US" altLang="en-US" i="0">
-                <a:latin typeface="Arial" panose="020B0604020202020204" pitchFamily="34" charset="0"/>
-              </a:rPr>
-              <a:t>OnStart</a:t>
-            </a:r>
-          </a:p>
-        </p:txBody>
-      </p:sp>
-      <p:sp>
-        <p:nvSpPr>
-          <p:cNvPr id="501771" name="Rectangle 11"/>
-          <p:cNvSpPr>
-            <a:spLocks noChangeArrowheads="1"/>
-          </p:cNvSpPr>
-          <p:nvPr/>
-        </p:nvSpPr>
-        <p:spPr bwMode="auto">
-          <a:xfrm>
-            <a:off x="4659625" y="3996531"/>
-            <a:ext cx="1731963" cy="358775"/>
-          </a:xfrm>
-          <a:prstGeom prst="rect">
-            <a:avLst/>
-          </a:prstGeom>
-          <a:solidFill>
-            <a:schemeClr val="bg1"/>
-          </a:solidFill>
-          <a:ln w="9525" algn="ctr">
-            <a:solidFill>
-              <a:schemeClr val="tx1"/>
-            </a:solidFill>
-            <a:miter lim="800000"/>
-            <a:headEnd/>
-            <a:tailEnd/>
-          </a:ln>
-          <a:effectLst/>
-          <a:extLst>
-            <a:ext uri="{AF507438-7753-43E0-B8FC-AC1667EBCBE1}">
-              <a14:hiddenEffects xmlns:a14="http://schemas.microsoft.com/office/drawing/2010/main">
-                <a:effectLst>
-                  <a:outerShdw dist="35921" dir="2700000" algn="ctr" rotWithShape="0">
-                    <a:schemeClr val="bg2"/>
-                  </a:outerShdw>
-                </a:effectLst>
-              </a14:hiddenEffects>
-            </a:ext>
-          </a:extLst>
-        </p:spPr>
-        <p:txBody>
-          <a:bodyPr wrap="none" anchor="ctr"/>
-          <a:lstStyle>
-            <a:lvl1pPr eaLnBrk="0" hangingPunct="0">
-              <a:defRPr i="1">
-                <a:solidFill>
-                  <a:schemeClr val="tx1"/>
-                </a:solidFill>
-                <a:latin typeface="Verdana" panose="020B0604030504040204" pitchFamily="34" charset="0"/>
-                <a:cs typeface="Arial" panose="020B0604020202020204" pitchFamily="34" charset="0"/>
-              </a:defRPr>
-            </a:lvl1pPr>
-            <a:lvl2pPr marL="742950" indent="-285750" eaLnBrk="0" hangingPunct="0">
-              <a:defRPr i="1">
-                <a:solidFill>
-                  <a:schemeClr val="tx1"/>
-                </a:solidFill>
-                <a:latin typeface="Verdana" panose="020B0604030504040204" pitchFamily="34" charset="0"/>
-                <a:cs typeface="Arial" panose="020B0604020202020204" pitchFamily="34" charset="0"/>
-              </a:defRPr>
-            </a:lvl2pPr>
-            <a:lvl3pPr marL="1143000" indent="-228600" eaLnBrk="0" hangingPunct="0">
-              <a:defRPr i="1">
-                <a:solidFill>
-                  <a:schemeClr val="tx1"/>
-                </a:solidFill>
-                <a:latin typeface="Verdana" panose="020B0604030504040204" pitchFamily="34" charset="0"/>
-                <a:cs typeface="Arial" panose="020B0604020202020204" pitchFamily="34" charset="0"/>
-              </a:defRPr>
-            </a:lvl3pPr>
-            <a:lvl4pPr marL="1600200" indent="-228600" eaLnBrk="0" hangingPunct="0">
-              <a:defRPr i="1">
-                <a:solidFill>
-                  <a:schemeClr val="tx1"/>
-                </a:solidFill>
-                <a:latin typeface="Verdana" panose="020B0604030504040204" pitchFamily="34" charset="0"/>
-                <a:cs typeface="Arial" panose="020B0604020202020204" pitchFamily="34" charset="0"/>
-              </a:defRPr>
-            </a:lvl4pPr>
-            <a:lvl5pPr marL="2057400" indent="-228600" eaLnBrk="0" hangingPunct="0">
-              <a:defRPr i="1">
-                <a:solidFill>
-                  <a:schemeClr val="tx1"/>
-                </a:solidFill>
-                <a:latin typeface="Verdana" panose="020B0604030504040204" pitchFamily="34" charset="0"/>
-                <a:cs typeface="Arial" panose="020B0604020202020204" pitchFamily="34" charset="0"/>
-              </a:defRPr>
-            </a:lvl5pPr>
-            <a:lvl6pPr marL="2514600" indent="-228600" eaLnBrk="0" fontAlgn="base" hangingPunct="0">
-              <a:spcBef>
-                <a:spcPct val="0"/>
-              </a:spcBef>
-              <a:spcAft>
-                <a:spcPct val="0"/>
-              </a:spcAft>
-              <a:defRPr i="1">
-                <a:solidFill>
-                  <a:schemeClr val="tx1"/>
-                </a:solidFill>
-                <a:latin typeface="Verdana" panose="020B0604030504040204" pitchFamily="34" charset="0"/>
-                <a:cs typeface="Arial" panose="020B0604020202020204" pitchFamily="34" charset="0"/>
-              </a:defRPr>
-            </a:lvl6pPr>
-            <a:lvl7pPr marL="2971800" indent="-228600" eaLnBrk="0" fontAlgn="base" hangingPunct="0">
-              <a:spcBef>
-                <a:spcPct val="0"/>
-              </a:spcBef>
-              <a:spcAft>
-                <a:spcPct val="0"/>
-              </a:spcAft>
-              <a:defRPr i="1">
-                <a:solidFill>
-                  <a:schemeClr val="tx1"/>
-                </a:solidFill>
-                <a:latin typeface="Verdana" panose="020B0604030504040204" pitchFamily="34" charset="0"/>
-                <a:cs typeface="Arial" panose="020B0604020202020204" pitchFamily="34" charset="0"/>
-              </a:defRPr>
-            </a:lvl7pPr>
-            <a:lvl8pPr marL="3429000" indent="-228600" eaLnBrk="0" fontAlgn="base" hangingPunct="0">
-              <a:spcBef>
-                <a:spcPct val="0"/>
-              </a:spcBef>
-              <a:spcAft>
-                <a:spcPct val="0"/>
-              </a:spcAft>
-              <a:defRPr i="1">
-                <a:solidFill>
-                  <a:schemeClr val="tx1"/>
-                </a:solidFill>
-                <a:latin typeface="Verdana" panose="020B0604030504040204" pitchFamily="34" charset="0"/>
-                <a:cs typeface="Arial" panose="020B0604020202020204" pitchFamily="34" charset="0"/>
-              </a:defRPr>
-            </a:lvl8pPr>
-            <a:lvl9pPr marL="3886200" indent="-228600" eaLnBrk="0" fontAlgn="base" hangingPunct="0">
-              <a:spcBef>
-                <a:spcPct val="0"/>
-              </a:spcBef>
-              <a:spcAft>
-                <a:spcPct val="0"/>
-              </a:spcAft>
-              <a:defRPr i="1">
-                <a:solidFill>
-                  <a:schemeClr val="tx1"/>
-                </a:solidFill>
-                <a:latin typeface="Verdana" panose="020B0604030504040204" pitchFamily="34" charset="0"/>
-                <a:cs typeface="Arial" panose="020B0604020202020204" pitchFamily="34" charset="0"/>
-              </a:defRPr>
-            </a:lvl9pPr>
-          </a:lstStyle>
-          <a:p>
-            <a:pPr algn="l" rtl="0" eaLnBrk="1" hangingPunct="1"/>
-            <a:r>
-              <a:rPr lang="en-US" altLang="en-US" i="0">
-                <a:latin typeface="Arial" panose="020B0604020202020204" pitchFamily="34" charset="0"/>
-              </a:rPr>
-              <a:t>OnEnterRow</a:t>
-            </a:r>
-          </a:p>
-        </p:txBody>
-      </p:sp>
-      <p:sp>
-        <p:nvSpPr>
-          <p:cNvPr id="501772" name="Rectangle 12"/>
-          <p:cNvSpPr>
-            <a:spLocks noChangeArrowheads="1"/>
-          </p:cNvSpPr>
-          <p:nvPr/>
-        </p:nvSpPr>
-        <p:spPr bwMode="auto">
-          <a:xfrm>
-            <a:off x="4654525" y="4471647"/>
-            <a:ext cx="1731963" cy="358775"/>
-          </a:xfrm>
-          <a:prstGeom prst="rect">
-            <a:avLst/>
-          </a:prstGeom>
-          <a:solidFill>
-            <a:schemeClr val="bg1"/>
-          </a:solidFill>
-          <a:ln w="9525" algn="ctr">
-            <a:solidFill>
-              <a:schemeClr val="tx1"/>
-            </a:solidFill>
-            <a:miter lim="800000"/>
-            <a:headEnd/>
-            <a:tailEnd/>
-          </a:ln>
-          <a:effectLst/>
-          <a:extLst>
-            <a:ext uri="{AF507438-7753-43E0-B8FC-AC1667EBCBE1}">
-              <a14:hiddenEffects xmlns:a14="http://schemas.microsoft.com/office/drawing/2010/main">
-                <a:effectLst>
-                  <a:outerShdw dist="35921" dir="2700000" algn="ctr" rotWithShape="0">
-                    <a:schemeClr val="bg2"/>
-                  </a:outerShdw>
-                </a:effectLst>
-              </a14:hiddenEffects>
-            </a:ext>
-          </a:extLst>
-        </p:spPr>
-        <p:txBody>
-          <a:bodyPr wrap="none" anchor="ctr"/>
-          <a:lstStyle>
-            <a:lvl1pPr eaLnBrk="0" hangingPunct="0">
-              <a:defRPr i="1">
-                <a:solidFill>
-                  <a:schemeClr val="tx1"/>
-                </a:solidFill>
-                <a:latin typeface="Verdana" panose="020B0604030504040204" pitchFamily="34" charset="0"/>
-                <a:cs typeface="Arial" panose="020B0604020202020204" pitchFamily="34" charset="0"/>
-              </a:defRPr>
-            </a:lvl1pPr>
-            <a:lvl2pPr marL="742950" indent="-285750" eaLnBrk="0" hangingPunct="0">
-              <a:defRPr i="1">
-                <a:solidFill>
-                  <a:schemeClr val="tx1"/>
-                </a:solidFill>
-                <a:latin typeface="Verdana" panose="020B0604030504040204" pitchFamily="34" charset="0"/>
-                <a:cs typeface="Arial" panose="020B0604020202020204" pitchFamily="34" charset="0"/>
-              </a:defRPr>
-            </a:lvl2pPr>
-            <a:lvl3pPr marL="1143000" indent="-228600" eaLnBrk="0" hangingPunct="0">
-              <a:defRPr i="1">
-                <a:solidFill>
-                  <a:schemeClr val="tx1"/>
-                </a:solidFill>
-                <a:latin typeface="Verdana" panose="020B0604030504040204" pitchFamily="34" charset="0"/>
-                <a:cs typeface="Arial" panose="020B0604020202020204" pitchFamily="34" charset="0"/>
-              </a:defRPr>
-            </a:lvl3pPr>
-            <a:lvl4pPr marL="1600200" indent="-228600" eaLnBrk="0" hangingPunct="0">
-              <a:defRPr i="1">
-                <a:solidFill>
-                  <a:schemeClr val="tx1"/>
-                </a:solidFill>
-                <a:latin typeface="Verdana" panose="020B0604030504040204" pitchFamily="34" charset="0"/>
-                <a:cs typeface="Arial" panose="020B0604020202020204" pitchFamily="34" charset="0"/>
-              </a:defRPr>
-            </a:lvl4pPr>
-            <a:lvl5pPr marL="2057400" indent="-228600" eaLnBrk="0" hangingPunct="0">
-              <a:defRPr i="1">
-                <a:solidFill>
-                  <a:schemeClr val="tx1"/>
-                </a:solidFill>
-                <a:latin typeface="Verdana" panose="020B0604030504040204" pitchFamily="34" charset="0"/>
-                <a:cs typeface="Arial" panose="020B0604020202020204" pitchFamily="34" charset="0"/>
-              </a:defRPr>
-            </a:lvl5pPr>
-            <a:lvl6pPr marL="2514600" indent="-228600" eaLnBrk="0" fontAlgn="base" hangingPunct="0">
-              <a:spcBef>
-                <a:spcPct val="0"/>
-              </a:spcBef>
-              <a:spcAft>
-                <a:spcPct val="0"/>
-              </a:spcAft>
-              <a:defRPr i="1">
-                <a:solidFill>
-                  <a:schemeClr val="tx1"/>
-                </a:solidFill>
-                <a:latin typeface="Verdana" panose="020B0604030504040204" pitchFamily="34" charset="0"/>
-                <a:cs typeface="Arial" panose="020B0604020202020204" pitchFamily="34" charset="0"/>
-              </a:defRPr>
-            </a:lvl6pPr>
-            <a:lvl7pPr marL="2971800" indent="-228600" eaLnBrk="0" fontAlgn="base" hangingPunct="0">
-              <a:spcBef>
-                <a:spcPct val="0"/>
-              </a:spcBef>
-              <a:spcAft>
-                <a:spcPct val="0"/>
-              </a:spcAft>
-              <a:defRPr i="1">
-                <a:solidFill>
-                  <a:schemeClr val="tx1"/>
-                </a:solidFill>
-                <a:latin typeface="Verdana" panose="020B0604030504040204" pitchFamily="34" charset="0"/>
-                <a:cs typeface="Arial" panose="020B0604020202020204" pitchFamily="34" charset="0"/>
-              </a:defRPr>
-            </a:lvl7pPr>
-            <a:lvl8pPr marL="3429000" indent="-228600" eaLnBrk="0" fontAlgn="base" hangingPunct="0">
-              <a:spcBef>
-                <a:spcPct val="0"/>
-              </a:spcBef>
-              <a:spcAft>
-                <a:spcPct val="0"/>
-              </a:spcAft>
-              <a:defRPr i="1">
-                <a:solidFill>
-                  <a:schemeClr val="tx1"/>
-                </a:solidFill>
-                <a:latin typeface="Verdana" panose="020B0604030504040204" pitchFamily="34" charset="0"/>
-                <a:cs typeface="Arial" panose="020B0604020202020204" pitchFamily="34" charset="0"/>
-              </a:defRPr>
-            </a:lvl8pPr>
-            <a:lvl9pPr marL="3886200" indent="-228600" eaLnBrk="0" fontAlgn="base" hangingPunct="0">
-              <a:spcBef>
-                <a:spcPct val="0"/>
-              </a:spcBef>
-              <a:spcAft>
-                <a:spcPct val="0"/>
-              </a:spcAft>
-              <a:defRPr i="1">
-                <a:solidFill>
-                  <a:schemeClr val="tx1"/>
-                </a:solidFill>
-                <a:latin typeface="Verdana" panose="020B0604030504040204" pitchFamily="34" charset="0"/>
-                <a:cs typeface="Arial" panose="020B0604020202020204" pitchFamily="34" charset="0"/>
-              </a:defRPr>
-            </a:lvl9pPr>
-          </a:lstStyle>
-          <a:p>
-            <a:pPr algn="l" rtl="0" eaLnBrk="1" hangingPunct="1"/>
-            <a:r>
-              <a:rPr lang="en-US" altLang="en-US" i="0">
-                <a:latin typeface="Arial" panose="020B0604020202020204" pitchFamily="34" charset="0"/>
-              </a:rPr>
-              <a:t>OnLeaveRow</a:t>
-            </a:r>
-          </a:p>
-        </p:txBody>
-      </p:sp>
-      <p:sp>
-        <p:nvSpPr>
-          <p:cNvPr id="501773" name="Rectangle 13"/>
-          <p:cNvSpPr>
-            <a:spLocks noChangeArrowheads="1"/>
-          </p:cNvSpPr>
-          <p:nvPr/>
-        </p:nvSpPr>
-        <p:spPr bwMode="auto">
-          <a:xfrm>
-            <a:off x="4652938" y="4914940"/>
-            <a:ext cx="1733550" cy="358775"/>
-          </a:xfrm>
-          <a:prstGeom prst="rect">
-            <a:avLst/>
-          </a:prstGeom>
-          <a:solidFill>
-            <a:schemeClr val="bg1"/>
-          </a:solidFill>
-          <a:ln w="9525" algn="ctr">
-            <a:solidFill>
-              <a:schemeClr val="tx1"/>
-            </a:solidFill>
-            <a:miter lim="800000"/>
-            <a:headEnd/>
-            <a:tailEnd/>
-          </a:ln>
-          <a:effectLst/>
-          <a:extLst>
-            <a:ext uri="{AF507438-7753-43E0-B8FC-AC1667EBCBE1}">
-              <a14:hiddenEffects xmlns:a14="http://schemas.microsoft.com/office/drawing/2010/main">
-                <a:effectLst>
-                  <a:outerShdw dist="35921" dir="2700000" algn="ctr" rotWithShape="0">
-                    <a:schemeClr val="bg2"/>
-                  </a:outerShdw>
-                </a:effectLst>
-              </a14:hiddenEffects>
-            </a:ext>
-          </a:extLst>
-        </p:spPr>
-        <p:txBody>
-          <a:bodyPr wrap="none" anchor="ctr"/>
-          <a:lstStyle>
-            <a:lvl1pPr eaLnBrk="0" hangingPunct="0">
-              <a:defRPr i="1">
-                <a:solidFill>
-                  <a:schemeClr val="tx1"/>
-                </a:solidFill>
-                <a:latin typeface="Verdana" panose="020B0604030504040204" pitchFamily="34" charset="0"/>
-                <a:cs typeface="Arial" panose="020B0604020202020204" pitchFamily="34" charset="0"/>
-              </a:defRPr>
-            </a:lvl1pPr>
-            <a:lvl2pPr marL="742950" indent="-285750" eaLnBrk="0" hangingPunct="0">
-              <a:defRPr i="1">
-                <a:solidFill>
-                  <a:schemeClr val="tx1"/>
-                </a:solidFill>
-                <a:latin typeface="Verdana" panose="020B0604030504040204" pitchFamily="34" charset="0"/>
-                <a:cs typeface="Arial" panose="020B0604020202020204" pitchFamily="34" charset="0"/>
-              </a:defRPr>
-            </a:lvl2pPr>
-            <a:lvl3pPr marL="1143000" indent="-228600" eaLnBrk="0" hangingPunct="0">
-              <a:defRPr i="1">
-                <a:solidFill>
-                  <a:schemeClr val="tx1"/>
-                </a:solidFill>
-                <a:latin typeface="Verdana" panose="020B0604030504040204" pitchFamily="34" charset="0"/>
-                <a:cs typeface="Arial" panose="020B0604020202020204" pitchFamily="34" charset="0"/>
-              </a:defRPr>
-            </a:lvl3pPr>
-            <a:lvl4pPr marL="1600200" indent="-228600" eaLnBrk="0" hangingPunct="0">
-              <a:defRPr i="1">
-                <a:solidFill>
-                  <a:schemeClr val="tx1"/>
-                </a:solidFill>
-                <a:latin typeface="Verdana" panose="020B0604030504040204" pitchFamily="34" charset="0"/>
-                <a:cs typeface="Arial" panose="020B0604020202020204" pitchFamily="34" charset="0"/>
-              </a:defRPr>
-            </a:lvl4pPr>
-            <a:lvl5pPr marL="2057400" indent="-228600" eaLnBrk="0" hangingPunct="0">
-              <a:defRPr i="1">
-                <a:solidFill>
-                  <a:schemeClr val="tx1"/>
-                </a:solidFill>
-                <a:latin typeface="Verdana" panose="020B0604030504040204" pitchFamily="34" charset="0"/>
-                <a:cs typeface="Arial" panose="020B0604020202020204" pitchFamily="34" charset="0"/>
-              </a:defRPr>
-            </a:lvl5pPr>
-            <a:lvl6pPr marL="2514600" indent="-228600" eaLnBrk="0" fontAlgn="base" hangingPunct="0">
-              <a:spcBef>
-                <a:spcPct val="0"/>
-              </a:spcBef>
-              <a:spcAft>
-                <a:spcPct val="0"/>
-              </a:spcAft>
-              <a:defRPr i="1">
-                <a:solidFill>
-                  <a:schemeClr val="tx1"/>
-                </a:solidFill>
-                <a:latin typeface="Verdana" panose="020B0604030504040204" pitchFamily="34" charset="0"/>
-                <a:cs typeface="Arial" panose="020B0604020202020204" pitchFamily="34" charset="0"/>
-              </a:defRPr>
-            </a:lvl6pPr>
-            <a:lvl7pPr marL="2971800" indent="-228600" eaLnBrk="0" fontAlgn="base" hangingPunct="0">
-              <a:spcBef>
-                <a:spcPct val="0"/>
-              </a:spcBef>
-              <a:spcAft>
-                <a:spcPct val="0"/>
-              </a:spcAft>
-              <a:defRPr i="1">
-                <a:solidFill>
-                  <a:schemeClr val="tx1"/>
-                </a:solidFill>
-                <a:latin typeface="Verdana" panose="020B0604030504040204" pitchFamily="34" charset="0"/>
-                <a:cs typeface="Arial" panose="020B0604020202020204" pitchFamily="34" charset="0"/>
-              </a:defRPr>
-            </a:lvl7pPr>
-            <a:lvl8pPr marL="3429000" indent="-228600" eaLnBrk="0" fontAlgn="base" hangingPunct="0">
-              <a:spcBef>
-                <a:spcPct val="0"/>
-              </a:spcBef>
-              <a:spcAft>
-                <a:spcPct val="0"/>
-              </a:spcAft>
-              <a:defRPr i="1">
-                <a:solidFill>
-                  <a:schemeClr val="tx1"/>
-                </a:solidFill>
-                <a:latin typeface="Verdana" panose="020B0604030504040204" pitchFamily="34" charset="0"/>
-                <a:cs typeface="Arial" panose="020B0604020202020204" pitchFamily="34" charset="0"/>
-              </a:defRPr>
-            </a:lvl8pPr>
-            <a:lvl9pPr marL="3886200" indent="-228600" eaLnBrk="0" fontAlgn="base" hangingPunct="0">
-              <a:spcBef>
-                <a:spcPct val="0"/>
-              </a:spcBef>
-              <a:spcAft>
-                <a:spcPct val="0"/>
-              </a:spcAft>
-              <a:defRPr i="1">
-                <a:solidFill>
-                  <a:schemeClr val="tx1"/>
-                </a:solidFill>
-                <a:latin typeface="Verdana" panose="020B0604030504040204" pitchFamily="34" charset="0"/>
-                <a:cs typeface="Arial" panose="020B0604020202020204" pitchFamily="34" charset="0"/>
-              </a:defRPr>
-            </a:lvl9pPr>
-          </a:lstStyle>
-          <a:p>
-            <a:pPr algn="l" rtl="0" eaLnBrk="1" hangingPunct="1"/>
-            <a:r>
-              <a:rPr lang="en-US" altLang="en-US" i="0">
-                <a:latin typeface="Arial" panose="020B0604020202020204" pitchFamily="34" charset="0"/>
-              </a:rPr>
-              <a:t>OnSavingRow</a:t>
-            </a:r>
-          </a:p>
-        </p:txBody>
-      </p:sp>
-      <p:sp>
-        <p:nvSpPr>
-          <p:cNvPr id="501774" name="Rectangle 14"/>
-          <p:cNvSpPr>
-            <a:spLocks noChangeArrowheads="1"/>
-          </p:cNvSpPr>
-          <p:nvPr/>
-        </p:nvSpPr>
-        <p:spPr bwMode="auto">
-          <a:xfrm>
-            <a:off x="4659625" y="5343059"/>
-            <a:ext cx="1731963" cy="358775"/>
-          </a:xfrm>
-          <a:prstGeom prst="rect">
-            <a:avLst/>
-          </a:prstGeom>
-          <a:solidFill>
-            <a:schemeClr val="bg1"/>
-          </a:solidFill>
-          <a:ln w="9525" algn="ctr">
-            <a:solidFill>
-              <a:schemeClr val="tx1"/>
-            </a:solidFill>
-            <a:miter lim="800000"/>
-            <a:headEnd/>
-            <a:tailEnd/>
-          </a:ln>
-          <a:effectLst/>
-          <a:extLst>
-            <a:ext uri="{AF507438-7753-43E0-B8FC-AC1667EBCBE1}">
-              <a14:hiddenEffects xmlns:a14="http://schemas.microsoft.com/office/drawing/2010/main">
-                <a:effectLst>
-                  <a:outerShdw dist="35921" dir="2700000" algn="ctr" rotWithShape="0">
-                    <a:schemeClr val="bg2"/>
-                  </a:outerShdw>
-                </a:effectLst>
-              </a14:hiddenEffects>
-            </a:ext>
-          </a:extLst>
-        </p:spPr>
-        <p:txBody>
-          <a:bodyPr wrap="none" anchor="ctr"/>
-          <a:lstStyle>
-            <a:lvl1pPr eaLnBrk="0" hangingPunct="0">
-              <a:defRPr i="1">
-                <a:solidFill>
-                  <a:schemeClr val="tx1"/>
-                </a:solidFill>
-                <a:latin typeface="Verdana" panose="020B0604030504040204" pitchFamily="34" charset="0"/>
-                <a:cs typeface="Arial" panose="020B0604020202020204" pitchFamily="34" charset="0"/>
-              </a:defRPr>
-            </a:lvl1pPr>
-            <a:lvl2pPr marL="742950" indent="-285750" eaLnBrk="0" hangingPunct="0">
-              <a:defRPr i="1">
-                <a:solidFill>
-                  <a:schemeClr val="tx1"/>
-                </a:solidFill>
-                <a:latin typeface="Verdana" panose="020B0604030504040204" pitchFamily="34" charset="0"/>
-                <a:cs typeface="Arial" panose="020B0604020202020204" pitchFamily="34" charset="0"/>
-              </a:defRPr>
-            </a:lvl2pPr>
-            <a:lvl3pPr marL="1143000" indent="-228600" eaLnBrk="0" hangingPunct="0">
-              <a:defRPr i="1">
-                <a:solidFill>
-                  <a:schemeClr val="tx1"/>
-                </a:solidFill>
-                <a:latin typeface="Verdana" panose="020B0604030504040204" pitchFamily="34" charset="0"/>
-                <a:cs typeface="Arial" panose="020B0604020202020204" pitchFamily="34" charset="0"/>
-              </a:defRPr>
-            </a:lvl3pPr>
-            <a:lvl4pPr marL="1600200" indent="-228600" eaLnBrk="0" hangingPunct="0">
-              <a:defRPr i="1">
-                <a:solidFill>
-                  <a:schemeClr val="tx1"/>
-                </a:solidFill>
-                <a:latin typeface="Verdana" panose="020B0604030504040204" pitchFamily="34" charset="0"/>
-                <a:cs typeface="Arial" panose="020B0604020202020204" pitchFamily="34" charset="0"/>
-              </a:defRPr>
-            </a:lvl4pPr>
-            <a:lvl5pPr marL="2057400" indent="-228600" eaLnBrk="0" hangingPunct="0">
-              <a:defRPr i="1">
-                <a:solidFill>
-                  <a:schemeClr val="tx1"/>
-                </a:solidFill>
-                <a:latin typeface="Verdana" panose="020B0604030504040204" pitchFamily="34" charset="0"/>
-                <a:cs typeface="Arial" panose="020B0604020202020204" pitchFamily="34" charset="0"/>
-              </a:defRPr>
-            </a:lvl5pPr>
-            <a:lvl6pPr marL="2514600" indent="-228600" eaLnBrk="0" fontAlgn="base" hangingPunct="0">
-              <a:spcBef>
-                <a:spcPct val="0"/>
-              </a:spcBef>
-              <a:spcAft>
-                <a:spcPct val="0"/>
-              </a:spcAft>
-              <a:defRPr i="1">
-                <a:solidFill>
-                  <a:schemeClr val="tx1"/>
-                </a:solidFill>
-                <a:latin typeface="Verdana" panose="020B0604030504040204" pitchFamily="34" charset="0"/>
-                <a:cs typeface="Arial" panose="020B0604020202020204" pitchFamily="34" charset="0"/>
-              </a:defRPr>
-            </a:lvl6pPr>
-            <a:lvl7pPr marL="2971800" indent="-228600" eaLnBrk="0" fontAlgn="base" hangingPunct="0">
-              <a:spcBef>
-                <a:spcPct val="0"/>
-              </a:spcBef>
-              <a:spcAft>
-                <a:spcPct val="0"/>
-              </a:spcAft>
-              <a:defRPr i="1">
-                <a:solidFill>
-                  <a:schemeClr val="tx1"/>
-                </a:solidFill>
-                <a:latin typeface="Verdana" panose="020B0604030504040204" pitchFamily="34" charset="0"/>
-                <a:cs typeface="Arial" panose="020B0604020202020204" pitchFamily="34" charset="0"/>
-              </a:defRPr>
-            </a:lvl7pPr>
-            <a:lvl8pPr marL="3429000" indent="-228600" eaLnBrk="0" fontAlgn="base" hangingPunct="0">
-              <a:spcBef>
-                <a:spcPct val="0"/>
-              </a:spcBef>
-              <a:spcAft>
-                <a:spcPct val="0"/>
-              </a:spcAft>
-              <a:defRPr i="1">
-                <a:solidFill>
-                  <a:schemeClr val="tx1"/>
-                </a:solidFill>
-                <a:latin typeface="Verdana" panose="020B0604030504040204" pitchFamily="34" charset="0"/>
-                <a:cs typeface="Arial" panose="020B0604020202020204" pitchFamily="34" charset="0"/>
-              </a:defRPr>
-            </a:lvl8pPr>
-            <a:lvl9pPr marL="3886200" indent="-228600" eaLnBrk="0" fontAlgn="base" hangingPunct="0">
-              <a:spcBef>
-                <a:spcPct val="0"/>
-              </a:spcBef>
-              <a:spcAft>
-                <a:spcPct val="0"/>
-              </a:spcAft>
-              <a:defRPr i="1">
-                <a:solidFill>
-                  <a:schemeClr val="tx1"/>
-                </a:solidFill>
-                <a:latin typeface="Verdana" panose="020B0604030504040204" pitchFamily="34" charset="0"/>
-                <a:cs typeface="Arial" panose="020B0604020202020204" pitchFamily="34" charset="0"/>
-              </a:defRPr>
-            </a:lvl9pPr>
-          </a:lstStyle>
-          <a:p>
-            <a:pPr algn="l" rtl="0" eaLnBrk="1" hangingPunct="1"/>
-            <a:r>
-              <a:rPr lang="en-US" altLang="en-US" i="0" dirty="0" err="1">
-                <a:latin typeface="Arial" panose="020B0604020202020204" pitchFamily="34" charset="0"/>
-              </a:rPr>
-              <a:t>OnEnd</a:t>
-            </a:r>
-            <a:endParaRPr lang="en-US" altLang="en-US" i="0" dirty="0">
-              <a:latin typeface="Arial" panose="020B0604020202020204" pitchFamily="34" charset="0"/>
-            </a:endParaRPr>
-          </a:p>
-        </p:txBody>
-      </p:sp>
-      <p:sp>
-        <p:nvSpPr>
-          <p:cNvPr id="501775" name="Text Box 15"/>
-          <p:cNvSpPr txBox="1">
-            <a:spLocks noChangeArrowheads="1"/>
-          </p:cNvSpPr>
-          <p:nvPr/>
-        </p:nvSpPr>
-        <p:spPr bwMode="auto">
-          <a:xfrm>
-            <a:off x="3127375" y="2559050"/>
-            <a:ext cx="3816350" cy="284163"/>
-          </a:xfrm>
-          <a:prstGeom prst="rect">
-            <a:avLst/>
-          </a:prstGeom>
-          <a:noFill/>
-          <a:ln>
-            <a:noFill/>
-          </a:ln>
-          <a:effectLst/>
-          <a:extLst>
-            <a:ext uri="{909E8E84-426E-40DD-AFC4-6F175D3DCCD1}">
-              <a14:hiddenFill xmlns:a14="http://schemas.microsoft.com/office/drawing/2010/main">
-                <a:solidFill>
-                  <a:schemeClr val="accent1"/>
-                </a:solidFill>
-              </a14:hiddenFill>
-            </a:ext>
-            <a:ext uri="{91240B29-F687-4F45-9708-019B960494DF}">
-              <a14:hiddenLine xmlns:a14="http://schemas.microsoft.com/office/drawing/2010/main" w="9525" algn="ctr">
-                <a:solidFill>
-                  <a:schemeClr val="tx1"/>
-                </a:solidFill>
-                <a:miter lim="800000"/>
-                <a:headEnd/>
-                <a:tailEnd/>
-              </a14:hiddenLine>
-            </a:ext>
-            <a:ext uri="{AF507438-7753-43E0-B8FC-AC1667EBCBE1}">
-              <a14:hiddenEffects xmlns:a14="http://schemas.microsoft.com/office/drawing/2010/main">
-                <a:effectLst>
-                  <a:outerShdw dist="35921" dir="2700000" algn="ctr" rotWithShape="0">
-                    <a:schemeClr val="bg2"/>
-                  </a:outerShdw>
-                </a:effectLst>
-              </a14:hiddenEffects>
-            </a:ext>
-          </a:extLst>
-        </p:spPr>
-        <p:txBody>
-          <a:bodyPr>
-            <a:spAutoFit/>
-          </a:bodyPr>
-          <a:lstStyle>
-            <a:lvl1pPr eaLnBrk="0" hangingPunct="0">
-              <a:defRPr i="1">
-                <a:solidFill>
-                  <a:schemeClr val="tx1"/>
-                </a:solidFill>
-                <a:latin typeface="Verdana" panose="020B0604030504040204" pitchFamily="34" charset="0"/>
-                <a:cs typeface="Arial" panose="020B0604020202020204" pitchFamily="34" charset="0"/>
-              </a:defRPr>
-            </a:lvl1pPr>
-            <a:lvl2pPr marL="742950" indent="-285750" eaLnBrk="0" hangingPunct="0">
-              <a:defRPr i="1">
-                <a:solidFill>
-                  <a:schemeClr val="tx1"/>
-                </a:solidFill>
-                <a:latin typeface="Verdana" panose="020B0604030504040204" pitchFamily="34" charset="0"/>
-                <a:cs typeface="Arial" panose="020B0604020202020204" pitchFamily="34" charset="0"/>
-              </a:defRPr>
-            </a:lvl2pPr>
-            <a:lvl3pPr marL="1143000" indent="-228600" eaLnBrk="0" hangingPunct="0">
-              <a:defRPr i="1">
-                <a:solidFill>
-                  <a:schemeClr val="tx1"/>
-                </a:solidFill>
-                <a:latin typeface="Verdana" panose="020B0604030504040204" pitchFamily="34" charset="0"/>
-                <a:cs typeface="Arial" panose="020B0604020202020204" pitchFamily="34" charset="0"/>
-              </a:defRPr>
-            </a:lvl3pPr>
-            <a:lvl4pPr marL="1600200" indent="-228600" eaLnBrk="0" hangingPunct="0">
-              <a:defRPr i="1">
-                <a:solidFill>
-                  <a:schemeClr val="tx1"/>
-                </a:solidFill>
-                <a:latin typeface="Verdana" panose="020B0604030504040204" pitchFamily="34" charset="0"/>
-                <a:cs typeface="Arial" panose="020B0604020202020204" pitchFamily="34" charset="0"/>
-              </a:defRPr>
-            </a:lvl4pPr>
-            <a:lvl5pPr marL="2057400" indent="-228600" eaLnBrk="0" hangingPunct="0">
-              <a:defRPr i="1">
-                <a:solidFill>
-                  <a:schemeClr val="tx1"/>
-                </a:solidFill>
-                <a:latin typeface="Verdana" panose="020B0604030504040204" pitchFamily="34" charset="0"/>
-                <a:cs typeface="Arial" panose="020B0604020202020204" pitchFamily="34" charset="0"/>
-              </a:defRPr>
-            </a:lvl5pPr>
-            <a:lvl6pPr marL="2514600" indent="-228600" eaLnBrk="0" fontAlgn="base" hangingPunct="0">
-              <a:spcBef>
-                <a:spcPct val="0"/>
-              </a:spcBef>
-              <a:spcAft>
-                <a:spcPct val="0"/>
-              </a:spcAft>
-              <a:defRPr i="1">
-                <a:solidFill>
-                  <a:schemeClr val="tx1"/>
-                </a:solidFill>
-                <a:latin typeface="Verdana" panose="020B0604030504040204" pitchFamily="34" charset="0"/>
-                <a:cs typeface="Arial" panose="020B0604020202020204" pitchFamily="34" charset="0"/>
-              </a:defRPr>
-            </a:lvl6pPr>
-            <a:lvl7pPr marL="2971800" indent="-228600" eaLnBrk="0" fontAlgn="base" hangingPunct="0">
-              <a:spcBef>
-                <a:spcPct val="0"/>
-              </a:spcBef>
-              <a:spcAft>
-                <a:spcPct val="0"/>
-              </a:spcAft>
-              <a:defRPr i="1">
-                <a:solidFill>
-                  <a:schemeClr val="tx1"/>
-                </a:solidFill>
-                <a:latin typeface="Verdana" panose="020B0604030504040204" pitchFamily="34" charset="0"/>
-                <a:cs typeface="Arial" panose="020B0604020202020204" pitchFamily="34" charset="0"/>
-              </a:defRPr>
-            </a:lvl7pPr>
-            <a:lvl8pPr marL="3429000" indent="-228600" eaLnBrk="0" fontAlgn="base" hangingPunct="0">
-              <a:spcBef>
-                <a:spcPct val="0"/>
-              </a:spcBef>
-              <a:spcAft>
-                <a:spcPct val="0"/>
-              </a:spcAft>
-              <a:defRPr i="1">
-                <a:solidFill>
-                  <a:schemeClr val="tx1"/>
-                </a:solidFill>
-                <a:latin typeface="Verdana" panose="020B0604030504040204" pitchFamily="34" charset="0"/>
-                <a:cs typeface="Arial" panose="020B0604020202020204" pitchFamily="34" charset="0"/>
-              </a:defRPr>
-            </a:lvl8pPr>
-            <a:lvl9pPr marL="3886200" indent="-228600" eaLnBrk="0" fontAlgn="base" hangingPunct="0">
-              <a:spcBef>
-                <a:spcPct val="0"/>
-              </a:spcBef>
-              <a:spcAft>
-                <a:spcPct val="0"/>
-              </a:spcAft>
-              <a:defRPr i="1">
-                <a:solidFill>
-                  <a:schemeClr val="tx1"/>
-                </a:solidFill>
-                <a:latin typeface="Verdana" panose="020B0604030504040204" pitchFamily="34" charset="0"/>
-                <a:cs typeface="Arial" panose="020B0604020202020204" pitchFamily="34" charset="0"/>
-              </a:defRPr>
-            </a:lvl9pPr>
-          </a:lstStyle>
-          <a:p>
-            <a:pPr algn="l" rtl="0" eaLnBrk="1" hangingPunct="1">
-              <a:lnSpc>
-                <a:spcPct val="70000"/>
-              </a:lnSpc>
-              <a:spcBef>
-                <a:spcPct val="50000"/>
-              </a:spcBef>
-            </a:pPr>
-            <a:r>
-              <a:rPr lang="en-US" altLang="en-US" dirty="0"/>
-              <a:t>Filter is determined and fixed</a:t>
-            </a:r>
-          </a:p>
-        </p:txBody>
-      </p:sp>
-      <p:sp>
-        <p:nvSpPr>
-          <p:cNvPr id="501776" name="Text Box 16"/>
-          <p:cNvSpPr txBox="1">
-            <a:spLocks noChangeArrowheads="1"/>
-          </p:cNvSpPr>
-          <p:nvPr/>
-        </p:nvSpPr>
-        <p:spPr bwMode="auto">
-          <a:xfrm>
-            <a:off x="4830961" y="2970284"/>
-            <a:ext cx="4061519" cy="480131"/>
-          </a:xfrm>
-          <a:prstGeom prst="rect">
-            <a:avLst/>
-          </a:prstGeom>
-          <a:noFill/>
-          <a:ln>
-            <a:noFill/>
-          </a:ln>
-          <a:effectLst/>
-          <a:extLst>
-            <a:ext uri="{909E8E84-426E-40DD-AFC4-6F175D3DCCD1}">
-              <a14:hiddenFill xmlns:a14="http://schemas.microsoft.com/office/drawing/2010/main">
-                <a:solidFill>
-                  <a:schemeClr val="accent1"/>
-                </a:solidFill>
-              </a14:hiddenFill>
-            </a:ext>
-            <a:ext uri="{91240B29-F687-4F45-9708-019B960494DF}">
-              <a14:hiddenLine xmlns:a14="http://schemas.microsoft.com/office/drawing/2010/main" w="9525" algn="ctr">
-                <a:solidFill>
-                  <a:schemeClr val="tx1"/>
-                </a:solidFill>
-                <a:miter lim="800000"/>
-                <a:headEnd/>
-                <a:tailEnd/>
-              </a14:hiddenLine>
-            </a:ext>
-            <a:ext uri="{AF507438-7753-43E0-B8FC-AC1667EBCBE1}">
-              <a14:hiddenEffects xmlns:a14="http://schemas.microsoft.com/office/drawing/2010/main">
-                <a:effectLst>
-                  <a:outerShdw dist="35921" dir="2700000" algn="ctr" rotWithShape="0">
-                    <a:schemeClr val="bg2"/>
-                  </a:outerShdw>
-                </a:effectLst>
-              </a14:hiddenEffects>
-            </a:ext>
-          </a:extLst>
-        </p:spPr>
-        <p:txBody>
-          <a:bodyPr wrap="square">
-            <a:spAutoFit/>
-          </a:bodyPr>
-          <a:lstStyle>
-            <a:lvl1pPr eaLnBrk="0" hangingPunct="0">
-              <a:defRPr i="1">
-                <a:solidFill>
-                  <a:schemeClr val="tx1"/>
-                </a:solidFill>
-                <a:latin typeface="Verdana" panose="020B0604030504040204" pitchFamily="34" charset="0"/>
-                <a:cs typeface="Arial" panose="020B0604020202020204" pitchFamily="34" charset="0"/>
-              </a:defRPr>
-            </a:lvl1pPr>
-            <a:lvl2pPr marL="742950" indent="-285750" eaLnBrk="0" hangingPunct="0">
-              <a:defRPr i="1">
-                <a:solidFill>
-                  <a:schemeClr val="tx1"/>
-                </a:solidFill>
-                <a:latin typeface="Verdana" panose="020B0604030504040204" pitchFamily="34" charset="0"/>
-                <a:cs typeface="Arial" panose="020B0604020202020204" pitchFamily="34" charset="0"/>
-              </a:defRPr>
-            </a:lvl2pPr>
-            <a:lvl3pPr marL="1143000" indent="-228600" eaLnBrk="0" hangingPunct="0">
-              <a:defRPr i="1">
-                <a:solidFill>
-                  <a:schemeClr val="tx1"/>
-                </a:solidFill>
-                <a:latin typeface="Verdana" panose="020B0604030504040204" pitchFamily="34" charset="0"/>
-                <a:cs typeface="Arial" panose="020B0604020202020204" pitchFamily="34" charset="0"/>
-              </a:defRPr>
-            </a:lvl3pPr>
-            <a:lvl4pPr marL="1600200" indent="-228600" eaLnBrk="0" hangingPunct="0">
-              <a:defRPr i="1">
-                <a:solidFill>
-                  <a:schemeClr val="tx1"/>
-                </a:solidFill>
-                <a:latin typeface="Verdana" panose="020B0604030504040204" pitchFamily="34" charset="0"/>
-                <a:cs typeface="Arial" panose="020B0604020202020204" pitchFamily="34" charset="0"/>
-              </a:defRPr>
-            </a:lvl4pPr>
-            <a:lvl5pPr marL="2057400" indent="-228600" eaLnBrk="0" hangingPunct="0">
-              <a:defRPr i="1">
-                <a:solidFill>
-                  <a:schemeClr val="tx1"/>
-                </a:solidFill>
-                <a:latin typeface="Verdana" panose="020B0604030504040204" pitchFamily="34" charset="0"/>
-                <a:cs typeface="Arial" panose="020B0604020202020204" pitchFamily="34" charset="0"/>
-              </a:defRPr>
-            </a:lvl5pPr>
-            <a:lvl6pPr marL="2514600" indent="-228600" eaLnBrk="0" fontAlgn="base" hangingPunct="0">
-              <a:spcBef>
-                <a:spcPct val="0"/>
-              </a:spcBef>
-              <a:spcAft>
-                <a:spcPct val="0"/>
-              </a:spcAft>
-              <a:defRPr i="1">
-                <a:solidFill>
-                  <a:schemeClr val="tx1"/>
-                </a:solidFill>
-                <a:latin typeface="Verdana" panose="020B0604030504040204" pitchFamily="34" charset="0"/>
-                <a:cs typeface="Arial" panose="020B0604020202020204" pitchFamily="34" charset="0"/>
-              </a:defRPr>
-            </a:lvl6pPr>
-            <a:lvl7pPr marL="2971800" indent="-228600" eaLnBrk="0" fontAlgn="base" hangingPunct="0">
-              <a:spcBef>
-                <a:spcPct val="0"/>
-              </a:spcBef>
-              <a:spcAft>
-                <a:spcPct val="0"/>
-              </a:spcAft>
-              <a:defRPr i="1">
-                <a:solidFill>
-                  <a:schemeClr val="tx1"/>
-                </a:solidFill>
-                <a:latin typeface="Verdana" panose="020B0604030504040204" pitchFamily="34" charset="0"/>
-                <a:cs typeface="Arial" panose="020B0604020202020204" pitchFamily="34" charset="0"/>
-              </a:defRPr>
-            </a:lvl7pPr>
-            <a:lvl8pPr marL="3429000" indent="-228600" eaLnBrk="0" fontAlgn="base" hangingPunct="0">
-              <a:spcBef>
-                <a:spcPct val="0"/>
-              </a:spcBef>
-              <a:spcAft>
-                <a:spcPct val="0"/>
-              </a:spcAft>
-              <a:defRPr i="1">
-                <a:solidFill>
-                  <a:schemeClr val="tx1"/>
-                </a:solidFill>
-                <a:latin typeface="Verdana" panose="020B0604030504040204" pitchFamily="34" charset="0"/>
-                <a:cs typeface="Arial" panose="020B0604020202020204" pitchFamily="34" charset="0"/>
-              </a:defRPr>
-            </a:lvl8pPr>
-            <a:lvl9pPr marL="3886200" indent="-228600" eaLnBrk="0" fontAlgn="base" hangingPunct="0">
-              <a:spcBef>
-                <a:spcPct val="0"/>
-              </a:spcBef>
-              <a:spcAft>
-                <a:spcPct val="0"/>
-              </a:spcAft>
-              <a:defRPr i="1">
-                <a:solidFill>
-                  <a:schemeClr val="tx1"/>
-                </a:solidFill>
-                <a:latin typeface="Verdana" panose="020B0604030504040204" pitchFamily="34" charset="0"/>
-                <a:cs typeface="Arial" panose="020B0604020202020204" pitchFamily="34" charset="0"/>
-              </a:defRPr>
-            </a:lvl9pPr>
-          </a:lstStyle>
-          <a:p>
-            <a:pPr algn="l" rtl="0" eaLnBrk="1" hangingPunct="1">
-              <a:lnSpc>
-                <a:spcPct val="70000"/>
-              </a:lnSpc>
-              <a:spcBef>
-                <a:spcPct val="50000"/>
-              </a:spcBef>
-            </a:pPr>
-            <a:r>
-              <a:rPr lang="en-US" altLang="en-US" dirty="0"/>
-              <a:t>Rows are fetched from the database</a:t>
-            </a:r>
-          </a:p>
-        </p:txBody>
-      </p:sp>
-      <p:sp>
-        <p:nvSpPr>
-          <p:cNvPr id="501777" name="Text Box 17"/>
-          <p:cNvSpPr txBox="1">
-            <a:spLocks noChangeArrowheads="1"/>
-          </p:cNvSpPr>
-          <p:nvPr/>
-        </p:nvSpPr>
-        <p:spPr bwMode="auto">
-          <a:xfrm>
-            <a:off x="4830961" y="3456821"/>
-            <a:ext cx="4608513" cy="476250"/>
-          </a:xfrm>
-          <a:prstGeom prst="rect">
-            <a:avLst/>
-          </a:prstGeom>
-          <a:noFill/>
-          <a:ln>
-            <a:noFill/>
-          </a:ln>
-          <a:effectLst/>
-          <a:extLst>
-            <a:ext uri="{909E8E84-426E-40DD-AFC4-6F175D3DCCD1}">
-              <a14:hiddenFill xmlns:a14="http://schemas.microsoft.com/office/drawing/2010/main">
-                <a:solidFill>
-                  <a:schemeClr val="accent1"/>
-                </a:solidFill>
-              </a14:hiddenFill>
-            </a:ext>
-            <a:ext uri="{91240B29-F687-4F45-9708-019B960494DF}">
-              <a14:hiddenLine xmlns:a14="http://schemas.microsoft.com/office/drawing/2010/main" w="9525" algn="ctr">
-                <a:solidFill>
-                  <a:schemeClr val="tx1"/>
-                </a:solidFill>
-                <a:miter lim="800000"/>
-                <a:headEnd/>
-                <a:tailEnd/>
-              </a14:hiddenLine>
-            </a:ext>
-            <a:ext uri="{AF507438-7753-43E0-B8FC-AC1667EBCBE1}">
-              <a14:hiddenEffects xmlns:a14="http://schemas.microsoft.com/office/drawing/2010/main">
-                <a:effectLst>
-                  <a:outerShdw dist="35921" dir="2700000" algn="ctr" rotWithShape="0">
-                    <a:schemeClr val="bg2"/>
-                  </a:outerShdw>
-                </a:effectLst>
-              </a14:hiddenEffects>
-            </a:ext>
-          </a:extLst>
-        </p:spPr>
-        <p:txBody>
-          <a:bodyPr>
-            <a:spAutoFit/>
-          </a:bodyPr>
-          <a:lstStyle>
-            <a:lvl1pPr eaLnBrk="0" hangingPunct="0">
-              <a:defRPr i="1">
-                <a:solidFill>
-                  <a:schemeClr val="tx1"/>
-                </a:solidFill>
-                <a:latin typeface="Verdana" panose="020B0604030504040204" pitchFamily="34" charset="0"/>
-                <a:cs typeface="Arial" panose="020B0604020202020204" pitchFamily="34" charset="0"/>
-              </a:defRPr>
-            </a:lvl1pPr>
-            <a:lvl2pPr marL="742950" indent="-285750" eaLnBrk="0" hangingPunct="0">
-              <a:defRPr i="1">
-                <a:solidFill>
-                  <a:schemeClr val="tx1"/>
-                </a:solidFill>
-                <a:latin typeface="Verdana" panose="020B0604030504040204" pitchFamily="34" charset="0"/>
-                <a:cs typeface="Arial" panose="020B0604020202020204" pitchFamily="34" charset="0"/>
-              </a:defRPr>
-            </a:lvl2pPr>
-            <a:lvl3pPr marL="1143000" indent="-228600" eaLnBrk="0" hangingPunct="0">
-              <a:defRPr i="1">
-                <a:solidFill>
-                  <a:schemeClr val="tx1"/>
-                </a:solidFill>
-                <a:latin typeface="Verdana" panose="020B0604030504040204" pitchFamily="34" charset="0"/>
-                <a:cs typeface="Arial" panose="020B0604020202020204" pitchFamily="34" charset="0"/>
-              </a:defRPr>
-            </a:lvl3pPr>
-            <a:lvl4pPr marL="1600200" indent="-228600" eaLnBrk="0" hangingPunct="0">
-              <a:defRPr i="1">
-                <a:solidFill>
-                  <a:schemeClr val="tx1"/>
-                </a:solidFill>
-                <a:latin typeface="Verdana" panose="020B0604030504040204" pitchFamily="34" charset="0"/>
-                <a:cs typeface="Arial" panose="020B0604020202020204" pitchFamily="34" charset="0"/>
-              </a:defRPr>
-            </a:lvl4pPr>
-            <a:lvl5pPr marL="2057400" indent="-228600" eaLnBrk="0" hangingPunct="0">
-              <a:defRPr i="1">
-                <a:solidFill>
-                  <a:schemeClr val="tx1"/>
-                </a:solidFill>
-                <a:latin typeface="Verdana" panose="020B0604030504040204" pitchFamily="34" charset="0"/>
-                <a:cs typeface="Arial" panose="020B0604020202020204" pitchFamily="34" charset="0"/>
-              </a:defRPr>
-            </a:lvl5pPr>
-            <a:lvl6pPr marL="2514600" indent="-228600" eaLnBrk="0" fontAlgn="base" hangingPunct="0">
-              <a:spcBef>
-                <a:spcPct val="0"/>
-              </a:spcBef>
-              <a:spcAft>
-                <a:spcPct val="0"/>
-              </a:spcAft>
-              <a:defRPr i="1">
-                <a:solidFill>
-                  <a:schemeClr val="tx1"/>
-                </a:solidFill>
-                <a:latin typeface="Verdana" panose="020B0604030504040204" pitchFamily="34" charset="0"/>
-                <a:cs typeface="Arial" panose="020B0604020202020204" pitchFamily="34" charset="0"/>
-              </a:defRPr>
-            </a:lvl6pPr>
-            <a:lvl7pPr marL="2971800" indent="-228600" eaLnBrk="0" fontAlgn="base" hangingPunct="0">
-              <a:spcBef>
-                <a:spcPct val="0"/>
-              </a:spcBef>
-              <a:spcAft>
-                <a:spcPct val="0"/>
-              </a:spcAft>
-              <a:defRPr i="1">
-                <a:solidFill>
-                  <a:schemeClr val="tx1"/>
-                </a:solidFill>
-                <a:latin typeface="Verdana" panose="020B0604030504040204" pitchFamily="34" charset="0"/>
-                <a:cs typeface="Arial" panose="020B0604020202020204" pitchFamily="34" charset="0"/>
-              </a:defRPr>
-            </a:lvl7pPr>
-            <a:lvl8pPr marL="3429000" indent="-228600" eaLnBrk="0" fontAlgn="base" hangingPunct="0">
-              <a:spcBef>
-                <a:spcPct val="0"/>
-              </a:spcBef>
-              <a:spcAft>
-                <a:spcPct val="0"/>
-              </a:spcAft>
-              <a:defRPr i="1">
-                <a:solidFill>
-                  <a:schemeClr val="tx1"/>
-                </a:solidFill>
-                <a:latin typeface="Verdana" panose="020B0604030504040204" pitchFamily="34" charset="0"/>
-                <a:cs typeface="Arial" panose="020B0604020202020204" pitchFamily="34" charset="0"/>
-              </a:defRPr>
-            </a:lvl8pPr>
-            <a:lvl9pPr marL="3886200" indent="-228600" eaLnBrk="0" fontAlgn="base" hangingPunct="0">
-              <a:spcBef>
-                <a:spcPct val="0"/>
-              </a:spcBef>
-              <a:spcAft>
-                <a:spcPct val="0"/>
-              </a:spcAft>
-              <a:defRPr i="1">
-                <a:solidFill>
-                  <a:schemeClr val="tx1"/>
-                </a:solidFill>
-                <a:latin typeface="Verdana" panose="020B0604030504040204" pitchFamily="34" charset="0"/>
-                <a:cs typeface="Arial" panose="020B0604020202020204" pitchFamily="34" charset="0"/>
-              </a:defRPr>
-            </a:lvl9pPr>
-          </a:lstStyle>
-          <a:p>
-            <a:pPr algn="l" rtl="0" eaLnBrk="1" hangingPunct="1">
-              <a:lnSpc>
-                <a:spcPct val="70000"/>
-              </a:lnSpc>
-              <a:spcBef>
-                <a:spcPct val="50000"/>
-              </a:spcBef>
-            </a:pPr>
-            <a:r>
-              <a:rPr lang="en-US" altLang="en-US" dirty="0"/>
-              <a:t>Specific row is loaded, and bound values are evaluated</a:t>
-            </a:r>
-          </a:p>
-        </p:txBody>
-      </p:sp>
-      <p:sp>
-        <p:nvSpPr>
-          <p:cNvPr id="501780" name="AutoShape 20"/>
-          <p:cNvSpPr>
-            <a:spLocks noChangeArrowheads="1"/>
-          </p:cNvSpPr>
-          <p:nvPr/>
-        </p:nvSpPr>
-        <p:spPr bwMode="auto">
-          <a:xfrm rot="10800000">
-            <a:off x="4263561" y="3789039"/>
-            <a:ext cx="287337" cy="1912795"/>
-          </a:xfrm>
-          <a:prstGeom prst="curvedLeftArrow">
-            <a:avLst>
-              <a:gd name="adj1" fmla="val 185415"/>
-              <a:gd name="adj2" fmla="val 370829"/>
-              <a:gd name="adj3" fmla="val 33333"/>
-            </a:avLst>
-          </a:prstGeom>
-          <a:solidFill>
-            <a:schemeClr val="bg1"/>
-          </a:solidFill>
-          <a:ln w="9525">
-            <a:solidFill>
-              <a:schemeClr val="tx1"/>
-            </a:solidFill>
-            <a:miter lim="800000"/>
-            <a:headEnd/>
-            <a:tailEnd/>
-          </a:ln>
-          <a:effectLst/>
-          <a:extLst>
-            <a:ext uri="{AF507438-7753-43E0-B8FC-AC1667EBCBE1}">
-              <a14:hiddenEffects xmlns:a14="http://schemas.microsoft.com/office/drawing/2010/main">
-                <a:effectLst>
-                  <a:outerShdw dist="35921" dir="2700000" algn="ctr" rotWithShape="0">
-                    <a:schemeClr val="bg2"/>
-                  </a:outerShdw>
-                </a:effectLst>
-              </a14:hiddenEffects>
-            </a:ext>
-          </a:extLst>
-        </p:spPr>
-        <p:txBody>
-          <a:bodyPr rot="10800000" wrap="none" anchor="ctr"/>
-          <a:lstStyle>
-            <a:lvl1pPr eaLnBrk="0" hangingPunct="0">
-              <a:defRPr i="1">
-                <a:solidFill>
-                  <a:schemeClr val="tx1"/>
-                </a:solidFill>
-                <a:latin typeface="Verdana" panose="020B0604030504040204" pitchFamily="34" charset="0"/>
-                <a:cs typeface="Arial" panose="020B0604020202020204" pitchFamily="34" charset="0"/>
-              </a:defRPr>
-            </a:lvl1pPr>
-            <a:lvl2pPr marL="742950" indent="-285750" eaLnBrk="0" hangingPunct="0">
-              <a:defRPr i="1">
-                <a:solidFill>
-                  <a:schemeClr val="tx1"/>
-                </a:solidFill>
-                <a:latin typeface="Verdana" panose="020B0604030504040204" pitchFamily="34" charset="0"/>
-                <a:cs typeface="Arial" panose="020B0604020202020204" pitchFamily="34" charset="0"/>
-              </a:defRPr>
-            </a:lvl2pPr>
-            <a:lvl3pPr marL="1143000" indent="-228600" eaLnBrk="0" hangingPunct="0">
-              <a:defRPr i="1">
-                <a:solidFill>
-                  <a:schemeClr val="tx1"/>
-                </a:solidFill>
-                <a:latin typeface="Verdana" panose="020B0604030504040204" pitchFamily="34" charset="0"/>
-                <a:cs typeface="Arial" panose="020B0604020202020204" pitchFamily="34" charset="0"/>
-              </a:defRPr>
-            </a:lvl3pPr>
-            <a:lvl4pPr marL="1600200" indent="-228600" eaLnBrk="0" hangingPunct="0">
-              <a:defRPr i="1">
-                <a:solidFill>
-                  <a:schemeClr val="tx1"/>
-                </a:solidFill>
-                <a:latin typeface="Verdana" panose="020B0604030504040204" pitchFamily="34" charset="0"/>
-                <a:cs typeface="Arial" panose="020B0604020202020204" pitchFamily="34" charset="0"/>
-              </a:defRPr>
-            </a:lvl4pPr>
-            <a:lvl5pPr marL="2057400" indent="-228600" eaLnBrk="0" hangingPunct="0">
-              <a:defRPr i="1">
-                <a:solidFill>
-                  <a:schemeClr val="tx1"/>
-                </a:solidFill>
-                <a:latin typeface="Verdana" panose="020B0604030504040204" pitchFamily="34" charset="0"/>
-                <a:cs typeface="Arial" panose="020B0604020202020204" pitchFamily="34" charset="0"/>
-              </a:defRPr>
-            </a:lvl5pPr>
-            <a:lvl6pPr marL="2514600" indent="-228600" eaLnBrk="0" fontAlgn="base" hangingPunct="0">
-              <a:spcBef>
-                <a:spcPct val="0"/>
-              </a:spcBef>
-              <a:spcAft>
-                <a:spcPct val="0"/>
-              </a:spcAft>
-              <a:defRPr i="1">
-                <a:solidFill>
-                  <a:schemeClr val="tx1"/>
-                </a:solidFill>
-                <a:latin typeface="Verdana" panose="020B0604030504040204" pitchFamily="34" charset="0"/>
-                <a:cs typeface="Arial" panose="020B0604020202020204" pitchFamily="34" charset="0"/>
-              </a:defRPr>
-            </a:lvl6pPr>
-            <a:lvl7pPr marL="2971800" indent="-228600" eaLnBrk="0" fontAlgn="base" hangingPunct="0">
-              <a:spcBef>
-                <a:spcPct val="0"/>
-              </a:spcBef>
-              <a:spcAft>
-                <a:spcPct val="0"/>
-              </a:spcAft>
-              <a:defRPr i="1">
-                <a:solidFill>
-                  <a:schemeClr val="tx1"/>
-                </a:solidFill>
-                <a:latin typeface="Verdana" panose="020B0604030504040204" pitchFamily="34" charset="0"/>
-                <a:cs typeface="Arial" panose="020B0604020202020204" pitchFamily="34" charset="0"/>
-              </a:defRPr>
-            </a:lvl7pPr>
-            <a:lvl8pPr marL="3429000" indent="-228600" eaLnBrk="0" fontAlgn="base" hangingPunct="0">
-              <a:spcBef>
-                <a:spcPct val="0"/>
-              </a:spcBef>
-              <a:spcAft>
-                <a:spcPct val="0"/>
-              </a:spcAft>
-              <a:defRPr i="1">
-                <a:solidFill>
-                  <a:schemeClr val="tx1"/>
-                </a:solidFill>
-                <a:latin typeface="Verdana" panose="020B0604030504040204" pitchFamily="34" charset="0"/>
-                <a:cs typeface="Arial" panose="020B0604020202020204" pitchFamily="34" charset="0"/>
-              </a:defRPr>
-            </a:lvl8pPr>
-            <a:lvl9pPr marL="3886200" indent="-228600" eaLnBrk="0" fontAlgn="base" hangingPunct="0">
-              <a:spcBef>
-                <a:spcPct val="0"/>
-              </a:spcBef>
-              <a:spcAft>
-                <a:spcPct val="0"/>
-              </a:spcAft>
-              <a:defRPr i="1">
-                <a:solidFill>
-                  <a:schemeClr val="tx1"/>
-                </a:solidFill>
-                <a:latin typeface="Verdana" panose="020B0604030504040204" pitchFamily="34" charset="0"/>
-                <a:cs typeface="Arial" panose="020B0604020202020204" pitchFamily="34" charset="0"/>
-              </a:defRPr>
-            </a:lvl9pPr>
-          </a:lstStyle>
-          <a:p>
-            <a:pPr eaLnBrk="1" hangingPunct="1"/>
-            <a:endParaRPr lang="en-US" altLang="en-US"/>
-          </a:p>
-        </p:txBody>
-      </p:sp>
-      <p:sp>
-        <p:nvSpPr>
-          <p:cNvPr id="501781" name="Text Box 21"/>
-          <p:cNvSpPr txBox="1">
-            <a:spLocks noChangeArrowheads="1"/>
-          </p:cNvSpPr>
-          <p:nvPr/>
-        </p:nvSpPr>
-        <p:spPr bwMode="auto">
-          <a:xfrm>
-            <a:off x="6386489" y="6004593"/>
-            <a:ext cx="2650008" cy="284162"/>
-          </a:xfrm>
-          <a:prstGeom prst="rect">
-            <a:avLst/>
-          </a:prstGeom>
-          <a:noFill/>
-          <a:ln>
-            <a:noFill/>
-          </a:ln>
-          <a:effectLst/>
-          <a:extLst>
-            <a:ext uri="{909E8E84-426E-40DD-AFC4-6F175D3DCCD1}">
-              <a14:hiddenFill xmlns:a14="http://schemas.microsoft.com/office/drawing/2010/main">
-                <a:solidFill>
-                  <a:schemeClr val="accent1"/>
-                </a:solidFill>
-              </a14:hiddenFill>
-            </a:ext>
-            <a:ext uri="{91240B29-F687-4F45-9708-019B960494DF}">
-              <a14:hiddenLine xmlns:a14="http://schemas.microsoft.com/office/drawing/2010/main" w="9525" algn="ctr">
-                <a:solidFill>
-                  <a:schemeClr val="tx1"/>
-                </a:solidFill>
-                <a:miter lim="800000"/>
-                <a:headEnd/>
-                <a:tailEnd/>
-              </a14:hiddenLine>
-            </a:ext>
-            <a:ext uri="{AF507438-7753-43E0-B8FC-AC1667EBCBE1}">
-              <a14:hiddenEffects xmlns:a14="http://schemas.microsoft.com/office/drawing/2010/main">
-                <a:effectLst>
-                  <a:outerShdw dist="35921" dir="2700000" algn="ctr" rotWithShape="0">
-                    <a:schemeClr val="bg2"/>
-                  </a:outerShdw>
-                </a:effectLst>
-              </a14:hiddenEffects>
-            </a:ext>
-          </a:extLst>
-        </p:spPr>
-        <p:txBody>
-          <a:bodyPr wrap="square">
-            <a:spAutoFit/>
-          </a:bodyPr>
-          <a:lstStyle>
-            <a:lvl1pPr eaLnBrk="0" hangingPunct="0">
-              <a:defRPr i="1">
-                <a:solidFill>
-                  <a:schemeClr val="tx1"/>
-                </a:solidFill>
-                <a:latin typeface="Verdana" panose="020B0604030504040204" pitchFamily="34" charset="0"/>
-                <a:cs typeface="Arial" panose="020B0604020202020204" pitchFamily="34" charset="0"/>
-              </a:defRPr>
-            </a:lvl1pPr>
-            <a:lvl2pPr marL="742950" indent="-285750" eaLnBrk="0" hangingPunct="0">
-              <a:defRPr i="1">
-                <a:solidFill>
-                  <a:schemeClr val="tx1"/>
-                </a:solidFill>
-                <a:latin typeface="Verdana" panose="020B0604030504040204" pitchFamily="34" charset="0"/>
-                <a:cs typeface="Arial" panose="020B0604020202020204" pitchFamily="34" charset="0"/>
-              </a:defRPr>
-            </a:lvl2pPr>
-            <a:lvl3pPr marL="1143000" indent="-228600" eaLnBrk="0" hangingPunct="0">
-              <a:defRPr i="1">
-                <a:solidFill>
-                  <a:schemeClr val="tx1"/>
-                </a:solidFill>
-                <a:latin typeface="Verdana" panose="020B0604030504040204" pitchFamily="34" charset="0"/>
-                <a:cs typeface="Arial" panose="020B0604020202020204" pitchFamily="34" charset="0"/>
-              </a:defRPr>
-            </a:lvl3pPr>
-            <a:lvl4pPr marL="1600200" indent="-228600" eaLnBrk="0" hangingPunct="0">
-              <a:defRPr i="1">
-                <a:solidFill>
-                  <a:schemeClr val="tx1"/>
-                </a:solidFill>
-                <a:latin typeface="Verdana" panose="020B0604030504040204" pitchFamily="34" charset="0"/>
-                <a:cs typeface="Arial" panose="020B0604020202020204" pitchFamily="34" charset="0"/>
-              </a:defRPr>
-            </a:lvl4pPr>
-            <a:lvl5pPr marL="2057400" indent="-228600" eaLnBrk="0" hangingPunct="0">
-              <a:defRPr i="1">
-                <a:solidFill>
-                  <a:schemeClr val="tx1"/>
-                </a:solidFill>
-                <a:latin typeface="Verdana" panose="020B0604030504040204" pitchFamily="34" charset="0"/>
-                <a:cs typeface="Arial" panose="020B0604020202020204" pitchFamily="34" charset="0"/>
-              </a:defRPr>
-            </a:lvl5pPr>
-            <a:lvl6pPr marL="2514600" indent="-228600" eaLnBrk="0" fontAlgn="base" hangingPunct="0">
-              <a:spcBef>
-                <a:spcPct val="0"/>
-              </a:spcBef>
-              <a:spcAft>
-                <a:spcPct val="0"/>
-              </a:spcAft>
-              <a:defRPr i="1">
-                <a:solidFill>
-                  <a:schemeClr val="tx1"/>
-                </a:solidFill>
-                <a:latin typeface="Verdana" panose="020B0604030504040204" pitchFamily="34" charset="0"/>
-                <a:cs typeface="Arial" panose="020B0604020202020204" pitchFamily="34" charset="0"/>
-              </a:defRPr>
-            </a:lvl6pPr>
-            <a:lvl7pPr marL="2971800" indent="-228600" eaLnBrk="0" fontAlgn="base" hangingPunct="0">
-              <a:spcBef>
-                <a:spcPct val="0"/>
-              </a:spcBef>
-              <a:spcAft>
-                <a:spcPct val="0"/>
-              </a:spcAft>
-              <a:defRPr i="1">
-                <a:solidFill>
-                  <a:schemeClr val="tx1"/>
-                </a:solidFill>
-                <a:latin typeface="Verdana" panose="020B0604030504040204" pitchFamily="34" charset="0"/>
-                <a:cs typeface="Arial" panose="020B0604020202020204" pitchFamily="34" charset="0"/>
-              </a:defRPr>
-            </a:lvl7pPr>
-            <a:lvl8pPr marL="3429000" indent="-228600" eaLnBrk="0" fontAlgn="base" hangingPunct="0">
-              <a:spcBef>
-                <a:spcPct val="0"/>
-              </a:spcBef>
-              <a:spcAft>
-                <a:spcPct val="0"/>
-              </a:spcAft>
-              <a:defRPr i="1">
-                <a:solidFill>
-                  <a:schemeClr val="tx1"/>
-                </a:solidFill>
-                <a:latin typeface="Verdana" panose="020B0604030504040204" pitchFamily="34" charset="0"/>
-                <a:cs typeface="Arial" panose="020B0604020202020204" pitchFamily="34" charset="0"/>
-              </a:defRPr>
-            </a:lvl8pPr>
-            <a:lvl9pPr marL="3886200" indent="-228600" eaLnBrk="0" fontAlgn="base" hangingPunct="0">
-              <a:spcBef>
-                <a:spcPct val="0"/>
-              </a:spcBef>
-              <a:spcAft>
-                <a:spcPct val="0"/>
-              </a:spcAft>
-              <a:defRPr i="1">
-                <a:solidFill>
-                  <a:schemeClr val="tx1"/>
-                </a:solidFill>
-                <a:latin typeface="Verdana" panose="020B0604030504040204" pitchFamily="34" charset="0"/>
-                <a:cs typeface="Arial" panose="020B0604020202020204" pitchFamily="34" charset="0"/>
-              </a:defRPr>
-            </a:lvl9pPr>
-          </a:lstStyle>
-          <a:p>
-            <a:pPr algn="l" rtl="0" eaLnBrk="1" hangingPunct="1">
-              <a:lnSpc>
-                <a:spcPct val="70000"/>
-              </a:lnSpc>
-              <a:spcBef>
-                <a:spcPct val="50000"/>
-              </a:spcBef>
-            </a:pPr>
-            <a:r>
-              <a:rPr lang="en-US" altLang="en-US" dirty="0"/>
-              <a:t>Specific row is saved</a:t>
-            </a:r>
-          </a:p>
-        </p:txBody>
-      </p:sp>
-      <p:sp>
-        <p:nvSpPr>
-          <p:cNvPr id="501782" name="Text Box 22"/>
-          <p:cNvSpPr txBox="1">
-            <a:spLocks noChangeArrowheads="1"/>
-          </p:cNvSpPr>
-          <p:nvPr/>
-        </p:nvSpPr>
-        <p:spPr bwMode="auto">
-          <a:xfrm>
-            <a:off x="4932363" y="2060575"/>
-            <a:ext cx="3816350" cy="284163"/>
-          </a:xfrm>
-          <a:prstGeom prst="rect">
-            <a:avLst/>
-          </a:prstGeom>
-          <a:noFill/>
-          <a:ln>
-            <a:noFill/>
-          </a:ln>
-          <a:effectLst/>
-          <a:extLst>
-            <a:ext uri="{909E8E84-426E-40DD-AFC4-6F175D3DCCD1}">
-              <a14:hiddenFill xmlns:a14="http://schemas.microsoft.com/office/drawing/2010/main">
-                <a:solidFill>
-                  <a:schemeClr val="accent1"/>
-                </a:solidFill>
-              </a14:hiddenFill>
-            </a:ext>
-            <a:ext uri="{91240B29-F687-4F45-9708-019B960494DF}">
-              <a14:hiddenLine xmlns:a14="http://schemas.microsoft.com/office/drawing/2010/main" w="9525" algn="ctr">
-                <a:solidFill>
-                  <a:schemeClr val="tx1"/>
-                </a:solidFill>
-                <a:miter lim="800000"/>
-                <a:headEnd/>
-                <a:tailEnd/>
-              </a14:hiddenLine>
-            </a:ext>
-            <a:ext uri="{AF507438-7753-43E0-B8FC-AC1667EBCBE1}">
-              <a14:hiddenEffects xmlns:a14="http://schemas.microsoft.com/office/drawing/2010/main">
-                <a:effectLst>
-                  <a:outerShdw dist="35921" dir="2700000" algn="ctr" rotWithShape="0">
-                    <a:schemeClr val="bg2"/>
-                  </a:outerShdw>
-                </a:effectLst>
-              </a14:hiddenEffects>
-            </a:ext>
-          </a:extLst>
-        </p:spPr>
-        <p:txBody>
-          <a:bodyPr>
-            <a:spAutoFit/>
-          </a:bodyPr>
-          <a:lstStyle>
-            <a:lvl1pPr eaLnBrk="0" hangingPunct="0">
-              <a:defRPr i="1">
-                <a:solidFill>
-                  <a:schemeClr val="tx1"/>
-                </a:solidFill>
-                <a:latin typeface="Verdana" panose="020B0604030504040204" pitchFamily="34" charset="0"/>
-                <a:cs typeface="Arial" panose="020B0604020202020204" pitchFamily="34" charset="0"/>
-              </a:defRPr>
-            </a:lvl1pPr>
-            <a:lvl2pPr marL="742950" indent="-285750" eaLnBrk="0" hangingPunct="0">
-              <a:defRPr i="1">
-                <a:solidFill>
-                  <a:schemeClr val="tx1"/>
-                </a:solidFill>
-                <a:latin typeface="Verdana" panose="020B0604030504040204" pitchFamily="34" charset="0"/>
-                <a:cs typeface="Arial" panose="020B0604020202020204" pitchFamily="34" charset="0"/>
-              </a:defRPr>
-            </a:lvl2pPr>
-            <a:lvl3pPr marL="1143000" indent="-228600" eaLnBrk="0" hangingPunct="0">
-              <a:defRPr i="1">
-                <a:solidFill>
-                  <a:schemeClr val="tx1"/>
-                </a:solidFill>
-                <a:latin typeface="Verdana" panose="020B0604030504040204" pitchFamily="34" charset="0"/>
-                <a:cs typeface="Arial" panose="020B0604020202020204" pitchFamily="34" charset="0"/>
-              </a:defRPr>
-            </a:lvl3pPr>
-            <a:lvl4pPr marL="1600200" indent="-228600" eaLnBrk="0" hangingPunct="0">
-              <a:defRPr i="1">
-                <a:solidFill>
-                  <a:schemeClr val="tx1"/>
-                </a:solidFill>
-                <a:latin typeface="Verdana" panose="020B0604030504040204" pitchFamily="34" charset="0"/>
-                <a:cs typeface="Arial" panose="020B0604020202020204" pitchFamily="34" charset="0"/>
-              </a:defRPr>
-            </a:lvl4pPr>
-            <a:lvl5pPr marL="2057400" indent="-228600" eaLnBrk="0" hangingPunct="0">
-              <a:defRPr i="1">
-                <a:solidFill>
-                  <a:schemeClr val="tx1"/>
-                </a:solidFill>
-                <a:latin typeface="Verdana" panose="020B0604030504040204" pitchFamily="34" charset="0"/>
-                <a:cs typeface="Arial" panose="020B0604020202020204" pitchFamily="34" charset="0"/>
-              </a:defRPr>
-            </a:lvl5pPr>
-            <a:lvl6pPr marL="2514600" indent="-228600" eaLnBrk="0" fontAlgn="base" hangingPunct="0">
-              <a:spcBef>
-                <a:spcPct val="0"/>
-              </a:spcBef>
-              <a:spcAft>
-                <a:spcPct val="0"/>
-              </a:spcAft>
-              <a:defRPr i="1">
-                <a:solidFill>
-                  <a:schemeClr val="tx1"/>
-                </a:solidFill>
-                <a:latin typeface="Verdana" panose="020B0604030504040204" pitchFamily="34" charset="0"/>
-                <a:cs typeface="Arial" panose="020B0604020202020204" pitchFamily="34" charset="0"/>
-              </a:defRPr>
-            </a:lvl6pPr>
-            <a:lvl7pPr marL="2971800" indent="-228600" eaLnBrk="0" fontAlgn="base" hangingPunct="0">
-              <a:spcBef>
-                <a:spcPct val="0"/>
-              </a:spcBef>
-              <a:spcAft>
-                <a:spcPct val="0"/>
-              </a:spcAft>
-              <a:defRPr i="1">
-                <a:solidFill>
-                  <a:schemeClr val="tx1"/>
-                </a:solidFill>
-                <a:latin typeface="Verdana" panose="020B0604030504040204" pitchFamily="34" charset="0"/>
-                <a:cs typeface="Arial" panose="020B0604020202020204" pitchFamily="34" charset="0"/>
-              </a:defRPr>
-            </a:lvl7pPr>
-            <a:lvl8pPr marL="3429000" indent="-228600" eaLnBrk="0" fontAlgn="base" hangingPunct="0">
-              <a:spcBef>
-                <a:spcPct val="0"/>
-              </a:spcBef>
-              <a:spcAft>
-                <a:spcPct val="0"/>
-              </a:spcAft>
-              <a:defRPr i="1">
-                <a:solidFill>
-                  <a:schemeClr val="tx1"/>
-                </a:solidFill>
-                <a:latin typeface="Verdana" panose="020B0604030504040204" pitchFamily="34" charset="0"/>
-                <a:cs typeface="Arial" panose="020B0604020202020204" pitchFamily="34" charset="0"/>
-              </a:defRPr>
-            </a:lvl8pPr>
-            <a:lvl9pPr marL="3886200" indent="-228600" eaLnBrk="0" fontAlgn="base" hangingPunct="0">
-              <a:spcBef>
-                <a:spcPct val="0"/>
-              </a:spcBef>
-              <a:spcAft>
-                <a:spcPct val="0"/>
-              </a:spcAft>
-              <a:defRPr i="1">
-                <a:solidFill>
-                  <a:schemeClr val="tx1"/>
-                </a:solidFill>
-                <a:latin typeface="Verdana" panose="020B0604030504040204" pitchFamily="34" charset="0"/>
-                <a:cs typeface="Arial" panose="020B0604020202020204" pitchFamily="34" charset="0"/>
-              </a:defRPr>
-            </a:lvl9pPr>
-          </a:lstStyle>
-          <a:p>
-            <a:pPr algn="l" rtl="0" eaLnBrk="1" hangingPunct="1">
-              <a:lnSpc>
-                <a:spcPct val="70000"/>
-              </a:lnSpc>
-              <a:spcBef>
-                <a:spcPct val="50000"/>
-              </a:spcBef>
-            </a:pPr>
-            <a:r>
-              <a:rPr lang="en-US" altLang="en-US" dirty="0"/>
-              <a:t>All the task settings are set</a:t>
-            </a:r>
-          </a:p>
-        </p:txBody>
-      </p:sp>
-      <p:sp>
-        <p:nvSpPr>
-          <p:cNvPr id="501783" name="Text Box 23"/>
-          <p:cNvSpPr txBox="1">
-            <a:spLocks noChangeArrowheads="1"/>
-          </p:cNvSpPr>
-          <p:nvPr/>
-        </p:nvSpPr>
-        <p:spPr bwMode="auto">
-          <a:xfrm>
-            <a:off x="6386488" y="5393097"/>
-            <a:ext cx="2001936" cy="674031"/>
-          </a:xfrm>
-          <a:prstGeom prst="rect">
-            <a:avLst/>
-          </a:prstGeom>
-          <a:noFill/>
-          <a:ln>
-            <a:noFill/>
-          </a:ln>
-          <a:effectLst/>
-          <a:extLst>
-            <a:ext uri="{909E8E84-426E-40DD-AFC4-6F175D3DCCD1}">
-              <a14:hiddenFill xmlns:a14="http://schemas.microsoft.com/office/drawing/2010/main">
-                <a:solidFill>
-                  <a:schemeClr val="accent1"/>
-                </a:solidFill>
-              </a14:hiddenFill>
-            </a:ext>
-            <a:ext uri="{91240B29-F687-4F45-9708-019B960494DF}">
-              <a14:hiddenLine xmlns:a14="http://schemas.microsoft.com/office/drawing/2010/main" w="9525" algn="ctr">
-                <a:solidFill>
-                  <a:schemeClr val="tx1"/>
-                </a:solidFill>
-                <a:miter lim="800000"/>
-                <a:headEnd/>
-                <a:tailEnd/>
-              </a14:hiddenLine>
-            </a:ext>
-            <a:ext uri="{AF507438-7753-43E0-B8FC-AC1667EBCBE1}">
-              <a14:hiddenEffects xmlns:a14="http://schemas.microsoft.com/office/drawing/2010/main">
-                <a:effectLst>
-                  <a:outerShdw dist="35921" dir="2700000" algn="ctr" rotWithShape="0">
-                    <a:schemeClr val="bg2"/>
-                  </a:outerShdw>
-                </a:effectLst>
-              </a14:hiddenEffects>
-            </a:ext>
-          </a:extLst>
-        </p:spPr>
-        <p:txBody>
-          <a:bodyPr wrap="square">
-            <a:spAutoFit/>
-          </a:bodyPr>
-          <a:lstStyle>
-            <a:lvl1pPr eaLnBrk="0" hangingPunct="0">
-              <a:defRPr i="1">
-                <a:solidFill>
-                  <a:schemeClr val="tx1"/>
-                </a:solidFill>
-                <a:latin typeface="Verdana" panose="020B0604030504040204" pitchFamily="34" charset="0"/>
-                <a:cs typeface="Arial" panose="020B0604020202020204" pitchFamily="34" charset="0"/>
-              </a:defRPr>
-            </a:lvl1pPr>
-            <a:lvl2pPr marL="742950" indent="-285750" eaLnBrk="0" hangingPunct="0">
-              <a:defRPr i="1">
-                <a:solidFill>
-                  <a:schemeClr val="tx1"/>
-                </a:solidFill>
-                <a:latin typeface="Verdana" panose="020B0604030504040204" pitchFamily="34" charset="0"/>
-                <a:cs typeface="Arial" panose="020B0604020202020204" pitchFamily="34" charset="0"/>
-              </a:defRPr>
-            </a:lvl2pPr>
-            <a:lvl3pPr marL="1143000" indent="-228600" eaLnBrk="0" hangingPunct="0">
-              <a:defRPr i="1">
-                <a:solidFill>
-                  <a:schemeClr val="tx1"/>
-                </a:solidFill>
-                <a:latin typeface="Verdana" panose="020B0604030504040204" pitchFamily="34" charset="0"/>
-                <a:cs typeface="Arial" panose="020B0604020202020204" pitchFamily="34" charset="0"/>
-              </a:defRPr>
-            </a:lvl3pPr>
-            <a:lvl4pPr marL="1600200" indent="-228600" eaLnBrk="0" hangingPunct="0">
-              <a:defRPr i="1">
-                <a:solidFill>
-                  <a:schemeClr val="tx1"/>
-                </a:solidFill>
-                <a:latin typeface="Verdana" panose="020B0604030504040204" pitchFamily="34" charset="0"/>
-                <a:cs typeface="Arial" panose="020B0604020202020204" pitchFamily="34" charset="0"/>
-              </a:defRPr>
-            </a:lvl4pPr>
-            <a:lvl5pPr marL="2057400" indent="-228600" eaLnBrk="0" hangingPunct="0">
-              <a:defRPr i="1">
-                <a:solidFill>
-                  <a:schemeClr val="tx1"/>
-                </a:solidFill>
-                <a:latin typeface="Verdana" panose="020B0604030504040204" pitchFamily="34" charset="0"/>
-                <a:cs typeface="Arial" panose="020B0604020202020204" pitchFamily="34" charset="0"/>
-              </a:defRPr>
-            </a:lvl5pPr>
-            <a:lvl6pPr marL="2514600" indent="-228600" eaLnBrk="0" fontAlgn="base" hangingPunct="0">
-              <a:spcBef>
-                <a:spcPct val="0"/>
-              </a:spcBef>
-              <a:spcAft>
-                <a:spcPct val="0"/>
-              </a:spcAft>
-              <a:defRPr i="1">
-                <a:solidFill>
-                  <a:schemeClr val="tx1"/>
-                </a:solidFill>
-                <a:latin typeface="Verdana" panose="020B0604030504040204" pitchFamily="34" charset="0"/>
-                <a:cs typeface="Arial" panose="020B0604020202020204" pitchFamily="34" charset="0"/>
-              </a:defRPr>
-            </a:lvl6pPr>
-            <a:lvl7pPr marL="2971800" indent="-228600" eaLnBrk="0" fontAlgn="base" hangingPunct="0">
-              <a:spcBef>
-                <a:spcPct val="0"/>
-              </a:spcBef>
-              <a:spcAft>
-                <a:spcPct val="0"/>
-              </a:spcAft>
-              <a:defRPr i="1">
-                <a:solidFill>
-                  <a:schemeClr val="tx1"/>
-                </a:solidFill>
-                <a:latin typeface="Verdana" panose="020B0604030504040204" pitchFamily="34" charset="0"/>
-                <a:cs typeface="Arial" panose="020B0604020202020204" pitchFamily="34" charset="0"/>
-              </a:defRPr>
-            </a:lvl7pPr>
-            <a:lvl8pPr marL="3429000" indent="-228600" eaLnBrk="0" fontAlgn="base" hangingPunct="0">
-              <a:spcBef>
-                <a:spcPct val="0"/>
-              </a:spcBef>
-              <a:spcAft>
-                <a:spcPct val="0"/>
-              </a:spcAft>
-              <a:defRPr i="1">
-                <a:solidFill>
-                  <a:schemeClr val="tx1"/>
-                </a:solidFill>
-                <a:latin typeface="Verdana" panose="020B0604030504040204" pitchFamily="34" charset="0"/>
-                <a:cs typeface="Arial" panose="020B0604020202020204" pitchFamily="34" charset="0"/>
-              </a:defRPr>
-            </a:lvl8pPr>
-            <a:lvl9pPr marL="3886200" indent="-228600" eaLnBrk="0" fontAlgn="base" hangingPunct="0">
-              <a:spcBef>
-                <a:spcPct val="0"/>
-              </a:spcBef>
-              <a:spcAft>
-                <a:spcPct val="0"/>
-              </a:spcAft>
-              <a:defRPr i="1">
-                <a:solidFill>
-                  <a:schemeClr val="tx1"/>
-                </a:solidFill>
-                <a:latin typeface="Verdana" panose="020B0604030504040204" pitchFamily="34" charset="0"/>
-                <a:cs typeface="Arial" panose="020B0604020202020204" pitchFamily="34" charset="0"/>
-              </a:defRPr>
-            </a:lvl9pPr>
-          </a:lstStyle>
-          <a:p>
-            <a:pPr algn="l" rtl="0" eaLnBrk="1" hangingPunct="1">
-              <a:lnSpc>
-                <a:spcPct val="70000"/>
-              </a:lnSpc>
-              <a:spcBef>
-                <a:spcPct val="50000"/>
-              </a:spcBef>
-            </a:pPr>
-            <a:r>
-              <a:rPr lang="en-US" altLang="en-US" dirty="0"/>
-              <a:t>Only for rows that were changed</a:t>
-            </a:r>
-          </a:p>
-        </p:txBody>
-      </p:sp>
-      <p:sp>
-        <p:nvSpPr>
-          <p:cNvPr id="3" name="Slide Number Placeholder 2"/>
-          <p:cNvSpPr>
-            <a:spLocks noGrp="1"/>
-          </p:cNvSpPr>
-          <p:nvPr>
-            <p:ph type="sldNum" sz="quarter" idx="12"/>
-          </p:nvPr>
-        </p:nvSpPr>
-        <p:spPr/>
-        <p:txBody>
-          <a:bodyPr/>
-          <a:lstStyle/>
-          <a:p>
-            <a:pPr>
-              <a:defRPr/>
-            </a:pPr>
-            <a:fld id="{C5A4A91C-EC18-4A23-96E0-5487FD4C836A}" type="slidenum">
-              <a:rPr lang="he-IL" smtClean="0"/>
-              <a:pPr>
-                <a:defRPr/>
-              </a:pPr>
-              <a:t>10</a:t>
-            </a:fld>
-            <a:endParaRPr lang="en-US" dirty="0"/>
-          </a:p>
-        </p:txBody>
-      </p:sp>
-      <p:sp>
-        <p:nvSpPr>
-          <p:cNvPr id="20" name="Rectangle 14"/>
-          <p:cNvSpPr>
-            <a:spLocks noChangeArrowheads="1"/>
-          </p:cNvSpPr>
-          <p:nvPr/>
-        </p:nvSpPr>
-        <p:spPr bwMode="auto">
-          <a:xfrm>
-            <a:off x="3127375" y="5967286"/>
-            <a:ext cx="1731963" cy="358775"/>
-          </a:xfrm>
-          <a:prstGeom prst="rect">
-            <a:avLst/>
-          </a:prstGeom>
-          <a:solidFill>
-            <a:schemeClr val="bg1"/>
-          </a:solidFill>
-          <a:ln w="9525" algn="ctr">
-            <a:solidFill>
-              <a:schemeClr val="tx1"/>
-            </a:solidFill>
-            <a:miter lim="800000"/>
-            <a:headEnd/>
-            <a:tailEnd/>
-          </a:ln>
-          <a:effectLst/>
-          <a:extLst>
-            <a:ext uri="{AF507438-7753-43E0-B8FC-AC1667EBCBE1}">
-              <a14:hiddenEffects xmlns:a14="http://schemas.microsoft.com/office/drawing/2010/main">
-                <a:effectLst>
-                  <a:outerShdw dist="35921" dir="2700000" algn="ctr" rotWithShape="0">
-                    <a:schemeClr val="bg2"/>
-                  </a:outerShdw>
-                </a:effectLst>
-              </a14:hiddenEffects>
-            </a:ext>
-          </a:extLst>
-        </p:spPr>
-        <p:txBody>
-          <a:bodyPr wrap="none" anchor="ctr"/>
-          <a:lstStyle>
-            <a:lvl1pPr eaLnBrk="0" hangingPunct="0">
-              <a:defRPr i="1">
-                <a:solidFill>
-                  <a:schemeClr val="tx1"/>
-                </a:solidFill>
-                <a:latin typeface="Verdana" panose="020B0604030504040204" pitchFamily="34" charset="0"/>
-                <a:cs typeface="Arial" panose="020B0604020202020204" pitchFamily="34" charset="0"/>
-              </a:defRPr>
-            </a:lvl1pPr>
-            <a:lvl2pPr marL="742950" indent="-285750" eaLnBrk="0" hangingPunct="0">
-              <a:defRPr i="1">
-                <a:solidFill>
-                  <a:schemeClr val="tx1"/>
-                </a:solidFill>
-                <a:latin typeface="Verdana" panose="020B0604030504040204" pitchFamily="34" charset="0"/>
-                <a:cs typeface="Arial" panose="020B0604020202020204" pitchFamily="34" charset="0"/>
-              </a:defRPr>
-            </a:lvl2pPr>
-            <a:lvl3pPr marL="1143000" indent="-228600" eaLnBrk="0" hangingPunct="0">
-              <a:defRPr i="1">
-                <a:solidFill>
-                  <a:schemeClr val="tx1"/>
-                </a:solidFill>
-                <a:latin typeface="Verdana" panose="020B0604030504040204" pitchFamily="34" charset="0"/>
-                <a:cs typeface="Arial" panose="020B0604020202020204" pitchFamily="34" charset="0"/>
-              </a:defRPr>
-            </a:lvl3pPr>
-            <a:lvl4pPr marL="1600200" indent="-228600" eaLnBrk="0" hangingPunct="0">
-              <a:defRPr i="1">
-                <a:solidFill>
-                  <a:schemeClr val="tx1"/>
-                </a:solidFill>
-                <a:latin typeface="Verdana" panose="020B0604030504040204" pitchFamily="34" charset="0"/>
-                <a:cs typeface="Arial" panose="020B0604020202020204" pitchFamily="34" charset="0"/>
-              </a:defRPr>
-            </a:lvl4pPr>
-            <a:lvl5pPr marL="2057400" indent="-228600" eaLnBrk="0" hangingPunct="0">
-              <a:defRPr i="1">
-                <a:solidFill>
-                  <a:schemeClr val="tx1"/>
-                </a:solidFill>
-                <a:latin typeface="Verdana" panose="020B0604030504040204" pitchFamily="34" charset="0"/>
-                <a:cs typeface="Arial" panose="020B0604020202020204" pitchFamily="34" charset="0"/>
-              </a:defRPr>
-            </a:lvl5pPr>
-            <a:lvl6pPr marL="2514600" indent="-228600" eaLnBrk="0" fontAlgn="base" hangingPunct="0">
-              <a:spcBef>
-                <a:spcPct val="0"/>
-              </a:spcBef>
-              <a:spcAft>
-                <a:spcPct val="0"/>
-              </a:spcAft>
-              <a:defRPr i="1">
-                <a:solidFill>
-                  <a:schemeClr val="tx1"/>
-                </a:solidFill>
-                <a:latin typeface="Verdana" panose="020B0604030504040204" pitchFamily="34" charset="0"/>
-                <a:cs typeface="Arial" panose="020B0604020202020204" pitchFamily="34" charset="0"/>
-              </a:defRPr>
-            </a:lvl6pPr>
-            <a:lvl7pPr marL="2971800" indent="-228600" eaLnBrk="0" fontAlgn="base" hangingPunct="0">
-              <a:spcBef>
-                <a:spcPct val="0"/>
-              </a:spcBef>
-              <a:spcAft>
-                <a:spcPct val="0"/>
-              </a:spcAft>
-              <a:defRPr i="1">
-                <a:solidFill>
-                  <a:schemeClr val="tx1"/>
-                </a:solidFill>
-                <a:latin typeface="Verdana" panose="020B0604030504040204" pitchFamily="34" charset="0"/>
-                <a:cs typeface="Arial" panose="020B0604020202020204" pitchFamily="34" charset="0"/>
-              </a:defRPr>
-            </a:lvl7pPr>
-            <a:lvl8pPr marL="3429000" indent="-228600" eaLnBrk="0" fontAlgn="base" hangingPunct="0">
-              <a:spcBef>
-                <a:spcPct val="0"/>
-              </a:spcBef>
-              <a:spcAft>
-                <a:spcPct val="0"/>
-              </a:spcAft>
-              <a:defRPr i="1">
-                <a:solidFill>
-                  <a:schemeClr val="tx1"/>
-                </a:solidFill>
-                <a:latin typeface="Verdana" panose="020B0604030504040204" pitchFamily="34" charset="0"/>
-                <a:cs typeface="Arial" panose="020B0604020202020204" pitchFamily="34" charset="0"/>
-              </a:defRPr>
-            </a:lvl8pPr>
-            <a:lvl9pPr marL="3886200" indent="-228600" eaLnBrk="0" fontAlgn="base" hangingPunct="0">
-              <a:spcBef>
-                <a:spcPct val="0"/>
-              </a:spcBef>
-              <a:spcAft>
-                <a:spcPct val="0"/>
-              </a:spcAft>
-              <a:defRPr i="1">
-                <a:solidFill>
-                  <a:schemeClr val="tx1"/>
-                </a:solidFill>
-                <a:latin typeface="Verdana" panose="020B0604030504040204" pitchFamily="34" charset="0"/>
-                <a:cs typeface="Arial" panose="020B0604020202020204" pitchFamily="34" charset="0"/>
-              </a:defRPr>
-            </a:lvl9pPr>
-          </a:lstStyle>
-          <a:p>
-            <a:pPr algn="l" rtl="0" eaLnBrk="1" hangingPunct="1"/>
-            <a:r>
-              <a:rPr lang="en-US" altLang="en-US" i="0" dirty="0" err="1">
-                <a:latin typeface="Arial" panose="020B0604020202020204" pitchFamily="34" charset="0"/>
-              </a:rPr>
-              <a:t>OnUnLoad</a:t>
-            </a:r>
-            <a:endParaRPr lang="en-US" altLang="en-US" i="0" dirty="0">
-              <a:latin typeface="Arial" panose="020B0604020202020204" pitchFamily="34" charset="0"/>
-            </a:endParaRPr>
-          </a:p>
-        </p:txBody>
-      </p:sp>
-      <p:sp>
-        <p:nvSpPr>
-          <p:cNvPr id="21" name="Text Box 21"/>
-          <p:cNvSpPr txBox="1">
-            <a:spLocks noChangeArrowheads="1"/>
-          </p:cNvSpPr>
-          <p:nvPr/>
-        </p:nvSpPr>
-        <p:spPr bwMode="auto">
-          <a:xfrm>
-            <a:off x="3002509" y="6409678"/>
-            <a:ext cx="2650008" cy="284162"/>
-          </a:xfrm>
-          <a:prstGeom prst="rect">
-            <a:avLst/>
-          </a:prstGeom>
-          <a:noFill/>
-          <a:ln>
-            <a:noFill/>
-          </a:ln>
-          <a:effectLst/>
-          <a:extLst>
-            <a:ext uri="{909E8E84-426E-40DD-AFC4-6F175D3DCCD1}">
-              <a14:hiddenFill xmlns:a14="http://schemas.microsoft.com/office/drawing/2010/main">
-                <a:solidFill>
-                  <a:schemeClr val="accent1"/>
-                </a:solidFill>
-              </a14:hiddenFill>
-            </a:ext>
-            <a:ext uri="{91240B29-F687-4F45-9708-019B960494DF}">
-              <a14:hiddenLine xmlns:a14="http://schemas.microsoft.com/office/drawing/2010/main" w="9525" algn="ctr">
-                <a:solidFill>
-                  <a:schemeClr val="tx1"/>
-                </a:solidFill>
-                <a:miter lim="800000"/>
-                <a:headEnd/>
-                <a:tailEnd/>
-              </a14:hiddenLine>
-            </a:ext>
-            <a:ext uri="{AF507438-7753-43E0-B8FC-AC1667EBCBE1}">
-              <a14:hiddenEffects xmlns:a14="http://schemas.microsoft.com/office/drawing/2010/main">
-                <a:effectLst>
-                  <a:outerShdw dist="35921" dir="2700000" algn="ctr" rotWithShape="0">
-                    <a:schemeClr val="bg2"/>
-                  </a:outerShdw>
-                </a:effectLst>
-              </a14:hiddenEffects>
-            </a:ext>
-          </a:extLst>
-        </p:spPr>
-        <p:txBody>
-          <a:bodyPr wrap="square">
-            <a:spAutoFit/>
-          </a:bodyPr>
-          <a:lstStyle>
-            <a:lvl1pPr eaLnBrk="0" hangingPunct="0">
-              <a:defRPr i="1">
-                <a:solidFill>
-                  <a:schemeClr val="tx1"/>
-                </a:solidFill>
-                <a:latin typeface="Verdana" panose="020B0604030504040204" pitchFamily="34" charset="0"/>
-                <a:cs typeface="Arial" panose="020B0604020202020204" pitchFamily="34" charset="0"/>
-              </a:defRPr>
-            </a:lvl1pPr>
-            <a:lvl2pPr marL="742950" indent="-285750" eaLnBrk="0" hangingPunct="0">
-              <a:defRPr i="1">
-                <a:solidFill>
-                  <a:schemeClr val="tx1"/>
-                </a:solidFill>
-                <a:latin typeface="Verdana" panose="020B0604030504040204" pitchFamily="34" charset="0"/>
-                <a:cs typeface="Arial" panose="020B0604020202020204" pitchFamily="34" charset="0"/>
-              </a:defRPr>
-            </a:lvl2pPr>
-            <a:lvl3pPr marL="1143000" indent="-228600" eaLnBrk="0" hangingPunct="0">
-              <a:defRPr i="1">
-                <a:solidFill>
-                  <a:schemeClr val="tx1"/>
-                </a:solidFill>
-                <a:latin typeface="Verdana" panose="020B0604030504040204" pitchFamily="34" charset="0"/>
-                <a:cs typeface="Arial" panose="020B0604020202020204" pitchFamily="34" charset="0"/>
-              </a:defRPr>
-            </a:lvl3pPr>
-            <a:lvl4pPr marL="1600200" indent="-228600" eaLnBrk="0" hangingPunct="0">
-              <a:defRPr i="1">
-                <a:solidFill>
-                  <a:schemeClr val="tx1"/>
-                </a:solidFill>
-                <a:latin typeface="Verdana" panose="020B0604030504040204" pitchFamily="34" charset="0"/>
-                <a:cs typeface="Arial" panose="020B0604020202020204" pitchFamily="34" charset="0"/>
-              </a:defRPr>
-            </a:lvl4pPr>
-            <a:lvl5pPr marL="2057400" indent="-228600" eaLnBrk="0" hangingPunct="0">
-              <a:defRPr i="1">
-                <a:solidFill>
-                  <a:schemeClr val="tx1"/>
-                </a:solidFill>
-                <a:latin typeface="Verdana" panose="020B0604030504040204" pitchFamily="34" charset="0"/>
-                <a:cs typeface="Arial" panose="020B0604020202020204" pitchFamily="34" charset="0"/>
-              </a:defRPr>
-            </a:lvl5pPr>
-            <a:lvl6pPr marL="2514600" indent="-228600" eaLnBrk="0" fontAlgn="base" hangingPunct="0">
-              <a:spcBef>
-                <a:spcPct val="0"/>
-              </a:spcBef>
-              <a:spcAft>
-                <a:spcPct val="0"/>
-              </a:spcAft>
-              <a:defRPr i="1">
-                <a:solidFill>
-                  <a:schemeClr val="tx1"/>
-                </a:solidFill>
-                <a:latin typeface="Verdana" panose="020B0604030504040204" pitchFamily="34" charset="0"/>
-                <a:cs typeface="Arial" panose="020B0604020202020204" pitchFamily="34" charset="0"/>
-              </a:defRPr>
-            </a:lvl6pPr>
-            <a:lvl7pPr marL="2971800" indent="-228600" eaLnBrk="0" fontAlgn="base" hangingPunct="0">
-              <a:spcBef>
-                <a:spcPct val="0"/>
-              </a:spcBef>
-              <a:spcAft>
-                <a:spcPct val="0"/>
-              </a:spcAft>
-              <a:defRPr i="1">
-                <a:solidFill>
-                  <a:schemeClr val="tx1"/>
-                </a:solidFill>
-                <a:latin typeface="Verdana" panose="020B0604030504040204" pitchFamily="34" charset="0"/>
-                <a:cs typeface="Arial" panose="020B0604020202020204" pitchFamily="34" charset="0"/>
-              </a:defRPr>
-            </a:lvl7pPr>
-            <a:lvl8pPr marL="3429000" indent="-228600" eaLnBrk="0" fontAlgn="base" hangingPunct="0">
-              <a:spcBef>
-                <a:spcPct val="0"/>
-              </a:spcBef>
-              <a:spcAft>
-                <a:spcPct val="0"/>
-              </a:spcAft>
-              <a:defRPr i="1">
-                <a:solidFill>
-                  <a:schemeClr val="tx1"/>
-                </a:solidFill>
-                <a:latin typeface="Verdana" panose="020B0604030504040204" pitchFamily="34" charset="0"/>
-                <a:cs typeface="Arial" panose="020B0604020202020204" pitchFamily="34" charset="0"/>
-              </a:defRPr>
-            </a:lvl8pPr>
-            <a:lvl9pPr marL="3886200" indent="-228600" eaLnBrk="0" fontAlgn="base" hangingPunct="0">
-              <a:spcBef>
-                <a:spcPct val="0"/>
-              </a:spcBef>
-              <a:spcAft>
-                <a:spcPct val="0"/>
-              </a:spcAft>
-              <a:defRPr i="1">
-                <a:solidFill>
-                  <a:schemeClr val="tx1"/>
-                </a:solidFill>
-                <a:latin typeface="Verdana" panose="020B0604030504040204" pitchFamily="34" charset="0"/>
-                <a:cs typeface="Arial" panose="020B0604020202020204" pitchFamily="34" charset="0"/>
-              </a:defRPr>
-            </a:lvl9pPr>
-          </a:lstStyle>
-          <a:p>
-            <a:pPr algn="l" rtl="0" eaLnBrk="1" hangingPunct="1">
-              <a:lnSpc>
-                <a:spcPct val="70000"/>
-              </a:lnSpc>
-              <a:spcBef>
-                <a:spcPct val="50000"/>
-              </a:spcBef>
-            </a:pPr>
-            <a:r>
-              <a:rPr lang="en-US" altLang="en-US" dirty="0"/>
-              <a:t>IO and DB </a:t>
-            </a:r>
-            <a:r>
-              <a:rPr lang="en-US" altLang="en-US" dirty="0" err="1"/>
-              <a:t>Relase</a:t>
-            </a:r>
-            <a:endParaRPr lang="en-US" altLang="en-US" dirty="0"/>
-          </a:p>
-        </p:txBody>
-      </p:sp>
-    </p:spTree>
-    <p:extLst>
-      <p:ext uri="{BB962C8B-B14F-4D97-AF65-F5344CB8AC3E}">
-        <p14:creationId xmlns:p14="http://schemas.microsoft.com/office/powerpoint/2010/main" val="3474216977"/>
-      </p:ext>
-    </p:extLst>
-  </p:cSld>
-  <p:clrMapOvr>
-    <a:masterClrMapping/>
-  </p:clrMapOvr>
-  <p:timing>
-    <p:tnLst>
-      <p:par>
-        <p:cTn id="1" dur="indefinite" restart="never" nodeType="tmRoot">
-          <p:childTnLst>
-            <p:seq concurrent="1" nextAc="seek">
-              <p:cTn id="2" dur="indefinite" nodeType="mainSeq">
-                <p:childTnLst>
-                  <p:par>
-                    <p:cTn id="3" fill="hold" nodeType="clickPar">
-                      <p:stCondLst>
-                        <p:cond delay="indefinite"/>
-                      </p:stCondLst>
-                      <p:childTnLst>
-                        <p:par>
-                          <p:cTn id="4" fill="hold" nodeType="withGroup">
-                            <p:stCondLst>
-                              <p:cond delay="0"/>
-                            </p:stCondLst>
-                            <p:childTnLst>
-                              <p:par>
-                                <p:cTn id="5" presetID="1" presetClass="entr" presetSubtype="0" fill="hold" grpId="0" nodeType="clickEffect">
-                                  <p:stCondLst>
-                                    <p:cond delay="0"/>
-                                  </p:stCondLst>
-                                  <p:childTnLst>
-                                    <p:set>
-                                      <p:cBhvr>
-                                        <p:cTn id="6" dur="1" fill="hold">
-                                          <p:stCondLst>
-                                            <p:cond delay="0"/>
-                                          </p:stCondLst>
-                                        </p:cTn>
-                                        <p:tgtEl>
-                                          <p:spTgt spid="501768"/>
-                                        </p:tgtEl>
-                                        <p:attrNameLst>
-                                          <p:attrName>style.visibility</p:attrName>
-                                        </p:attrNameLst>
-                                      </p:cBhvr>
-                                      <p:to>
-                                        <p:strVal val="visible"/>
-                                      </p:to>
-                                    </p:set>
-                                  </p:childTnLst>
-                                </p:cTn>
-                              </p:par>
-                            </p:childTnLst>
-                          </p:cTn>
-                        </p:par>
-                      </p:childTnLst>
-                    </p:cTn>
-                  </p:par>
-                  <p:par>
-                    <p:cTn id="7" fill="hold" nodeType="clickPar">
-                      <p:stCondLst>
-                        <p:cond delay="indefinite"/>
-                      </p:stCondLst>
-                      <p:childTnLst>
-                        <p:par>
-                          <p:cTn id="8" fill="hold" nodeType="withGroup">
-                            <p:stCondLst>
-                              <p:cond delay="0"/>
-                            </p:stCondLst>
-                            <p:childTnLst>
-                              <p:par>
-                                <p:cTn id="9" presetID="1" presetClass="entr" presetSubtype="0" fill="hold" grpId="0" nodeType="clickEffect">
-                                  <p:stCondLst>
-                                    <p:cond delay="0"/>
-                                  </p:stCondLst>
-                                  <p:childTnLst>
-                                    <p:set>
-                                      <p:cBhvr>
-                                        <p:cTn id="10" dur="1" fill="hold">
-                                          <p:stCondLst>
-                                            <p:cond delay="0"/>
-                                          </p:stCondLst>
-                                        </p:cTn>
-                                        <p:tgtEl>
-                                          <p:spTgt spid="501769"/>
-                                        </p:tgtEl>
-                                        <p:attrNameLst>
-                                          <p:attrName>style.visibility</p:attrName>
-                                        </p:attrNameLst>
-                                      </p:cBhvr>
-                                      <p:to>
-                                        <p:strVal val="visible"/>
-                                      </p:to>
-                                    </p:set>
-                                  </p:childTnLst>
-                                </p:cTn>
-                              </p:par>
-                            </p:childTnLst>
-                          </p:cTn>
-                        </p:par>
-                      </p:childTnLst>
-                    </p:cTn>
-                  </p:par>
-                  <p:par>
-                    <p:cTn id="11" fill="hold" nodeType="clickPar">
-                      <p:stCondLst>
-                        <p:cond delay="indefinite"/>
-                      </p:stCondLst>
-                      <p:childTnLst>
-                        <p:par>
-                          <p:cTn id="12" fill="hold" nodeType="withGroup">
-                            <p:stCondLst>
-                              <p:cond delay="0"/>
-                            </p:stCondLst>
-                            <p:childTnLst>
-                              <p:par>
-                                <p:cTn id="13" presetID="1" presetClass="entr" presetSubtype="0" fill="hold" grpId="0" nodeType="clickEffect">
-                                  <p:stCondLst>
-                                    <p:cond delay="0"/>
-                                  </p:stCondLst>
-                                  <p:childTnLst>
-                                    <p:set>
-                                      <p:cBhvr>
-                                        <p:cTn id="14" dur="1" fill="hold">
-                                          <p:stCondLst>
-                                            <p:cond delay="0"/>
-                                          </p:stCondLst>
-                                        </p:cTn>
-                                        <p:tgtEl>
-                                          <p:spTgt spid="501766"/>
-                                        </p:tgtEl>
-                                        <p:attrNameLst>
-                                          <p:attrName>style.visibility</p:attrName>
-                                        </p:attrNameLst>
-                                      </p:cBhvr>
-                                      <p:to>
-                                        <p:strVal val="visible"/>
-                                      </p:to>
-                                    </p:set>
-                                  </p:childTnLst>
-                                </p:cTn>
-                              </p:par>
-                            </p:childTnLst>
-                          </p:cTn>
-                        </p:par>
-                      </p:childTnLst>
-                    </p:cTn>
-                  </p:par>
-                  <p:par>
-                    <p:cTn id="15" fill="hold" nodeType="clickPar">
-                      <p:stCondLst>
-                        <p:cond delay="indefinite"/>
-                      </p:stCondLst>
-                      <p:childTnLst>
-                        <p:par>
-                          <p:cTn id="16" fill="hold" nodeType="withGroup">
-                            <p:stCondLst>
-                              <p:cond delay="0"/>
-                            </p:stCondLst>
-                            <p:childTnLst>
-                              <p:par>
-                                <p:cTn id="17" presetID="1" presetClass="entr" presetSubtype="0" fill="hold" grpId="0" nodeType="clickEffect">
-                                  <p:stCondLst>
-                                    <p:cond delay="0"/>
-                                  </p:stCondLst>
-                                  <p:childTnLst>
-                                    <p:set>
-                                      <p:cBhvr>
-                                        <p:cTn id="18" dur="1" fill="hold">
-                                          <p:stCondLst>
-                                            <p:cond delay="0"/>
-                                          </p:stCondLst>
-                                        </p:cTn>
-                                        <p:tgtEl>
-                                          <p:spTgt spid="501782"/>
-                                        </p:tgtEl>
-                                        <p:attrNameLst>
-                                          <p:attrName>style.visibility</p:attrName>
-                                        </p:attrNameLst>
-                                      </p:cBhvr>
-                                      <p:to>
-                                        <p:strVal val="visible"/>
-                                      </p:to>
-                                    </p:set>
-                                  </p:childTnLst>
-                                </p:cTn>
-                              </p:par>
-                            </p:childTnLst>
-                          </p:cTn>
-                        </p:par>
-                      </p:childTnLst>
-                    </p:cTn>
-                  </p:par>
-                  <p:par>
-                    <p:cTn id="19" fill="hold" nodeType="clickPar">
-                      <p:stCondLst>
-                        <p:cond delay="indefinite"/>
-                      </p:stCondLst>
-                      <p:childTnLst>
-                        <p:par>
-                          <p:cTn id="20" fill="hold" nodeType="withGroup">
-                            <p:stCondLst>
-                              <p:cond delay="0"/>
-                            </p:stCondLst>
-                            <p:childTnLst>
-                              <p:par>
-                                <p:cTn id="21" presetID="1" presetClass="entr" presetSubtype="0" fill="hold" grpId="0" nodeType="clickEffect">
-                                  <p:stCondLst>
-                                    <p:cond delay="0"/>
-                                  </p:stCondLst>
-                                  <p:childTnLst>
-                                    <p:set>
-                                      <p:cBhvr>
-                                        <p:cTn id="22" dur="1" fill="hold">
-                                          <p:stCondLst>
-                                            <p:cond delay="0"/>
-                                          </p:stCondLst>
-                                        </p:cTn>
-                                        <p:tgtEl>
-                                          <p:spTgt spid="501775"/>
-                                        </p:tgtEl>
-                                        <p:attrNameLst>
-                                          <p:attrName>style.visibility</p:attrName>
-                                        </p:attrNameLst>
-                                      </p:cBhvr>
-                                      <p:to>
-                                        <p:strVal val="visible"/>
-                                      </p:to>
-                                    </p:set>
-                                  </p:childTnLst>
-                                </p:cTn>
-                              </p:par>
-                            </p:childTnLst>
-                          </p:cTn>
-                        </p:par>
-                      </p:childTnLst>
-                    </p:cTn>
-                  </p:par>
-                  <p:par>
-                    <p:cTn id="23" fill="hold" nodeType="clickPar">
-                      <p:stCondLst>
-                        <p:cond delay="indefinite"/>
-                      </p:stCondLst>
-                      <p:childTnLst>
-                        <p:par>
-                          <p:cTn id="24" fill="hold" nodeType="withGroup">
-                            <p:stCondLst>
-                              <p:cond delay="0"/>
-                            </p:stCondLst>
-                            <p:childTnLst>
-                              <p:par>
-                                <p:cTn id="25" presetID="1" presetClass="entr" presetSubtype="0" fill="hold" grpId="0" nodeType="clickEffect">
-                                  <p:stCondLst>
-                                    <p:cond delay="0"/>
-                                  </p:stCondLst>
-                                  <p:childTnLst>
-                                    <p:set>
-                                      <p:cBhvr>
-                                        <p:cTn id="26" dur="1" fill="hold">
-                                          <p:stCondLst>
-                                            <p:cond delay="0"/>
-                                          </p:stCondLst>
-                                        </p:cTn>
-                                        <p:tgtEl>
-                                          <p:spTgt spid="501770"/>
-                                        </p:tgtEl>
-                                        <p:attrNameLst>
-                                          <p:attrName>style.visibility</p:attrName>
-                                        </p:attrNameLst>
-                                      </p:cBhvr>
-                                      <p:to>
-                                        <p:strVal val="visible"/>
-                                      </p:to>
-                                    </p:set>
-                                  </p:childTnLst>
-                                </p:cTn>
-                              </p:par>
-                            </p:childTnLst>
-                          </p:cTn>
-                        </p:par>
-                      </p:childTnLst>
-                    </p:cTn>
-                  </p:par>
-                  <p:par>
-                    <p:cTn id="27" fill="hold" nodeType="clickPar">
-                      <p:stCondLst>
-                        <p:cond delay="indefinite"/>
-                      </p:stCondLst>
-                      <p:childTnLst>
-                        <p:par>
-                          <p:cTn id="28" fill="hold" nodeType="withGroup">
-                            <p:stCondLst>
-                              <p:cond delay="0"/>
-                            </p:stCondLst>
-                            <p:childTnLst>
-                              <p:par>
-                                <p:cTn id="29" presetID="1" presetClass="entr" presetSubtype="0" fill="hold" grpId="0" nodeType="clickEffect">
-                                  <p:stCondLst>
-                                    <p:cond delay="0"/>
-                                  </p:stCondLst>
-                                  <p:childTnLst>
-                                    <p:set>
-                                      <p:cBhvr>
-                                        <p:cTn id="30" dur="1" fill="hold">
-                                          <p:stCondLst>
-                                            <p:cond delay="0"/>
-                                          </p:stCondLst>
-                                        </p:cTn>
-                                        <p:tgtEl>
-                                          <p:spTgt spid="501776"/>
-                                        </p:tgtEl>
-                                        <p:attrNameLst>
-                                          <p:attrName>style.visibility</p:attrName>
-                                        </p:attrNameLst>
-                                      </p:cBhvr>
-                                      <p:to>
-                                        <p:strVal val="visible"/>
-                                      </p:to>
-                                    </p:set>
-                                  </p:childTnLst>
-                                </p:cTn>
-                              </p:par>
-                            </p:childTnLst>
-                          </p:cTn>
-                        </p:par>
-                      </p:childTnLst>
-                    </p:cTn>
-                  </p:par>
-                  <p:par>
-                    <p:cTn id="31" fill="hold" nodeType="clickPar">
-                      <p:stCondLst>
-                        <p:cond delay="indefinite"/>
-                      </p:stCondLst>
-                      <p:childTnLst>
-                        <p:par>
-                          <p:cTn id="32" fill="hold" nodeType="withGroup">
-                            <p:stCondLst>
-                              <p:cond delay="0"/>
-                            </p:stCondLst>
-                            <p:childTnLst>
-                              <p:par>
-                                <p:cTn id="33" presetID="1" presetClass="entr" presetSubtype="0" fill="hold" grpId="0" nodeType="clickEffect">
-                                  <p:stCondLst>
-                                    <p:cond delay="0"/>
-                                  </p:stCondLst>
-                                  <p:childTnLst>
-                                    <p:set>
-                                      <p:cBhvr>
-                                        <p:cTn id="34" dur="1" fill="hold">
-                                          <p:stCondLst>
-                                            <p:cond delay="0"/>
-                                          </p:stCondLst>
-                                        </p:cTn>
-                                        <p:tgtEl>
-                                          <p:spTgt spid="501777"/>
-                                        </p:tgtEl>
-                                        <p:attrNameLst>
-                                          <p:attrName>style.visibility</p:attrName>
-                                        </p:attrNameLst>
-                                      </p:cBhvr>
-                                      <p:to>
-                                        <p:strVal val="visible"/>
-                                      </p:to>
-                                    </p:set>
-                                  </p:childTnLst>
-                                </p:cTn>
-                              </p:par>
-                            </p:childTnLst>
-                          </p:cTn>
-                        </p:par>
-                      </p:childTnLst>
-                    </p:cTn>
-                  </p:par>
-                  <p:par>
-                    <p:cTn id="35" fill="hold" nodeType="clickPar">
-                      <p:stCondLst>
-                        <p:cond delay="indefinite"/>
-                      </p:stCondLst>
-                      <p:childTnLst>
-                        <p:par>
-                          <p:cTn id="36" fill="hold" nodeType="withGroup">
-                            <p:stCondLst>
-                              <p:cond delay="0"/>
-                            </p:stCondLst>
-                            <p:childTnLst>
-                              <p:par>
-                                <p:cTn id="37" presetID="1" presetClass="entr" presetSubtype="0" fill="hold" grpId="0" nodeType="clickEffect">
-                                  <p:stCondLst>
-                                    <p:cond delay="0"/>
-                                  </p:stCondLst>
-                                  <p:childTnLst>
-                                    <p:set>
-                                      <p:cBhvr>
-                                        <p:cTn id="38" dur="1" fill="hold">
-                                          <p:stCondLst>
-                                            <p:cond delay="0"/>
-                                          </p:stCondLst>
-                                        </p:cTn>
-                                        <p:tgtEl>
-                                          <p:spTgt spid="501771"/>
-                                        </p:tgtEl>
-                                        <p:attrNameLst>
-                                          <p:attrName>style.visibility</p:attrName>
-                                        </p:attrNameLst>
-                                      </p:cBhvr>
-                                      <p:to>
-                                        <p:strVal val="visible"/>
-                                      </p:to>
-                                    </p:set>
-                                  </p:childTnLst>
-                                </p:cTn>
-                              </p:par>
-                            </p:childTnLst>
-                          </p:cTn>
-                        </p:par>
-                      </p:childTnLst>
-                    </p:cTn>
-                  </p:par>
-                  <p:par>
-                    <p:cTn id="39" fill="hold" nodeType="clickPar">
-                      <p:stCondLst>
-                        <p:cond delay="indefinite"/>
-                      </p:stCondLst>
-                      <p:childTnLst>
-                        <p:par>
-                          <p:cTn id="40" fill="hold" nodeType="withGroup">
-                            <p:stCondLst>
-                              <p:cond delay="0"/>
-                            </p:stCondLst>
-                            <p:childTnLst>
-                              <p:par>
-                                <p:cTn id="41" presetID="1" presetClass="entr" presetSubtype="0" fill="hold" grpId="0" nodeType="clickEffect">
-                                  <p:stCondLst>
-                                    <p:cond delay="0"/>
-                                  </p:stCondLst>
-                                  <p:childTnLst>
-                                    <p:set>
-                                      <p:cBhvr>
-                                        <p:cTn id="42" dur="1" fill="hold">
-                                          <p:stCondLst>
-                                            <p:cond delay="0"/>
-                                          </p:stCondLst>
-                                        </p:cTn>
-                                        <p:tgtEl>
-                                          <p:spTgt spid="501772"/>
-                                        </p:tgtEl>
-                                        <p:attrNameLst>
-                                          <p:attrName>style.visibility</p:attrName>
-                                        </p:attrNameLst>
-                                      </p:cBhvr>
-                                      <p:to>
-                                        <p:strVal val="visible"/>
-                                      </p:to>
-                                    </p:set>
-                                  </p:childTnLst>
-                                </p:cTn>
-                              </p:par>
-                            </p:childTnLst>
-                          </p:cTn>
-                        </p:par>
-                      </p:childTnLst>
-                    </p:cTn>
-                  </p:par>
-                  <p:par>
-                    <p:cTn id="43" fill="hold" nodeType="clickPar">
-                      <p:stCondLst>
-                        <p:cond delay="indefinite"/>
-                      </p:stCondLst>
-                      <p:childTnLst>
-                        <p:par>
-                          <p:cTn id="44" fill="hold" nodeType="withGroup">
-                            <p:stCondLst>
-                              <p:cond delay="0"/>
-                            </p:stCondLst>
-                            <p:childTnLst>
-                              <p:par>
-                                <p:cTn id="45" presetID="1" presetClass="entr" presetSubtype="0" fill="hold" grpId="0" nodeType="clickEffect">
-                                  <p:stCondLst>
-                                    <p:cond delay="0"/>
-                                  </p:stCondLst>
-                                  <p:childTnLst>
-                                    <p:set>
-                                      <p:cBhvr>
-                                        <p:cTn id="46" dur="1" fill="hold">
-                                          <p:stCondLst>
-                                            <p:cond delay="0"/>
-                                          </p:stCondLst>
-                                        </p:cTn>
-                                        <p:tgtEl>
-                                          <p:spTgt spid="501773"/>
-                                        </p:tgtEl>
-                                        <p:attrNameLst>
-                                          <p:attrName>style.visibility</p:attrName>
-                                        </p:attrNameLst>
-                                      </p:cBhvr>
-                                      <p:to>
-                                        <p:strVal val="visible"/>
-                                      </p:to>
-                                    </p:set>
-                                  </p:childTnLst>
-                                </p:cTn>
-                              </p:par>
-                            </p:childTnLst>
-                          </p:cTn>
-                        </p:par>
-                      </p:childTnLst>
-                    </p:cTn>
-                  </p:par>
-                  <p:par>
-                    <p:cTn id="47" fill="hold" nodeType="clickPar">
-                      <p:stCondLst>
-                        <p:cond delay="indefinite"/>
-                      </p:stCondLst>
-                      <p:childTnLst>
-                        <p:par>
-                          <p:cTn id="48" fill="hold" nodeType="withGroup">
-                            <p:stCondLst>
-                              <p:cond delay="0"/>
-                            </p:stCondLst>
-                            <p:childTnLst>
-                              <p:par>
-                                <p:cTn id="49" presetID="1" presetClass="entr" presetSubtype="0" fill="hold" grpId="0" nodeType="clickEffect">
-                                  <p:stCondLst>
-                                    <p:cond delay="0"/>
-                                  </p:stCondLst>
-                                  <p:childTnLst>
-                                    <p:set>
-                                      <p:cBhvr>
-                                        <p:cTn id="50" dur="1" fill="hold">
-                                          <p:stCondLst>
-                                            <p:cond delay="0"/>
-                                          </p:stCondLst>
-                                        </p:cTn>
-                                        <p:tgtEl>
-                                          <p:spTgt spid="501783"/>
-                                        </p:tgtEl>
-                                        <p:attrNameLst>
-                                          <p:attrName>style.visibility</p:attrName>
-                                        </p:attrNameLst>
-                                      </p:cBhvr>
-                                      <p:to>
-                                        <p:strVal val="visible"/>
-                                      </p:to>
-                                    </p:set>
-                                  </p:childTnLst>
-                                </p:cTn>
-                              </p:par>
-                            </p:childTnLst>
-                          </p:cTn>
-                        </p:par>
-                      </p:childTnLst>
-                    </p:cTn>
-                  </p:par>
-                  <p:par>
-                    <p:cTn id="51" fill="hold" nodeType="clickPar">
-                      <p:stCondLst>
-                        <p:cond delay="indefinite"/>
-                      </p:stCondLst>
-                      <p:childTnLst>
-                        <p:par>
-                          <p:cTn id="52" fill="hold" nodeType="withGroup">
-                            <p:stCondLst>
-                              <p:cond delay="0"/>
-                            </p:stCondLst>
-                            <p:childTnLst>
-                              <p:par>
-                                <p:cTn id="53" presetID="1" presetClass="entr" presetSubtype="0" fill="hold" grpId="0" nodeType="clickEffect">
-                                  <p:stCondLst>
-                                    <p:cond delay="0"/>
-                                  </p:stCondLst>
-                                  <p:childTnLst>
-                                    <p:set>
-                                      <p:cBhvr>
-                                        <p:cTn id="54" dur="1" fill="hold">
-                                          <p:stCondLst>
-                                            <p:cond delay="0"/>
-                                          </p:stCondLst>
-                                        </p:cTn>
-                                        <p:tgtEl>
-                                          <p:spTgt spid="501781"/>
-                                        </p:tgtEl>
-                                        <p:attrNameLst>
-                                          <p:attrName>style.visibility</p:attrName>
-                                        </p:attrNameLst>
-                                      </p:cBhvr>
-                                      <p:to>
-                                        <p:strVal val="visible"/>
-                                      </p:to>
-                                    </p:set>
-                                  </p:childTnLst>
-                                </p:cTn>
-                              </p:par>
-                            </p:childTnLst>
-                          </p:cTn>
-                        </p:par>
-                      </p:childTnLst>
-                    </p:cTn>
-                  </p:par>
-                  <p:par>
-                    <p:cTn id="55" fill="hold" nodeType="clickPar">
-                      <p:stCondLst>
-                        <p:cond delay="indefinite"/>
-                      </p:stCondLst>
-                      <p:childTnLst>
-                        <p:par>
-                          <p:cTn id="56" fill="hold" nodeType="withGroup">
-                            <p:stCondLst>
-                              <p:cond delay="0"/>
-                            </p:stCondLst>
-                            <p:childTnLst>
-                              <p:par>
-                                <p:cTn id="57" presetID="1" presetClass="entr" presetSubtype="0" fill="hold" grpId="0" nodeType="clickEffect">
-                                  <p:stCondLst>
-                                    <p:cond delay="0"/>
-                                  </p:stCondLst>
-                                  <p:childTnLst>
-                                    <p:set>
-                                      <p:cBhvr>
-                                        <p:cTn id="58" dur="1" fill="hold">
-                                          <p:stCondLst>
-                                            <p:cond delay="0"/>
-                                          </p:stCondLst>
-                                        </p:cTn>
-                                        <p:tgtEl>
-                                          <p:spTgt spid="501780"/>
-                                        </p:tgtEl>
-                                        <p:attrNameLst>
-                                          <p:attrName>style.visibility</p:attrName>
-                                        </p:attrNameLst>
-                                      </p:cBhvr>
-                                      <p:to>
-                                        <p:strVal val="visible"/>
-                                      </p:to>
-                                    </p:set>
-                                  </p:childTnLst>
-                                </p:cTn>
-                              </p:par>
-                            </p:childTnLst>
-                          </p:cTn>
-                        </p:par>
-                      </p:childTnLst>
-                    </p:cTn>
-                  </p:par>
-                  <p:par>
-                    <p:cTn id="59" fill="hold" nodeType="clickPar">
-                      <p:stCondLst>
-                        <p:cond delay="indefinite"/>
-                      </p:stCondLst>
-                      <p:childTnLst>
-                        <p:par>
-                          <p:cTn id="60" fill="hold" nodeType="withGroup">
-                            <p:stCondLst>
-                              <p:cond delay="0"/>
-                            </p:stCondLst>
-                            <p:childTnLst>
-                              <p:par>
-                                <p:cTn id="61" presetID="1" presetClass="entr" presetSubtype="0" fill="hold" grpId="0" nodeType="clickEffect">
-                                  <p:stCondLst>
-                                    <p:cond delay="0"/>
-                                  </p:stCondLst>
-                                  <p:childTnLst>
-                                    <p:set>
-                                      <p:cBhvr>
-                                        <p:cTn id="62" dur="1" fill="hold">
-                                          <p:stCondLst>
-                                            <p:cond delay="0"/>
-                                          </p:stCondLst>
-                                        </p:cTn>
-                                        <p:tgtEl>
-                                          <p:spTgt spid="501774"/>
-                                        </p:tgtEl>
-                                        <p:attrNameLst>
-                                          <p:attrName>style.visibility</p:attrName>
-                                        </p:attrNameLst>
-                                      </p:cBhvr>
-                                      <p:to>
-                                        <p:strVal val="visible"/>
-                                      </p:to>
-                                    </p:set>
-                                  </p:childTnLst>
-                                </p:cTn>
-                              </p:par>
-                            </p:childTnLst>
-                          </p:cTn>
-                        </p:par>
-                      </p:childTnLst>
-                    </p:cTn>
-                  </p:par>
-                  <p:par>
-                    <p:cTn id="63" fill="hold">
-                      <p:stCondLst>
-                        <p:cond delay="indefinite"/>
-                      </p:stCondLst>
-                      <p:childTnLst>
-                        <p:par>
-                          <p:cTn id="64" fill="hold">
-                            <p:stCondLst>
-                              <p:cond delay="0"/>
-                            </p:stCondLst>
-                            <p:childTnLst>
-                              <p:par>
-                                <p:cTn id="65" presetID="1" presetClass="entr" presetSubtype="0" fill="hold" grpId="0" nodeType="clickEffect">
-                                  <p:stCondLst>
-                                    <p:cond delay="0"/>
-                                  </p:stCondLst>
-                                  <p:childTnLst>
-                                    <p:set>
-                                      <p:cBhvr>
-                                        <p:cTn id="66" dur="1" fill="hold">
-                                          <p:stCondLst>
-                                            <p:cond delay="0"/>
-                                          </p:stCondLst>
-                                        </p:cTn>
-                                        <p:tgtEl>
-                                          <p:spTgt spid="20"/>
-                                        </p:tgtEl>
-                                        <p:attrNameLst>
-                                          <p:attrName>style.visibility</p:attrName>
-                                        </p:attrNameLst>
-                                      </p:cBhvr>
-                                      <p:to>
-                                        <p:strVal val="visible"/>
-                                      </p:to>
-                                    </p:set>
-                                  </p:childTnLst>
-                                </p:cTn>
-                              </p:par>
-                            </p:childTnLst>
-                          </p:cTn>
-                        </p:par>
-                      </p:childTnLst>
-                    </p:cTn>
-                  </p:par>
-                  <p:par>
-                    <p:cTn id="67" fill="hold">
-                      <p:stCondLst>
-                        <p:cond delay="indefinite"/>
-                      </p:stCondLst>
-                      <p:childTnLst>
-                        <p:par>
-                          <p:cTn id="68" fill="hold">
-                            <p:stCondLst>
-                              <p:cond delay="0"/>
-                            </p:stCondLst>
-                            <p:childTnLst>
-                              <p:par>
-                                <p:cTn id="69" presetID="1" presetClass="entr" presetSubtype="0" fill="hold" grpId="0" nodeType="clickEffect">
-                                  <p:stCondLst>
-                                    <p:cond delay="0"/>
-                                  </p:stCondLst>
-                                  <p:childTnLst>
-                                    <p:set>
-                                      <p:cBhvr>
-                                        <p:cTn id="70" dur="1" fill="hold">
-                                          <p:stCondLst>
-                                            <p:cond delay="0"/>
-                                          </p:stCondLst>
-                                        </p:cTn>
-                                        <p:tgtEl>
-                                          <p:spTgt spid="21"/>
-                                        </p:tgtEl>
-                                        <p:attrNameLst>
-                                          <p:attrName>style.visibility</p:attrName>
-                                        </p:attrNameLst>
-                                      </p:cBhvr>
-                                      <p:to>
-                                        <p:strVal val="visible"/>
-                                      </p:to>
-                                    </p:set>
-                                  </p:childTnLst>
-                                </p:cTn>
-                              </p:par>
-                            </p:childTnLst>
-                          </p:cTn>
-                        </p:par>
-                      </p:childTnLst>
-                    </p:cTn>
-                  </p:par>
-                </p:childTnLst>
-              </p:cTn>
-              <p:prevCondLst>
-                <p:cond evt="onPrev" delay="0">
-                  <p:tgtEl>
-                    <p:sldTgt/>
-                  </p:tgtEl>
-                </p:cond>
-              </p:prevCondLst>
-              <p:nextCondLst>
-                <p:cond evt="onNext" delay="0">
-                  <p:tgtEl>
-                    <p:sldTgt/>
-                  </p:tgtEl>
-                </p:cond>
-              </p:nextCondLst>
-            </p:seq>
-          </p:childTnLst>
-        </p:cTn>
-      </p:par>
-    </p:tnLst>
-    <p:bldLst>
-      <p:bldP spid="501766" grpId="0" animBg="1"/>
-      <p:bldP spid="501768" grpId="0"/>
-      <p:bldP spid="501769" grpId="0" animBg="1"/>
-      <p:bldP spid="501770" grpId="0" animBg="1"/>
-      <p:bldP spid="501771" grpId="0" animBg="1"/>
-      <p:bldP spid="501772" grpId="0" animBg="1"/>
-      <p:bldP spid="501773" grpId="0" animBg="1"/>
-      <p:bldP spid="501774" grpId="0" animBg="1"/>
-      <p:bldP spid="501775" grpId="0"/>
-      <p:bldP spid="501776" grpId="0"/>
-      <p:bldP spid="501777" grpId="0"/>
-      <p:bldP spid="501780" grpId="0" animBg="1"/>
-      <p:bldP spid="501781" grpId="0"/>
-      <p:bldP spid="501782" grpId="0"/>
-      <p:bldP spid="501783" grpId="0"/>
-      <p:bldP spid="20" grpId="0" animBg="1"/>
-      <p:bldP spid="21" grpId="0"/>
-    </p:bldLst>
-  </p:timing>
-</p:sld>
-</file>
-
-<file path=ppt/slides/slide11.xml><?xml version="1.0" encoding="utf-8"?>
-<p:sld xmlns:a="http://schemas.openxmlformats.org/drawingml/2006/main" xmlns:r="http://schemas.openxmlformats.org/officeDocument/2006/relationships" xmlns:p="http://schemas.openxmlformats.org/presentationml/2006/main">
-  <p:cSld>
-    <p:spTree>
-      <p:nvGrpSpPr>
-        <p:cNvPr id="1" name=""/>
-        <p:cNvGrpSpPr/>
-        <p:nvPr/>
-      </p:nvGrpSpPr>
-      <p:grpSpPr>
-        <a:xfrm>
-          <a:off x="0" y="0"/>
-          <a:ext cx="0" cy="0"/>
-          <a:chOff x="0" y="0"/>
-          <a:chExt cx="0" cy="0"/>
-        </a:xfrm>
-      </p:grpSpPr>
       <p:pic>
         <p:nvPicPr>
           <p:cNvPr id="3" name="Picture 2"/>
@@ -7501,7 +3541,7 @@
               <a:pPr>
                 <a:defRPr/>
               </a:pPr>
-              <a:t>11</a:t>
+              <a:t>10</a:t>
             </a:fld>
             <a:endParaRPr lang="en-US" dirty="0"/>
           </a:p>
@@ -7909,7 +3949,7 @@
 </p:sld>
 </file>
 
-<file path=ppt/slides/slide12.xml><?xml version="1.0" encoding="utf-8"?>
+<file path=ppt/slides/slide11.xml><?xml version="1.0" encoding="utf-8"?>
 <p:sld xmlns:a="http://schemas.openxmlformats.org/drawingml/2006/main" xmlns:r="http://schemas.openxmlformats.org/officeDocument/2006/relationships" xmlns:p="http://schemas.openxmlformats.org/presentationml/2006/main">
   <p:cSld>
     <p:spTree>
@@ -8581,7 +4621,7 @@
               <a:pPr>
                 <a:defRPr/>
               </a:pPr>
-              <a:t>12</a:t>
+              <a:t>11</a:t>
             </a:fld>
             <a:endParaRPr lang="en-US" dirty="0"/>
           </a:p>
@@ -9222,7 +5262,7 @@
 </p:sld>
 </file>
 
-<file path=ppt/slides/slide13.xml><?xml version="1.0" encoding="utf-8"?>
+<file path=ppt/slides/slide12.xml><?xml version="1.0" encoding="utf-8"?>
 <p:sld xmlns:a="http://schemas.openxmlformats.org/drawingml/2006/main" xmlns:r="http://schemas.openxmlformats.org/officeDocument/2006/relationships" xmlns:p="http://schemas.openxmlformats.org/presentationml/2006/main">
   <p:cSld>
     <p:spTree>
@@ -9555,7 +5595,7 @@
               <a:pPr>
                 <a:defRPr/>
               </a:pPr>
-              <a:t>13</a:t>
+              <a:t>12</a:t>
             </a:fld>
             <a:endParaRPr lang="en-US" dirty="0"/>
           </a:p>
@@ -10260,7 +6300,7 @@
 </p:sld>
 </file>
 
-<file path=ppt/slides/slide14.xml><?xml version="1.0" encoding="utf-8"?>
+<file path=ppt/slides/slide13.xml><?xml version="1.0" encoding="utf-8"?>
 <p:sld xmlns:a="http://schemas.openxmlformats.org/drawingml/2006/main" xmlns:r="http://schemas.openxmlformats.org/officeDocument/2006/relationships" xmlns:p="http://schemas.openxmlformats.org/presentationml/2006/main">
   <p:cSld>
     <p:spTree>
@@ -10816,7 +6856,7 @@
               <a:pPr>
                 <a:defRPr/>
               </a:pPr>
-              <a:t>14</a:t>
+              <a:t>13</a:t>
             </a:fld>
             <a:endParaRPr lang="en-US" dirty="0"/>
           </a:p>
@@ -11789,49 +7829,19 @@
           </p:cNvPicPr>
           <p:nvPr/>
         </p:nvPicPr>
-        <p:blipFill>
+        <p:blipFill rotWithShape="1">
           <a:blip r:embed="rId3"/>
-          <a:stretch>
-            <a:fillRect/>
-          </a:stretch>
+          <a:srcRect b="8601"/>
+          <a:stretch/>
         </p:blipFill>
         <p:spPr>
           <a:xfrm>
             <a:off x="1763688" y="3764889"/>
-            <a:ext cx="2162175" cy="2705100"/>
+            <a:ext cx="2162175" cy="2472423"/>
           </a:xfrm>
           <a:prstGeom prst="rect">
             <a:avLst/>
           </a:prstGeom>
-        </p:spPr>
-      </p:pic>
-      <p:pic>
-        <p:nvPicPr>
-          <p:cNvPr id="7" name="Picture 6"/>
-          <p:cNvPicPr>
-            <a:picLocks noChangeAspect="1"/>
-          </p:cNvPicPr>
-          <p:nvPr/>
-        </p:nvPicPr>
-        <p:blipFill>
-          <a:blip r:embed="rId4"/>
-          <a:stretch>
-            <a:fillRect/>
-          </a:stretch>
-        </p:blipFill>
-        <p:spPr>
-          <a:xfrm>
-            <a:off x="4283968" y="3899593"/>
-            <a:ext cx="3240360" cy="2630551"/>
-          </a:xfrm>
-          <a:prstGeom prst="rect">
-            <a:avLst/>
-          </a:prstGeom>
-          <a:ln>
-            <a:solidFill>
-              <a:schemeClr val="accent1"/>
-            </a:solidFill>
-          </a:ln>
         </p:spPr>
       </p:pic>
       <p:sp>
@@ -11863,6 +7873,30 @@
           </a:p>
         </p:txBody>
       </p:sp>
+      <p:pic>
+        <p:nvPicPr>
+          <p:cNvPr id="4" name="Picture 3"/>
+          <p:cNvPicPr>
+            <a:picLocks noChangeAspect="1"/>
+          </p:cNvPicPr>
+          <p:nvPr/>
+        </p:nvPicPr>
+        <p:blipFill>
+          <a:blip r:embed="rId4"/>
+          <a:stretch>
+            <a:fillRect/>
+          </a:stretch>
+        </p:blipFill>
+        <p:spPr>
+          <a:xfrm>
+            <a:off x="3779912" y="4088323"/>
+            <a:ext cx="4878772" cy="2058232"/>
+          </a:xfrm>
+          <a:prstGeom prst="rect">
+            <a:avLst/>
+          </a:prstGeom>
+        </p:spPr>
+      </p:pic>
     </p:spTree>
     <p:extLst>
       <p:ext uri="{BB962C8B-B14F-4D97-AF65-F5344CB8AC3E}">
@@ -11873,6 +7907,284 @@
   <p:clrMapOvr>
     <a:masterClrMapping/>
   </p:clrMapOvr>
+  <p:timing>
+    <p:tnLst>
+      <p:par>
+        <p:cTn id="1" dur="indefinite" restart="never" nodeType="tmRoot">
+          <p:childTnLst>
+            <p:seq concurrent="1" nextAc="seek">
+              <p:cTn id="2" dur="indefinite" nodeType="mainSeq">
+                <p:childTnLst>
+                  <p:par>
+                    <p:cTn id="3" fill="hold">
+                      <p:stCondLst>
+                        <p:cond delay="indefinite"/>
+                      </p:stCondLst>
+                      <p:childTnLst>
+                        <p:par>
+                          <p:cTn id="4" fill="hold">
+                            <p:stCondLst>
+                              <p:cond delay="0"/>
+                            </p:stCondLst>
+                            <p:childTnLst>
+                              <p:par>
+                                <p:cTn id="5" presetID="1" presetClass="entr" presetSubtype="0" fill="hold" grpId="0" nodeType="clickEffect">
+                                  <p:stCondLst>
+                                    <p:cond delay="0"/>
+                                  </p:stCondLst>
+                                  <p:childTnLst>
+                                    <p:set>
+                                      <p:cBhvr>
+                                        <p:cTn id="6" dur="1" fill="hold">
+                                          <p:stCondLst>
+                                            <p:cond delay="0"/>
+                                          </p:stCondLst>
+                                        </p:cTn>
+                                        <p:tgtEl>
+                                          <p:spTgt spid="3">
+                                            <p:txEl>
+                                              <p:pRg st="0" end="0"/>
+                                            </p:txEl>
+                                          </p:spTgt>
+                                        </p:tgtEl>
+                                        <p:attrNameLst>
+                                          <p:attrName>style.visibility</p:attrName>
+                                        </p:attrNameLst>
+                                      </p:cBhvr>
+                                      <p:to>
+                                        <p:strVal val="visible"/>
+                                      </p:to>
+                                    </p:set>
+                                  </p:childTnLst>
+                                </p:cTn>
+                              </p:par>
+                            </p:childTnLst>
+                          </p:cTn>
+                        </p:par>
+                      </p:childTnLst>
+                    </p:cTn>
+                  </p:par>
+                  <p:par>
+                    <p:cTn id="7" fill="hold">
+                      <p:stCondLst>
+                        <p:cond delay="indefinite"/>
+                      </p:stCondLst>
+                      <p:childTnLst>
+                        <p:par>
+                          <p:cTn id="8" fill="hold">
+                            <p:stCondLst>
+                              <p:cond delay="0"/>
+                            </p:stCondLst>
+                            <p:childTnLst>
+                              <p:par>
+                                <p:cTn id="9" presetID="1" presetClass="entr" presetSubtype="0" fill="hold" grpId="0" nodeType="clickEffect">
+                                  <p:stCondLst>
+                                    <p:cond delay="0"/>
+                                  </p:stCondLst>
+                                  <p:childTnLst>
+                                    <p:set>
+                                      <p:cBhvr>
+                                        <p:cTn id="10" dur="1" fill="hold">
+                                          <p:stCondLst>
+                                            <p:cond delay="0"/>
+                                          </p:stCondLst>
+                                        </p:cTn>
+                                        <p:tgtEl>
+                                          <p:spTgt spid="3">
+                                            <p:txEl>
+                                              <p:pRg st="1" end="1"/>
+                                            </p:txEl>
+                                          </p:spTgt>
+                                        </p:tgtEl>
+                                        <p:attrNameLst>
+                                          <p:attrName>style.visibility</p:attrName>
+                                        </p:attrNameLst>
+                                      </p:cBhvr>
+                                      <p:to>
+                                        <p:strVal val="visible"/>
+                                      </p:to>
+                                    </p:set>
+                                  </p:childTnLst>
+                                </p:cTn>
+                              </p:par>
+                            </p:childTnLst>
+                          </p:cTn>
+                        </p:par>
+                      </p:childTnLst>
+                    </p:cTn>
+                  </p:par>
+                  <p:par>
+                    <p:cTn id="11" fill="hold">
+                      <p:stCondLst>
+                        <p:cond delay="indefinite"/>
+                      </p:stCondLst>
+                      <p:childTnLst>
+                        <p:par>
+                          <p:cTn id="12" fill="hold">
+                            <p:stCondLst>
+                              <p:cond delay="0"/>
+                            </p:stCondLst>
+                            <p:childTnLst>
+                              <p:par>
+                                <p:cTn id="13" presetID="1" presetClass="entr" presetSubtype="0" fill="hold" grpId="0" nodeType="clickEffect">
+                                  <p:stCondLst>
+                                    <p:cond delay="0"/>
+                                  </p:stCondLst>
+                                  <p:childTnLst>
+                                    <p:set>
+                                      <p:cBhvr>
+                                        <p:cTn id="14" dur="1" fill="hold">
+                                          <p:stCondLst>
+                                            <p:cond delay="0"/>
+                                          </p:stCondLst>
+                                        </p:cTn>
+                                        <p:tgtEl>
+                                          <p:spTgt spid="3">
+                                            <p:txEl>
+                                              <p:pRg st="2" end="2"/>
+                                            </p:txEl>
+                                          </p:spTgt>
+                                        </p:tgtEl>
+                                        <p:attrNameLst>
+                                          <p:attrName>style.visibility</p:attrName>
+                                        </p:attrNameLst>
+                                      </p:cBhvr>
+                                      <p:to>
+                                        <p:strVal val="visible"/>
+                                      </p:to>
+                                    </p:set>
+                                  </p:childTnLst>
+                                </p:cTn>
+                              </p:par>
+                            </p:childTnLst>
+                          </p:cTn>
+                        </p:par>
+                      </p:childTnLst>
+                    </p:cTn>
+                  </p:par>
+                  <p:par>
+                    <p:cTn id="15" fill="hold">
+                      <p:stCondLst>
+                        <p:cond delay="indefinite"/>
+                      </p:stCondLst>
+                      <p:childTnLst>
+                        <p:par>
+                          <p:cTn id="16" fill="hold">
+                            <p:stCondLst>
+                              <p:cond delay="0"/>
+                            </p:stCondLst>
+                            <p:childTnLst>
+                              <p:par>
+                                <p:cTn id="17" presetID="1" presetClass="entr" presetSubtype="0" fill="hold" grpId="0" nodeType="clickEffect">
+                                  <p:stCondLst>
+                                    <p:cond delay="0"/>
+                                  </p:stCondLst>
+                                  <p:childTnLst>
+                                    <p:set>
+                                      <p:cBhvr>
+                                        <p:cTn id="18" dur="1" fill="hold">
+                                          <p:stCondLst>
+                                            <p:cond delay="0"/>
+                                          </p:stCondLst>
+                                        </p:cTn>
+                                        <p:tgtEl>
+                                          <p:spTgt spid="3">
+                                            <p:txEl>
+                                              <p:pRg st="3" end="3"/>
+                                            </p:txEl>
+                                          </p:spTgt>
+                                        </p:tgtEl>
+                                        <p:attrNameLst>
+                                          <p:attrName>style.visibility</p:attrName>
+                                        </p:attrNameLst>
+                                      </p:cBhvr>
+                                      <p:to>
+                                        <p:strVal val="visible"/>
+                                      </p:to>
+                                    </p:set>
+                                  </p:childTnLst>
+                                </p:cTn>
+                              </p:par>
+                            </p:childTnLst>
+                          </p:cTn>
+                        </p:par>
+                      </p:childTnLst>
+                    </p:cTn>
+                  </p:par>
+                  <p:par>
+                    <p:cTn id="19" fill="hold">
+                      <p:stCondLst>
+                        <p:cond delay="indefinite"/>
+                      </p:stCondLst>
+                      <p:childTnLst>
+                        <p:par>
+                          <p:cTn id="20" fill="hold">
+                            <p:stCondLst>
+                              <p:cond delay="0"/>
+                            </p:stCondLst>
+                            <p:childTnLst>
+                              <p:par>
+                                <p:cTn id="21" presetID="1" presetClass="entr" presetSubtype="0" fill="hold" grpId="0" nodeType="clickEffect">
+                                  <p:stCondLst>
+                                    <p:cond delay="0"/>
+                                  </p:stCondLst>
+                                  <p:childTnLst>
+                                    <p:set>
+                                      <p:cBhvr>
+                                        <p:cTn id="22" dur="1" fill="hold">
+                                          <p:stCondLst>
+                                            <p:cond delay="0"/>
+                                          </p:stCondLst>
+                                        </p:cTn>
+                                        <p:tgtEl>
+                                          <p:spTgt spid="3">
+                                            <p:txEl>
+                                              <p:pRg st="4" end="4"/>
+                                            </p:txEl>
+                                          </p:spTgt>
+                                        </p:tgtEl>
+                                        <p:attrNameLst>
+                                          <p:attrName>style.visibility</p:attrName>
+                                        </p:attrNameLst>
+                                      </p:cBhvr>
+                                      <p:to>
+                                        <p:strVal val="visible"/>
+                                      </p:to>
+                                    </p:set>
+                                  </p:childTnLst>
+                                </p:cTn>
+                              </p:par>
+                            </p:childTnLst>
+                          </p:cTn>
+                        </p:par>
+                      </p:childTnLst>
+                    </p:cTn>
+                  </p:par>
+                </p:childTnLst>
+              </p:cTn>
+              <p:prevCondLst>
+                <p:cond evt="onPrev" delay="0">
+                  <p:tgtEl>
+                    <p:sldTgt/>
+                  </p:tgtEl>
+                </p:cond>
+              </p:prevCondLst>
+              <p:nextCondLst>
+                <p:cond evt="onNext" delay="0">
+                  <p:tgtEl>
+                    <p:sldTgt/>
+                  </p:tgtEl>
+                </p:cond>
+              </p:nextCondLst>
+            </p:seq>
+          </p:childTnLst>
+        </p:cTn>
+      </p:par>
+    </p:tnLst>
+    <p:bldLst>
+      <p:bldP spid="3" grpId="0" uiExpand="1" build="p"/>
+    </p:bldLst>
+  </p:timing>
 </p:sld>
 </file>
 
@@ -11909,16 +8221,8 @@
           <a:lstStyle/>
           <a:p>
             <a:r>
-              <a:rPr lang="en-US" dirty="0"/>
-              <a:t>The C# (</a:t>
-            </a:r>
-            <a:r>
-              <a:rPr lang="en-US" dirty="0" err="1"/>
-              <a:t>csharp</a:t>
-            </a:r>
-            <a:r>
-              <a:rPr lang="en-US" dirty="0"/>
-              <a:t>) Language</a:t>
+              <a:rPr lang="en-US" b="0" dirty="0"/>
+              <a:t>Access Modifiers</a:t>
             </a:r>
           </a:p>
         </p:txBody>
@@ -11936,34 +8240,112 @@
         <p:spPr>
           <a:xfrm>
             <a:off x="457200" y="1600200"/>
-            <a:ext cx="8507288" cy="2116832"/>
+            <a:ext cx="8507288" cy="4565104"/>
           </a:xfrm>
         </p:spPr>
         <p:txBody>
           <a:bodyPr/>
           <a:lstStyle/>
           <a:p>
+            <a:pPr marL="0" indent="0">
+              <a:buNone/>
+            </a:pPr>
             <a:r>
               <a:rPr lang="en-US" dirty="0"/>
-              <a:t>C# is case sensitive</a:t>
+              <a:t>Access modifiers are keywords used to specify the declared accessibility of a member or a type. It determines which code can use this class or method. There are four access modifiers:</a:t>
             </a:r>
           </a:p>
           <a:p>
+            <a:pPr marL="285750" indent="-285750">
+              <a:buFont typeface="Arial" panose="020B0604020202020204" pitchFamily="34" charset="0"/>
+              <a:buChar char="•"/>
+            </a:pPr>
+            <a:r>
+              <a:rPr lang="en-US" b="1" dirty="0"/>
+              <a:t>private</a:t>
+            </a:r>
             <a:r>
               <a:rPr lang="en-US" dirty="0"/>
-              <a:t>Every execution statement ends with a ;</a:t>
+              <a:t> – only visible to code within class and inner classes </a:t>
             </a:r>
           </a:p>
           <a:p>
+            <a:pPr marL="285750" indent="-285750">
+              <a:buFont typeface="Arial" panose="020B0604020202020204" pitchFamily="34" charset="0"/>
+              <a:buChar char="•"/>
+            </a:pPr>
+            <a:r>
+              <a:rPr lang="en-US" b="1" dirty="0"/>
+              <a:t>protected</a:t>
+            </a:r>
             <a:r>
               <a:rPr lang="en-US" dirty="0"/>
-              <a:t>The code is organized in classes</a:t>
+              <a:t> – also visible to code within class that inherit from this class</a:t>
             </a:r>
           </a:p>
           <a:p>
+            <a:pPr marL="285750" indent="-285750">
+              <a:buFont typeface="Arial" panose="020B0604020202020204" pitchFamily="34" charset="0"/>
+              <a:buChar char="•"/>
+            </a:pPr>
+            <a:r>
+              <a:rPr lang="en-US" b="1" dirty="0"/>
+              <a:t>Internal</a:t>
+            </a:r>
             <a:r>
               <a:rPr lang="en-US" dirty="0"/>
-              <a:t>Classes have members (Methods, fields, properties, events </a:t>
+              <a:t> – visible to any code within my assembly (</a:t>
+            </a:r>
+            <a:r>
+              <a:rPr lang="en-US" dirty="0" err="1"/>
+              <a:t>dll</a:t>
+            </a:r>
+            <a:r>
+              <a:rPr lang="en-US" dirty="0"/>
+              <a:t>/exe)</a:t>
+            </a:r>
+          </a:p>
+          <a:p>
+            <a:pPr marL="285750" indent="-285750">
+              <a:buFont typeface="Arial" panose="020B0604020202020204" pitchFamily="34" charset="0"/>
+              <a:buChar char="•"/>
+            </a:pPr>
+            <a:r>
+              <a:rPr lang="en-US" b="1" dirty="0"/>
+              <a:t>public</a:t>
+            </a:r>
+            <a:r>
+              <a:rPr lang="en-US" dirty="0"/>
+              <a:t> – visible to any code</a:t>
+            </a:r>
+          </a:p>
+          <a:p>
+            <a:pPr marL="0" indent="0">
+              <a:buNone/>
+            </a:pPr>
+            <a:r>
+              <a:rPr lang="en-US" dirty="0"/>
+              <a:t>Defaults:</a:t>
+            </a:r>
+          </a:p>
+          <a:p>
+            <a:pPr>
+              <a:buFont typeface="Arial" panose="020B0604020202020204" pitchFamily="34" charset="0"/>
+              <a:buChar char="•"/>
+            </a:pPr>
+            <a:r>
+              <a:rPr lang="en-US" dirty="0"/>
+              <a:t>Classes are “internal” </a:t>
+            </a:r>
+          </a:p>
+          <a:p>
+            <a:pPr>
+              <a:buFont typeface="Arial" panose="020B0604020202020204" pitchFamily="34" charset="0"/>
+              <a:buChar char="•"/>
+            </a:pPr>
+            <a:r>
+              <a:rPr lang="en-US" dirty="0"/>
+              <a:t>Members (methods, fields </a:t>
             </a:r>
             <a:r>
               <a:rPr lang="en-US" dirty="0" err="1"/>
@@ -11971,70 +8353,24 @@
             </a:r>
             <a:r>
               <a:rPr lang="en-US" dirty="0"/>
-              <a:t>…)</a:t>
+              <a:t>…) and inner classes are “private”</a:t>
             </a:r>
           </a:p>
           <a:p>
-            <a:r>
-              <a:rPr lang="en-US" dirty="0"/>
-              <a:t>Classes are organized in namespaces (like folders)</a:t>
-            </a:r>
+            <a:pPr>
+              <a:buFont typeface="Arial" panose="020B0604020202020204" pitchFamily="34" charset="0"/>
+              <a:buChar char="•"/>
+            </a:pPr>
+            <a:endParaRPr lang="en-US" dirty="0"/>
+          </a:p>
+          <a:p>
+            <a:pPr marL="0" indent="0">
+              <a:buNone/>
+            </a:pPr>
+            <a:endParaRPr lang="en-US" dirty="0"/>
           </a:p>
         </p:txBody>
       </p:sp>
-      <p:pic>
-        <p:nvPicPr>
-          <p:cNvPr id="6" name="Picture 5"/>
-          <p:cNvPicPr>
-            <a:picLocks noChangeAspect="1"/>
-          </p:cNvPicPr>
-          <p:nvPr/>
-        </p:nvPicPr>
-        <p:blipFill>
-          <a:blip r:embed="rId3"/>
-          <a:stretch>
-            <a:fillRect/>
-          </a:stretch>
-        </p:blipFill>
-        <p:spPr>
-          <a:xfrm>
-            <a:off x="1763688" y="3764889"/>
-            <a:ext cx="2162175" cy="2705100"/>
-          </a:xfrm>
-          <a:prstGeom prst="rect">
-            <a:avLst/>
-          </a:prstGeom>
-        </p:spPr>
-      </p:pic>
-      <p:pic>
-        <p:nvPicPr>
-          <p:cNvPr id="7" name="Picture 6"/>
-          <p:cNvPicPr>
-            <a:picLocks noChangeAspect="1"/>
-          </p:cNvPicPr>
-          <p:nvPr/>
-        </p:nvPicPr>
-        <p:blipFill>
-          <a:blip r:embed="rId4"/>
-          <a:stretch>
-            <a:fillRect/>
-          </a:stretch>
-        </p:blipFill>
-        <p:spPr>
-          <a:xfrm>
-            <a:off x="4283968" y="3899593"/>
-            <a:ext cx="3240360" cy="2630551"/>
-          </a:xfrm>
-          <a:prstGeom prst="rect">
-            <a:avLst/>
-          </a:prstGeom>
-          <a:ln>
-            <a:solidFill>
-              <a:schemeClr val="accent1"/>
-            </a:solidFill>
-          </a:ln>
-        </p:spPr>
-      </p:pic>
       <p:sp>
         <p:nvSpPr>
           <p:cNvPr id="5" name="Slide Number Placeholder 4"/>
@@ -12067,258 +8403,442 @@
     </p:spTree>
     <p:extLst>
       <p:ext uri="{BB962C8B-B14F-4D97-AF65-F5344CB8AC3E}">
-        <p14:creationId xmlns:p14="http://schemas.microsoft.com/office/powerpoint/2010/main" val="3894634672"/>
+        <p14:creationId xmlns:p14="http://schemas.microsoft.com/office/powerpoint/2010/main" val="836371313"/>
       </p:ext>
     </p:extLst>
   </p:cSld>
   <p:clrMapOvr>
     <a:masterClrMapping/>
   </p:clrMapOvr>
+  <p:timing>
+    <p:tnLst>
+      <p:par>
+        <p:cTn id="1" dur="indefinite" restart="never" nodeType="tmRoot">
+          <p:childTnLst>
+            <p:seq concurrent="1" nextAc="seek">
+              <p:cTn id="2" dur="indefinite" nodeType="mainSeq">
+                <p:childTnLst>
+                  <p:par>
+                    <p:cTn id="3" fill="hold">
+                      <p:stCondLst>
+                        <p:cond delay="indefinite"/>
+                      </p:stCondLst>
+                      <p:childTnLst>
+                        <p:par>
+                          <p:cTn id="4" fill="hold">
+                            <p:stCondLst>
+                              <p:cond delay="0"/>
+                            </p:stCondLst>
+                            <p:childTnLst>
+                              <p:par>
+                                <p:cTn id="5" presetID="1" presetClass="entr" presetSubtype="0" fill="hold" grpId="0" nodeType="clickEffect">
+                                  <p:stCondLst>
+                                    <p:cond delay="0"/>
+                                  </p:stCondLst>
+                                  <p:childTnLst>
+                                    <p:set>
+                                      <p:cBhvr>
+                                        <p:cTn id="6" dur="1" fill="hold">
+                                          <p:stCondLst>
+                                            <p:cond delay="0"/>
+                                          </p:stCondLst>
+                                        </p:cTn>
+                                        <p:tgtEl>
+                                          <p:spTgt spid="3">
+                                            <p:txEl>
+                                              <p:pRg st="0" end="0"/>
+                                            </p:txEl>
+                                          </p:spTgt>
+                                        </p:tgtEl>
+                                        <p:attrNameLst>
+                                          <p:attrName>style.visibility</p:attrName>
+                                        </p:attrNameLst>
+                                      </p:cBhvr>
+                                      <p:to>
+                                        <p:strVal val="visible"/>
+                                      </p:to>
+                                    </p:set>
+                                  </p:childTnLst>
+                                </p:cTn>
+                              </p:par>
+                            </p:childTnLst>
+                          </p:cTn>
+                        </p:par>
+                      </p:childTnLst>
+                    </p:cTn>
+                  </p:par>
+                  <p:par>
+                    <p:cTn id="7" fill="hold">
+                      <p:stCondLst>
+                        <p:cond delay="indefinite"/>
+                      </p:stCondLst>
+                      <p:childTnLst>
+                        <p:par>
+                          <p:cTn id="8" fill="hold">
+                            <p:stCondLst>
+                              <p:cond delay="0"/>
+                            </p:stCondLst>
+                            <p:childTnLst>
+                              <p:par>
+                                <p:cTn id="9" presetID="1" presetClass="entr" presetSubtype="0" fill="hold" grpId="0" nodeType="clickEffect">
+                                  <p:stCondLst>
+                                    <p:cond delay="0"/>
+                                  </p:stCondLst>
+                                  <p:childTnLst>
+                                    <p:set>
+                                      <p:cBhvr>
+                                        <p:cTn id="10" dur="1" fill="hold">
+                                          <p:stCondLst>
+                                            <p:cond delay="0"/>
+                                          </p:stCondLst>
+                                        </p:cTn>
+                                        <p:tgtEl>
+                                          <p:spTgt spid="3">
+                                            <p:txEl>
+                                              <p:pRg st="1" end="1"/>
+                                            </p:txEl>
+                                          </p:spTgt>
+                                        </p:tgtEl>
+                                        <p:attrNameLst>
+                                          <p:attrName>style.visibility</p:attrName>
+                                        </p:attrNameLst>
+                                      </p:cBhvr>
+                                      <p:to>
+                                        <p:strVal val="visible"/>
+                                      </p:to>
+                                    </p:set>
+                                  </p:childTnLst>
+                                </p:cTn>
+                              </p:par>
+                            </p:childTnLst>
+                          </p:cTn>
+                        </p:par>
+                      </p:childTnLst>
+                    </p:cTn>
+                  </p:par>
+                  <p:par>
+                    <p:cTn id="11" fill="hold">
+                      <p:stCondLst>
+                        <p:cond delay="indefinite"/>
+                      </p:stCondLst>
+                      <p:childTnLst>
+                        <p:par>
+                          <p:cTn id="12" fill="hold">
+                            <p:stCondLst>
+                              <p:cond delay="0"/>
+                            </p:stCondLst>
+                            <p:childTnLst>
+                              <p:par>
+                                <p:cTn id="13" presetID="1" presetClass="entr" presetSubtype="0" fill="hold" grpId="0" nodeType="clickEffect">
+                                  <p:stCondLst>
+                                    <p:cond delay="0"/>
+                                  </p:stCondLst>
+                                  <p:childTnLst>
+                                    <p:set>
+                                      <p:cBhvr>
+                                        <p:cTn id="14" dur="1" fill="hold">
+                                          <p:stCondLst>
+                                            <p:cond delay="0"/>
+                                          </p:stCondLst>
+                                        </p:cTn>
+                                        <p:tgtEl>
+                                          <p:spTgt spid="3">
+                                            <p:txEl>
+                                              <p:pRg st="2" end="2"/>
+                                            </p:txEl>
+                                          </p:spTgt>
+                                        </p:tgtEl>
+                                        <p:attrNameLst>
+                                          <p:attrName>style.visibility</p:attrName>
+                                        </p:attrNameLst>
+                                      </p:cBhvr>
+                                      <p:to>
+                                        <p:strVal val="visible"/>
+                                      </p:to>
+                                    </p:set>
+                                  </p:childTnLst>
+                                </p:cTn>
+                              </p:par>
+                            </p:childTnLst>
+                          </p:cTn>
+                        </p:par>
+                      </p:childTnLst>
+                    </p:cTn>
+                  </p:par>
+                  <p:par>
+                    <p:cTn id="15" fill="hold">
+                      <p:stCondLst>
+                        <p:cond delay="indefinite"/>
+                      </p:stCondLst>
+                      <p:childTnLst>
+                        <p:par>
+                          <p:cTn id="16" fill="hold">
+                            <p:stCondLst>
+                              <p:cond delay="0"/>
+                            </p:stCondLst>
+                            <p:childTnLst>
+                              <p:par>
+                                <p:cTn id="17" presetID="1" presetClass="entr" presetSubtype="0" fill="hold" grpId="0" nodeType="clickEffect">
+                                  <p:stCondLst>
+                                    <p:cond delay="0"/>
+                                  </p:stCondLst>
+                                  <p:childTnLst>
+                                    <p:set>
+                                      <p:cBhvr>
+                                        <p:cTn id="18" dur="1" fill="hold">
+                                          <p:stCondLst>
+                                            <p:cond delay="0"/>
+                                          </p:stCondLst>
+                                        </p:cTn>
+                                        <p:tgtEl>
+                                          <p:spTgt spid="3">
+                                            <p:txEl>
+                                              <p:pRg st="3" end="3"/>
+                                            </p:txEl>
+                                          </p:spTgt>
+                                        </p:tgtEl>
+                                        <p:attrNameLst>
+                                          <p:attrName>style.visibility</p:attrName>
+                                        </p:attrNameLst>
+                                      </p:cBhvr>
+                                      <p:to>
+                                        <p:strVal val="visible"/>
+                                      </p:to>
+                                    </p:set>
+                                  </p:childTnLst>
+                                </p:cTn>
+                              </p:par>
+                            </p:childTnLst>
+                          </p:cTn>
+                        </p:par>
+                      </p:childTnLst>
+                    </p:cTn>
+                  </p:par>
+                  <p:par>
+                    <p:cTn id="19" fill="hold">
+                      <p:stCondLst>
+                        <p:cond delay="indefinite"/>
+                      </p:stCondLst>
+                      <p:childTnLst>
+                        <p:par>
+                          <p:cTn id="20" fill="hold">
+                            <p:stCondLst>
+                              <p:cond delay="0"/>
+                            </p:stCondLst>
+                            <p:childTnLst>
+                              <p:par>
+                                <p:cTn id="21" presetID="1" presetClass="entr" presetSubtype="0" fill="hold" grpId="0" nodeType="clickEffect">
+                                  <p:stCondLst>
+                                    <p:cond delay="0"/>
+                                  </p:stCondLst>
+                                  <p:childTnLst>
+                                    <p:set>
+                                      <p:cBhvr>
+                                        <p:cTn id="22" dur="1" fill="hold">
+                                          <p:stCondLst>
+                                            <p:cond delay="0"/>
+                                          </p:stCondLst>
+                                        </p:cTn>
+                                        <p:tgtEl>
+                                          <p:spTgt spid="3">
+                                            <p:txEl>
+                                              <p:pRg st="4" end="4"/>
+                                            </p:txEl>
+                                          </p:spTgt>
+                                        </p:tgtEl>
+                                        <p:attrNameLst>
+                                          <p:attrName>style.visibility</p:attrName>
+                                        </p:attrNameLst>
+                                      </p:cBhvr>
+                                      <p:to>
+                                        <p:strVal val="visible"/>
+                                      </p:to>
+                                    </p:set>
+                                  </p:childTnLst>
+                                </p:cTn>
+                              </p:par>
+                            </p:childTnLst>
+                          </p:cTn>
+                        </p:par>
+                      </p:childTnLst>
+                    </p:cTn>
+                  </p:par>
+                  <p:par>
+                    <p:cTn id="23" fill="hold">
+                      <p:stCondLst>
+                        <p:cond delay="indefinite"/>
+                      </p:stCondLst>
+                      <p:childTnLst>
+                        <p:par>
+                          <p:cTn id="24" fill="hold">
+                            <p:stCondLst>
+                              <p:cond delay="0"/>
+                            </p:stCondLst>
+                            <p:childTnLst>
+                              <p:par>
+                                <p:cTn id="25" presetID="1" presetClass="entr" presetSubtype="0" fill="hold" grpId="0" nodeType="clickEffect">
+                                  <p:stCondLst>
+                                    <p:cond delay="0"/>
+                                  </p:stCondLst>
+                                  <p:childTnLst>
+                                    <p:set>
+                                      <p:cBhvr>
+                                        <p:cTn id="26" dur="1" fill="hold">
+                                          <p:stCondLst>
+                                            <p:cond delay="0"/>
+                                          </p:stCondLst>
+                                        </p:cTn>
+                                        <p:tgtEl>
+                                          <p:spTgt spid="3">
+                                            <p:txEl>
+                                              <p:pRg st="5" end="5"/>
+                                            </p:txEl>
+                                          </p:spTgt>
+                                        </p:tgtEl>
+                                        <p:attrNameLst>
+                                          <p:attrName>style.visibility</p:attrName>
+                                        </p:attrNameLst>
+                                      </p:cBhvr>
+                                      <p:to>
+                                        <p:strVal val="visible"/>
+                                      </p:to>
+                                    </p:set>
+                                  </p:childTnLst>
+                                </p:cTn>
+                              </p:par>
+                            </p:childTnLst>
+                          </p:cTn>
+                        </p:par>
+                      </p:childTnLst>
+                    </p:cTn>
+                  </p:par>
+                  <p:par>
+                    <p:cTn id="27" fill="hold">
+                      <p:stCondLst>
+                        <p:cond delay="indefinite"/>
+                      </p:stCondLst>
+                      <p:childTnLst>
+                        <p:par>
+                          <p:cTn id="28" fill="hold">
+                            <p:stCondLst>
+                              <p:cond delay="0"/>
+                            </p:stCondLst>
+                            <p:childTnLst>
+                              <p:par>
+                                <p:cTn id="29" presetID="1" presetClass="entr" presetSubtype="0" fill="hold" grpId="0" nodeType="clickEffect">
+                                  <p:stCondLst>
+                                    <p:cond delay="0"/>
+                                  </p:stCondLst>
+                                  <p:childTnLst>
+                                    <p:set>
+                                      <p:cBhvr>
+                                        <p:cTn id="30" dur="1" fill="hold">
+                                          <p:stCondLst>
+                                            <p:cond delay="0"/>
+                                          </p:stCondLst>
+                                        </p:cTn>
+                                        <p:tgtEl>
+                                          <p:spTgt spid="3">
+                                            <p:txEl>
+                                              <p:pRg st="6" end="6"/>
+                                            </p:txEl>
+                                          </p:spTgt>
+                                        </p:tgtEl>
+                                        <p:attrNameLst>
+                                          <p:attrName>style.visibility</p:attrName>
+                                        </p:attrNameLst>
+                                      </p:cBhvr>
+                                      <p:to>
+                                        <p:strVal val="visible"/>
+                                      </p:to>
+                                    </p:set>
+                                  </p:childTnLst>
+                                </p:cTn>
+                              </p:par>
+                            </p:childTnLst>
+                          </p:cTn>
+                        </p:par>
+                      </p:childTnLst>
+                    </p:cTn>
+                  </p:par>
+                  <p:par>
+                    <p:cTn id="31" fill="hold">
+                      <p:stCondLst>
+                        <p:cond delay="indefinite"/>
+                      </p:stCondLst>
+                      <p:childTnLst>
+                        <p:par>
+                          <p:cTn id="32" fill="hold">
+                            <p:stCondLst>
+                              <p:cond delay="0"/>
+                            </p:stCondLst>
+                            <p:childTnLst>
+                              <p:par>
+                                <p:cTn id="33" presetID="1" presetClass="entr" presetSubtype="0" fill="hold" grpId="0" nodeType="clickEffect">
+                                  <p:stCondLst>
+                                    <p:cond delay="0"/>
+                                  </p:stCondLst>
+                                  <p:childTnLst>
+                                    <p:set>
+                                      <p:cBhvr>
+                                        <p:cTn id="34" dur="1" fill="hold">
+                                          <p:stCondLst>
+                                            <p:cond delay="0"/>
+                                          </p:stCondLst>
+                                        </p:cTn>
+                                        <p:tgtEl>
+                                          <p:spTgt spid="3">
+                                            <p:txEl>
+                                              <p:pRg st="7" end="7"/>
+                                            </p:txEl>
+                                          </p:spTgt>
+                                        </p:tgtEl>
+                                        <p:attrNameLst>
+                                          <p:attrName>style.visibility</p:attrName>
+                                        </p:attrNameLst>
+                                      </p:cBhvr>
+                                      <p:to>
+                                        <p:strVal val="visible"/>
+                                      </p:to>
+                                    </p:set>
+                                  </p:childTnLst>
+                                </p:cTn>
+                              </p:par>
+                            </p:childTnLst>
+                          </p:cTn>
+                        </p:par>
+                      </p:childTnLst>
+                    </p:cTn>
+                  </p:par>
+                </p:childTnLst>
+              </p:cTn>
+              <p:prevCondLst>
+                <p:cond evt="onPrev" delay="0">
+                  <p:tgtEl>
+                    <p:sldTgt/>
+                  </p:tgtEl>
+                </p:cond>
+              </p:prevCondLst>
+              <p:nextCondLst>
+                <p:cond evt="onNext" delay="0">
+                  <p:tgtEl>
+                    <p:sldTgt/>
+                  </p:tgtEl>
+                </p:cond>
+              </p:nextCondLst>
+            </p:seq>
+          </p:childTnLst>
+        </p:cTn>
+      </p:par>
+    </p:tnLst>
+    <p:bldLst>
+      <p:bldP spid="3" grpId="0" uiExpand="1" build="p"/>
+    </p:bldLst>
+  </p:timing>
 </p:sld>
 </file>
 
 <file path=ppt/slides/slide4.xml><?xml version="1.0" encoding="utf-8"?>
-<p:sld xmlns:a="http://schemas.openxmlformats.org/drawingml/2006/main" xmlns:r="http://schemas.openxmlformats.org/officeDocument/2006/relationships" xmlns:p="http://schemas.openxmlformats.org/presentationml/2006/main">
-  <p:cSld>
-    <p:spTree>
-      <p:nvGrpSpPr>
-        <p:cNvPr id="1" name=""/>
-        <p:cNvGrpSpPr/>
-        <p:nvPr/>
-      </p:nvGrpSpPr>
-      <p:grpSpPr>
-        <a:xfrm>
-          <a:off x="0" y="0"/>
-          <a:ext cx="0" cy="0"/>
-          <a:chOff x="0" y="0"/>
-          <a:chExt cx="0" cy="0"/>
-        </a:xfrm>
-      </p:grpSpPr>
-      <p:pic>
-        <p:nvPicPr>
-          <p:cNvPr id="4" name="Picture 3"/>
-          <p:cNvPicPr>
-            <a:picLocks noChangeAspect="1"/>
-          </p:cNvPicPr>
-          <p:nvPr/>
-        </p:nvPicPr>
-        <p:blipFill>
-          <a:blip r:embed="rId2"/>
-          <a:stretch>
-            <a:fillRect/>
-          </a:stretch>
-        </p:blipFill>
-        <p:spPr>
-          <a:xfrm>
-            <a:off x="323528" y="3112369"/>
-            <a:ext cx="8233886" cy="3024336"/>
-          </a:xfrm>
-          <a:prstGeom prst="rect">
-            <a:avLst/>
-          </a:prstGeom>
-        </p:spPr>
-      </p:pic>
-      <p:sp>
-        <p:nvSpPr>
-          <p:cNvPr id="2" name="Title 1"/>
-          <p:cNvSpPr>
-            <a:spLocks noGrp="1"/>
-          </p:cNvSpPr>
-          <p:nvPr>
-            <p:ph type="title"/>
-          </p:nvPr>
-        </p:nvSpPr>
-        <p:spPr/>
-        <p:txBody>
-          <a:bodyPr/>
-          <a:lstStyle/>
-          <a:p>
-            <a:r>
-              <a:rPr lang="en-US" dirty="0"/>
-              <a:t>Identifying Code elements</a:t>
-            </a:r>
-          </a:p>
-        </p:txBody>
-      </p:sp>
-      <p:sp>
-        <p:nvSpPr>
-          <p:cNvPr id="3" name="Content Placeholder 2"/>
-          <p:cNvSpPr>
-            <a:spLocks noGrp="1"/>
-          </p:cNvSpPr>
-          <p:nvPr>
-            <p:ph idx="1"/>
-          </p:nvPr>
-        </p:nvSpPr>
-        <p:spPr>
-          <a:xfrm>
-            <a:off x="457200" y="1600201"/>
-            <a:ext cx="8229600" cy="1180727"/>
-          </a:xfrm>
-        </p:spPr>
-        <p:txBody>
-          <a:bodyPr/>
-          <a:lstStyle/>
-          <a:p>
-            <a:r>
-              <a:rPr lang="en-US" dirty="0"/>
-              <a:t>Let’s look into the method we created</a:t>
-            </a:r>
-          </a:p>
-        </p:txBody>
-      </p:sp>
-      <p:sp>
-        <p:nvSpPr>
-          <p:cNvPr id="13" name="Slide Number Placeholder 12"/>
-          <p:cNvSpPr>
-            <a:spLocks noGrp="1"/>
-          </p:cNvSpPr>
-          <p:nvPr>
-            <p:ph type="sldNum" sz="quarter" idx="12"/>
-          </p:nvPr>
-        </p:nvSpPr>
-        <p:spPr/>
-        <p:txBody>
-          <a:bodyPr/>
-          <a:lstStyle/>
-          <a:p>
-            <a:pPr>
-              <a:defRPr/>
-            </a:pPr>
-            <a:fld id="{C5A4A91C-EC18-4A23-96E0-5487FD4C836A}" type="slidenum">
-              <a:rPr lang="he-IL" smtClean="0"/>
-              <a:pPr>
-                <a:defRPr/>
-              </a:pPr>
-              <a:t>4</a:t>
-            </a:fld>
-            <a:endParaRPr lang="en-US" dirty="0"/>
-          </a:p>
-        </p:txBody>
-      </p:sp>
-      <p:sp>
-        <p:nvSpPr>
-          <p:cNvPr id="16" name="Speech Bubble: Rectangle 15"/>
-          <p:cNvSpPr/>
-          <p:nvPr/>
-        </p:nvSpPr>
-        <p:spPr>
-          <a:xfrm>
-            <a:off x="539552" y="2068253"/>
-            <a:ext cx="7488832" cy="2088232"/>
-          </a:xfrm>
-          <a:prstGeom prst="wedgeRectCallout">
-            <a:avLst>
-              <a:gd name="adj1" fmla="val -33489"/>
-              <a:gd name="adj2" fmla="val 70937"/>
-            </a:avLst>
-          </a:prstGeom>
-        </p:spPr>
-        <p:style>
-          <a:lnRef idx="2">
-            <a:schemeClr val="accent1">
-              <a:shade val="50000"/>
-            </a:schemeClr>
-          </a:lnRef>
-          <a:fillRef idx="1">
-            <a:schemeClr val="accent1"/>
-          </a:fillRef>
-          <a:effectRef idx="0">
-            <a:schemeClr val="accent1"/>
-          </a:effectRef>
-          <a:fontRef idx="minor">
-            <a:schemeClr val="lt1"/>
-          </a:fontRef>
-        </p:style>
-        <p:txBody>
-          <a:bodyPr rtlCol="0" anchor="ctr"/>
-          <a:lstStyle/>
-          <a:p>
-            <a:pPr algn="l" rtl="0"/>
-            <a:r>
-              <a:rPr lang="en-US" dirty="0"/>
-              <a:t>Public is a modifier </a:t>
-            </a:r>
-            <a:r>
-              <a:rPr lang="en-US" dirty="0" err="1"/>
-              <a:t>Modifier</a:t>
-            </a:r>
-            <a:r>
-              <a:rPr lang="en-US" dirty="0"/>
-              <a:t>:</a:t>
-            </a:r>
-          </a:p>
-          <a:p>
-            <a:pPr marL="285750" indent="-285750" algn="l" rtl="0">
-              <a:buFont typeface="Arial" panose="020B0604020202020204" pitchFamily="34" charset="0"/>
-              <a:buChar char="•"/>
-            </a:pPr>
-            <a:r>
-              <a:rPr lang="en-US" dirty="0"/>
-              <a:t>private – only visible to code within class and inner classes </a:t>
-            </a:r>
-          </a:p>
-          <a:p>
-            <a:pPr marL="285750" indent="-285750" algn="l" rtl="0">
-              <a:buFont typeface="Arial" panose="020B0604020202020204" pitchFamily="34" charset="0"/>
-              <a:buChar char="•"/>
-            </a:pPr>
-            <a:r>
-              <a:rPr lang="en-US" dirty="0"/>
-              <a:t>protected – also visible to code within class that inherit from this class</a:t>
-            </a:r>
-          </a:p>
-          <a:p>
-            <a:pPr marL="285750" indent="-285750" algn="l" rtl="0">
-              <a:buFont typeface="Arial" panose="020B0604020202020204" pitchFamily="34" charset="0"/>
-              <a:buChar char="•"/>
-            </a:pPr>
-            <a:r>
-              <a:rPr lang="en-US" dirty="0"/>
-              <a:t>Internal – visible to any code within my assembly (</a:t>
-            </a:r>
-            <a:r>
-              <a:rPr lang="en-US" dirty="0" err="1"/>
-              <a:t>dll</a:t>
-            </a:r>
-            <a:r>
-              <a:rPr lang="en-US" dirty="0"/>
-              <a:t>/exe)</a:t>
-            </a:r>
-          </a:p>
-          <a:p>
-            <a:pPr marL="285750" indent="-285750" algn="l" rtl="0">
-              <a:buFont typeface="Arial" panose="020B0604020202020204" pitchFamily="34" charset="0"/>
-              <a:buChar char="•"/>
-            </a:pPr>
-            <a:r>
-              <a:rPr lang="en-US" dirty="0"/>
-              <a:t>public – visible to any code</a:t>
-            </a:r>
-          </a:p>
-          <a:p>
-            <a:pPr algn="l" rtl="0"/>
-            <a:r>
-              <a:rPr lang="en-US" dirty="0"/>
-              <a:t>By default classes are “internal” and members are “private”</a:t>
-            </a:r>
-          </a:p>
-        </p:txBody>
-      </p:sp>
-    </p:spTree>
-    <p:extLst>
-      <p:ext uri="{BB962C8B-B14F-4D97-AF65-F5344CB8AC3E}">
-        <p14:creationId xmlns:p14="http://schemas.microsoft.com/office/powerpoint/2010/main" val="156430636"/>
-      </p:ext>
-    </p:extLst>
-  </p:cSld>
-  <p:clrMapOvr>
-    <a:masterClrMapping/>
-  </p:clrMapOvr>
-</p:sld>
-</file>
-
-<file path=ppt/slides/slide5.xml><?xml version="1.0" encoding="utf-8"?>
 <p:sld xmlns:a="http://schemas.openxmlformats.org/drawingml/2006/main" xmlns:r="http://schemas.openxmlformats.org/officeDocument/2006/relationships" xmlns:p="http://schemas.openxmlformats.org/presentationml/2006/main">
   <p:cSld>
     <p:spTree>
@@ -12633,7 +9153,7 @@
               <a:pPr>
                 <a:defRPr/>
               </a:pPr>
-              <a:t>5</a:t>
+              <a:t>4</a:t>
             </a:fld>
             <a:endParaRPr lang="en-US" dirty="0"/>
           </a:p>
@@ -12720,7 +9240,7 @@
 </p:sld>
 </file>
 
-<file path=ppt/slides/slide6.xml><?xml version="1.0" encoding="utf-8"?>
+<file path=ppt/slides/slide5.xml><?xml version="1.0" encoding="utf-8"?>
 <p:sld xmlns:a="http://schemas.openxmlformats.org/drawingml/2006/main" xmlns:r="http://schemas.openxmlformats.org/officeDocument/2006/relationships" xmlns:p="http://schemas.openxmlformats.org/presentationml/2006/main">
   <p:cSld>
     <p:spTree>
@@ -13973,7 +10493,7 @@
               <a:pPr>
                 <a:defRPr/>
               </a:pPr>
-              <a:t>6</a:t>
+              <a:t>5</a:t>
             </a:fld>
             <a:endParaRPr lang="en-US" dirty="0"/>
           </a:p>
@@ -14734,7 +11254,7 @@
 </p:sld>
 </file>
 
-<file path=ppt/slides/slide7.xml><?xml version="1.0" encoding="utf-8"?>
+<file path=ppt/slides/slide6.xml><?xml version="1.0" encoding="utf-8"?>
 <p:sld xmlns:a="http://schemas.openxmlformats.org/drawingml/2006/main" xmlns:r="http://schemas.openxmlformats.org/officeDocument/2006/relationships" xmlns:p="http://schemas.openxmlformats.org/presentationml/2006/main">
   <p:cSld>
     <p:spTree>
@@ -15569,7 +12089,7 @@
               <a:pPr>
                 <a:defRPr/>
               </a:pPr>
-              <a:t>7</a:t>
+              <a:t>6</a:t>
             </a:fld>
             <a:endParaRPr lang="en-US"/>
           </a:p>
@@ -16063,7 +12583,7 @@
 </p:sld>
 </file>
 
-<file path=ppt/slides/slide8.xml><?xml version="1.0" encoding="utf-8"?>
+<file path=ppt/slides/slide7.xml><?xml version="1.0" encoding="utf-8"?>
 <p:sld xmlns:a="http://schemas.openxmlformats.org/drawingml/2006/main" xmlns:r="http://schemas.openxmlformats.org/officeDocument/2006/relationships" xmlns:p="http://schemas.openxmlformats.org/presentationml/2006/main" show="0">
   <p:cSld>
     <p:spTree>
@@ -16785,7 +13305,7 @@
               <a:pPr>
                 <a:defRPr/>
               </a:pPr>
-              <a:t>8</a:t>
+              <a:t>7</a:t>
             </a:fld>
             <a:endParaRPr lang="en-US" dirty="0"/>
           </a:p>
@@ -16804,7 +13324,7 @@
 </p:sld>
 </file>
 
-<file path=ppt/slides/slide9.xml><?xml version="1.0" encoding="utf-8"?>
+<file path=ppt/slides/slide8.xml><?xml version="1.0" encoding="utf-8"?>
 <p:sld xmlns:a="http://schemas.openxmlformats.org/drawingml/2006/main" xmlns:r="http://schemas.openxmlformats.org/officeDocument/2006/relationships" xmlns:p="http://schemas.openxmlformats.org/presentationml/2006/main">
   <p:cSld>
     <p:spTree>
@@ -18370,7 +14890,7 @@
               <a:pPr>
                 <a:defRPr/>
               </a:pPr>
-              <a:t>9</a:t>
+              <a:t>8</a:t>
             </a:fld>
             <a:endParaRPr lang="en-US" dirty="0"/>
           </a:p>
@@ -20198,6 +16718,3965 @@
       <p:bldP spid="47" grpId="0" animBg="1"/>
       <p:bldP spid="47" grpId="1" animBg="1"/>
       <p:bldP spid="48" grpId="0" animBg="1"/>
+    </p:bldLst>
+  </p:timing>
+</p:sld>
+</file>
+
+<file path=ppt/slides/slide9.xml><?xml version="1.0" encoding="utf-8"?>
+<p:sld xmlns:a="http://schemas.openxmlformats.org/drawingml/2006/main" xmlns:r="http://schemas.openxmlformats.org/officeDocument/2006/relationships" xmlns:p="http://schemas.openxmlformats.org/presentationml/2006/main">
+  <p:cSld>
+    <p:spTree>
+      <p:nvGrpSpPr>
+        <p:cNvPr id="1" name=""/>
+        <p:cNvGrpSpPr/>
+        <p:nvPr/>
+      </p:nvGrpSpPr>
+      <p:grpSpPr>
+        <a:xfrm>
+          <a:off x="0" y="0"/>
+          <a:ext cx="0" cy="0"/>
+          <a:chOff x="0" y="0"/>
+          <a:chExt cx="0" cy="0"/>
+        </a:xfrm>
+      </p:grpSpPr>
+      <p:sp>
+        <p:nvSpPr>
+          <p:cNvPr id="22530" name="Rectangle 2"/>
+          <p:cNvSpPr>
+            <a:spLocks noGrp="1" noChangeArrowheads="1"/>
+          </p:cNvSpPr>
+          <p:nvPr>
+            <p:ph type="title"/>
+          </p:nvPr>
+        </p:nvSpPr>
+        <p:spPr/>
+        <p:txBody>
+          <a:bodyPr/>
+          <a:lstStyle/>
+          <a:p>
+            <a:r>
+              <a:rPr lang="en-US" altLang="en-US" dirty="0"/>
+              <a:t>Task Circle of Life</a:t>
+            </a:r>
+          </a:p>
+        </p:txBody>
+      </p:sp>
+      <p:sp>
+        <p:nvSpPr>
+          <p:cNvPr id="501766" name="Rectangle 6"/>
+          <p:cNvSpPr>
+            <a:spLocks noChangeArrowheads="1"/>
+          </p:cNvSpPr>
+          <p:nvPr/>
+        </p:nvSpPr>
+        <p:spPr bwMode="auto">
+          <a:xfrm>
+            <a:off x="3127375" y="2062163"/>
+            <a:ext cx="1731963" cy="358775"/>
+          </a:xfrm>
+          <a:prstGeom prst="rect">
+            <a:avLst/>
+          </a:prstGeom>
+          <a:solidFill>
+            <a:schemeClr val="bg1"/>
+          </a:solidFill>
+          <a:ln w="9525" algn="ctr">
+            <a:solidFill>
+              <a:schemeClr val="tx1"/>
+            </a:solidFill>
+            <a:miter lim="800000"/>
+            <a:headEnd/>
+            <a:tailEnd/>
+          </a:ln>
+          <a:effectLst/>
+          <a:extLst>
+            <a:ext uri="{AF507438-7753-43E0-B8FC-AC1667EBCBE1}">
+              <a14:hiddenEffects xmlns:a14="http://schemas.microsoft.com/office/drawing/2010/main">
+                <a:effectLst>
+                  <a:outerShdw dist="35921" dir="2700000" algn="ctr" rotWithShape="0">
+                    <a:schemeClr val="bg2"/>
+                  </a:outerShdw>
+                </a:effectLst>
+              </a14:hiddenEffects>
+            </a:ext>
+          </a:extLst>
+        </p:spPr>
+        <p:txBody>
+          <a:bodyPr wrap="none" anchor="ctr"/>
+          <a:lstStyle>
+            <a:lvl1pPr eaLnBrk="0" hangingPunct="0">
+              <a:defRPr i="1">
+                <a:solidFill>
+                  <a:schemeClr val="tx1"/>
+                </a:solidFill>
+                <a:latin typeface="Verdana" panose="020B0604030504040204" pitchFamily="34" charset="0"/>
+                <a:cs typeface="Arial" panose="020B0604020202020204" pitchFamily="34" charset="0"/>
+              </a:defRPr>
+            </a:lvl1pPr>
+            <a:lvl2pPr marL="742950" indent="-285750" eaLnBrk="0" hangingPunct="0">
+              <a:defRPr i="1">
+                <a:solidFill>
+                  <a:schemeClr val="tx1"/>
+                </a:solidFill>
+                <a:latin typeface="Verdana" panose="020B0604030504040204" pitchFamily="34" charset="0"/>
+                <a:cs typeface="Arial" panose="020B0604020202020204" pitchFamily="34" charset="0"/>
+              </a:defRPr>
+            </a:lvl2pPr>
+            <a:lvl3pPr marL="1143000" indent="-228600" eaLnBrk="0" hangingPunct="0">
+              <a:defRPr i="1">
+                <a:solidFill>
+                  <a:schemeClr val="tx1"/>
+                </a:solidFill>
+                <a:latin typeface="Verdana" panose="020B0604030504040204" pitchFamily="34" charset="0"/>
+                <a:cs typeface="Arial" panose="020B0604020202020204" pitchFamily="34" charset="0"/>
+              </a:defRPr>
+            </a:lvl3pPr>
+            <a:lvl4pPr marL="1600200" indent="-228600" eaLnBrk="0" hangingPunct="0">
+              <a:defRPr i="1">
+                <a:solidFill>
+                  <a:schemeClr val="tx1"/>
+                </a:solidFill>
+                <a:latin typeface="Verdana" panose="020B0604030504040204" pitchFamily="34" charset="0"/>
+                <a:cs typeface="Arial" panose="020B0604020202020204" pitchFamily="34" charset="0"/>
+              </a:defRPr>
+            </a:lvl4pPr>
+            <a:lvl5pPr marL="2057400" indent="-228600" eaLnBrk="0" hangingPunct="0">
+              <a:defRPr i="1">
+                <a:solidFill>
+                  <a:schemeClr val="tx1"/>
+                </a:solidFill>
+                <a:latin typeface="Verdana" panose="020B0604030504040204" pitchFamily="34" charset="0"/>
+                <a:cs typeface="Arial" panose="020B0604020202020204" pitchFamily="34" charset="0"/>
+              </a:defRPr>
+            </a:lvl5pPr>
+            <a:lvl6pPr marL="2514600" indent="-228600" eaLnBrk="0" fontAlgn="base" hangingPunct="0">
+              <a:spcBef>
+                <a:spcPct val="0"/>
+              </a:spcBef>
+              <a:spcAft>
+                <a:spcPct val="0"/>
+              </a:spcAft>
+              <a:defRPr i="1">
+                <a:solidFill>
+                  <a:schemeClr val="tx1"/>
+                </a:solidFill>
+                <a:latin typeface="Verdana" panose="020B0604030504040204" pitchFamily="34" charset="0"/>
+                <a:cs typeface="Arial" panose="020B0604020202020204" pitchFamily="34" charset="0"/>
+              </a:defRPr>
+            </a:lvl6pPr>
+            <a:lvl7pPr marL="2971800" indent="-228600" eaLnBrk="0" fontAlgn="base" hangingPunct="0">
+              <a:spcBef>
+                <a:spcPct val="0"/>
+              </a:spcBef>
+              <a:spcAft>
+                <a:spcPct val="0"/>
+              </a:spcAft>
+              <a:defRPr i="1">
+                <a:solidFill>
+                  <a:schemeClr val="tx1"/>
+                </a:solidFill>
+                <a:latin typeface="Verdana" panose="020B0604030504040204" pitchFamily="34" charset="0"/>
+                <a:cs typeface="Arial" panose="020B0604020202020204" pitchFamily="34" charset="0"/>
+              </a:defRPr>
+            </a:lvl7pPr>
+            <a:lvl8pPr marL="3429000" indent="-228600" eaLnBrk="0" fontAlgn="base" hangingPunct="0">
+              <a:spcBef>
+                <a:spcPct val="0"/>
+              </a:spcBef>
+              <a:spcAft>
+                <a:spcPct val="0"/>
+              </a:spcAft>
+              <a:defRPr i="1">
+                <a:solidFill>
+                  <a:schemeClr val="tx1"/>
+                </a:solidFill>
+                <a:latin typeface="Verdana" panose="020B0604030504040204" pitchFamily="34" charset="0"/>
+                <a:cs typeface="Arial" panose="020B0604020202020204" pitchFamily="34" charset="0"/>
+              </a:defRPr>
+            </a:lvl8pPr>
+            <a:lvl9pPr marL="3886200" indent="-228600" eaLnBrk="0" fontAlgn="base" hangingPunct="0">
+              <a:spcBef>
+                <a:spcPct val="0"/>
+              </a:spcBef>
+              <a:spcAft>
+                <a:spcPct val="0"/>
+              </a:spcAft>
+              <a:defRPr i="1">
+                <a:solidFill>
+                  <a:schemeClr val="tx1"/>
+                </a:solidFill>
+                <a:latin typeface="Verdana" panose="020B0604030504040204" pitchFamily="34" charset="0"/>
+                <a:cs typeface="Arial" panose="020B0604020202020204" pitchFamily="34" charset="0"/>
+              </a:defRPr>
+            </a:lvl9pPr>
+          </a:lstStyle>
+          <a:p>
+            <a:pPr algn="l" rtl="0" eaLnBrk="1" hangingPunct="1"/>
+            <a:r>
+              <a:rPr lang="en-US" altLang="en-US" i="0" dirty="0" err="1">
+                <a:latin typeface="Arial" panose="020B0604020202020204" pitchFamily="34" charset="0"/>
+              </a:rPr>
+              <a:t>OnLoad</a:t>
+            </a:r>
+            <a:endParaRPr lang="en-US" altLang="en-US" i="0" dirty="0">
+              <a:latin typeface="Arial" panose="020B0604020202020204" pitchFamily="34" charset="0"/>
+            </a:endParaRPr>
+          </a:p>
+        </p:txBody>
+      </p:sp>
+      <p:sp>
+        <p:nvSpPr>
+          <p:cNvPr id="22532" name="Rectangle 7"/>
+          <p:cNvSpPr>
+            <a:spLocks noChangeArrowheads="1"/>
+          </p:cNvSpPr>
+          <p:nvPr/>
+        </p:nvSpPr>
+        <p:spPr bwMode="auto">
+          <a:xfrm>
+            <a:off x="468313" y="1268413"/>
+            <a:ext cx="1800225" cy="503237"/>
+          </a:xfrm>
+          <a:prstGeom prst="rect">
+            <a:avLst/>
+          </a:prstGeom>
+          <a:solidFill>
+            <a:schemeClr val="bg1"/>
+          </a:solidFill>
+          <a:ln w="9525" algn="ctr">
+            <a:solidFill>
+              <a:schemeClr val="tx1"/>
+            </a:solidFill>
+            <a:miter lim="800000"/>
+            <a:headEnd/>
+            <a:tailEnd/>
+          </a:ln>
+          <a:effectLst/>
+          <a:extLst>
+            <a:ext uri="{AF507438-7753-43E0-B8FC-AC1667EBCBE1}">
+              <a14:hiddenEffects xmlns:a14="http://schemas.microsoft.com/office/drawing/2010/main">
+                <a:effectLst>
+                  <a:outerShdw dist="35921" dir="2700000" algn="ctr" rotWithShape="0">
+                    <a:schemeClr val="bg2"/>
+                  </a:outerShdw>
+                </a:effectLst>
+              </a14:hiddenEffects>
+            </a:ext>
+          </a:extLst>
+        </p:spPr>
+        <p:txBody>
+          <a:bodyPr wrap="none" anchor="ctr"/>
+          <a:lstStyle>
+            <a:lvl1pPr eaLnBrk="0" hangingPunct="0">
+              <a:defRPr i="1">
+                <a:solidFill>
+                  <a:schemeClr val="tx1"/>
+                </a:solidFill>
+                <a:latin typeface="Verdana" panose="020B0604030504040204" pitchFamily="34" charset="0"/>
+                <a:cs typeface="Arial" panose="020B0604020202020204" pitchFamily="34" charset="0"/>
+              </a:defRPr>
+            </a:lvl1pPr>
+            <a:lvl2pPr marL="742950" indent="-285750" eaLnBrk="0" hangingPunct="0">
+              <a:defRPr i="1">
+                <a:solidFill>
+                  <a:schemeClr val="tx1"/>
+                </a:solidFill>
+                <a:latin typeface="Verdana" panose="020B0604030504040204" pitchFamily="34" charset="0"/>
+                <a:cs typeface="Arial" panose="020B0604020202020204" pitchFamily="34" charset="0"/>
+              </a:defRPr>
+            </a:lvl2pPr>
+            <a:lvl3pPr marL="1143000" indent="-228600" eaLnBrk="0" hangingPunct="0">
+              <a:defRPr i="1">
+                <a:solidFill>
+                  <a:schemeClr val="tx1"/>
+                </a:solidFill>
+                <a:latin typeface="Verdana" panose="020B0604030504040204" pitchFamily="34" charset="0"/>
+                <a:cs typeface="Arial" panose="020B0604020202020204" pitchFamily="34" charset="0"/>
+              </a:defRPr>
+            </a:lvl3pPr>
+            <a:lvl4pPr marL="1600200" indent="-228600" eaLnBrk="0" hangingPunct="0">
+              <a:defRPr i="1">
+                <a:solidFill>
+                  <a:schemeClr val="tx1"/>
+                </a:solidFill>
+                <a:latin typeface="Verdana" panose="020B0604030504040204" pitchFamily="34" charset="0"/>
+                <a:cs typeface="Arial" panose="020B0604020202020204" pitchFamily="34" charset="0"/>
+              </a:defRPr>
+            </a:lvl4pPr>
+            <a:lvl5pPr marL="2057400" indent="-228600" eaLnBrk="0" hangingPunct="0">
+              <a:defRPr i="1">
+                <a:solidFill>
+                  <a:schemeClr val="tx1"/>
+                </a:solidFill>
+                <a:latin typeface="Verdana" panose="020B0604030504040204" pitchFamily="34" charset="0"/>
+                <a:cs typeface="Arial" panose="020B0604020202020204" pitchFamily="34" charset="0"/>
+              </a:defRPr>
+            </a:lvl5pPr>
+            <a:lvl6pPr marL="2514600" indent="-228600" eaLnBrk="0" fontAlgn="base" hangingPunct="0">
+              <a:spcBef>
+                <a:spcPct val="0"/>
+              </a:spcBef>
+              <a:spcAft>
+                <a:spcPct val="0"/>
+              </a:spcAft>
+              <a:defRPr i="1">
+                <a:solidFill>
+                  <a:schemeClr val="tx1"/>
+                </a:solidFill>
+                <a:latin typeface="Verdana" panose="020B0604030504040204" pitchFamily="34" charset="0"/>
+                <a:cs typeface="Arial" panose="020B0604020202020204" pitchFamily="34" charset="0"/>
+              </a:defRPr>
+            </a:lvl6pPr>
+            <a:lvl7pPr marL="2971800" indent="-228600" eaLnBrk="0" fontAlgn="base" hangingPunct="0">
+              <a:spcBef>
+                <a:spcPct val="0"/>
+              </a:spcBef>
+              <a:spcAft>
+                <a:spcPct val="0"/>
+              </a:spcAft>
+              <a:defRPr i="1">
+                <a:solidFill>
+                  <a:schemeClr val="tx1"/>
+                </a:solidFill>
+                <a:latin typeface="Verdana" panose="020B0604030504040204" pitchFamily="34" charset="0"/>
+                <a:cs typeface="Arial" panose="020B0604020202020204" pitchFamily="34" charset="0"/>
+              </a:defRPr>
+            </a:lvl7pPr>
+            <a:lvl8pPr marL="3429000" indent="-228600" eaLnBrk="0" fontAlgn="base" hangingPunct="0">
+              <a:spcBef>
+                <a:spcPct val="0"/>
+              </a:spcBef>
+              <a:spcAft>
+                <a:spcPct val="0"/>
+              </a:spcAft>
+              <a:defRPr i="1">
+                <a:solidFill>
+                  <a:schemeClr val="tx1"/>
+                </a:solidFill>
+                <a:latin typeface="Verdana" panose="020B0604030504040204" pitchFamily="34" charset="0"/>
+                <a:cs typeface="Arial" panose="020B0604020202020204" pitchFamily="34" charset="0"/>
+              </a:defRPr>
+            </a:lvl8pPr>
+            <a:lvl9pPr marL="3886200" indent="-228600" eaLnBrk="0" fontAlgn="base" hangingPunct="0">
+              <a:spcBef>
+                <a:spcPct val="0"/>
+              </a:spcBef>
+              <a:spcAft>
+                <a:spcPct val="0"/>
+              </a:spcAft>
+              <a:defRPr i="1">
+                <a:solidFill>
+                  <a:schemeClr val="tx1"/>
+                </a:solidFill>
+                <a:latin typeface="Verdana" panose="020B0604030504040204" pitchFamily="34" charset="0"/>
+                <a:cs typeface="Arial" panose="020B0604020202020204" pitchFamily="34" charset="0"/>
+              </a:defRPr>
+            </a:lvl9pPr>
+          </a:lstStyle>
+          <a:p>
+            <a:pPr algn="ctr" rtl="0" eaLnBrk="1" hangingPunct="1"/>
+            <a:r>
+              <a:rPr lang="en-US" altLang="en-US" i="0" dirty="0">
+                <a:latin typeface="Arial" panose="020B0604020202020204" pitchFamily="34" charset="0"/>
+              </a:rPr>
+              <a:t>Constructor</a:t>
+            </a:r>
+          </a:p>
+        </p:txBody>
+      </p:sp>
+      <p:sp>
+        <p:nvSpPr>
+          <p:cNvPr id="501768" name="Text Box 8"/>
+          <p:cNvSpPr txBox="1">
+            <a:spLocks noChangeArrowheads="1"/>
+          </p:cNvSpPr>
+          <p:nvPr/>
+        </p:nvSpPr>
+        <p:spPr bwMode="auto">
+          <a:xfrm>
+            <a:off x="3059113" y="1284288"/>
+            <a:ext cx="3384550" cy="569515"/>
+          </a:xfrm>
+          <a:prstGeom prst="rect">
+            <a:avLst/>
+          </a:prstGeom>
+          <a:noFill/>
+          <a:ln>
+            <a:noFill/>
+          </a:ln>
+          <a:effectLst/>
+          <a:extLst>
+            <a:ext uri="{909E8E84-426E-40DD-AFC4-6F175D3DCCD1}">
+              <a14:hiddenFill xmlns:a14="http://schemas.microsoft.com/office/drawing/2010/main">
+                <a:solidFill>
+                  <a:schemeClr val="accent1"/>
+                </a:solidFill>
+              </a14:hiddenFill>
+            </a:ext>
+            <a:ext uri="{91240B29-F687-4F45-9708-019B960494DF}">
+              <a14:hiddenLine xmlns:a14="http://schemas.microsoft.com/office/drawing/2010/main" w="9525" algn="ctr">
+                <a:solidFill>
+                  <a:schemeClr val="tx1"/>
+                </a:solidFill>
+                <a:miter lim="800000"/>
+                <a:headEnd/>
+                <a:tailEnd/>
+              </a14:hiddenLine>
+            </a:ext>
+            <a:ext uri="{AF507438-7753-43E0-B8FC-AC1667EBCBE1}">
+              <a14:hiddenEffects xmlns:a14="http://schemas.microsoft.com/office/drawing/2010/main">
+                <a:effectLst>
+                  <a:outerShdw dist="35921" dir="2700000" algn="ctr" rotWithShape="0">
+                    <a:schemeClr val="bg2"/>
+                  </a:outerShdw>
+                </a:effectLst>
+              </a14:hiddenEffects>
+            </a:ext>
+          </a:extLst>
+        </p:spPr>
+        <p:txBody>
+          <a:bodyPr>
+            <a:spAutoFit/>
+          </a:bodyPr>
+          <a:lstStyle>
+            <a:lvl1pPr eaLnBrk="0" hangingPunct="0">
+              <a:defRPr i="1">
+                <a:solidFill>
+                  <a:schemeClr val="tx1"/>
+                </a:solidFill>
+                <a:latin typeface="Verdana" panose="020B0604030504040204" pitchFamily="34" charset="0"/>
+                <a:cs typeface="Arial" panose="020B0604020202020204" pitchFamily="34" charset="0"/>
+              </a:defRPr>
+            </a:lvl1pPr>
+            <a:lvl2pPr marL="742950" indent="-285750" eaLnBrk="0" hangingPunct="0">
+              <a:defRPr i="1">
+                <a:solidFill>
+                  <a:schemeClr val="tx1"/>
+                </a:solidFill>
+                <a:latin typeface="Verdana" panose="020B0604030504040204" pitchFamily="34" charset="0"/>
+                <a:cs typeface="Arial" panose="020B0604020202020204" pitchFamily="34" charset="0"/>
+              </a:defRPr>
+            </a:lvl2pPr>
+            <a:lvl3pPr marL="1143000" indent="-228600" eaLnBrk="0" hangingPunct="0">
+              <a:defRPr i="1">
+                <a:solidFill>
+                  <a:schemeClr val="tx1"/>
+                </a:solidFill>
+                <a:latin typeface="Verdana" panose="020B0604030504040204" pitchFamily="34" charset="0"/>
+                <a:cs typeface="Arial" panose="020B0604020202020204" pitchFamily="34" charset="0"/>
+              </a:defRPr>
+            </a:lvl3pPr>
+            <a:lvl4pPr marL="1600200" indent="-228600" eaLnBrk="0" hangingPunct="0">
+              <a:defRPr i="1">
+                <a:solidFill>
+                  <a:schemeClr val="tx1"/>
+                </a:solidFill>
+                <a:latin typeface="Verdana" panose="020B0604030504040204" pitchFamily="34" charset="0"/>
+                <a:cs typeface="Arial" panose="020B0604020202020204" pitchFamily="34" charset="0"/>
+              </a:defRPr>
+            </a:lvl4pPr>
+            <a:lvl5pPr marL="2057400" indent="-228600" eaLnBrk="0" hangingPunct="0">
+              <a:defRPr i="1">
+                <a:solidFill>
+                  <a:schemeClr val="tx1"/>
+                </a:solidFill>
+                <a:latin typeface="Verdana" panose="020B0604030504040204" pitchFamily="34" charset="0"/>
+                <a:cs typeface="Arial" panose="020B0604020202020204" pitchFamily="34" charset="0"/>
+              </a:defRPr>
+            </a:lvl5pPr>
+            <a:lvl6pPr marL="2514600" indent="-228600" eaLnBrk="0" fontAlgn="base" hangingPunct="0">
+              <a:spcBef>
+                <a:spcPct val="0"/>
+              </a:spcBef>
+              <a:spcAft>
+                <a:spcPct val="0"/>
+              </a:spcAft>
+              <a:defRPr i="1">
+                <a:solidFill>
+                  <a:schemeClr val="tx1"/>
+                </a:solidFill>
+                <a:latin typeface="Verdana" panose="020B0604030504040204" pitchFamily="34" charset="0"/>
+                <a:cs typeface="Arial" panose="020B0604020202020204" pitchFamily="34" charset="0"/>
+              </a:defRPr>
+            </a:lvl6pPr>
+            <a:lvl7pPr marL="2971800" indent="-228600" eaLnBrk="0" fontAlgn="base" hangingPunct="0">
+              <a:spcBef>
+                <a:spcPct val="0"/>
+              </a:spcBef>
+              <a:spcAft>
+                <a:spcPct val="0"/>
+              </a:spcAft>
+              <a:defRPr i="1">
+                <a:solidFill>
+                  <a:schemeClr val="tx1"/>
+                </a:solidFill>
+                <a:latin typeface="Verdana" panose="020B0604030504040204" pitchFamily="34" charset="0"/>
+                <a:cs typeface="Arial" panose="020B0604020202020204" pitchFamily="34" charset="0"/>
+              </a:defRPr>
+            </a:lvl7pPr>
+            <a:lvl8pPr marL="3429000" indent="-228600" eaLnBrk="0" fontAlgn="base" hangingPunct="0">
+              <a:spcBef>
+                <a:spcPct val="0"/>
+              </a:spcBef>
+              <a:spcAft>
+                <a:spcPct val="0"/>
+              </a:spcAft>
+              <a:defRPr i="1">
+                <a:solidFill>
+                  <a:schemeClr val="tx1"/>
+                </a:solidFill>
+                <a:latin typeface="Verdana" panose="020B0604030504040204" pitchFamily="34" charset="0"/>
+                <a:cs typeface="Arial" panose="020B0604020202020204" pitchFamily="34" charset="0"/>
+              </a:defRPr>
+            </a:lvl8pPr>
+            <a:lvl9pPr marL="3886200" indent="-228600" eaLnBrk="0" fontAlgn="base" hangingPunct="0">
+              <a:spcBef>
+                <a:spcPct val="0"/>
+              </a:spcBef>
+              <a:spcAft>
+                <a:spcPct val="0"/>
+              </a:spcAft>
+              <a:defRPr i="1">
+                <a:solidFill>
+                  <a:schemeClr val="tx1"/>
+                </a:solidFill>
+                <a:latin typeface="Verdana" panose="020B0604030504040204" pitchFamily="34" charset="0"/>
+                <a:cs typeface="Arial" panose="020B0604020202020204" pitchFamily="34" charset="0"/>
+              </a:defRPr>
+            </a:lvl9pPr>
+          </a:lstStyle>
+          <a:p>
+            <a:pPr algn="l" rtl="0" eaLnBrk="1" hangingPunct="1">
+              <a:lnSpc>
+                <a:spcPct val="60000"/>
+              </a:lnSpc>
+              <a:spcBef>
+                <a:spcPct val="50000"/>
+              </a:spcBef>
+              <a:buFontTx/>
+              <a:buChar char="•"/>
+            </a:pPr>
+            <a:r>
+              <a:rPr lang="en-US" altLang="en-US" dirty="0"/>
+              <a:t>Define the </a:t>
+            </a:r>
+            <a:r>
+              <a:rPr lang="en-US" altLang="en-US" dirty="0" err="1"/>
+              <a:t>DataView</a:t>
+            </a:r>
+            <a:r>
+              <a:rPr lang="en-US" altLang="en-US" dirty="0"/>
+              <a:t> </a:t>
+            </a:r>
+          </a:p>
+          <a:p>
+            <a:pPr algn="l" rtl="0" eaLnBrk="1" hangingPunct="1">
+              <a:lnSpc>
+                <a:spcPct val="60000"/>
+              </a:lnSpc>
+              <a:spcBef>
+                <a:spcPct val="50000"/>
+              </a:spcBef>
+              <a:buFontTx/>
+              <a:buChar char="•"/>
+            </a:pPr>
+            <a:r>
+              <a:rPr lang="en-US" altLang="en-US" dirty="0"/>
+              <a:t>Construct the task</a:t>
+            </a:r>
+          </a:p>
+        </p:txBody>
+      </p:sp>
+      <p:sp>
+        <p:nvSpPr>
+          <p:cNvPr id="501769" name="Rectangle 9"/>
+          <p:cNvSpPr>
+            <a:spLocks noChangeArrowheads="1"/>
+          </p:cNvSpPr>
+          <p:nvPr/>
+        </p:nvSpPr>
+        <p:spPr bwMode="auto">
+          <a:xfrm>
+            <a:off x="468313" y="1844675"/>
+            <a:ext cx="1800225" cy="4941888"/>
+          </a:xfrm>
+          <a:prstGeom prst="rect">
+            <a:avLst/>
+          </a:prstGeom>
+          <a:solidFill>
+            <a:schemeClr val="bg1"/>
+          </a:solidFill>
+          <a:ln w="9525" algn="ctr">
+            <a:solidFill>
+              <a:schemeClr val="tx1"/>
+            </a:solidFill>
+            <a:miter lim="800000"/>
+            <a:headEnd/>
+            <a:tailEnd/>
+          </a:ln>
+          <a:effectLst/>
+          <a:extLst>
+            <a:ext uri="{AF507438-7753-43E0-B8FC-AC1667EBCBE1}">
+              <a14:hiddenEffects xmlns:a14="http://schemas.microsoft.com/office/drawing/2010/main">
+                <a:effectLst>
+                  <a:outerShdw dist="35921" dir="2700000" algn="ctr" rotWithShape="0">
+                    <a:schemeClr val="bg2"/>
+                  </a:outerShdw>
+                </a:effectLst>
+              </a14:hiddenEffects>
+            </a:ext>
+          </a:extLst>
+        </p:spPr>
+        <p:txBody>
+          <a:bodyPr wrap="none" anchor="ctr"/>
+          <a:lstStyle>
+            <a:lvl1pPr eaLnBrk="0" hangingPunct="0">
+              <a:defRPr i="1">
+                <a:solidFill>
+                  <a:schemeClr val="tx1"/>
+                </a:solidFill>
+                <a:latin typeface="Verdana" panose="020B0604030504040204" pitchFamily="34" charset="0"/>
+                <a:cs typeface="Arial" panose="020B0604020202020204" pitchFamily="34" charset="0"/>
+              </a:defRPr>
+            </a:lvl1pPr>
+            <a:lvl2pPr marL="742950" indent="-285750" eaLnBrk="0" hangingPunct="0">
+              <a:defRPr i="1">
+                <a:solidFill>
+                  <a:schemeClr val="tx1"/>
+                </a:solidFill>
+                <a:latin typeface="Verdana" panose="020B0604030504040204" pitchFamily="34" charset="0"/>
+                <a:cs typeface="Arial" panose="020B0604020202020204" pitchFamily="34" charset="0"/>
+              </a:defRPr>
+            </a:lvl2pPr>
+            <a:lvl3pPr marL="1143000" indent="-228600" eaLnBrk="0" hangingPunct="0">
+              <a:defRPr i="1">
+                <a:solidFill>
+                  <a:schemeClr val="tx1"/>
+                </a:solidFill>
+                <a:latin typeface="Verdana" panose="020B0604030504040204" pitchFamily="34" charset="0"/>
+                <a:cs typeface="Arial" panose="020B0604020202020204" pitchFamily="34" charset="0"/>
+              </a:defRPr>
+            </a:lvl3pPr>
+            <a:lvl4pPr marL="1600200" indent="-228600" eaLnBrk="0" hangingPunct="0">
+              <a:defRPr i="1">
+                <a:solidFill>
+                  <a:schemeClr val="tx1"/>
+                </a:solidFill>
+                <a:latin typeface="Verdana" panose="020B0604030504040204" pitchFamily="34" charset="0"/>
+                <a:cs typeface="Arial" panose="020B0604020202020204" pitchFamily="34" charset="0"/>
+              </a:defRPr>
+            </a:lvl4pPr>
+            <a:lvl5pPr marL="2057400" indent="-228600" eaLnBrk="0" hangingPunct="0">
+              <a:defRPr i="1">
+                <a:solidFill>
+                  <a:schemeClr val="tx1"/>
+                </a:solidFill>
+                <a:latin typeface="Verdana" panose="020B0604030504040204" pitchFamily="34" charset="0"/>
+                <a:cs typeface="Arial" panose="020B0604020202020204" pitchFamily="34" charset="0"/>
+              </a:defRPr>
+            </a:lvl5pPr>
+            <a:lvl6pPr marL="2514600" indent="-228600" eaLnBrk="0" fontAlgn="base" hangingPunct="0">
+              <a:spcBef>
+                <a:spcPct val="0"/>
+              </a:spcBef>
+              <a:spcAft>
+                <a:spcPct val="0"/>
+              </a:spcAft>
+              <a:defRPr i="1">
+                <a:solidFill>
+                  <a:schemeClr val="tx1"/>
+                </a:solidFill>
+                <a:latin typeface="Verdana" panose="020B0604030504040204" pitchFamily="34" charset="0"/>
+                <a:cs typeface="Arial" panose="020B0604020202020204" pitchFamily="34" charset="0"/>
+              </a:defRPr>
+            </a:lvl6pPr>
+            <a:lvl7pPr marL="2971800" indent="-228600" eaLnBrk="0" fontAlgn="base" hangingPunct="0">
+              <a:spcBef>
+                <a:spcPct val="0"/>
+              </a:spcBef>
+              <a:spcAft>
+                <a:spcPct val="0"/>
+              </a:spcAft>
+              <a:defRPr i="1">
+                <a:solidFill>
+                  <a:schemeClr val="tx1"/>
+                </a:solidFill>
+                <a:latin typeface="Verdana" panose="020B0604030504040204" pitchFamily="34" charset="0"/>
+                <a:cs typeface="Arial" panose="020B0604020202020204" pitchFamily="34" charset="0"/>
+              </a:defRPr>
+            </a:lvl7pPr>
+            <a:lvl8pPr marL="3429000" indent="-228600" eaLnBrk="0" fontAlgn="base" hangingPunct="0">
+              <a:spcBef>
+                <a:spcPct val="0"/>
+              </a:spcBef>
+              <a:spcAft>
+                <a:spcPct val="0"/>
+              </a:spcAft>
+              <a:defRPr i="1">
+                <a:solidFill>
+                  <a:schemeClr val="tx1"/>
+                </a:solidFill>
+                <a:latin typeface="Verdana" panose="020B0604030504040204" pitchFamily="34" charset="0"/>
+                <a:cs typeface="Arial" panose="020B0604020202020204" pitchFamily="34" charset="0"/>
+              </a:defRPr>
+            </a:lvl8pPr>
+            <a:lvl9pPr marL="3886200" indent="-228600" eaLnBrk="0" fontAlgn="base" hangingPunct="0">
+              <a:spcBef>
+                <a:spcPct val="0"/>
+              </a:spcBef>
+              <a:spcAft>
+                <a:spcPct val="0"/>
+              </a:spcAft>
+              <a:defRPr i="1">
+                <a:solidFill>
+                  <a:schemeClr val="tx1"/>
+                </a:solidFill>
+                <a:latin typeface="Verdana" panose="020B0604030504040204" pitchFamily="34" charset="0"/>
+                <a:cs typeface="Arial" panose="020B0604020202020204" pitchFamily="34" charset="0"/>
+              </a:defRPr>
+            </a:lvl9pPr>
+          </a:lstStyle>
+          <a:p>
+            <a:pPr algn="ctr" rtl="0" eaLnBrk="1" hangingPunct="1"/>
+            <a:r>
+              <a:rPr lang="en-US" altLang="en-US" i="0" u="sng">
+                <a:latin typeface="Arial" panose="020B0604020202020204" pitchFamily="34" charset="0"/>
+              </a:rPr>
+              <a:t>Run Method:</a:t>
+            </a:r>
+          </a:p>
+          <a:p>
+            <a:pPr algn="ctr" rtl="0" eaLnBrk="1" hangingPunct="1"/>
+            <a:r>
+              <a:rPr lang="en-US" altLang="en-US" i="0">
+                <a:latin typeface="Arial" panose="020B0604020202020204" pitchFamily="34" charset="0"/>
+              </a:rPr>
+              <a:t>Base.Execute();</a:t>
+            </a:r>
+          </a:p>
+        </p:txBody>
+      </p:sp>
+      <p:sp>
+        <p:nvSpPr>
+          <p:cNvPr id="501770" name="Rectangle 10"/>
+          <p:cNvSpPr>
+            <a:spLocks noChangeArrowheads="1"/>
+          </p:cNvSpPr>
+          <p:nvPr/>
+        </p:nvSpPr>
+        <p:spPr bwMode="auto">
+          <a:xfrm>
+            <a:off x="3127375" y="2981325"/>
+            <a:ext cx="1731963" cy="358775"/>
+          </a:xfrm>
+          <a:prstGeom prst="rect">
+            <a:avLst/>
+          </a:prstGeom>
+          <a:solidFill>
+            <a:schemeClr val="bg1"/>
+          </a:solidFill>
+          <a:ln w="9525" algn="ctr">
+            <a:solidFill>
+              <a:schemeClr val="tx1"/>
+            </a:solidFill>
+            <a:miter lim="800000"/>
+            <a:headEnd/>
+            <a:tailEnd/>
+          </a:ln>
+          <a:effectLst/>
+          <a:extLst>
+            <a:ext uri="{AF507438-7753-43E0-B8FC-AC1667EBCBE1}">
+              <a14:hiddenEffects xmlns:a14="http://schemas.microsoft.com/office/drawing/2010/main">
+                <a:effectLst>
+                  <a:outerShdw dist="35921" dir="2700000" algn="ctr" rotWithShape="0">
+                    <a:schemeClr val="bg2"/>
+                  </a:outerShdw>
+                </a:effectLst>
+              </a14:hiddenEffects>
+            </a:ext>
+          </a:extLst>
+        </p:spPr>
+        <p:txBody>
+          <a:bodyPr wrap="none" anchor="ctr"/>
+          <a:lstStyle>
+            <a:lvl1pPr eaLnBrk="0" hangingPunct="0">
+              <a:defRPr i="1">
+                <a:solidFill>
+                  <a:schemeClr val="tx1"/>
+                </a:solidFill>
+                <a:latin typeface="Verdana" panose="020B0604030504040204" pitchFamily="34" charset="0"/>
+                <a:cs typeface="Arial" panose="020B0604020202020204" pitchFamily="34" charset="0"/>
+              </a:defRPr>
+            </a:lvl1pPr>
+            <a:lvl2pPr marL="742950" indent="-285750" eaLnBrk="0" hangingPunct="0">
+              <a:defRPr i="1">
+                <a:solidFill>
+                  <a:schemeClr val="tx1"/>
+                </a:solidFill>
+                <a:latin typeface="Verdana" panose="020B0604030504040204" pitchFamily="34" charset="0"/>
+                <a:cs typeface="Arial" panose="020B0604020202020204" pitchFamily="34" charset="0"/>
+              </a:defRPr>
+            </a:lvl2pPr>
+            <a:lvl3pPr marL="1143000" indent="-228600" eaLnBrk="0" hangingPunct="0">
+              <a:defRPr i="1">
+                <a:solidFill>
+                  <a:schemeClr val="tx1"/>
+                </a:solidFill>
+                <a:latin typeface="Verdana" panose="020B0604030504040204" pitchFamily="34" charset="0"/>
+                <a:cs typeface="Arial" panose="020B0604020202020204" pitchFamily="34" charset="0"/>
+              </a:defRPr>
+            </a:lvl3pPr>
+            <a:lvl4pPr marL="1600200" indent="-228600" eaLnBrk="0" hangingPunct="0">
+              <a:defRPr i="1">
+                <a:solidFill>
+                  <a:schemeClr val="tx1"/>
+                </a:solidFill>
+                <a:latin typeface="Verdana" panose="020B0604030504040204" pitchFamily="34" charset="0"/>
+                <a:cs typeface="Arial" panose="020B0604020202020204" pitchFamily="34" charset="0"/>
+              </a:defRPr>
+            </a:lvl4pPr>
+            <a:lvl5pPr marL="2057400" indent="-228600" eaLnBrk="0" hangingPunct="0">
+              <a:defRPr i="1">
+                <a:solidFill>
+                  <a:schemeClr val="tx1"/>
+                </a:solidFill>
+                <a:latin typeface="Verdana" panose="020B0604030504040204" pitchFamily="34" charset="0"/>
+                <a:cs typeface="Arial" panose="020B0604020202020204" pitchFamily="34" charset="0"/>
+              </a:defRPr>
+            </a:lvl5pPr>
+            <a:lvl6pPr marL="2514600" indent="-228600" eaLnBrk="0" fontAlgn="base" hangingPunct="0">
+              <a:spcBef>
+                <a:spcPct val="0"/>
+              </a:spcBef>
+              <a:spcAft>
+                <a:spcPct val="0"/>
+              </a:spcAft>
+              <a:defRPr i="1">
+                <a:solidFill>
+                  <a:schemeClr val="tx1"/>
+                </a:solidFill>
+                <a:latin typeface="Verdana" panose="020B0604030504040204" pitchFamily="34" charset="0"/>
+                <a:cs typeface="Arial" panose="020B0604020202020204" pitchFamily="34" charset="0"/>
+              </a:defRPr>
+            </a:lvl6pPr>
+            <a:lvl7pPr marL="2971800" indent="-228600" eaLnBrk="0" fontAlgn="base" hangingPunct="0">
+              <a:spcBef>
+                <a:spcPct val="0"/>
+              </a:spcBef>
+              <a:spcAft>
+                <a:spcPct val="0"/>
+              </a:spcAft>
+              <a:defRPr i="1">
+                <a:solidFill>
+                  <a:schemeClr val="tx1"/>
+                </a:solidFill>
+                <a:latin typeface="Verdana" panose="020B0604030504040204" pitchFamily="34" charset="0"/>
+                <a:cs typeface="Arial" panose="020B0604020202020204" pitchFamily="34" charset="0"/>
+              </a:defRPr>
+            </a:lvl7pPr>
+            <a:lvl8pPr marL="3429000" indent="-228600" eaLnBrk="0" fontAlgn="base" hangingPunct="0">
+              <a:spcBef>
+                <a:spcPct val="0"/>
+              </a:spcBef>
+              <a:spcAft>
+                <a:spcPct val="0"/>
+              </a:spcAft>
+              <a:defRPr i="1">
+                <a:solidFill>
+                  <a:schemeClr val="tx1"/>
+                </a:solidFill>
+                <a:latin typeface="Verdana" panose="020B0604030504040204" pitchFamily="34" charset="0"/>
+                <a:cs typeface="Arial" panose="020B0604020202020204" pitchFamily="34" charset="0"/>
+              </a:defRPr>
+            </a:lvl8pPr>
+            <a:lvl9pPr marL="3886200" indent="-228600" eaLnBrk="0" fontAlgn="base" hangingPunct="0">
+              <a:spcBef>
+                <a:spcPct val="0"/>
+              </a:spcBef>
+              <a:spcAft>
+                <a:spcPct val="0"/>
+              </a:spcAft>
+              <a:defRPr i="1">
+                <a:solidFill>
+                  <a:schemeClr val="tx1"/>
+                </a:solidFill>
+                <a:latin typeface="Verdana" panose="020B0604030504040204" pitchFamily="34" charset="0"/>
+                <a:cs typeface="Arial" panose="020B0604020202020204" pitchFamily="34" charset="0"/>
+              </a:defRPr>
+            </a:lvl9pPr>
+          </a:lstStyle>
+          <a:p>
+            <a:pPr algn="l" rtl="0" eaLnBrk="1" hangingPunct="1"/>
+            <a:r>
+              <a:rPr lang="en-US" altLang="en-US" i="0">
+                <a:latin typeface="Arial" panose="020B0604020202020204" pitchFamily="34" charset="0"/>
+              </a:rPr>
+              <a:t>OnStart</a:t>
+            </a:r>
+          </a:p>
+        </p:txBody>
+      </p:sp>
+      <p:sp>
+        <p:nvSpPr>
+          <p:cNvPr id="501771" name="Rectangle 11"/>
+          <p:cNvSpPr>
+            <a:spLocks noChangeArrowheads="1"/>
+          </p:cNvSpPr>
+          <p:nvPr/>
+        </p:nvSpPr>
+        <p:spPr bwMode="auto">
+          <a:xfrm>
+            <a:off x="4659625" y="3996531"/>
+            <a:ext cx="1731963" cy="358775"/>
+          </a:xfrm>
+          <a:prstGeom prst="rect">
+            <a:avLst/>
+          </a:prstGeom>
+          <a:solidFill>
+            <a:schemeClr val="bg1"/>
+          </a:solidFill>
+          <a:ln w="9525" algn="ctr">
+            <a:solidFill>
+              <a:schemeClr val="tx1"/>
+            </a:solidFill>
+            <a:miter lim="800000"/>
+            <a:headEnd/>
+            <a:tailEnd/>
+          </a:ln>
+          <a:effectLst/>
+          <a:extLst>
+            <a:ext uri="{AF507438-7753-43E0-B8FC-AC1667EBCBE1}">
+              <a14:hiddenEffects xmlns:a14="http://schemas.microsoft.com/office/drawing/2010/main">
+                <a:effectLst>
+                  <a:outerShdw dist="35921" dir="2700000" algn="ctr" rotWithShape="0">
+                    <a:schemeClr val="bg2"/>
+                  </a:outerShdw>
+                </a:effectLst>
+              </a14:hiddenEffects>
+            </a:ext>
+          </a:extLst>
+        </p:spPr>
+        <p:txBody>
+          <a:bodyPr wrap="none" anchor="ctr"/>
+          <a:lstStyle>
+            <a:lvl1pPr eaLnBrk="0" hangingPunct="0">
+              <a:defRPr i="1">
+                <a:solidFill>
+                  <a:schemeClr val="tx1"/>
+                </a:solidFill>
+                <a:latin typeface="Verdana" panose="020B0604030504040204" pitchFamily="34" charset="0"/>
+                <a:cs typeface="Arial" panose="020B0604020202020204" pitchFamily="34" charset="0"/>
+              </a:defRPr>
+            </a:lvl1pPr>
+            <a:lvl2pPr marL="742950" indent="-285750" eaLnBrk="0" hangingPunct="0">
+              <a:defRPr i="1">
+                <a:solidFill>
+                  <a:schemeClr val="tx1"/>
+                </a:solidFill>
+                <a:latin typeface="Verdana" panose="020B0604030504040204" pitchFamily="34" charset="0"/>
+                <a:cs typeface="Arial" panose="020B0604020202020204" pitchFamily="34" charset="0"/>
+              </a:defRPr>
+            </a:lvl2pPr>
+            <a:lvl3pPr marL="1143000" indent="-228600" eaLnBrk="0" hangingPunct="0">
+              <a:defRPr i="1">
+                <a:solidFill>
+                  <a:schemeClr val="tx1"/>
+                </a:solidFill>
+                <a:latin typeface="Verdana" panose="020B0604030504040204" pitchFamily="34" charset="0"/>
+                <a:cs typeface="Arial" panose="020B0604020202020204" pitchFamily="34" charset="0"/>
+              </a:defRPr>
+            </a:lvl3pPr>
+            <a:lvl4pPr marL="1600200" indent="-228600" eaLnBrk="0" hangingPunct="0">
+              <a:defRPr i="1">
+                <a:solidFill>
+                  <a:schemeClr val="tx1"/>
+                </a:solidFill>
+                <a:latin typeface="Verdana" panose="020B0604030504040204" pitchFamily="34" charset="0"/>
+                <a:cs typeface="Arial" panose="020B0604020202020204" pitchFamily="34" charset="0"/>
+              </a:defRPr>
+            </a:lvl4pPr>
+            <a:lvl5pPr marL="2057400" indent="-228600" eaLnBrk="0" hangingPunct="0">
+              <a:defRPr i="1">
+                <a:solidFill>
+                  <a:schemeClr val="tx1"/>
+                </a:solidFill>
+                <a:latin typeface="Verdana" panose="020B0604030504040204" pitchFamily="34" charset="0"/>
+                <a:cs typeface="Arial" panose="020B0604020202020204" pitchFamily="34" charset="0"/>
+              </a:defRPr>
+            </a:lvl5pPr>
+            <a:lvl6pPr marL="2514600" indent="-228600" eaLnBrk="0" fontAlgn="base" hangingPunct="0">
+              <a:spcBef>
+                <a:spcPct val="0"/>
+              </a:spcBef>
+              <a:spcAft>
+                <a:spcPct val="0"/>
+              </a:spcAft>
+              <a:defRPr i="1">
+                <a:solidFill>
+                  <a:schemeClr val="tx1"/>
+                </a:solidFill>
+                <a:latin typeface="Verdana" panose="020B0604030504040204" pitchFamily="34" charset="0"/>
+                <a:cs typeface="Arial" panose="020B0604020202020204" pitchFamily="34" charset="0"/>
+              </a:defRPr>
+            </a:lvl6pPr>
+            <a:lvl7pPr marL="2971800" indent="-228600" eaLnBrk="0" fontAlgn="base" hangingPunct="0">
+              <a:spcBef>
+                <a:spcPct val="0"/>
+              </a:spcBef>
+              <a:spcAft>
+                <a:spcPct val="0"/>
+              </a:spcAft>
+              <a:defRPr i="1">
+                <a:solidFill>
+                  <a:schemeClr val="tx1"/>
+                </a:solidFill>
+                <a:latin typeface="Verdana" panose="020B0604030504040204" pitchFamily="34" charset="0"/>
+                <a:cs typeface="Arial" panose="020B0604020202020204" pitchFamily="34" charset="0"/>
+              </a:defRPr>
+            </a:lvl7pPr>
+            <a:lvl8pPr marL="3429000" indent="-228600" eaLnBrk="0" fontAlgn="base" hangingPunct="0">
+              <a:spcBef>
+                <a:spcPct val="0"/>
+              </a:spcBef>
+              <a:spcAft>
+                <a:spcPct val="0"/>
+              </a:spcAft>
+              <a:defRPr i="1">
+                <a:solidFill>
+                  <a:schemeClr val="tx1"/>
+                </a:solidFill>
+                <a:latin typeface="Verdana" panose="020B0604030504040204" pitchFamily="34" charset="0"/>
+                <a:cs typeface="Arial" panose="020B0604020202020204" pitchFamily="34" charset="0"/>
+              </a:defRPr>
+            </a:lvl8pPr>
+            <a:lvl9pPr marL="3886200" indent="-228600" eaLnBrk="0" fontAlgn="base" hangingPunct="0">
+              <a:spcBef>
+                <a:spcPct val="0"/>
+              </a:spcBef>
+              <a:spcAft>
+                <a:spcPct val="0"/>
+              </a:spcAft>
+              <a:defRPr i="1">
+                <a:solidFill>
+                  <a:schemeClr val="tx1"/>
+                </a:solidFill>
+                <a:latin typeface="Verdana" panose="020B0604030504040204" pitchFamily="34" charset="0"/>
+                <a:cs typeface="Arial" panose="020B0604020202020204" pitchFamily="34" charset="0"/>
+              </a:defRPr>
+            </a:lvl9pPr>
+          </a:lstStyle>
+          <a:p>
+            <a:pPr algn="l" rtl="0" eaLnBrk="1" hangingPunct="1"/>
+            <a:r>
+              <a:rPr lang="en-US" altLang="en-US" i="0">
+                <a:latin typeface="Arial" panose="020B0604020202020204" pitchFamily="34" charset="0"/>
+              </a:rPr>
+              <a:t>OnEnterRow</a:t>
+            </a:r>
+          </a:p>
+        </p:txBody>
+      </p:sp>
+      <p:sp>
+        <p:nvSpPr>
+          <p:cNvPr id="501772" name="Rectangle 12"/>
+          <p:cNvSpPr>
+            <a:spLocks noChangeArrowheads="1"/>
+          </p:cNvSpPr>
+          <p:nvPr/>
+        </p:nvSpPr>
+        <p:spPr bwMode="auto">
+          <a:xfrm>
+            <a:off x="4654525" y="4471647"/>
+            <a:ext cx="1731963" cy="358775"/>
+          </a:xfrm>
+          <a:prstGeom prst="rect">
+            <a:avLst/>
+          </a:prstGeom>
+          <a:solidFill>
+            <a:schemeClr val="bg1"/>
+          </a:solidFill>
+          <a:ln w="9525" algn="ctr">
+            <a:solidFill>
+              <a:schemeClr val="tx1"/>
+            </a:solidFill>
+            <a:miter lim="800000"/>
+            <a:headEnd/>
+            <a:tailEnd/>
+          </a:ln>
+          <a:effectLst/>
+          <a:extLst>
+            <a:ext uri="{AF507438-7753-43E0-B8FC-AC1667EBCBE1}">
+              <a14:hiddenEffects xmlns:a14="http://schemas.microsoft.com/office/drawing/2010/main">
+                <a:effectLst>
+                  <a:outerShdw dist="35921" dir="2700000" algn="ctr" rotWithShape="0">
+                    <a:schemeClr val="bg2"/>
+                  </a:outerShdw>
+                </a:effectLst>
+              </a14:hiddenEffects>
+            </a:ext>
+          </a:extLst>
+        </p:spPr>
+        <p:txBody>
+          <a:bodyPr wrap="none" anchor="ctr"/>
+          <a:lstStyle>
+            <a:lvl1pPr eaLnBrk="0" hangingPunct="0">
+              <a:defRPr i="1">
+                <a:solidFill>
+                  <a:schemeClr val="tx1"/>
+                </a:solidFill>
+                <a:latin typeface="Verdana" panose="020B0604030504040204" pitchFamily="34" charset="0"/>
+                <a:cs typeface="Arial" panose="020B0604020202020204" pitchFamily="34" charset="0"/>
+              </a:defRPr>
+            </a:lvl1pPr>
+            <a:lvl2pPr marL="742950" indent="-285750" eaLnBrk="0" hangingPunct="0">
+              <a:defRPr i="1">
+                <a:solidFill>
+                  <a:schemeClr val="tx1"/>
+                </a:solidFill>
+                <a:latin typeface="Verdana" panose="020B0604030504040204" pitchFamily="34" charset="0"/>
+                <a:cs typeface="Arial" panose="020B0604020202020204" pitchFamily="34" charset="0"/>
+              </a:defRPr>
+            </a:lvl2pPr>
+            <a:lvl3pPr marL="1143000" indent="-228600" eaLnBrk="0" hangingPunct="0">
+              <a:defRPr i="1">
+                <a:solidFill>
+                  <a:schemeClr val="tx1"/>
+                </a:solidFill>
+                <a:latin typeface="Verdana" panose="020B0604030504040204" pitchFamily="34" charset="0"/>
+                <a:cs typeface="Arial" panose="020B0604020202020204" pitchFamily="34" charset="0"/>
+              </a:defRPr>
+            </a:lvl3pPr>
+            <a:lvl4pPr marL="1600200" indent="-228600" eaLnBrk="0" hangingPunct="0">
+              <a:defRPr i="1">
+                <a:solidFill>
+                  <a:schemeClr val="tx1"/>
+                </a:solidFill>
+                <a:latin typeface="Verdana" panose="020B0604030504040204" pitchFamily="34" charset="0"/>
+                <a:cs typeface="Arial" panose="020B0604020202020204" pitchFamily="34" charset="0"/>
+              </a:defRPr>
+            </a:lvl4pPr>
+            <a:lvl5pPr marL="2057400" indent="-228600" eaLnBrk="0" hangingPunct="0">
+              <a:defRPr i="1">
+                <a:solidFill>
+                  <a:schemeClr val="tx1"/>
+                </a:solidFill>
+                <a:latin typeface="Verdana" panose="020B0604030504040204" pitchFamily="34" charset="0"/>
+                <a:cs typeface="Arial" panose="020B0604020202020204" pitchFamily="34" charset="0"/>
+              </a:defRPr>
+            </a:lvl5pPr>
+            <a:lvl6pPr marL="2514600" indent="-228600" eaLnBrk="0" fontAlgn="base" hangingPunct="0">
+              <a:spcBef>
+                <a:spcPct val="0"/>
+              </a:spcBef>
+              <a:spcAft>
+                <a:spcPct val="0"/>
+              </a:spcAft>
+              <a:defRPr i="1">
+                <a:solidFill>
+                  <a:schemeClr val="tx1"/>
+                </a:solidFill>
+                <a:latin typeface="Verdana" panose="020B0604030504040204" pitchFamily="34" charset="0"/>
+                <a:cs typeface="Arial" panose="020B0604020202020204" pitchFamily="34" charset="0"/>
+              </a:defRPr>
+            </a:lvl6pPr>
+            <a:lvl7pPr marL="2971800" indent="-228600" eaLnBrk="0" fontAlgn="base" hangingPunct="0">
+              <a:spcBef>
+                <a:spcPct val="0"/>
+              </a:spcBef>
+              <a:spcAft>
+                <a:spcPct val="0"/>
+              </a:spcAft>
+              <a:defRPr i="1">
+                <a:solidFill>
+                  <a:schemeClr val="tx1"/>
+                </a:solidFill>
+                <a:latin typeface="Verdana" panose="020B0604030504040204" pitchFamily="34" charset="0"/>
+                <a:cs typeface="Arial" panose="020B0604020202020204" pitchFamily="34" charset="0"/>
+              </a:defRPr>
+            </a:lvl7pPr>
+            <a:lvl8pPr marL="3429000" indent="-228600" eaLnBrk="0" fontAlgn="base" hangingPunct="0">
+              <a:spcBef>
+                <a:spcPct val="0"/>
+              </a:spcBef>
+              <a:spcAft>
+                <a:spcPct val="0"/>
+              </a:spcAft>
+              <a:defRPr i="1">
+                <a:solidFill>
+                  <a:schemeClr val="tx1"/>
+                </a:solidFill>
+                <a:latin typeface="Verdana" panose="020B0604030504040204" pitchFamily="34" charset="0"/>
+                <a:cs typeface="Arial" panose="020B0604020202020204" pitchFamily="34" charset="0"/>
+              </a:defRPr>
+            </a:lvl8pPr>
+            <a:lvl9pPr marL="3886200" indent="-228600" eaLnBrk="0" fontAlgn="base" hangingPunct="0">
+              <a:spcBef>
+                <a:spcPct val="0"/>
+              </a:spcBef>
+              <a:spcAft>
+                <a:spcPct val="0"/>
+              </a:spcAft>
+              <a:defRPr i="1">
+                <a:solidFill>
+                  <a:schemeClr val="tx1"/>
+                </a:solidFill>
+                <a:latin typeface="Verdana" panose="020B0604030504040204" pitchFamily="34" charset="0"/>
+                <a:cs typeface="Arial" panose="020B0604020202020204" pitchFamily="34" charset="0"/>
+              </a:defRPr>
+            </a:lvl9pPr>
+          </a:lstStyle>
+          <a:p>
+            <a:pPr algn="l" rtl="0" eaLnBrk="1" hangingPunct="1"/>
+            <a:r>
+              <a:rPr lang="en-US" altLang="en-US" i="0">
+                <a:latin typeface="Arial" panose="020B0604020202020204" pitchFamily="34" charset="0"/>
+              </a:rPr>
+              <a:t>OnLeaveRow</a:t>
+            </a:r>
+          </a:p>
+        </p:txBody>
+      </p:sp>
+      <p:sp>
+        <p:nvSpPr>
+          <p:cNvPr id="501773" name="Rectangle 13"/>
+          <p:cNvSpPr>
+            <a:spLocks noChangeArrowheads="1"/>
+          </p:cNvSpPr>
+          <p:nvPr/>
+        </p:nvSpPr>
+        <p:spPr bwMode="auto">
+          <a:xfrm>
+            <a:off x="4652938" y="4914940"/>
+            <a:ext cx="1733550" cy="358775"/>
+          </a:xfrm>
+          <a:prstGeom prst="rect">
+            <a:avLst/>
+          </a:prstGeom>
+          <a:solidFill>
+            <a:schemeClr val="bg1"/>
+          </a:solidFill>
+          <a:ln w="9525" algn="ctr">
+            <a:solidFill>
+              <a:schemeClr val="tx1"/>
+            </a:solidFill>
+            <a:miter lim="800000"/>
+            <a:headEnd/>
+            <a:tailEnd/>
+          </a:ln>
+          <a:effectLst/>
+          <a:extLst>
+            <a:ext uri="{AF507438-7753-43E0-B8FC-AC1667EBCBE1}">
+              <a14:hiddenEffects xmlns:a14="http://schemas.microsoft.com/office/drawing/2010/main">
+                <a:effectLst>
+                  <a:outerShdw dist="35921" dir="2700000" algn="ctr" rotWithShape="0">
+                    <a:schemeClr val="bg2"/>
+                  </a:outerShdw>
+                </a:effectLst>
+              </a14:hiddenEffects>
+            </a:ext>
+          </a:extLst>
+        </p:spPr>
+        <p:txBody>
+          <a:bodyPr wrap="none" anchor="ctr"/>
+          <a:lstStyle>
+            <a:lvl1pPr eaLnBrk="0" hangingPunct="0">
+              <a:defRPr i="1">
+                <a:solidFill>
+                  <a:schemeClr val="tx1"/>
+                </a:solidFill>
+                <a:latin typeface="Verdana" panose="020B0604030504040204" pitchFamily="34" charset="0"/>
+                <a:cs typeface="Arial" panose="020B0604020202020204" pitchFamily="34" charset="0"/>
+              </a:defRPr>
+            </a:lvl1pPr>
+            <a:lvl2pPr marL="742950" indent="-285750" eaLnBrk="0" hangingPunct="0">
+              <a:defRPr i="1">
+                <a:solidFill>
+                  <a:schemeClr val="tx1"/>
+                </a:solidFill>
+                <a:latin typeface="Verdana" panose="020B0604030504040204" pitchFamily="34" charset="0"/>
+                <a:cs typeface="Arial" panose="020B0604020202020204" pitchFamily="34" charset="0"/>
+              </a:defRPr>
+            </a:lvl2pPr>
+            <a:lvl3pPr marL="1143000" indent="-228600" eaLnBrk="0" hangingPunct="0">
+              <a:defRPr i="1">
+                <a:solidFill>
+                  <a:schemeClr val="tx1"/>
+                </a:solidFill>
+                <a:latin typeface="Verdana" panose="020B0604030504040204" pitchFamily="34" charset="0"/>
+                <a:cs typeface="Arial" panose="020B0604020202020204" pitchFamily="34" charset="0"/>
+              </a:defRPr>
+            </a:lvl3pPr>
+            <a:lvl4pPr marL="1600200" indent="-228600" eaLnBrk="0" hangingPunct="0">
+              <a:defRPr i="1">
+                <a:solidFill>
+                  <a:schemeClr val="tx1"/>
+                </a:solidFill>
+                <a:latin typeface="Verdana" panose="020B0604030504040204" pitchFamily="34" charset="0"/>
+                <a:cs typeface="Arial" panose="020B0604020202020204" pitchFamily="34" charset="0"/>
+              </a:defRPr>
+            </a:lvl4pPr>
+            <a:lvl5pPr marL="2057400" indent="-228600" eaLnBrk="0" hangingPunct="0">
+              <a:defRPr i="1">
+                <a:solidFill>
+                  <a:schemeClr val="tx1"/>
+                </a:solidFill>
+                <a:latin typeface="Verdana" panose="020B0604030504040204" pitchFamily="34" charset="0"/>
+                <a:cs typeface="Arial" panose="020B0604020202020204" pitchFamily="34" charset="0"/>
+              </a:defRPr>
+            </a:lvl5pPr>
+            <a:lvl6pPr marL="2514600" indent="-228600" eaLnBrk="0" fontAlgn="base" hangingPunct="0">
+              <a:spcBef>
+                <a:spcPct val="0"/>
+              </a:spcBef>
+              <a:spcAft>
+                <a:spcPct val="0"/>
+              </a:spcAft>
+              <a:defRPr i="1">
+                <a:solidFill>
+                  <a:schemeClr val="tx1"/>
+                </a:solidFill>
+                <a:latin typeface="Verdana" panose="020B0604030504040204" pitchFamily="34" charset="0"/>
+                <a:cs typeface="Arial" panose="020B0604020202020204" pitchFamily="34" charset="0"/>
+              </a:defRPr>
+            </a:lvl6pPr>
+            <a:lvl7pPr marL="2971800" indent="-228600" eaLnBrk="0" fontAlgn="base" hangingPunct="0">
+              <a:spcBef>
+                <a:spcPct val="0"/>
+              </a:spcBef>
+              <a:spcAft>
+                <a:spcPct val="0"/>
+              </a:spcAft>
+              <a:defRPr i="1">
+                <a:solidFill>
+                  <a:schemeClr val="tx1"/>
+                </a:solidFill>
+                <a:latin typeface="Verdana" panose="020B0604030504040204" pitchFamily="34" charset="0"/>
+                <a:cs typeface="Arial" panose="020B0604020202020204" pitchFamily="34" charset="0"/>
+              </a:defRPr>
+            </a:lvl7pPr>
+            <a:lvl8pPr marL="3429000" indent="-228600" eaLnBrk="0" fontAlgn="base" hangingPunct="0">
+              <a:spcBef>
+                <a:spcPct val="0"/>
+              </a:spcBef>
+              <a:spcAft>
+                <a:spcPct val="0"/>
+              </a:spcAft>
+              <a:defRPr i="1">
+                <a:solidFill>
+                  <a:schemeClr val="tx1"/>
+                </a:solidFill>
+                <a:latin typeface="Verdana" panose="020B0604030504040204" pitchFamily="34" charset="0"/>
+                <a:cs typeface="Arial" panose="020B0604020202020204" pitchFamily="34" charset="0"/>
+              </a:defRPr>
+            </a:lvl8pPr>
+            <a:lvl9pPr marL="3886200" indent="-228600" eaLnBrk="0" fontAlgn="base" hangingPunct="0">
+              <a:spcBef>
+                <a:spcPct val="0"/>
+              </a:spcBef>
+              <a:spcAft>
+                <a:spcPct val="0"/>
+              </a:spcAft>
+              <a:defRPr i="1">
+                <a:solidFill>
+                  <a:schemeClr val="tx1"/>
+                </a:solidFill>
+                <a:latin typeface="Verdana" panose="020B0604030504040204" pitchFamily="34" charset="0"/>
+                <a:cs typeface="Arial" panose="020B0604020202020204" pitchFamily="34" charset="0"/>
+              </a:defRPr>
+            </a:lvl9pPr>
+          </a:lstStyle>
+          <a:p>
+            <a:pPr algn="l" rtl="0" eaLnBrk="1" hangingPunct="1"/>
+            <a:r>
+              <a:rPr lang="en-US" altLang="en-US" i="0">
+                <a:latin typeface="Arial" panose="020B0604020202020204" pitchFamily="34" charset="0"/>
+              </a:rPr>
+              <a:t>OnSavingRow</a:t>
+            </a:r>
+          </a:p>
+        </p:txBody>
+      </p:sp>
+      <p:sp>
+        <p:nvSpPr>
+          <p:cNvPr id="501774" name="Rectangle 14"/>
+          <p:cNvSpPr>
+            <a:spLocks noChangeArrowheads="1"/>
+          </p:cNvSpPr>
+          <p:nvPr/>
+        </p:nvSpPr>
+        <p:spPr bwMode="auto">
+          <a:xfrm>
+            <a:off x="4659625" y="5343059"/>
+            <a:ext cx="1731963" cy="358775"/>
+          </a:xfrm>
+          <a:prstGeom prst="rect">
+            <a:avLst/>
+          </a:prstGeom>
+          <a:solidFill>
+            <a:schemeClr val="bg1"/>
+          </a:solidFill>
+          <a:ln w="9525" algn="ctr">
+            <a:solidFill>
+              <a:schemeClr val="tx1"/>
+            </a:solidFill>
+            <a:miter lim="800000"/>
+            <a:headEnd/>
+            <a:tailEnd/>
+          </a:ln>
+          <a:effectLst/>
+          <a:extLst>
+            <a:ext uri="{AF507438-7753-43E0-B8FC-AC1667EBCBE1}">
+              <a14:hiddenEffects xmlns:a14="http://schemas.microsoft.com/office/drawing/2010/main">
+                <a:effectLst>
+                  <a:outerShdw dist="35921" dir="2700000" algn="ctr" rotWithShape="0">
+                    <a:schemeClr val="bg2"/>
+                  </a:outerShdw>
+                </a:effectLst>
+              </a14:hiddenEffects>
+            </a:ext>
+          </a:extLst>
+        </p:spPr>
+        <p:txBody>
+          <a:bodyPr wrap="none" anchor="ctr"/>
+          <a:lstStyle>
+            <a:lvl1pPr eaLnBrk="0" hangingPunct="0">
+              <a:defRPr i="1">
+                <a:solidFill>
+                  <a:schemeClr val="tx1"/>
+                </a:solidFill>
+                <a:latin typeface="Verdana" panose="020B0604030504040204" pitchFamily="34" charset="0"/>
+                <a:cs typeface="Arial" panose="020B0604020202020204" pitchFamily="34" charset="0"/>
+              </a:defRPr>
+            </a:lvl1pPr>
+            <a:lvl2pPr marL="742950" indent="-285750" eaLnBrk="0" hangingPunct="0">
+              <a:defRPr i="1">
+                <a:solidFill>
+                  <a:schemeClr val="tx1"/>
+                </a:solidFill>
+                <a:latin typeface="Verdana" panose="020B0604030504040204" pitchFamily="34" charset="0"/>
+                <a:cs typeface="Arial" panose="020B0604020202020204" pitchFamily="34" charset="0"/>
+              </a:defRPr>
+            </a:lvl2pPr>
+            <a:lvl3pPr marL="1143000" indent="-228600" eaLnBrk="0" hangingPunct="0">
+              <a:defRPr i="1">
+                <a:solidFill>
+                  <a:schemeClr val="tx1"/>
+                </a:solidFill>
+                <a:latin typeface="Verdana" panose="020B0604030504040204" pitchFamily="34" charset="0"/>
+                <a:cs typeface="Arial" panose="020B0604020202020204" pitchFamily="34" charset="0"/>
+              </a:defRPr>
+            </a:lvl3pPr>
+            <a:lvl4pPr marL="1600200" indent="-228600" eaLnBrk="0" hangingPunct="0">
+              <a:defRPr i="1">
+                <a:solidFill>
+                  <a:schemeClr val="tx1"/>
+                </a:solidFill>
+                <a:latin typeface="Verdana" panose="020B0604030504040204" pitchFamily="34" charset="0"/>
+                <a:cs typeface="Arial" panose="020B0604020202020204" pitchFamily="34" charset="0"/>
+              </a:defRPr>
+            </a:lvl4pPr>
+            <a:lvl5pPr marL="2057400" indent="-228600" eaLnBrk="0" hangingPunct="0">
+              <a:defRPr i="1">
+                <a:solidFill>
+                  <a:schemeClr val="tx1"/>
+                </a:solidFill>
+                <a:latin typeface="Verdana" panose="020B0604030504040204" pitchFamily="34" charset="0"/>
+                <a:cs typeface="Arial" panose="020B0604020202020204" pitchFamily="34" charset="0"/>
+              </a:defRPr>
+            </a:lvl5pPr>
+            <a:lvl6pPr marL="2514600" indent="-228600" eaLnBrk="0" fontAlgn="base" hangingPunct="0">
+              <a:spcBef>
+                <a:spcPct val="0"/>
+              </a:spcBef>
+              <a:spcAft>
+                <a:spcPct val="0"/>
+              </a:spcAft>
+              <a:defRPr i="1">
+                <a:solidFill>
+                  <a:schemeClr val="tx1"/>
+                </a:solidFill>
+                <a:latin typeface="Verdana" panose="020B0604030504040204" pitchFamily="34" charset="0"/>
+                <a:cs typeface="Arial" panose="020B0604020202020204" pitchFamily="34" charset="0"/>
+              </a:defRPr>
+            </a:lvl6pPr>
+            <a:lvl7pPr marL="2971800" indent="-228600" eaLnBrk="0" fontAlgn="base" hangingPunct="0">
+              <a:spcBef>
+                <a:spcPct val="0"/>
+              </a:spcBef>
+              <a:spcAft>
+                <a:spcPct val="0"/>
+              </a:spcAft>
+              <a:defRPr i="1">
+                <a:solidFill>
+                  <a:schemeClr val="tx1"/>
+                </a:solidFill>
+                <a:latin typeface="Verdana" panose="020B0604030504040204" pitchFamily="34" charset="0"/>
+                <a:cs typeface="Arial" panose="020B0604020202020204" pitchFamily="34" charset="0"/>
+              </a:defRPr>
+            </a:lvl7pPr>
+            <a:lvl8pPr marL="3429000" indent="-228600" eaLnBrk="0" fontAlgn="base" hangingPunct="0">
+              <a:spcBef>
+                <a:spcPct val="0"/>
+              </a:spcBef>
+              <a:spcAft>
+                <a:spcPct val="0"/>
+              </a:spcAft>
+              <a:defRPr i="1">
+                <a:solidFill>
+                  <a:schemeClr val="tx1"/>
+                </a:solidFill>
+                <a:latin typeface="Verdana" panose="020B0604030504040204" pitchFamily="34" charset="0"/>
+                <a:cs typeface="Arial" panose="020B0604020202020204" pitchFamily="34" charset="0"/>
+              </a:defRPr>
+            </a:lvl8pPr>
+            <a:lvl9pPr marL="3886200" indent="-228600" eaLnBrk="0" fontAlgn="base" hangingPunct="0">
+              <a:spcBef>
+                <a:spcPct val="0"/>
+              </a:spcBef>
+              <a:spcAft>
+                <a:spcPct val="0"/>
+              </a:spcAft>
+              <a:defRPr i="1">
+                <a:solidFill>
+                  <a:schemeClr val="tx1"/>
+                </a:solidFill>
+                <a:latin typeface="Verdana" panose="020B0604030504040204" pitchFamily="34" charset="0"/>
+                <a:cs typeface="Arial" panose="020B0604020202020204" pitchFamily="34" charset="0"/>
+              </a:defRPr>
+            </a:lvl9pPr>
+          </a:lstStyle>
+          <a:p>
+            <a:pPr algn="l" rtl="0" eaLnBrk="1" hangingPunct="1"/>
+            <a:r>
+              <a:rPr lang="en-US" altLang="en-US" i="0" dirty="0" err="1">
+                <a:latin typeface="Arial" panose="020B0604020202020204" pitchFamily="34" charset="0"/>
+              </a:rPr>
+              <a:t>OnEnd</a:t>
+            </a:r>
+            <a:endParaRPr lang="en-US" altLang="en-US" i="0" dirty="0">
+              <a:latin typeface="Arial" panose="020B0604020202020204" pitchFamily="34" charset="0"/>
+            </a:endParaRPr>
+          </a:p>
+        </p:txBody>
+      </p:sp>
+      <p:sp>
+        <p:nvSpPr>
+          <p:cNvPr id="501775" name="Text Box 15"/>
+          <p:cNvSpPr txBox="1">
+            <a:spLocks noChangeArrowheads="1"/>
+          </p:cNvSpPr>
+          <p:nvPr/>
+        </p:nvSpPr>
+        <p:spPr bwMode="auto">
+          <a:xfrm>
+            <a:off x="3127375" y="2559050"/>
+            <a:ext cx="3816350" cy="284163"/>
+          </a:xfrm>
+          <a:prstGeom prst="rect">
+            <a:avLst/>
+          </a:prstGeom>
+          <a:noFill/>
+          <a:ln>
+            <a:noFill/>
+          </a:ln>
+          <a:effectLst/>
+          <a:extLst>
+            <a:ext uri="{909E8E84-426E-40DD-AFC4-6F175D3DCCD1}">
+              <a14:hiddenFill xmlns:a14="http://schemas.microsoft.com/office/drawing/2010/main">
+                <a:solidFill>
+                  <a:schemeClr val="accent1"/>
+                </a:solidFill>
+              </a14:hiddenFill>
+            </a:ext>
+            <a:ext uri="{91240B29-F687-4F45-9708-019B960494DF}">
+              <a14:hiddenLine xmlns:a14="http://schemas.microsoft.com/office/drawing/2010/main" w="9525" algn="ctr">
+                <a:solidFill>
+                  <a:schemeClr val="tx1"/>
+                </a:solidFill>
+                <a:miter lim="800000"/>
+                <a:headEnd/>
+                <a:tailEnd/>
+              </a14:hiddenLine>
+            </a:ext>
+            <a:ext uri="{AF507438-7753-43E0-B8FC-AC1667EBCBE1}">
+              <a14:hiddenEffects xmlns:a14="http://schemas.microsoft.com/office/drawing/2010/main">
+                <a:effectLst>
+                  <a:outerShdw dist="35921" dir="2700000" algn="ctr" rotWithShape="0">
+                    <a:schemeClr val="bg2"/>
+                  </a:outerShdw>
+                </a:effectLst>
+              </a14:hiddenEffects>
+            </a:ext>
+          </a:extLst>
+        </p:spPr>
+        <p:txBody>
+          <a:bodyPr>
+            <a:spAutoFit/>
+          </a:bodyPr>
+          <a:lstStyle>
+            <a:lvl1pPr eaLnBrk="0" hangingPunct="0">
+              <a:defRPr i="1">
+                <a:solidFill>
+                  <a:schemeClr val="tx1"/>
+                </a:solidFill>
+                <a:latin typeface="Verdana" panose="020B0604030504040204" pitchFamily="34" charset="0"/>
+                <a:cs typeface="Arial" panose="020B0604020202020204" pitchFamily="34" charset="0"/>
+              </a:defRPr>
+            </a:lvl1pPr>
+            <a:lvl2pPr marL="742950" indent="-285750" eaLnBrk="0" hangingPunct="0">
+              <a:defRPr i="1">
+                <a:solidFill>
+                  <a:schemeClr val="tx1"/>
+                </a:solidFill>
+                <a:latin typeface="Verdana" panose="020B0604030504040204" pitchFamily="34" charset="0"/>
+                <a:cs typeface="Arial" panose="020B0604020202020204" pitchFamily="34" charset="0"/>
+              </a:defRPr>
+            </a:lvl2pPr>
+            <a:lvl3pPr marL="1143000" indent="-228600" eaLnBrk="0" hangingPunct="0">
+              <a:defRPr i="1">
+                <a:solidFill>
+                  <a:schemeClr val="tx1"/>
+                </a:solidFill>
+                <a:latin typeface="Verdana" panose="020B0604030504040204" pitchFamily="34" charset="0"/>
+                <a:cs typeface="Arial" panose="020B0604020202020204" pitchFamily="34" charset="0"/>
+              </a:defRPr>
+            </a:lvl3pPr>
+            <a:lvl4pPr marL="1600200" indent="-228600" eaLnBrk="0" hangingPunct="0">
+              <a:defRPr i="1">
+                <a:solidFill>
+                  <a:schemeClr val="tx1"/>
+                </a:solidFill>
+                <a:latin typeface="Verdana" panose="020B0604030504040204" pitchFamily="34" charset="0"/>
+                <a:cs typeface="Arial" panose="020B0604020202020204" pitchFamily="34" charset="0"/>
+              </a:defRPr>
+            </a:lvl4pPr>
+            <a:lvl5pPr marL="2057400" indent="-228600" eaLnBrk="0" hangingPunct="0">
+              <a:defRPr i="1">
+                <a:solidFill>
+                  <a:schemeClr val="tx1"/>
+                </a:solidFill>
+                <a:latin typeface="Verdana" panose="020B0604030504040204" pitchFamily="34" charset="0"/>
+                <a:cs typeface="Arial" panose="020B0604020202020204" pitchFamily="34" charset="0"/>
+              </a:defRPr>
+            </a:lvl5pPr>
+            <a:lvl6pPr marL="2514600" indent="-228600" eaLnBrk="0" fontAlgn="base" hangingPunct="0">
+              <a:spcBef>
+                <a:spcPct val="0"/>
+              </a:spcBef>
+              <a:spcAft>
+                <a:spcPct val="0"/>
+              </a:spcAft>
+              <a:defRPr i="1">
+                <a:solidFill>
+                  <a:schemeClr val="tx1"/>
+                </a:solidFill>
+                <a:latin typeface="Verdana" panose="020B0604030504040204" pitchFamily="34" charset="0"/>
+                <a:cs typeface="Arial" panose="020B0604020202020204" pitchFamily="34" charset="0"/>
+              </a:defRPr>
+            </a:lvl6pPr>
+            <a:lvl7pPr marL="2971800" indent="-228600" eaLnBrk="0" fontAlgn="base" hangingPunct="0">
+              <a:spcBef>
+                <a:spcPct val="0"/>
+              </a:spcBef>
+              <a:spcAft>
+                <a:spcPct val="0"/>
+              </a:spcAft>
+              <a:defRPr i="1">
+                <a:solidFill>
+                  <a:schemeClr val="tx1"/>
+                </a:solidFill>
+                <a:latin typeface="Verdana" panose="020B0604030504040204" pitchFamily="34" charset="0"/>
+                <a:cs typeface="Arial" panose="020B0604020202020204" pitchFamily="34" charset="0"/>
+              </a:defRPr>
+            </a:lvl7pPr>
+            <a:lvl8pPr marL="3429000" indent="-228600" eaLnBrk="0" fontAlgn="base" hangingPunct="0">
+              <a:spcBef>
+                <a:spcPct val="0"/>
+              </a:spcBef>
+              <a:spcAft>
+                <a:spcPct val="0"/>
+              </a:spcAft>
+              <a:defRPr i="1">
+                <a:solidFill>
+                  <a:schemeClr val="tx1"/>
+                </a:solidFill>
+                <a:latin typeface="Verdana" panose="020B0604030504040204" pitchFamily="34" charset="0"/>
+                <a:cs typeface="Arial" panose="020B0604020202020204" pitchFamily="34" charset="0"/>
+              </a:defRPr>
+            </a:lvl8pPr>
+            <a:lvl9pPr marL="3886200" indent="-228600" eaLnBrk="0" fontAlgn="base" hangingPunct="0">
+              <a:spcBef>
+                <a:spcPct val="0"/>
+              </a:spcBef>
+              <a:spcAft>
+                <a:spcPct val="0"/>
+              </a:spcAft>
+              <a:defRPr i="1">
+                <a:solidFill>
+                  <a:schemeClr val="tx1"/>
+                </a:solidFill>
+                <a:latin typeface="Verdana" panose="020B0604030504040204" pitchFamily="34" charset="0"/>
+                <a:cs typeface="Arial" panose="020B0604020202020204" pitchFamily="34" charset="0"/>
+              </a:defRPr>
+            </a:lvl9pPr>
+          </a:lstStyle>
+          <a:p>
+            <a:pPr algn="l" rtl="0" eaLnBrk="1" hangingPunct="1">
+              <a:lnSpc>
+                <a:spcPct val="70000"/>
+              </a:lnSpc>
+              <a:spcBef>
+                <a:spcPct val="50000"/>
+              </a:spcBef>
+            </a:pPr>
+            <a:r>
+              <a:rPr lang="en-US" altLang="en-US" dirty="0"/>
+              <a:t>Filter is determined and fixed</a:t>
+            </a:r>
+          </a:p>
+        </p:txBody>
+      </p:sp>
+      <p:sp>
+        <p:nvSpPr>
+          <p:cNvPr id="501776" name="Text Box 16"/>
+          <p:cNvSpPr txBox="1">
+            <a:spLocks noChangeArrowheads="1"/>
+          </p:cNvSpPr>
+          <p:nvPr/>
+        </p:nvSpPr>
+        <p:spPr bwMode="auto">
+          <a:xfrm>
+            <a:off x="4830961" y="2970284"/>
+            <a:ext cx="4061519" cy="480131"/>
+          </a:xfrm>
+          <a:prstGeom prst="rect">
+            <a:avLst/>
+          </a:prstGeom>
+          <a:noFill/>
+          <a:ln>
+            <a:noFill/>
+          </a:ln>
+          <a:effectLst/>
+          <a:extLst>
+            <a:ext uri="{909E8E84-426E-40DD-AFC4-6F175D3DCCD1}">
+              <a14:hiddenFill xmlns:a14="http://schemas.microsoft.com/office/drawing/2010/main">
+                <a:solidFill>
+                  <a:schemeClr val="accent1"/>
+                </a:solidFill>
+              </a14:hiddenFill>
+            </a:ext>
+            <a:ext uri="{91240B29-F687-4F45-9708-019B960494DF}">
+              <a14:hiddenLine xmlns:a14="http://schemas.microsoft.com/office/drawing/2010/main" w="9525" algn="ctr">
+                <a:solidFill>
+                  <a:schemeClr val="tx1"/>
+                </a:solidFill>
+                <a:miter lim="800000"/>
+                <a:headEnd/>
+                <a:tailEnd/>
+              </a14:hiddenLine>
+            </a:ext>
+            <a:ext uri="{AF507438-7753-43E0-B8FC-AC1667EBCBE1}">
+              <a14:hiddenEffects xmlns:a14="http://schemas.microsoft.com/office/drawing/2010/main">
+                <a:effectLst>
+                  <a:outerShdw dist="35921" dir="2700000" algn="ctr" rotWithShape="0">
+                    <a:schemeClr val="bg2"/>
+                  </a:outerShdw>
+                </a:effectLst>
+              </a14:hiddenEffects>
+            </a:ext>
+          </a:extLst>
+        </p:spPr>
+        <p:txBody>
+          <a:bodyPr wrap="square">
+            <a:spAutoFit/>
+          </a:bodyPr>
+          <a:lstStyle>
+            <a:lvl1pPr eaLnBrk="0" hangingPunct="0">
+              <a:defRPr i="1">
+                <a:solidFill>
+                  <a:schemeClr val="tx1"/>
+                </a:solidFill>
+                <a:latin typeface="Verdana" panose="020B0604030504040204" pitchFamily="34" charset="0"/>
+                <a:cs typeface="Arial" panose="020B0604020202020204" pitchFamily="34" charset="0"/>
+              </a:defRPr>
+            </a:lvl1pPr>
+            <a:lvl2pPr marL="742950" indent="-285750" eaLnBrk="0" hangingPunct="0">
+              <a:defRPr i="1">
+                <a:solidFill>
+                  <a:schemeClr val="tx1"/>
+                </a:solidFill>
+                <a:latin typeface="Verdana" panose="020B0604030504040204" pitchFamily="34" charset="0"/>
+                <a:cs typeface="Arial" panose="020B0604020202020204" pitchFamily="34" charset="0"/>
+              </a:defRPr>
+            </a:lvl2pPr>
+            <a:lvl3pPr marL="1143000" indent="-228600" eaLnBrk="0" hangingPunct="0">
+              <a:defRPr i="1">
+                <a:solidFill>
+                  <a:schemeClr val="tx1"/>
+                </a:solidFill>
+                <a:latin typeface="Verdana" panose="020B0604030504040204" pitchFamily="34" charset="0"/>
+                <a:cs typeface="Arial" panose="020B0604020202020204" pitchFamily="34" charset="0"/>
+              </a:defRPr>
+            </a:lvl3pPr>
+            <a:lvl4pPr marL="1600200" indent="-228600" eaLnBrk="0" hangingPunct="0">
+              <a:defRPr i="1">
+                <a:solidFill>
+                  <a:schemeClr val="tx1"/>
+                </a:solidFill>
+                <a:latin typeface="Verdana" panose="020B0604030504040204" pitchFamily="34" charset="0"/>
+                <a:cs typeface="Arial" panose="020B0604020202020204" pitchFamily="34" charset="0"/>
+              </a:defRPr>
+            </a:lvl4pPr>
+            <a:lvl5pPr marL="2057400" indent="-228600" eaLnBrk="0" hangingPunct="0">
+              <a:defRPr i="1">
+                <a:solidFill>
+                  <a:schemeClr val="tx1"/>
+                </a:solidFill>
+                <a:latin typeface="Verdana" panose="020B0604030504040204" pitchFamily="34" charset="0"/>
+                <a:cs typeface="Arial" panose="020B0604020202020204" pitchFamily="34" charset="0"/>
+              </a:defRPr>
+            </a:lvl5pPr>
+            <a:lvl6pPr marL="2514600" indent="-228600" eaLnBrk="0" fontAlgn="base" hangingPunct="0">
+              <a:spcBef>
+                <a:spcPct val="0"/>
+              </a:spcBef>
+              <a:spcAft>
+                <a:spcPct val="0"/>
+              </a:spcAft>
+              <a:defRPr i="1">
+                <a:solidFill>
+                  <a:schemeClr val="tx1"/>
+                </a:solidFill>
+                <a:latin typeface="Verdana" panose="020B0604030504040204" pitchFamily="34" charset="0"/>
+                <a:cs typeface="Arial" panose="020B0604020202020204" pitchFamily="34" charset="0"/>
+              </a:defRPr>
+            </a:lvl6pPr>
+            <a:lvl7pPr marL="2971800" indent="-228600" eaLnBrk="0" fontAlgn="base" hangingPunct="0">
+              <a:spcBef>
+                <a:spcPct val="0"/>
+              </a:spcBef>
+              <a:spcAft>
+                <a:spcPct val="0"/>
+              </a:spcAft>
+              <a:defRPr i="1">
+                <a:solidFill>
+                  <a:schemeClr val="tx1"/>
+                </a:solidFill>
+                <a:latin typeface="Verdana" panose="020B0604030504040204" pitchFamily="34" charset="0"/>
+                <a:cs typeface="Arial" panose="020B0604020202020204" pitchFamily="34" charset="0"/>
+              </a:defRPr>
+            </a:lvl7pPr>
+            <a:lvl8pPr marL="3429000" indent="-228600" eaLnBrk="0" fontAlgn="base" hangingPunct="0">
+              <a:spcBef>
+                <a:spcPct val="0"/>
+              </a:spcBef>
+              <a:spcAft>
+                <a:spcPct val="0"/>
+              </a:spcAft>
+              <a:defRPr i="1">
+                <a:solidFill>
+                  <a:schemeClr val="tx1"/>
+                </a:solidFill>
+                <a:latin typeface="Verdana" panose="020B0604030504040204" pitchFamily="34" charset="0"/>
+                <a:cs typeface="Arial" panose="020B0604020202020204" pitchFamily="34" charset="0"/>
+              </a:defRPr>
+            </a:lvl8pPr>
+            <a:lvl9pPr marL="3886200" indent="-228600" eaLnBrk="0" fontAlgn="base" hangingPunct="0">
+              <a:spcBef>
+                <a:spcPct val="0"/>
+              </a:spcBef>
+              <a:spcAft>
+                <a:spcPct val="0"/>
+              </a:spcAft>
+              <a:defRPr i="1">
+                <a:solidFill>
+                  <a:schemeClr val="tx1"/>
+                </a:solidFill>
+                <a:latin typeface="Verdana" panose="020B0604030504040204" pitchFamily="34" charset="0"/>
+                <a:cs typeface="Arial" panose="020B0604020202020204" pitchFamily="34" charset="0"/>
+              </a:defRPr>
+            </a:lvl9pPr>
+          </a:lstStyle>
+          <a:p>
+            <a:pPr algn="l" rtl="0" eaLnBrk="1" hangingPunct="1">
+              <a:lnSpc>
+                <a:spcPct val="70000"/>
+              </a:lnSpc>
+              <a:spcBef>
+                <a:spcPct val="50000"/>
+              </a:spcBef>
+            </a:pPr>
+            <a:r>
+              <a:rPr lang="en-US" altLang="en-US" dirty="0"/>
+              <a:t>Rows are fetched from the database</a:t>
+            </a:r>
+          </a:p>
+        </p:txBody>
+      </p:sp>
+      <p:sp>
+        <p:nvSpPr>
+          <p:cNvPr id="501777" name="Text Box 17"/>
+          <p:cNvSpPr txBox="1">
+            <a:spLocks noChangeArrowheads="1"/>
+          </p:cNvSpPr>
+          <p:nvPr/>
+        </p:nvSpPr>
+        <p:spPr bwMode="auto">
+          <a:xfrm>
+            <a:off x="4830961" y="3456821"/>
+            <a:ext cx="4608513" cy="476250"/>
+          </a:xfrm>
+          <a:prstGeom prst="rect">
+            <a:avLst/>
+          </a:prstGeom>
+          <a:noFill/>
+          <a:ln>
+            <a:noFill/>
+          </a:ln>
+          <a:effectLst/>
+          <a:extLst>
+            <a:ext uri="{909E8E84-426E-40DD-AFC4-6F175D3DCCD1}">
+              <a14:hiddenFill xmlns:a14="http://schemas.microsoft.com/office/drawing/2010/main">
+                <a:solidFill>
+                  <a:schemeClr val="accent1"/>
+                </a:solidFill>
+              </a14:hiddenFill>
+            </a:ext>
+            <a:ext uri="{91240B29-F687-4F45-9708-019B960494DF}">
+              <a14:hiddenLine xmlns:a14="http://schemas.microsoft.com/office/drawing/2010/main" w="9525" algn="ctr">
+                <a:solidFill>
+                  <a:schemeClr val="tx1"/>
+                </a:solidFill>
+                <a:miter lim="800000"/>
+                <a:headEnd/>
+                <a:tailEnd/>
+              </a14:hiddenLine>
+            </a:ext>
+            <a:ext uri="{AF507438-7753-43E0-B8FC-AC1667EBCBE1}">
+              <a14:hiddenEffects xmlns:a14="http://schemas.microsoft.com/office/drawing/2010/main">
+                <a:effectLst>
+                  <a:outerShdw dist="35921" dir="2700000" algn="ctr" rotWithShape="0">
+                    <a:schemeClr val="bg2"/>
+                  </a:outerShdw>
+                </a:effectLst>
+              </a14:hiddenEffects>
+            </a:ext>
+          </a:extLst>
+        </p:spPr>
+        <p:txBody>
+          <a:bodyPr>
+            <a:spAutoFit/>
+          </a:bodyPr>
+          <a:lstStyle>
+            <a:lvl1pPr eaLnBrk="0" hangingPunct="0">
+              <a:defRPr i="1">
+                <a:solidFill>
+                  <a:schemeClr val="tx1"/>
+                </a:solidFill>
+                <a:latin typeface="Verdana" panose="020B0604030504040204" pitchFamily="34" charset="0"/>
+                <a:cs typeface="Arial" panose="020B0604020202020204" pitchFamily="34" charset="0"/>
+              </a:defRPr>
+            </a:lvl1pPr>
+            <a:lvl2pPr marL="742950" indent="-285750" eaLnBrk="0" hangingPunct="0">
+              <a:defRPr i="1">
+                <a:solidFill>
+                  <a:schemeClr val="tx1"/>
+                </a:solidFill>
+                <a:latin typeface="Verdana" panose="020B0604030504040204" pitchFamily="34" charset="0"/>
+                <a:cs typeface="Arial" panose="020B0604020202020204" pitchFamily="34" charset="0"/>
+              </a:defRPr>
+            </a:lvl2pPr>
+            <a:lvl3pPr marL="1143000" indent="-228600" eaLnBrk="0" hangingPunct="0">
+              <a:defRPr i="1">
+                <a:solidFill>
+                  <a:schemeClr val="tx1"/>
+                </a:solidFill>
+                <a:latin typeface="Verdana" panose="020B0604030504040204" pitchFamily="34" charset="0"/>
+                <a:cs typeface="Arial" panose="020B0604020202020204" pitchFamily="34" charset="0"/>
+              </a:defRPr>
+            </a:lvl3pPr>
+            <a:lvl4pPr marL="1600200" indent="-228600" eaLnBrk="0" hangingPunct="0">
+              <a:defRPr i="1">
+                <a:solidFill>
+                  <a:schemeClr val="tx1"/>
+                </a:solidFill>
+                <a:latin typeface="Verdana" panose="020B0604030504040204" pitchFamily="34" charset="0"/>
+                <a:cs typeface="Arial" panose="020B0604020202020204" pitchFamily="34" charset="0"/>
+              </a:defRPr>
+            </a:lvl4pPr>
+            <a:lvl5pPr marL="2057400" indent="-228600" eaLnBrk="0" hangingPunct="0">
+              <a:defRPr i="1">
+                <a:solidFill>
+                  <a:schemeClr val="tx1"/>
+                </a:solidFill>
+                <a:latin typeface="Verdana" panose="020B0604030504040204" pitchFamily="34" charset="0"/>
+                <a:cs typeface="Arial" panose="020B0604020202020204" pitchFamily="34" charset="0"/>
+              </a:defRPr>
+            </a:lvl5pPr>
+            <a:lvl6pPr marL="2514600" indent="-228600" eaLnBrk="0" fontAlgn="base" hangingPunct="0">
+              <a:spcBef>
+                <a:spcPct val="0"/>
+              </a:spcBef>
+              <a:spcAft>
+                <a:spcPct val="0"/>
+              </a:spcAft>
+              <a:defRPr i="1">
+                <a:solidFill>
+                  <a:schemeClr val="tx1"/>
+                </a:solidFill>
+                <a:latin typeface="Verdana" panose="020B0604030504040204" pitchFamily="34" charset="0"/>
+                <a:cs typeface="Arial" panose="020B0604020202020204" pitchFamily="34" charset="0"/>
+              </a:defRPr>
+            </a:lvl6pPr>
+            <a:lvl7pPr marL="2971800" indent="-228600" eaLnBrk="0" fontAlgn="base" hangingPunct="0">
+              <a:spcBef>
+                <a:spcPct val="0"/>
+              </a:spcBef>
+              <a:spcAft>
+                <a:spcPct val="0"/>
+              </a:spcAft>
+              <a:defRPr i="1">
+                <a:solidFill>
+                  <a:schemeClr val="tx1"/>
+                </a:solidFill>
+                <a:latin typeface="Verdana" panose="020B0604030504040204" pitchFamily="34" charset="0"/>
+                <a:cs typeface="Arial" panose="020B0604020202020204" pitchFamily="34" charset="0"/>
+              </a:defRPr>
+            </a:lvl7pPr>
+            <a:lvl8pPr marL="3429000" indent="-228600" eaLnBrk="0" fontAlgn="base" hangingPunct="0">
+              <a:spcBef>
+                <a:spcPct val="0"/>
+              </a:spcBef>
+              <a:spcAft>
+                <a:spcPct val="0"/>
+              </a:spcAft>
+              <a:defRPr i="1">
+                <a:solidFill>
+                  <a:schemeClr val="tx1"/>
+                </a:solidFill>
+                <a:latin typeface="Verdana" panose="020B0604030504040204" pitchFamily="34" charset="0"/>
+                <a:cs typeface="Arial" panose="020B0604020202020204" pitchFamily="34" charset="0"/>
+              </a:defRPr>
+            </a:lvl8pPr>
+            <a:lvl9pPr marL="3886200" indent="-228600" eaLnBrk="0" fontAlgn="base" hangingPunct="0">
+              <a:spcBef>
+                <a:spcPct val="0"/>
+              </a:spcBef>
+              <a:spcAft>
+                <a:spcPct val="0"/>
+              </a:spcAft>
+              <a:defRPr i="1">
+                <a:solidFill>
+                  <a:schemeClr val="tx1"/>
+                </a:solidFill>
+                <a:latin typeface="Verdana" panose="020B0604030504040204" pitchFamily="34" charset="0"/>
+                <a:cs typeface="Arial" panose="020B0604020202020204" pitchFamily="34" charset="0"/>
+              </a:defRPr>
+            </a:lvl9pPr>
+          </a:lstStyle>
+          <a:p>
+            <a:pPr algn="l" rtl="0" eaLnBrk="1" hangingPunct="1">
+              <a:lnSpc>
+                <a:spcPct val="70000"/>
+              </a:lnSpc>
+              <a:spcBef>
+                <a:spcPct val="50000"/>
+              </a:spcBef>
+            </a:pPr>
+            <a:r>
+              <a:rPr lang="en-US" altLang="en-US" dirty="0"/>
+              <a:t>Specific row is loaded, and bound values are evaluated</a:t>
+            </a:r>
+          </a:p>
+        </p:txBody>
+      </p:sp>
+      <p:sp>
+        <p:nvSpPr>
+          <p:cNvPr id="501780" name="AutoShape 20"/>
+          <p:cNvSpPr>
+            <a:spLocks noChangeArrowheads="1"/>
+          </p:cNvSpPr>
+          <p:nvPr/>
+        </p:nvSpPr>
+        <p:spPr bwMode="auto">
+          <a:xfrm rot="10800000">
+            <a:off x="4263561" y="3789039"/>
+            <a:ext cx="287337" cy="1912795"/>
+          </a:xfrm>
+          <a:prstGeom prst="curvedLeftArrow">
+            <a:avLst>
+              <a:gd name="adj1" fmla="val 185415"/>
+              <a:gd name="adj2" fmla="val 370829"/>
+              <a:gd name="adj3" fmla="val 33333"/>
+            </a:avLst>
+          </a:prstGeom>
+          <a:solidFill>
+            <a:schemeClr val="bg1"/>
+          </a:solidFill>
+          <a:ln w="9525">
+            <a:solidFill>
+              <a:schemeClr val="tx1"/>
+            </a:solidFill>
+            <a:miter lim="800000"/>
+            <a:headEnd/>
+            <a:tailEnd/>
+          </a:ln>
+          <a:effectLst/>
+          <a:extLst>
+            <a:ext uri="{AF507438-7753-43E0-B8FC-AC1667EBCBE1}">
+              <a14:hiddenEffects xmlns:a14="http://schemas.microsoft.com/office/drawing/2010/main">
+                <a:effectLst>
+                  <a:outerShdw dist="35921" dir="2700000" algn="ctr" rotWithShape="0">
+                    <a:schemeClr val="bg2"/>
+                  </a:outerShdw>
+                </a:effectLst>
+              </a14:hiddenEffects>
+            </a:ext>
+          </a:extLst>
+        </p:spPr>
+        <p:txBody>
+          <a:bodyPr rot="10800000" wrap="none" anchor="ctr"/>
+          <a:lstStyle>
+            <a:lvl1pPr eaLnBrk="0" hangingPunct="0">
+              <a:defRPr i="1">
+                <a:solidFill>
+                  <a:schemeClr val="tx1"/>
+                </a:solidFill>
+                <a:latin typeface="Verdana" panose="020B0604030504040204" pitchFamily="34" charset="0"/>
+                <a:cs typeface="Arial" panose="020B0604020202020204" pitchFamily="34" charset="0"/>
+              </a:defRPr>
+            </a:lvl1pPr>
+            <a:lvl2pPr marL="742950" indent="-285750" eaLnBrk="0" hangingPunct="0">
+              <a:defRPr i="1">
+                <a:solidFill>
+                  <a:schemeClr val="tx1"/>
+                </a:solidFill>
+                <a:latin typeface="Verdana" panose="020B0604030504040204" pitchFamily="34" charset="0"/>
+                <a:cs typeface="Arial" panose="020B0604020202020204" pitchFamily="34" charset="0"/>
+              </a:defRPr>
+            </a:lvl2pPr>
+            <a:lvl3pPr marL="1143000" indent="-228600" eaLnBrk="0" hangingPunct="0">
+              <a:defRPr i="1">
+                <a:solidFill>
+                  <a:schemeClr val="tx1"/>
+                </a:solidFill>
+                <a:latin typeface="Verdana" panose="020B0604030504040204" pitchFamily="34" charset="0"/>
+                <a:cs typeface="Arial" panose="020B0604020202020204" pitchFamily="34" charset="0"/>
+              </a:defRPr>
+            </a:lvl3pPr>
+            <a:lvl4pPr marL="1600200" indent="-228600" eaLnBrk="0" hangingPunct="0">
+              <a:defRPr i="1">
+                <a:solidFill>
+                  <a:schemeClr val="tx1"/>
+                </a:solidFill>
+                <a:latin typeface="Verdana" panose="020B0604030504040204" pitchFamily="34" charset="0"/>
+                <a:cs typeface="Arial" panose="020B0604020202020204" pitchFamily="34" charset="0"/>
+              </a:defRPr>
+            </a:lvl4pPr>
+            <a:lvl5pPr marL="2057400" indent="-228600" eaLnBrk="0" hangingPunct="0">
+              <a:defRPr i="1">
+                <a:solidFill>
+                  <a:schemeClr val="tx1"/>
+                </a:solidFill>
+                <a:latin typeface="Verdana" panose="020B0604030504040204" pitchFamily="34" charset="0"/>
+                <a:cs typeface="Arial" panose="020B0604020202020204" pitchFamily="34" charset="0"/>
+              </a:defRPr>
+            </a:lvl5pPr>
+            <a:lvl6pPr marL="2514600" indent="-228600" eaLnBrk="0" fontAlgn="base" hangingPunct="0">
+              <a:spcBef>
+                <a:spcPct val="0"/>
+              </a:spcBef>
+              <a:spcAft>
+                <a:spcPct val="0"/>
+              </a:spcAft>
+              <a:defRPr i="1">
+                <a:solidFill>
+                  <a:schemeClr val="tx1"/>
+                </a:solidFill>
+                <a:latin typeface="Verdana" panose="020B0604030504040204" pitchFamily="34" charset="0"/>
+                <a:cs typeface="Arial" panose="020B0604020202020204" pitchFamily="34" charset="0"/>
+              </a:defRPr>
+            </a:lvl6pPr>
+            <a:lvl7pPr marL="2971800" indent="-228600" eaLnBrk="0" fontAlgn="base" hangingPunct="0">
+              <a:spcBef>
+                <a:spcPct val="0"/>
+              </a:spcBef>
+              <a:spcAft>
+                <a:spcPct val="0"/>
+              </a:spcAft>
+              <a:defRPr i="1">
+                <a:solidFill>
+                  <a:schemeClr val="tx1"/>
+                </a:solidFill>
+                <a:latin typeface="Verdana" panose="020B0604030504040204" pitchFamily="34" charset="0"/>
+                <a:cs typeface="Arial" panose="020B0604020202020204" pitchFamily="34" charset="0"/>
+              </a:defRPr>
+            </a:lvl7pPr>
+            <a:lvl8pPr marL="3429000" indent="-228600" eaLnBrk="0" fontAlgn="base" hangingPunct="0">
+              <a:spcBef>
+                <a:spcPct val="0"/>
+              </a:spcBef>
+              <a:spcAft>
+                <a:spcPct val="0"/>
+              </a:spcAft>
+              <a:defRPr i="1">
+                <a:solidFill>
+                  <a:schemeClr val="tx1"/>
+                </a:solidFill>
+                <a:latin typeface="Verdana" panose="020B0604030504040204" pitchFamily="34" charset="0"/>
+                <a:cs typeface="Arial" panose="020B0604020202020204" pitchFamily="34" charset="0"/>
+              </a:defRPr>
+            </a:lvl8pPr>
+            <a:lvl9pPr marL="3886200" indent="-228600" eaLnBrk="0" fontAlgn="base" hangingPunct="0">
+              <a:spcBef>
+                <a:spcPct val="0"/>
+              </a:spcBef>
+              <a:spcAft>
+                <a:spcPct val="0"/>
+              </a:spcAft>
+              <a:defRPr i="1">
+                <a:solidFill>
+                  <a:schemeClr val="tx1"/>
+                </a:solidFill>
+                <a:latin typeface="Verdana" panose="020B0604030504040204" pitchFamily="34" charset="0"/>
+                <a:cs typeface="Arial" panose="020B0604020202020204" pitchFamily="34" charset="0"/>
+              </a:defRPr>
+            </a:lvl9pPr>
+          </a:lstStyle>
+          <a:p>
+            <a:pPr eaLnBrk="1" hangingPunct="1"/>
+            <a:endParaRPr lang="en-US" altLang="en-US"/>
+          </a:p>
+        </p:txBody>
+      </p:sp>
+      <p:sp>
+        <p:nvSpPr>
+          <p:cNvPr id="501781" name="Text Box 21"/>
+          <p:cNvSpPr txBox="1">
+            <a:spLocks noChangeArrowheads="1"/>
+          </p:cNvSpPr>
+          <p:nvPr/>
+        </p:nvSpPr>
+        <p:spPr bwMode="auto">
+          <a:xfrm>
+            <a:off x="6386489" y="6004593"/>
+            <a:ext cx="2650008" cy="284162"/>
+          </a:xfrm>
+          <a:prstGeom prst="rect">
+            <a:avLst/>
+          </a:prstGeom>
+          <a:noFill/>
+          <a:ln>
+            <a:noFill/>
+          </a:ln>
+          <a:effectLst/>
+          <a:extLst>
+            <a:ext uri="{909E8E84-426E-40DD-AFC4-6F175D3DCCD1}">
+              <a14:hiddenFill xmlns:a14="http://schemas.microsoft.com/office/drawing/2010/main">
+                <a:solidFill>
+                  <a:schemeClr val="accent1"/>
+                </a:solidFill>
+              </a14:hiddenFill>
+            </a:ext>
+            <a:ext uri="{91240B29-F687-4F45-9708-019B960494DF}">
+              <a14:hiddenLine xmlns:a14="http://schemas.microsoft.com/office/drawing/2010/main" w="9525" algn="ctr">
+                <a:solidFill>
+                  <a:schemeClr val="tx1"/>
+                </a:solidFill>
+                <a:miter lim="800000"/>
+                <a:headEnd/>
+                <a:tailEnd/>
+              </a14:hiddenLine>
+            </a:ext>
+            <a:ext uri="{AF507438-7753-43E0-B8FC-AC1667EBCBE1}">
+              <a14:hiddenEffects xmlns:a14="http://schemas.microsoft.com/office/drawing/2010/main">
+                <a:effectLst>
+                  <a:outerShdw dist="35921" dir="2700000" algn="ctr" rotWithShape="0">
+                    <a:schemeClr val="bg2"/>
+                  </a:outerShdw>
+                </a:effectLst>
+              </a14:hiddenEffects>
+            </a:ext>
+          </a:extLst>
+        </p:spPr>
+        <p:txBody>
+          <a:bodyPr wrap="square">
+            <a:spAutoFit/>
+          </a:bodyPr>
+          <a:lstStyle>
+            <a:lvl1pPr eaLnBrk="0" hangingPunct="0">
+              <a:defRPr i="1">
+                <a:solidFill>
+                  <a:schemeClr val="tx1"/>
+                </a:solidFill>
+                <a:latin typeface="Verdana" panose="020B0604030504040204" pitchFamily="34" charset="0"/>
+                <a:cs typeface="Arial" panose="020B0604020202020204" pitchFamily="34" charset="0"/>
+              </a:defRPr>
+            </a:lvl1pPr>
+            <a:lvl2pPr marL="742950" indent="-285750" eaLnBrk="0" hangingPunct="0">
+              <a:defRPr i="1">
+                <a:solidFill>
+                  <a:schemeClr val="tx1"/>
+                </a:solidFill>
+                <a:latin typeface="Verdana" panose="020B0604030504040204" pitchFamily="34" charset="0"/>
+                <a:cs typeface="Arial" panose="020B0604020202020204" pitchFamily="34" charset="0"/>
+              </a:defRPr>
+            </a:lvl2pPr>
+            <a:lvl3pPr marL="1143000" indent="-228600" eaLnBrk="0" hangingPunct="0">
+              <a:defRPr i="1">
+                <a:solidFill>
+                  <a:schemeClr val="tx1"/>
+                </a:solidFill>
+                <a:latin typeface="Verdana" panose="020B0604030504040204" pitchFamily="34" charset="0"/>
+                <a:cs typeface="Arial" panose="020B0604020202020204" pitchFamily="34" charset="0"/>
+              </a:defRPr>
+            </a:lvl3pPr>
+            <a:lvl4pPr marL="1600200" indent="-228600" eaLnBrk="0" hangingPunct="0">
+              <a:defRPr i="1">
+                <a:solidFill>
+                  <a:schemeClr val="tx1"/>
+                </a:solidFill>
+                <a:latin typeface="Verdana" panose="020B0604030504040204" pitchFamily="34" charset="0"/>
+                <a:cs typeface="Arial" panose="020B0604020202020204" pitchFamily="34" charset="0"/>
+              </a:defRPr>
+            </a:lvl4pPr>
+            <a:lvl5pPr marL="2057400" indent="-228600" eaLnBrk="0" hangingPunct="0">
+              <a:defRPr i="1">
+                <a:solidFill>
+                  <a:schemeClr val="tx1"/>
+                </a:solidFill>
+                <a:latin typeface="Verdana" panose="020B0604030504040204" pitchFamily="34" charset="0"/>
+                <a:cs typeface="Arial" panose="020B0604020202020204" pitchFamily="34" charset="0"/>
+              </a:defRPr>
+            </a:lvl5pPr>
+            <a:lvl6pPr marL="2514600" indent="-228600" eaLnBrk="0" fontAlgn="base" hangingPunct="0">
+              <a:spcBef>
+                <a:spcPct val="0"/>
+              </a:spcBef>
+              <a:spcAft>
+                <a:spcPct val="0"/>
+              </a:spcAft>
+              <a:defRPr i="1">
+                <a:solidFill>
+                  <a:schemeClr val="tx1"/>
+                </a:solidFill>
+                <a:latin typeface="Verdana" panose="020B0604030504040204" pitchFamily="34" charset="0"/>
+                <a:cs typeface="Arial" panose="020B0604020202020204" pitchFamily="34" charset="0"/>
+              </a:defRPr>
+            </a:lvl6pPr>
+            <a:lvl7pPr marL="2971800" indent="-228600" eaLnBrk="0" fontAlgn="base" hangingPunct="0">
+              <a:spcBef>
+                <a:spcPct val="0"/>
+              </a:spcBef>
+              <a:spcAft>
+                <a:spcPct val="0"/>
+              </a:spcAft>
+              <a:defRPr i="1">
+                <a:solidFill>
+                  <a:schemeClr val="tx1"/>
+                </a:solidFill>
+                <a:latin typeface="Verdana" panose="020B0604030504040204" pitchFamily="34" charset="0"/>
+                <a:cs typeface="Arial" panose="020B0604020202020204" pitchFamily="34" charset="0"/>
+              </a:defRPr>
+            </a:lvl7pPr>
+            <a:lvl8pPr marL="3429000" indent="-228600" eaLnBrk="0" fontAlgn="base" hangingPunct="0">
+              <a:spcBef>
+                <a:spcPct val="0"/>
+              </a:spcBef>
+              <a:spcAft>
+                <a:spcPct val="0"/>
+              </a:spcAft>
+              <a:defRPr i="1">
+                <a:solidFill>
+                  <a:schemeClr val="tx1"/>
+                </a:solidFill>
+                <a:latin typeface="Verdana" panose="020B0604030504040204" pitchFamily="34" charset="0"/>
+                <a:cs typeface="Arial" panose="020B0604020202020204" pitchFamily="34" charset="0"/>
+              </a:defRPr>
+            </a:lvl8pPr>
+            <a:lvl9pPr marL="3886200" indent="-228600" eaLnBrk="0" fontAlgn="base" hangingPunct="0">
+              <a:spcBef>
+                <a:spcPct val="0"/>
+              </a:spcBef>
+              <a:spcAft>
+                <a:spcPct val="0"/>
+              </a:spcAft>
+              <a:defRPr i="1">
+                <a:solidFill>
+                  <a:schemeClr val="tx1"/>
+                </a:solidFill>
+                <a:latin typeface="Verdana" panose="020B0604030504040204" pitchFamily="34" charset="0"/>
+                <a:cs typeface="Arial" panose="020B0604020202020204" pitchFamily="34" charset="0"/>
+              </a:defRPr>
+            </a:lvl9pPr>
+          </a:lstStyle>
+          <a:p>
+            <a:pPr algn="l" rtl="0" eaLnBrk="1" hangingPunct="1">
+              <a:lnSpc>
+                <a:spcPct val="70000"/>
+              </a:lnSpc>
+              <a:spcBef>
+                <a:spcPct val="50000"/>
+              </a:spcBef>
+            </a:pPr>
+            <a:r>
+              <a:rPr lang="en-US" altLang="en-US" dirty="0"/>
+              <a:t>Specific row is saved</a:t>
+            </a:r>
+          </a:p>
+        </p:txBody>
+      </p:sp>
+      <p:sp>
+        <p:nvSpPr>
+          <p:cNvPr id="501782" name="Text Box 22"/>
+          <p:cNvSpPr txBox="1">
+            <a:spLocks noChangeArrowheads="1"/>
+          </p:cNvSpPr>
+          <p:nvPr/>
+        </p:nvSpPr>
+        <p:spPr bwMode="auto">
+          <a:xfrm>
+            <a:off x="4932363" y="2060575"/>
+            <a:ext cx="3816350" cy="284163"/>
+          </a:xfrm>
+          <a:prstGeom prst="rect">
+            <a:avLst/>
+          </a:prstGeom>
+          <a:noFill/>
+          <a:ln>
+            <a:noFill/>
+          </a:ln>
+          <a:effectLst/>
+          <a:extLst>
+            <a:ext uri="{909E8E84-426E-40DD-AFC4-6F175D3DCCD1}">
+              <a14:hiddenFill xmlns:a14="http://schemas.microsoft.com/office/drawing/2010/main">
+                <a:solidFill>
+                  <a:schemeClr val="accent1"/>
+                </a:solidFill>
+              </a14:hiddenFill>
+            </a:ext>
+            <a:ext uri="{91240B29-F687-4F45-9708-019B960494DF}">
+              <a14:hiddenLine xmlns:a14="http://schemas.microsoft.com/office/drawing/2010/main" w="9525" algn="ctr">
+                <a:solidFill>
+                  <a:schemeClr val="tx1"/>
+                </a:solidFill>
+                <a:miter lim="800000"/>
+                <a:headEnd/>
+                <a:tailEnd/>
+              </a14:hiddenLine>
+            </a:ext>
+            <a:ext uri="{AF507438-7753-43E0-B8FC-AC1667EBCBE1}">
+              <a14:hiddenEffects xmlns:a14="http://schemas.microsoft.com/office/drawing/2010/main">
+                <a:effectLst>
+                  <a:outerShdw dist="35921" dir="2700000" algn="ctr" rotWithShape="0">
+                    <a:schemeClr val="bg2"/>
+                  </a:outerShdw>
+                </a:effectLst>
+              </a14:hiddenEffects>
+            </a:ext>
+          </a:extLst>
+        </p:spPr>
+        <p:txBody>
+          <a:bodyPr>
+            <a:spAutoFit/>
+          </a:bodyPr>
+          <a:lstStyle>
+            <a:lvl1pPr eaLnBrk="0" hangingPunct="0">
+              <a:defRPr i="1">
+                <a:solidFill>
+                  <a:schemeClr val="tx1"/>
+                </a:solidFill>
+                <a:latin typeface="Verdana" panose="020B0604030504040204" pitchFamily="34" charset="0"/>
+                <a:cs typeface="Arial" panose="020B0604020202020204" pitchFamily="34" charset="0"/>
+              </a:defRPr>
+            </a:lvl1pPr>
+            <a:lvl2pPr marL="742950" indent="-285750" eaLnBrk="0" hangingPunct="0">
+              <a:defRPr i="1">
+                <a:solidFill>
+                  <a:schemeClr val="tx1"/>
+                </a:solidFill>
+                <a:latin typeface="Verdana" panose="020B0604030504040204" pitchFamily="34" charset="0"/>
+                <a:cs typeface="Arial" panose="020B0604020202020204" pitchFamily="34" charset="0"/>
+              </a:defRPr>
+            </a:lvl2pPr>
+            <a:lvl3pPr marL="1143000" indent="-228600" eaLnBrk="0" hangingPunct="0">
+              <a:defRPr i="1">
+                <a:solidFill>
+                  <a:schemeClr val="tx1"/>
+                </a:solidFill>
+                <a:latin typeface="Verdana" panose="020B0604030504040204" pitchFamily="34" charset="0"/>
+                <a:cs typeface="Arial" panose="020B0604020202020204" pitchFamily="34" charset="0"/>
+              </a:defRPr>
+            </a:lvl3pPr>
+            <a:lvl4pPr marL="1600200" indent="-228600" eaLnBrk="0" hangingPunct="0">
+              <a:defRPr i="1">
+                <a:solidFill>
+                  <a:schemeClr val="tx1"/>
+                </a:solidFill>
+                <a:latin typeface="Verdana" panose="020B0604030504040204" pitchFamily="34" charset="0"/>
+                <a:cs typeface="Arial" panose="020B0604020202020204" pitchFamily="34" charset="0"/>
+              </a:defRPr>
+            </a:lvl4pPr>
+            <a:lvl5pPr marL="2057400" indent="-228600" eaLnBrk="0" hangingPunct="0">
+              <a:defRPr i="1">
+                <a:solidFill>
+                  <a:schemeClr val="tx1"/>
+                </a:solidFill>
+                <a:latin typeface="Verdana" panose="020B0604030504040204" pitchFamily="34" charset="0"/>
+                <a:cs typeface="Arial" panose="020B0604020202020204" pitchFamily="34" charset="0"/>
+              </a:defRPr>
+            </a:lvl5pPr>
+            <a:lvl6pPr marL="2514600" indent="-228600" eaLnBrk="0" fontAlgn="base" hangingPunct="0">
+              <a:spcBef>
+                <a:spcPct val="0"/>
+              </a:spcBef>
+              <a:spcAft>
+                <a:spcPct val="0"/>
+              </a:spcAft>
+              <a:defRPr i="1">
+                <a:solidFill>
+                  <a:schemeClr val="tx1"/>
+                </a:solidFill>
+                <a:latin typeface="Verdana" panose="020B0604030504040204" pitchFamily="34" charset="0"/>
+                <a:cs typeface="Arial" panose="020B0604020202020204" pitchFamily="34" charset="0"/>
+              </a:defRPr>
+            </a:lvl6pPr>
+            <a:lvl7pPr marL="2971800" indent="-228600" eaLnBrk="0" fontAlgn="base" hangingPunct="0">
+              <a:spcBef>
+                <a:spcPct val="0"/>
+              </a:spcBef>
+              <a:spcAft>
+                <a:spcPct val="0"/>
+              </a:spcAft>
+              <a:defRPr i="1">
+                <a:solidFill>
+                  <a:schemeClr val="tx1"/>
+                </a:solidFill>
+                <a:latin typeface="Verdana" panose="020B0604030504040204" pitchFamily="34" charset="0"/>
+                <a:cs typeface="Arial" panose="020B0604020202020204" pitchFamily="34" charset="0"/>
+              </a:defRPr>
+            </a:lvl7pPr>
+            <a:lvl8pPr marL="3429000" indent="-228600" eaLnBrk="0" fontAlgn="base" hangingPunct="0">
+              <a:spcBef>
+                <a:spcPct val="0"/>
+              </a:spcBef>
+              <a:spcAft>
+                <a:spcPct val="0"/>
+              </a:spcAft>
+              <a:defRPr i="1">
+                <a:solidFill>
+                  <a:schemeClr val="tx1"/>
+                </a:solidFill>
+                <a:latin typeface="Verdana" panose="020B0604030504040204" pitchFamily="34" charset="0"/>
+                <a:cs typeface="Arial" panose="020B0604020202020204" pitchFamily="34" charset="0"/>
+              </a:defRPr>
+            </a:lvl8pPr>
+            <a:lvl9pPr marL="3886200" indent="-228600" eaLnBrk="0" fontAlgn="base" hangingPunct="0">
+              <a:spcBef>
+                <a:spcPct val="0"/>
+              </a:spcBef>
+              <a:spcAft>
+                <a:spcPct val="0"/>
+              </a:spcAft>
+              <a:defRPr i="1">
+                <a:solidFill>
+                  <a:schemeClr val="tx1"/>
+                </a:solidFill>
+                <a:latin typeface="Verdana" panose="020B0604030504040204" pitchFamily="34" charset="0"/>
+                <a:cs typeface="Arial" panose="020B0604020202020204" pitchFamily="34" charset="0"/>
+              </a:defRPr>
+            </a:lvl9pPr>
+          </a:lstStyle>
+          <a:p>
+            <a:pPr algn="l" rtl="0" eaLnBrk="1" hangingPunct="1">
+              <a:lnSpc>
+                <a:spcPct val="70000"/>
+              </a:lnSpc>
+              <a:spcBef>
+                <a:spcPct val="50000"/>
+              </a:spcBef>
+            </a:pPr>
+            <a:r>
+              <a:rPr lang="en-US" altLang="en-US" dirty="0"/>
+              <a:t>All the task settings are set</a:t>
+            </a:r>
+          </a:p>
+        </p:txBody>
+      </p:sp>
+      <p:sp>
+        <p:nvSpPr>
+          <p:cNvPr id="501783" name="Text Box 23"/>
+          <p:cNvSpPr txBox="1">
+            <a:spLocks noChangeArrowheads="1"/>
+          </p:cNvSpPr>
+          <p:nvPr/>
+        </p:nvSpPr>
+        <p:spPr bwMode="auto">
+          <a:xfrm>
+            <a:off x="6386488" y="5393097"/>
+            <a:ext cx="2001936" cy="674031"/>
+          </a:xfrm>
+          <a:prstGeom prst="rect">
+            <a:avLst/>
+          </a:prstGeom>
+          <a:noFill/>
+          <a:ln>
+            <a:noFill/>
+          </a:ln>
+          <a:effectLst/>
+          <a:extLst>
+            <a:ext uri="{909E8E84-426E-40DD-AFC4-6F175D3DCCD1}">
+              <a14:hiddenFill xmlns:a14="http://schemas.microsoft.com/office/drawing/2010/main">
+                <a:solidFill>
+                  <a:schemeClr val="accent1"/>
+                </a:solidFill>
+              </a14:hiddenFill>
+            </a:ext>
+            <a:ext uri="{91240B29-F687-4F45-9708-019B960494DF}">
+              <a14:hiddenLine xmlns:a14="http://schemas.microsoft.com/office/drawing/2010/main" w="9525" algn="ctr">
+                <a:solidFill>
+                  <a:schemeClr val="tx1"/>
+                </a:solidFill>
+                <a:miter lim="800000"/>
+                <a:headEnd/>
+                <a:tailEnd/>
+              </a14:hiddenLine>
+            </a:ext>
+            <a:ext uri="{AF507438-7753-43E0-B8FC-AC1667EBCBE1}">
+              <a14:hiddenEffects xmlns:a14="http://schemas.microsoft.com/office/drawing/2010/main">
+                <a:effectLst>
+                  <a:outerShdw dist="35921" dir="2700000" algn="ctr" rotWithShape="0">
+                    <a:schemeClr val="bg2"/>
+                  </a:outerShdw>
+                </a:effectLst>
+              </a14:hiddenEffects>
+            </a:ext>
+          </a:extLst>
+        </p:spPr>
+        <p:txBody>
+          <a:bodyPr wrap="square">
+            <a:spAutoFit/>
+          </a:bodyPr>
+          <a:lstStyle>
+            <a:lvl1pPr eaLnBrk="0" hangingPunct="0">
+              <a:defRPr i="1">
+                <a:solidFill>
+                  <a:schemeClr val="tx1"/>
+                </a:solidFill>
+                <a:latin typeface="Verdana" panose="020B0604030504040204" pitchFamily="34" charset="0"/>
+                <a:cs typeface="Arial" panose="020B0604020202020204" pitchFamily="34" charset="0"/>
+              </a:defRPr>
+            </a:lvl1pPr>
+            <a:lvl2pPr marL="742950" indent="-285750" eaLnBrk="0" hangingPunct="0">
+              <a:defRPr i="1">
+                <a:solidFill>
+                  <a:schemeClr val="tx1"/>
+                </a:solidFill>
+                <a:latin typeface="Verdana" panose="020B0604030504040204" pitchFamily="34" charset="0"/>
+                <a:cs typeface="Arial" panose="020B0604020202020204" pitchFamily="34" charset="0"/>
+              </a:defRPr>
+            </a:lvl2pPr>
+            <a:lvl3pPr marL="1143000" indent="-228600" eaLnBrk="0" hangingPunct="0">
+              <a:defRPr i="1">
+                <a:solidFill>
+                  <a:schemeClr val="tx1"/>
+                </a:solidFill>
+                <a:latin typeface="Verdana" panose="020B0604030504040204" pitchFamily="34" charset="0"/>
+                <a:cs typeface="Arial" panose="020B0604020202020204" pitchFamily="34" charset="0"/>
+              </a:defRPr>
+            </a:lvl3pPr>
+            <a:lvl4pPr marL="1600200" indent="-228600" eaLnBrk="0" hangingPunct="0">
+              <a:defRPr i="1">
+                <a:solidFill>
+                  <a:schemeClr val="tx1"/>
+                </a:solidFill>
+                <a:latin typeface="Verdana" panose="020B0604030504040204" pitchFamily="34" charset="0"/>
+                <a:cs typeface="Arial" panose="020B0604020202020204" pitchFamily="34" charset="0"/>
+              </a:defRPr>
+            </a:lvl4pPr>
+            <a:lvl5pPr marL="2057400" indent="-228600" eaLnBrk="0" hangingPunct="0">
+              <a:defRPr i="1">
+                <a:solidFill>
+                  <a:schemeClr val="tx1"/>
+                </a:solidFill>
+                <a:latin typeface="Verdana" panose="020B0604030504040204" pitchFamily="34" charset="0"/>
+                <a:cs typeface="Arial" panose="020B0604020202020204" pitchFamily="34" charset="0"/>
+              </a:defRPr>
+            </a:lvl5pPr>
+            <a:lvl6pPr marL="2514600" indent="-228600" eaLnBrk="0" fontAlgn="base" hangingPunct="0">
+              <a:spcBef>
+                <a:spcPct val="0"/>
+              </a:spcBef>
+              <a:spcAft>
+                <a:spcPct val="0"/>
+              </a:spcAft>
+              <a:defRPr i="1">
+                <a:solidFill>
+                  <a:schemeClr val="tx1"/>
+                </a:solidFill>
+                <a:latin typeface="Verdana" panose="020B0604030504040204" pitchFamily="34" charset="0"/>
+                <a:cs typeface="Arial" panose="020B0604020202020204" pitchFamily="34" charset="0"/>
+              </a:defRPr>
+            </a:lvl6pPr>
+            <a:lvl7pPr marL="2971800" indent="-228600" eaLnBrk="0" fontAlgn="base" hangingPunct="0">
+              <a:spcBef>
+                <a:spcPct val="0"/>
+              </a:spcBef>
+              <a:spcAft>
+                <a:spcPct val="0"/>
+              </a:spcAft>
+              <a:defRPr i="1">
+                <a:solidFill>
+                  <a:schemeClr val="tx1"/>
+                </a:solidFill>
+                <a:latin typeface="Verdana" panose="020B0604030504040204" pitchFamily="34" charset="0"/>
+                <a:cs typeface="Arial" panose="020B0604020202020204" pitchFamily="34" charset="0"/>
+              </a:defRPr>
+            </a:lvl7pPr>
+            <a:lvl8pPr marL="3429000" indent="-228600" eaLnBrk="0" fontAlgn="base" hangingPunct="0">
+              <a:spcBef>
+                <a:spcPct val="0"/>
+              </a:spcBef>
+              <a:spcAft>
+                <a:spcPct val="0"/>
+              </a:spcAft>
+              <a:defRPr i="1">
+                <a:solidFill>
+                  <a:schemeClr val="tx1"/>
+                </a:solidFill>
+                <a:latin typeface="Verdana" panose="020B0604030504040204" pitchFamily="34" charset="0"/>
+                <a:cs typeface="Arial" panose="020B0604020202020204" pitchFamily="34" charset="0"/>
+              </a:defRPr>
+            </a:lvl8pPr>
+            <a:lvl9pPr marL="3886200" indent="-228600" eaLnBrk="0" fontAlgn="base" hangingPunct="0">
+              <a:spcBef>
+                <a:spcPct val="0"/>
+              </a:spcBef>
+              <a:spcAft>
+                <a:spcPct val="0"/>
+              </a:spcAft>
+              <a:defRPr i="1">
+                <a:solidFill>
+                  <a:schemeClr val="tx1"/>
+                </a:solidFill>
+                <a:latin typeface="Verdana" panose="020B0604030504040204" pitchFamily="34" charset="0"/>
+                <a:cs typeface="Arial" panose="020B0604020202020204" pitchFamily="34" charset="0"/>
+              </a:defRPr>
+            </a:lvl9pPr>
+          </a:lstStyle>
+          <a:p>
+            <a:pPr algn="l" rtl="0" eaLnBrk="1" hangingPunct="1">
+              <a:lnSpc>
+                <a:spcPct val="70000"/>
+              </a:lnSpc>
+              <a:spcBef>
+                <a:spcPct val="50000"/>
+              </a:spcBef>
+            </a:pPr>
+            <a:r>
+              <a:rPr lang="en-US" altLang="en-US" dirty="0"/>
+              <a:t>Only for rows that were changed</a:t>
+            </a:r>
+          </a:p>
+        </p:txBody>
+      </p:sp>
+      <p:sp>
+        <p:nvSpPr>
+          <p:cNvPr id="3" name="Slide Number Placeholder 2"/>
+          <p:cNvSpPr>
+            <a:spLocks noGrp="1"/>
+          </p:cNvSpPr>
+          <p:nvPr>
+            <p:ph type="sldNum" sz="quarter" idx="12"/>
+          </p:nvPr>
+        </p:nvSpPr>
+        <p:spPr/>
+        <p:txBody>
+          <a:bodyPr/>
+          <a:lstStyle/>
+          <a:p>
+            <a:pPr>
+              <a:defRPr/>
+            </a:pPr>
+            <a:fld id="{C5A4A91C-EC18-4A23-96E0-5487FD4C836A}" type="slidenum">
+              <a:rPr lang="he-IL" smtClean="0"/>
+              <a:pPr>
+                <a:defRPr/>
+              </a:pPr>
+              <a:t>9</a:t>
+            </a:fld>
+            <a:endParaRPr lang="en-US" dirty="0"/>
+          </a:p>
+        </p:txBody>
+      </p:sp>
+      <p:sp>
+        <p:nvSpPr>
+          <p:cNvPr id="20" name="Rectangle 14"/>
+          <p:cNvSpPr>
+            <a:spLocks noChangeArrowheads="1"/>
+          </p:cNvSpPr>
+          <p:nvPr/>
+        </p:nvSpPr>
+        <p:spPr bwMode="auto">
+          <a:xfrm>
+            <a:off x="3127375" y="5967286"/>
+            <a:ext cx="1731963" cy="358775"/>
+          </a:xfrm>
+          <a:prstGeom prst="rect">
+            <a:avLst/>
+          </a:prstGeom>
+          <a:solidFill>
+            <a:schemeClr val="bg1"/>
+          </a:solidFill>
+          <a:ln w="9525" algn="ctr">
+            <a:solidFill>
+              <a:schemeClr val="tx1"/>
+            </a:solidFill>
+            <a:miter lim="800000"/>
+            <a:headEnd/>
+            <a:tailEnd/>
+          </a:ln>
+          <a:effectLst/>
+          <a:extLst>
+            <a:ext uri="{AF507438-7753-43E0-B8FC-AC1667EBCBE1}">
+              <a14:hiddenEffects xmlns:a14="http://schemas.microsoft.com/office/drawing/2010/main">
+                <a:effectLst>
+                  <a:outerShdw dist="35921" dir="2700000" algn="ctr" rotWithShape="0">
+                    <a:schemeClr val="bg2"/>
+                  </a:outerShdw>
+                </a:effectLst>
+              </a14:hiddenEffects>
+            </a:ext>
+          </a:extLst>
+        </p:spPr>
+        <p:txBody>
+          <a:bodyPr wrap="none" anchor="ctr"/>
+          <a:lstStyle>
+            <a:lvl1pPr eaLnBrk="0" hangingPunct="0">
+              <a:defRPr i="1">
+                <a:solidFill>
+                  <a:schemeClr val="tx1"/>
+                </a:solidFill>
+                <a:latin typeface="Verdana" panose="020B0604030504040204" pitchFamily="34" charset="0"/>
+                <a:cs typeface="Arial" panose="020B0604020202020204" pitchFamily="34" charset="0"/>
+              </a:defRPr>
+            </a:lvl1pPr>
+            <a:lvl2pPr marL="742950" indent="-285750" eaLnBrk="0" hangingPunct="0">
+              <a:defRPr i="1">
+                <a:solidFill>
+                  <a:schemeClr val="tx1"/>
+                </a:solidFill>
+                <a:latin typeface="Verdana" panose="020B0604030504040204" pitchFamily="34" charset="0"/>
+                <a:cs typeface="Arial" panose="020B0604020202020204" pitchFamily="34" charset="0"/>
+              </a:defRPr>
+            </a:lvl2pPr>
+            <a:lvl3pPr marL="1143000" indent="-228600" eaLnBrk="0" hangingPunct="0">
+              <a:defRPr i="1">
+                <a:solidFill>
+                  <a:schemeClr val="tx1"/>
+                </a:solidFill>
+                <a:latin typeface="Verdana" panose="020B0604030504040204" pitchFamily="34" charset="0"/>
+                <a:cs typeface="Arial" panose="020B0604020202020204" pitchFamily="34" charset="0"/>
+              </a:defRPr>
+            </a:lvl3pPr>
+            <a:lvl4pPr marL="1600200" indent="-228600" eaLnBrk="0" hangingPunct="0">
+              <a:defRPr i="1">
+                <a:solidFill>
+                  <a:schemeClr val="tx1"/>
+                </a:solidFill>
+                <a:latin typeface="Verdana" panose="020B0604030504040204" pitchFamily="34" charset="0"/>
+                <a:cs typeface="Arial" panose="020B0604020202020204" pitchFamily="34" charset="0"/>
+              </a:defRPr>
+            </a:lvl4pPr>
+            <a:lvl5pPr marL="2057400" indent="-228600" eaLnBrk="0" hangingPunct="0">
+              <a:defRPr i="1">
+                <a:solidFill>
+                  <a:schemeClr val="tx1"/>
+                </a:solidFill>
+                <a:latin typeface="Verdana" panose="020B0604030504040204" pitchFamily="34" charset="0"/>
+                <a:cs typeface="Arial" panose="020B0604020202020204" pitchFamily="34" charset="0"/>
+              </a:defRPr>
+            </a:lvl5pPr>
+            <a:lvl6pPr marL="2514600" indent="-228600" eaLnBrk="0" fontAlgn="base" hangingPunct="0">
+              <a:spcBef>
+                <a:spcPct val="0"/>
+              </a:spcBef>
+              <a:spcAft>
+                <a:spcPct val="0"/>
+              </a:spcAft>
+              <a:defRPr i="1">
+                <a:solidFill>
+                  <a:schemeClr val="tx1"/>
+                </a:solidFill>
+                <a:latin typeface="Verdana" panose="020B0604030504040204" pitchFamily="34" charset="0"/>
+                <a:cs typeface="Arial" panose="020B0604020202020204" pitchFamily="34" charset="0"/>
+              </a:defRPr>
+            </a:lvl6pPr>
+            <a:lvl7pPr marL="2971800" indent="-228600" eaLnBrk="0" fontAlgn="base" hangingPunct="0">
+              <a:spcBef>
+                <a:spcPct val="0"/>
+              </a:spcBef>
+              <a:spcAft>
+                <a:spcPct val="0"/>
+              </a:spcAft>
+              <a:defRPr i="1">
+                <a:solidFill>
+                  <a:schemeClr val="tx1"/>
+                </a:solidFill>
+                <a:latin typeface="Verdana" panose="020B0604030504040204" pitchFamily="34" charset="0"/>
+                <a:cs typeface="Arial" panose="020B0604020202020204" pitchFamily="34" charset="0"/>
+              </a:defRPr>
+            </a:lvl7pPr>
+            <a:lvl8pPr marL="3429000" indent="-228600" eaLnBrk="0" fontAlgn="base" hangingPunct="0">
+              <a:spcBef>
+                <a:spcPct val="0"/>
+              </a:spcBef>
+              <a:spcAft>
+                <a:spcPct val="0"/>
+              </a:spcAft>
+              <a:defRPr i="1">
+                <a:solidFill>
+                  <a:schemeClr val="tx1"/>
+                </a:solidFill>
+                <a:latin typeface="Verdana" panose="020B0604030504040204" pitchFamily="34" charset="0"/>
+                <a:cs typeface="Arial" panose="020B0604020202020204" pitchFamily="34" charset="0"/>
+              </a:defRPr>
+            </a:lvl8pPr>
+            <a:lvl9pPr marL="3886200" indent="-228600" eaLnBrk="0" fontAlgn="base" hangingPunct="0">
+              <a:spcBef>
+                <a:spcPct val="0"/>
+              </a:spcBef>
+              <a:spcAft>
+                <a:spcPct val="0"/>
+              </a:spcAft>
+              <a:defRPr i="1">
+                <a:solidFill>
+                  <a:schemeClr val="tx1"/>
+                </a:solidFill>
+                <a:latin typeface="Verdana" panose="020B0604030504040204" pitchFamily="34" charset="0"/>
+                <a:cs typeface="Arial" panose="020B0604020202020204" pitchFamily="34" charset="0"/>
+              </a:defRPr>
+            </a:lvl9pPr>
+          </a:lstStyle>
+          <a:p>
+            <a:pPr algn="l" rtl="0" eaLnBrk="1" hangingPunct="1"/>
+            <a:r>
+              <a:rPr lang="en-US" altLang="en-US" i="0" dirty="0" err="1">
+                <a:latin typeface="Arial" panose="020B0604020202020204" pitchFamily="34" charset="0"/>
+              </a:rPr>
+              <a:t>OnUnLoad</a:t>
+            </a:r>
+            <a:endParaRPr lang="en-US" altLang="en-US" i="0" dirty="0">
+              <a:latin typeface="Arial" panose="020B0604020202020204" pitchFamily="34" charset="0"/>
+            </a:endParaRPr>
+          </a:p>
+        </p:txBody>
+      </p:sp>
+      <p:sp>
+        <p:nvSpPr>
+          <p:cNvPr id="21" name="Text Box 21"/>
+          <p:cNvSpPr txBox="1">
+            <a:spLocks noChangeArrowheads="1"/>
+          </p:cNvSpPr>
+          <p:nvPr/>
+        </p:nvSpPr>
+        <p:spPr bwMode="auto">
+          <a:xfrm>
+            <a:off x="3002509" y="6409678"/>
+            <a:ext cx="2650008" cy="284162"/>
+          </a:xfrm>
+          <a:prstGeom prst="rect">
+            <a:avLst/>
+          </a:prstGeom>
+          <a:noFill/>
+          <a:ln>
+            <a:noFill/>
+          </a:ln>
+          <a:effectLst/>
+          <a:extLst>
+            <a:ext uri="{909E8E84-426E-40DD-AFC4-6F175D3DCCD1}">
+              <a14:hiddenFill xmlns:a14="http://schemas.microsoft.com/office/drawing/2010/main">
+                <a:solidFill>
+                  <a:schemeClr val="accent1"/>
+                </a:solidFill>
+              </a14:hiddenFill>
+            </a:ext>
+            <a:ext uri="{91240B29-F687-4F45-9708-019B960494DF}">
+              <a14:hiddenLine xmlns:a14="http://schemas.microsoft.com/office/drawing/2010/main" w="9525" algn="ctr">
+                <a:solidFill>
+                  <a:schemeClr val="tx1"/>
+                </a:solidFill>
+                <a:miter lim="800000"/>
+                <a:headEnd/>
+                <a:tailEnd/>
+              </a14:hiddenLine>
+            </a:ext>
+            <a:ext uri="{AF507438-7753-43E0-B8FC-AC1667EBCBE1}">
+              <a14:hiddenEffects xmlns:a14="http://schemas.microsoft.com/office/drawing/2010/main">
+                <a:effectLst>
+                  <a:outerShdw dist="35921" dir="2700000" algn="ctr" rotWithShape="0">
+                    <a:schemeClr val="bg2"/>
+                  </a:outerShdw>
+                </a:effectLst>
+              </a14:hiddenEffects>
+            </a:ext>
+          </a:extLst>
+        </p:spPr>
+        <p:txBody>
+          <a:bodyPr wrap="square">
+            <a:spAutoFit/>
+          </a:bodyPr>
+          <a:lstStyle>
+            <a:lvl1pPr eaLnBrk="0" hangingPunct="0">
+              <a:defRPr i="1">
+                <a:solidFill>
+                  <a:schemeClr val="tx1"/>
+                </a:solidFill>
+                <a:latin typeface="Verdana" panose="020B0604030504040204" pitchFamily="34" charset="0"/>
+                <a:cs typeface="Arial" panose="020B0604020202020204" pitchFamily="34" charset="0"/>
+              </a:defRPr>
+            </a:lvl1pPr>
+            <a:lvl2pPr marL="742950" indent="-285750" eaLnBrk="0" hangingPunct="0">
+              <a:defRPr i="1">
+                <a:solidFill>
+                  <a:schemeClr val="tx1"/>
+                </a:solidFill>
+                <a:latin typeface="Verdana" panose="020B0604030504040204" pitchFamily="34" charset="0"/>
+                <a:cs typeface="Arial" panose="020B0604020202020204" pitchFamily="34" charset="0"/>
+              </a:defRPr>
+            </a:lvl2pPr>
+            <a:lvl3pPr marL="1143000" indent="-228600" eaLnBrk="0" hangingPunct="0">
+              <a:defRPr i="1">
+                <a:solidFill>
+                  <a:schemeClr val="tx1"/>
+                </a:solidFill>
+                <a:latin typeface="Verdana" panose="020B0604030504040204" pitchFamily="34" charset="0"/>
+                <a:cs typeface="Arial" panose="020B0604020202020204" pitchFamily="34" charset="0"/>
+              </a:defRPr>
+            </a:lvl3pPr>
+            <a:lvl4pPr marL="1600200" indent="-228600" eaLnBrk="0" hangingPunct="0">
+              <a:defRPr i="1">
+                <a:solidFill>
+                  <a:schemeClr val="tx1"/>
+                </a:solidFill>
+                <a:latin typeface="Verdana" panose="020B0604030504040204" pitchFamily="34" charset="0"/>
+                <a:cs typeface="Arial" panose="020B0604020202020204" pitchFamily="34" charset="0"/>
+              </a:defRPr>
+            </a:lvl4pPr>
+            <a:lvl5pPr marL="2057400" indent="-228600" eaLnBrk="0" hangingPunct="0">
+              <a:defRPr i="1">
+                <a:solidFill>
+                  <a:schemeClr val="tx1"/>
+                </a:solidFill>
+                <a:latin typeface="Verdana" panose="020B0604030504040204" pitchFamily="34" charset="0"/>
+                <a:cs typeface="Arial" panose="020B0604020202020204" pitchFamily="34" charset="0"/>
+              </a:defRPr>
+            </a:lvl5pPr>
+            <a:lvl6pPr marL="2514600" indent="-228600" eaLnBrk="0" fontAlgn="base" hangingPunct="0">
+              <a:spcBef>
+                <a:spcPct val="0"/>
+              </a:spcBef>
+              <a:spcAft>
+                <a:spcPct val="0"/>
+              </a:spcAft>
+              <a:defRPr i="1">
+                <a:solidFill>
+                  <a:schemeClr val="tx1"/>
+                </a:solidFill>
+                <a:latin typeface="Verdana" panose="020B0604030504040204" pitchFamily="34" charset="0"/>
+                <a:cs typeface="Arial" panose="020B0604020202020204" pitchFamily="34" charset="0"/>
+              </a:defRPr>
+            </a:lvl6pPr>
+            <a:lvl7pPr marL="2971800" indent="-228600" eaLnBrk="0" fontAlgn="base" hangingPunct="0">
+              <a:spcBef>
+                <a:spcPct val="0"/>
+              </a:spcBef>
+              <a:spcAft>
+                <a:spcPct val="0"/>
+              </a:spcAft>
+              <a:defRPr i="1">
+                <a:solidFill>
+                  <a:schemeClr val="tx1"/>
+                </a:solidFill>
+                <a:latin typeface="Verdana" panose="020B0604030504040204" pitchFamily="34" charset="0"/>
+                <a:cs typeface="Arial" panose="020B0604020202020204" pitchFamily="34" charset="0"/>
+              </a:defRPr>
+            </a:lvl7pPr>
+            <a:lvl8pPr marL="3429000" indent="-228600" eaLnBrk="0" fontAlgn="base" hangingPunct="0">
+              <a:spcBef>
+                <a:spcPct val="0"/>
+              </a:spcBef>
+              <a:spcAft>
+                <a:spcPct val="0"/>
+              </a:spcAft>
+              <a:defRPr i="1">
+                <a:solidFill>
+                  <a:schemeClr val="tx1"/>
+                </a:solidFill>
+                <a:latin typeface="Verdana" panose="020B0604030504040204" pitchFamily="34" charset="0"/>
+                <a:cs typeface="Arial" panose="020B0604020202020204" pitchFamily="34" charset="0"/>
+              </a:defRPr>
+            </a:lvl8pPr>
+            <a:lvl9pPr marL="3886200" indent="-228600" eaLnBrk="0" fontAlgn="base" hangingPunct="0">
+              <a:spcBef>
+                <a:spcPct val="0"/>
+              </a:spcBef>
+              <a:spcAft>
+                <a:spcPct val="0"/>
+              </a:spcAft>
+              <a:defRPr i="1">
+                <a:solidFill>
+                  <a:schemeClr val="tx1"/>
+                </a:solidFill>
+                <a:latin typeface="Verdana" panose="020B0604030504040204" pitchFamily="34" charset="0"/>
+                <a:cs typeface="Arial" panose="020B0604020202020204" pitchFamily="34" charset="0"/>
+              </a:defRPr>
+            </a:lvl9pPr>
+          </a:lstStyle>
+          <a:p>
+            <a:pPr algn="l" rtl="0" eaLnBrk="1" hangingPunct="1">
+              <a:lnSpc>
+                <a:spcPct val="70000"/>
+              </a:lnSpc>
+              <a:spcBef>
+                <a:spcPct val="50000"/>
+              </a:spcBef>
+            </a:pPr>
+            <a:r>
+              <a:rPr lang="en-US" altLang="en-US" dirty="0"/>
+              <a:t>IO and DB </a:t>
+            </a:r>
+            <a:r>
+              <a:rPr lang="en-US" altLang="en-US" dirty="0" err="1"/>
+              <a:t>Relase</a:t>
+            </a:r>
+            <a:endParaRPr lang="en-US" altLang="en-US" dirty="0"/>
+          </a:p>
+        </p:txBody>
+      </p:sp>
+    </p:spTree>
+    <p:extLst>
+      <p:ext uri="{BB962C8B-B14F-4D97-AF65-F5344CB8AC3E}">
+        <p14:creationId xmlns:p14="http://schemas.microsoft.com/office/powerpoint/2010/main" val="3474216977"/>
+      </p:ext>
+    </p:extLst>
+  </p:cSld>
+  <p:clrMapOvr>
+    <a:masterClrMapping/>
+  </p:clrMapOvr>
+  <p:timing>
+    <p:tnLst>
+      <p:par>
+        <p:cTn id="1" dur="indefinite" restart="never" nodeType="tmRoot">
+          <p:childTnLst>
+            <p:seq concurrent="1" nextAc="seek">
+              <p:cTn id="2" dur="indefinite" nodeType="mainSeq">
+                <p:childTnLst>
+                  <p:par>
+                    <p:cTn id="3" fill="hold" nodeType="clickPar">
+                      <p:stCondLst>
+                        <p:cond delay="indefinite"/>
+                      </p:stCondLst>
+                      <p:childTnLst>
+                        <p:par>
+                          <p:cTn id="4" fill="hold" nodeType="withGroup">
+                            <p:stCondLst>
+                              <p:cond delay="0"/>
+                            </p:stCondLst>
+                            <p:childTnLst>
+                              <p:par>
+                                <p:cTn id="5" presetID="1" presetClass="entr" presetSubtype="0" fill="hold" grpId="0" nodeType="clickEffect">
+                                  <p:stCondLst>
+                                    <p:cond delay="0"/>
+                                  </p:stCondLst>
+                                  <p:childTnLst>
+                                    <p:set>
+                                      <p:cBhvr>
+                                        <p:cTn id="6" dur="1" fill="hold">
+                                          <p:stCondLst>
+                                            <p:cond delay="0"/>
+                                          </p:stCondLst>
+                                        </p:cTn>
+                                        <p:tgtEl>
+                                          <p:spTgt spid="501768"/>
+                                        </p:tgtEl>
+                                        <p:attrNameLst>
+                                          <p:attrName>style.visibility</p:attrName>
+                                        </p:attrNameLst>
+                                      </p:cBhvr>
+                                      <p:to>
+                                        <p:strVal val="visible"/>
+                                      </p:to>
+                                    </p:set>
+                                  </p:childTnLst>
+                                </p:cTn>
+                              </p:par>
+                            </p:childTnLst>
+                          </p:cTn>
+                        </p:par>
+                      </p:childTnLst>
+                    </p:cTn>
+                  </p:par>
+                  <p:par>
+                    <p:cTn id="7" fill="hold" nodeType="clickPar">
+                      <p:stCondLst>
+                        <p:cond delay="indefinite"/>
+                      </p:stCondLst>
+                      <p:childTnLst>
+                        <p:par>
+                          <p:cTn id="8" fill="hold" nodeType="withGroup">
+                            <p:stCondLst>
+                              <p:cond delay="0"/>
+                            </p:stCondLst>
+                            <p:childTnLst>
+                              <p:par>
+                                <p:cTn id="9" presetID="1" presetClass="entr" presetSubtype="0" fill="hold" grpId="0" nodeType="clickEffect">
+                                  <p:stCondLst>
+                                    <p:cond delay="0"/>
+                                  </p:stCondLst>
+                                  <p:childTnLst>
+                                    <p:set>
+                                      <p:cBhvr>
+                                        <p:cTn id="10" dur="1" fill="hold">
+                                          <p:stCondLst>
+                                            <p:cond delay="0"/>
+                                          </p:stCondLst>
+                                        </p:cTn>
+                                        <p:tgtEl>
+                                          <p:spTgt spid="501769"/>
+                                        </p:tgtEl>
+                                        <p:attrNameLst>
+                                          <p:attrName>style.visibility</p:attrName>
+                                        </p:attrNameLst>
+                                      </p:cBhvr>
+                                      <p:to>
+                                        <p:strVal val="visible"/>
+                                      </p:to>
+                                    </p:set>
+                                  </p:childTnLst>
+                                </p:cTn>
+                              </p:par>
+                            </p:childTnLst>
+                          </p:cTn>
+                        </p:par>
+                      </p:childTnLst>
+                    </p:cTn>
+                  </p:par>
+                  <p:par>
+                    <p:cTn id="11" fill="hold" nodeType="clickPar">
+                      <p:stCondLst>
+                        <p:cond delay="indefinite"/>
+                      </p:stCondLst>
+                      <p:childTnLst>
+                        <p:par>
+                          <p:cTn id="12" fill="hold" nodeType="withGroup">
+                            <p:stCondLst>
+                              <p:cond delay="0"/>
+                            </p:stCondLst>
+                            <p:childTnLst>
+                              <p:par>
+                                <p:cTn id="13" presetID="1" presetClass="entr" presetSubtype="0" fill="hold" grpId="0" nodeType="clickEffect">
+                                  <p:stCondLst>
+                                    <p:cond delay="0"/>
+                                  </p:stCondLst>
+                                  <p:childTnLst>
+                                    <p:set>
+                                      <p:cBhvr>
+                                        <p:cTn id="14" dur="1" fill="hold">
+                                          <p:stCondLst>
+                                            <p:cond delay="0"/>
+                                          </p:stCondLst>
+                                        </p:cTn>
+                                        <p:tgtEl>
+                                          <p:spTgt spid="501766"/>
+                                        </p:tgtEl>
+                                        <p:attrNameLst>
+                                          <p:attrName>style.visibility</p:attrName>
+                                        </p:attrNameLst>
+                                      </p:cBhvr>
+                                      <p:to>
+                                        <p:strVal val="visible"/>
+                                      </p:to>
+                                    </p:set>
+                                  </p:childTnLst>
+                                </p:cTn>
+                              </p:par>
+                            </p:childTnLst>
+                          </p:cTn>
+                        </p:par>
+                      </p:childTnLst>
+                    </p:cTn>
+                  </p:par>
+                  <p:par>
+                    <p:cTn id="15" fill="hold" nodeType="clickPar">
+                      <p:stCondLst>
+                        <p:cond delay="indefinite"/>
+                      </p:stCondLst>
+                      <p:childTnLst>
+                        <p:par>
+                          <p:cTn id="16" fill="hold" nodeType="withGroup">
+                            <p:stCondLst>
+                              <p:cond delay="0"/>
+                            </p:stCondLst>
+                            <p:childTnLst>
+                              <p:par>
+                                <p:cTn id="17" presetID="1" presetClass="entr" presetSubtype="0" fill="hold" grpId="0" nodeType="clickEffect">
+                                  <p:stCondLst>
+                                    <p:cond delay="0"/>
+                                  </p:stCondLst>
+                                  <p:childTnLst>
+                                    <p:set>
+                                      <p:cBhvr>
+                                        <p:cTn id="18" dur="1" fill="hold">
+                                          <p:stCondLst>
+                                            <p:cond delay="0"/>
+                                          </p:stCondLst>
+                                        </p:cTn>
+                                        <p:tgtEl>
+                                          <p:spTgt spid="501782"/>
+                                        </p:tgtEl>
+                                        <p:attrNameLst>
+                                          <p:attrName>style.visibility</p:attrName>
+                                        </p:attrNameLst>
+                                      </p:cBhvr>
+                                      <p:to>
+                                        <p:strVal val="visible"/>
+                                      </p:to>
+                                    </p:set>
+                                  </p:childTnLst>
+                                </p:cTn>
+                              </p:par>
+                            </p:childTnLst>
+                          </p:cTn>
+                        </p:par>
+                      </p:childTnLst>
+                    </p:cTn>
+                  </p:par>
+                  <p:par>
+                    <p:cTn id="19" fill="hold" nodeType="clickPar">
+                      <p:stCondLst>
+                        <p:cond delay="indefinite"/>
+                      </p:stCondLst>
+                      <p:childTnLst>
+                        <p:par>
+                          <p:cTn id="20" fill="hold" nodeType="withGroup">
+                            <p:stCondLst>
+                              <p:cond delay="0"/>
+                            </p:stCondLst>
+                            <p:childTnLst>
+                              <p:par>
+                                <p:cTn id="21" presetID="1" presetClass="entr" presetSubtype="0" fill="hold" grpId="0" nodeType="clickEffect">
+                                  <p:stCondLst>
+                                    <p:cond delay="0"/>
+                                  </p:stCondLst>
+                                  <p:childTnLst>
+                                    <p:set>
+                                      <p:cBhvr>
+                                        <p:cTn id="22" dur="1" fill="hold">
+                                          <p:stCondLst>
+                                            <p:cond delay="0"/>
+                                          </p:stCondLst>
+                                        </p:cTn>
+                                        <p:tgtEl>
+                                          <p:spTgt spid="501775"/>
+                                        </p:tgtEl>
+                                        <p:attrNameLst>
+                                          <p:attrName>style.visibility</p:attrName>
+                                        </p:attrNameLst>
+                                      </p:cBhvr>
+                                      <p:to>
+                                        <p:strVal val="visible"/>
+                                      </p:to>
+                                    </p:set>
+                                  </p:childTnLst>
+                                </p:cTn>
+                              </p:par>
+                            </p:childTnLst>
+                          </p:cTn>
+                        </p:par>
+                      </p:childTnLst>
+                    </p:cTn>
+                  </p:par>
+                  <p:par>
+                    <p:cTn id="23" fill="hold" nodeType="clickPar">
+                      <p:stCondLst>
+                        <p:cond delay="indefinite"/>
+                      </p:stCondLst>
+                      <p:childTnLst>
+                        <p:par>
+                          <p:cTn id="24" fill="hold" nodeType="withGroup">
+                            <p:stCondLst>
+                              <p:cond delay="0"/>
+                            </p:stCondLst>
+                            <p:childTnLst>
+                              <p:par>
+                                <p:cTn id="25" presetID="1" presetClass="entr" presetSubtype="0" fill="hold" grpId="0" nodeType="clickEffect">
+                                  <p:stCondLst>
+                                    <p:cond delay="0"/>
+                                  </p:stCondLst>
+                                  <p:childTnLst>
+                                    <p:set>
+                                      <p:cBhvr>
+                                        <p:cTn id="26" dur="1" fill="hold">
+                                          <p:stCondLst>
+                                            <p:cond delay="0"/>
+                                          </p:stCondLst>
+                                        </p:cTn>
+                                        <p:tgtEl>
+                                          <p:spTgt spid="501770"/>
+                                        </p:tgtEl>
+                                        <p:attrNameLst>
+                                          <p:attrName>style.visibility</p:attrName>
+                                        </p:attrNameLst>
+                                      </p:cBhvr>
+                                      <p:to>
+                                        <p:strVal val="visible"/>
+                                      </p:to>
+                                    </p:set>
+                                  </p:childTnLst>
+                                </p:cTn>
+                              </p:par>
+                            </p:childTnLst>
+                          </p:cTn>
+                        </p:par>
+                      </p:childTnLst>
+                    </p:cTn>
+                  </p:par>
+                  <p:par>
+                    <p:cTn id="27" fill="hold" nodeType="clickPar">
+                      <p:stCondLst>
+                        <p:cond delay="indefinite"/>
+                      </p:stCondLst>
+                      <p:childTnLst>
+                        <p:par>
+                          <p:cTn id="28" fill="hold" nodeType="withGroup">
+                            <p:stCondLst>
+                              <p:cond delay="0"/>
+                            </p:stCondLst>
+                            <p:childTnLst>
+                              <p:par>
+                                <p:cTn id="29" presetID="1" presetClass="entr" presetSubtype="0" fill="hold" grpId="0" nodeType="clickEffect">
+                                  <p:stCondLst>
+                                    <p:cond delay="0"/>
+                                  </p:stCondLst>
+                                  <p:childTnLst>
+                                    <p:set>
+                                      <p:cBhvr>
+                                        <p:cTn id="30" dur="1" fill="hold">
+                                          <p:stCondLst>
+                                            <p:cond delay="0"/>
+                                          </p:stCondLst>
+                                        </p:cTn>
+                                        <p:tgtEl>
+                                          <p:spTgt spid="501776"/>
+                                        </p:tgtEl>
+                                        <p:attrNameLst>
+                                          <p:attrName>style.visibility</p:attrName>
+                                        </p:attrNameLst>
+                                      </p:cBhvr>
+                                      <p:to>
+                                        <p:strVal val="visible"/>
+                                      </p:to>
+                                    </p:set>
+                                  </p:childTnLst>
+                                </p:cTn>
+                              </p:par>
+                            </p:childTnLst>
+                          </p:cTn>
+                        </p:par>
+                      </p:childTnLst>
+                    </p:cTn>
+                  </p:par>
+                  <p:par>
+                    <p:cTn id="31" fill="hold" nodeType="clickPar">
+                      <p:stCondLst>
+                        <p:cond delay="indefinite"/>
+                      </p:stCondLst>
+                      <p:childTnLst>
+                        <p:par>
+                          <p:cTn id="32" fill="hold" nodeType="withGroup">
+                            <p:stCondLst>
+                              <p:cond delay="0"/>
+                            </p:stCondLst>
+                            <p:childTnLst>
+                              <p:par>
+                                <p:cTn id="33" presetID="1" presetClass="entr" presetSubtype="0" fill="hold" grpId="0" nodeType="clickEffect">
+                                  <p:stCondLst>
+                                    <p:cond delay="0"/>
+                                  </p:stCondLst>
+                                  <p:childTnLst>
+                                    <p:set>
+                                      <p:cBhvr>
+                                        <p:cTn id="34" dur="1" fill="hold">
+                                          <p:stCondLst>
+                                            <p:cond delay="0"/>
+                                          </p:stCondLst>
+                                        </p:cTn>
+                                        <p:tgtEl>
+                                          <p:spTgt spid="501777"/>
+                                        </p:tgtEl>
+                                        <p:attrNameLst>
+                                          <p:attrName>style.visibility</p:attrName>
+                                        </p:attrNameLst>
+                                      </p:cBhvr>
+                                      <p:to>
+                                        <p:strVal val="visible"/>
+                                      </p:to>
+                                    </p:set>
+                                  </p:childTnLst>
+                                </p:cTn>
+                              </p:par>
+                            </p:childTnLst>
+                          </p:cTn>
+                        </p:par>
+                      </p:childTnLst>
+                    </p:cTn>
+                  </p:par>
+                  <p:par>
+                    <p:cTn id="35" fill="hold" nodeType="clickPar">
+                      <p:stCondLst>
+                        <p:cond delay="indefinite"/>
+                      </p:stCondLst>
+                      <p:childTnLst>
+                        <p:par>
+                          <p:cTn id="36" fill="hold" nodeType="withGroup">
+                            <p:stCondLst>
+                              <p:cond delay="0"/>
+                            </p:stCondLst>
+                            <p:childTnLst>
+                              <p:par>
+                                <p:cTn id="37" presetID="1" presetClass="entr" presetSubtype="0" fill="hold" grpId="0" nodeType="clickEffect">
+                                  <p:stCondLst>
+                                    <p:cond delay="0"/>
+                                  </p:stCondLst>
+                                  <p:childTnLst>
+                                    <p:set>
+                                      <p:cBhvr>
+                                        <p:cTn id="38" dur="1" fill="hold">
+                                          <p:stCondLst>
+                                            <p:cond delay="0"/>
+                                          </p:stCondLst>
+                                        </p:cTn>
+                                        <p:tgtEl>
+                                          <p:spTgt spid="501771"/>
+                                        </p:tgtEl>
+                                        <p:attrNameLst>
+                                          <p:attrName>style.visibility</p:attrName>
+                                        </p:attrNameLst>
+                                      </p:cBhvr>
+                                      <p:to>
+                                        <p:strVal val="visible"/>
+                                      </p:to>
+                                    </p:set>
+                                  </p:childTnLst>
+                                </p:cTn>
+                              </p:par>
+                            </p:childTnLst>
+                          </p:cTn>
+                        </p:par>
+                      </p:childTnLst>
+                    </p:cTn>
+                  </p:par>
+                  <p:par>
+                    <p:cTn id="39" fill="hold" nodeType="clickPar">
+                      <p:stCondLst>
+                        <p:cond delay="indefinite"/>
+                      </p:stCondLst>
+                      <p:childTnLst>
+                        <p:par>
+                          <p:cTn id="40" fill="hold" nodeType="withGroup">
+                            <p:stCondLst>
+                              <p:cond delay="0"/>
+                            </p:stCondLst>
+                            <p:childTnLst>
+                              <p:par>
+                                <p:cTn id="41" presetID="1" presetClass="entr" presetSubtype="0" fill="hold" grpId="0" nodeType="clickEffect">
+                                  <p:stCondLst>
+                                    <p:cond delay="0"/>
+                                  </p:stCondLst>
+                                  <p:childTnLst>
+                                    <p:set>
+                                      <p:cBhvr>
+                                        <p:cTn id="42" dur="1" fill="hold">
+                                          <p:stCondLst>
+                                            <p:cond delay="0"/>
+                                          </p:stCondLst>
+                                        </p:cTn>
+                                        <p:tgtEl>
+                                          <p:spTgt spid="501772"/>
+                                        </p:tgtEl>
+                                        <p:attrNameLst>
+                                          <p:attrName>style.visibility</p:attrName>
+                                        </p:attrNameLst>
+                                      </p:cBhvr>
+                                      <p:to>
+                                        <p:strVal val="visible"/>
+                                      </p:to>
+                                    </p:set>
+                                  </p:childTnLst>
+                                </p:cTn>
+                              </p:par>
+                            </p:childTnLst>
+                          </p:cTn>
+                        </p:par>
+                      </p:childTnLst>
+                    </p:cTn>
+                  </p:par>
+                  <p:par>
+                    <p:cTn id="43" fill="hold" nodeType="clickPar">
+                      <p:stCondLst>
+                        <p:cond delay="indefinite"/>
+                      </p:stCondLst>
+                      <p:childTnLst>
+                        <p:par>
+                          <p:cTn id="44" fill="hold" nodeType="withGroup">
+                            <p:stCondLst>
+                              <p:cond delay="0"/>
+                            </p:stCondLst>
+                            <p:childTnLst>
+                              <p:par>
+                                <p:cTn id="45" presetID="1" presetClass="entr" presetSubtype="0" fill="hold" grpId="0" nodeType="clickEffect">
+                                  <p:stCondLst>
+                                    <p:cond delay="0"/>
+                                  </p:stCondLst>
+                                  <p:childTnLst>
+                                    <p:set>
+                                      <p:cBhvr>
+                                        <p:cTn id="46" dur="1" fill="hold">
+                                          <p:stCondLst>
+                                            <p:cond delay="0"/>
+                                          </p:stCondLst>
+                                        </p:cTn>
+                                        <p:tgtEl>
+                                          <p:spTgt spid="501773"/>
+                                        </p:tgtEl>
+                                        <p:attrNameLst>
+                                          <p:attrName>style.visibility</p:attrName>
+                                        </p:attrNameLst>
+                                      </p:cBhvr>
+                                      <p:to>
+                                        <p:strVal val="visible"/>
+                                      </p:to>
+                                    </p:set>
+                                  </p:childTnLst>
+                                </p:cTn>
+                              </p:par>
+                            </p:childTnLst>
+                          </p:cTn>
+                        </p:par>
+                      </p:childTnLst>
+                    </p:cTn>
+                  </p:par>
+                  <p:par>
+                    <p:cTn id="47" fill="hold" nodeType="clickPar">
+                      <p:stCondLst>
+                        <p:cond delay="indefinite"/>
+                      </p:stCondLst>
+                      <p:childTnLst>
+                        <p:par>
+                          <p:cTn id="48" fill="hold" nodeType="withGroup">
+                            <p:stCondLst>
+                              <p:cond delay="0"/>
+                            </p:stCondLst>
+                            <p:childTnLst>
+                              <p:par>
+                                <p:cTn id="49" presetID="1" presetClass="entr" presetSubtype="0" fill="hold" grpId="0" nodeType="clickEffect">
+                                  <p:stCondLst>
+                                    <p:cond delay="0"/>
+                                  </p:stCondLst>
+                                  <p:childTnLst>
+                                    <p:set>
+                                      <p:cBhvr>
+                                        <p:cTn id="50" dur="1" fill="hold">
+                                          <p:stCondLst>
+                                            <p:cond delay="0"/>
+                                          </p:stCondLst>
+                                        </p:cTn>
+                                        <p:tgtEl>
+                                          <p:spTgt spid="501783"/>
+                                        </p:tgtEl>
+                                        <p:attrNameLst>
+                                          <p:attrName>style.visibility</p:attrName>
+                                        </p:attrNameLst>
+                                      </p:cBhvr>
+                                      <p:to>
+                                        <p:strVal val="visible"/>
+                                      </p:to>
+                                    </p:set>
+                                  </p:childTnLst>
+                                </p:cTn>
+                              </p:par>
+                            </p:childTnLst>
+                          </p:cTn>
+                        </p:par>
+                      </p:childTnLst>
+                    </p:cTn>
+                  </p:par>
+                  <p:par>
+                    <p:cTn id="51" fill="hold" nodeType="clickPar">
+                      <p:stCondLst>
+                        <p:cond delay="indefinite"/>
+                      </p:stCondLst>
+                      <p:childTnLst>
+                        <p:par>
+                          <p:cTn id="52" fill="hold" nodeType="withGroup">
+                            <p:stCondLst>
+                              <p:cond delay="0"/>
+                            </p:stCondLst>
+                            <p:childTnLst>
+                              <p:par>
+                                <p:cTn id="53" presetID="1" presetClass="entr" presetSubtype="0" fill="hold" grpId="0" nodeType="clickEffect">
+                                  <p:stCondLst>
+                                    <p:cond delay="0"/>
+                                  </p:stCondLst>
+                                  <p:childTnLst>
+                                    <p:set>
+                                      <p:cBhvr>
+                                        <p:cTn id="54" dur="1" fill="hold">
+                                          <p:stCondLst>
+                                            <p:cond delay="0"/>
+                                          </p:stCondLst>
+                                        </p:cTn>
+                                        <p:tgtEl>
+                                          <p:spTgt spid="501781"/>
+                                        </p:tgtEl>
+                                        <p:attrNameLst>
+                                          <p:attrName>style.visibility</p:attrName>
+                                        </p:attrNameLst>
+                                      </p:cBhvr>
+                                      <p:to>
+                                        <p:strVal val="visible"/>
+                                      </p:to>
+                                    </p:set>
+                                  </p:childTnLst>
+                                </p:cTn>
+                              </p:par>
+                            </p:childTnLst>
+                          </p:cTn>
+                        </p:par>
+                      </p:childTnLst>
+                    </p:cTn>
+                  </p:par>
+                  <p:par>
+                    <p:cTn id="55" fill="hold" nodeType="clickPar">
+                      <p:stCondLst>
+                        <p:cond delay="indefinite"/>
+                      </p:stCondLst>
+                      <p:childTnLst>
+                        <p:par>
+                          <p:cTn id="56" fill="hold" nodeType="withGroup">
+                            <p:stCondLst>
+                              <p:cond delay="0"/>
+                            </p:stCondLst>
+                            <p:childTnLst>
+                              <p:par>
+                                <p:cTn id="57" presetID="1" presetClass="entr" presetSubtype="0" fill="hold" grpId="0" nodeType="clickEffect">
+                                  <p:stCondLst>
+                                    <p:cond delay="0"/>
+                                  </p:stCondLst>
+                                  <p:childTnLst>
+                                    <p:set>
+                                      <p:cBhvr>
+                                        <p:cTn id="58" dur="1" fill="hold">
+                                          <p:stCondLst>
+                                            <p:cond delay="0"/>
+                                          </p:stCondLst>
+                                        </p:cTn>
+                                        <p:tgtEl>
+                                          <p:spTgt spid="501780"/>
+                                        </p:tgtEl>
+                                        <p:attrNameLst>
+                                          <p:attrName>style.visibility</p:attrName>
+                                        </p:attrNameLst>
+                                      </p:cBhvr>
+                                      <p:to>
+                                        <p:strVal val="visible"/>
+                                      </p:to>
+                                    </p:set>
+                                  </p:childTnLst>
+                                </p:cTn>
+                              </p:par>
+                            </p:childTnLst>
+                          </p:cTn>
+                        </p:par>
+                      </p:childTnLst>
+                    </p:cTn>
+                  </p:par>
+                  <p:par>
+                    <p:cTn id="59" fill="hold" nodeType="clickPar">
+                      <p:stCondLst>
+                        <p:cond delay="indefinite"/>
+                      </p:stCondLst>
+                      <p:childTnLst>
+                        <p:par>
+                          <p:cTn id="60" fill="hold" nodeType="withGroup">
+                            <p:stCondLst>
+                              <p:cond delay="0"/>
+                            </p:stCondLst>
+                            <p:childTnLst>
+                              <p:par>
+                                <p:cTn id="61" presetID="1" presetClass="entr" presetSubtype="0" fill="hold" grpId="0" nodeType="clickEffect">
+                                  <p:stCondLst>
+                                    <p:cond delay="0"/>
+                                  </p:stCondLst>
+                                  <p:childTnLst>
+                                    <p:set>
+                                      <p:cBhvr>
+                                        <p:cTn id="62" dur="1" fill="hold">
+                                          <p:stCondLst>
+                                            <p:cond delay="0"/>
+                                          </p:stCondLst>
+                                        </p:cTn>
+                                        <p:tgtEl>
+                                          <p:spTgt spid="501774"/>
+                                        </p:tgtEl>
+                                        <p:attrNameLst>
+                                          <p:attrName>style.visibility</p:attrName>
+                                        </p:attrNameLst>
+                                      </p:cBhvr>
+                                      <p:to>
+                                        <p:strVal val="visible"/>
+                                      </p:to>
+                                    </p:set>
+                                  </p:childTnLst>
+                                </p:cTn>
+                              </p:par>
+                            </p:childTnLst>
+                          </p:cTn>
+                        </p:par>
+                      </p:childTnLst>
+                    </p:cTn>
+                  </p:par>
+                  <p:par>
+                    <p:cTn id="63" fill="hold">
+                      <p:stCondLst>
+                        <p:cond delay="indefinite"/>
+                      </p:stCondLst>
+                      <p:childTnLst>
+                        <p:par>
+                          <p:cTn id="64" fill="hold">
+                            <p:stCondLst>
+                              <p:cond delay="0"/>
+                            </p:stCondLst>
+                            <p:childTnLst>
+                              <p:par>
+                                <p:cTn id="65" presetID="1" presetClass="entr" presetSubtype="0" fill="hold" grpId="0" nodeType="clickEffect">
+                                  <p:stCondLst>
+                                    <p:cond delay="0"/>
+                                  </p:stCondLst>
+                                  <p:childTnLst>
+                                    <p:set>
+                                      <p:cBhvr>
+                                        <p:cTn id="66" dur="1" fill="hold">
+                                          <p:stCondLst>
+                                            <p:cond delay="0"/>
+                                          </p:stCondLst>
+                                        </p:cTn>
+                                        <p:tgtEl>
+                                          <p:spTgt spid="20"/>
+                                        </p:tgtEl>
+                                        <p:attrNameLst>
+                                          <p:attrName>style.visibility</p:attrName>
+                                        </p:attrNameLst>
+                                      </p:cBhvr>
+                                      <p:to>
+                                        <p:strVal val="visible"/>
+                                      </p:to>
+                                    </p:set>
+                                  </p:childTnLst>
+                                </p:cTn>
+                              </p:par>
+                            </p:childTnLst>
+                          </p:cTn>
+                        </p:par>
+                      </p:childTnLst>
+                    </p:cTn>
+                  </p:par>
+                  <p:par>
+                    <p:cTn id="67" fill="hold">
+                      <p:stCondLst>
+                        <p:cond delay="indefinite"/>
+                      </p:stCondLst>
+                      <p:childTnLst>
+                        <p:par>
+                          <p:cTn id="68" fill="hold">
+                            <p:stCondLst>
+                              <p:cond delay="0"/>
+                            </p:stCondLst>
+                            <p:childTnLst>
+                              <p:par>
+                                <p:cTn id="69" presetID="1" presetClass="entr" presetSubtype="0" fill="hold" grpId="0" nodeType="clickEffect">
+                                  <p:stCondLst>
+                                    <p:cond delay="0"/>
+                                  </p:stCondLst>
+                                  <p:childTnLst>
+                                    <p:set>
+                                      <p:cBhvr>
+                                        <p:cTn id="70" dur="1" fill="hold">
+                                          <p:stCondLst>
+                                            <p:cond delay="0"/>
+                                          </p:stCondLst>
+                                        </p:cTn>
+                                        <p:tgtEl>
+                                          <p:spTgt spid="21"/>
+                                        </p:tgtEl>
+                                        <p:attrNameLst>
+                                          <p:attrName>style.visibility</p:attrName>
+                                        </p:attrNameLst>
+                                      </p:cBhvr>
+                                      <p:to>
+                                        <p:strVal val="visible"/>
+                                      </p:to>
+                                    </p:set>
+                                  </p:childTnLst>
+                                </p:cTn>
+                              </p:par>
+                            </p:childTnLst>
+                          </p:cTn>
+                        </p:par>
+                      </p:childTnLst>
+                    </p:cTn>
+                  </p:par>
+                </p:childTnLst>
+              </p:cTn>
+              <p:prevCondLst>
+                <p:cond evt="onPrev" delay="0">
+                  <p:tgtEl>
+                    <p:sldTgt/>
+                  </p:tgtEl>
+                </p:cond>
+              </p:prevCondLst>
+              <p:nextCondLst>
+                <p:cond evt="onNext" delay="0">
+                  <p:tgtEl>
+                    <p:sldTgt/>
+                  </p:tgtEl>
+                </p:cond>
+              </p:nextCondLst>
+            </p:seq>
+          </p:childTnLst>
+        </p:cTn>
+      </p:par>
+    </p:tnLst>
+    <p:bldLst>
+      <p:bldP spid="501766" grpId="0" animBg="1"/>
+      <p:bldP spid="501768" grpId="0"/>
+      <p:bldP spid="501769" grpId="0" animBg="1"/>
+      <p:bldP spid="501770" grpId="0" animBg="1"/>
+      <p:bldP spid="501771" grpId="0" animBg="1"/>
+      <p:bldP spid="501772" grpId="0" animBg="1"/>
+      <p:bldP spid="501773" grpId="0" animBg="1"/>
+      <p:bldP spid="501774" grpId="0" animBg="1"/>
+      <p:bldP spid="501775" grpId="0"/>
+      <p:bldP spid="501776" grpId="0"/>
+      <p:bldP spid="501777" grpId="0"/>
+      <p:bldP spid="501780" grpId="0" animBg="1"/>
+      <p:bldP spid="501781" grpId="0"/>
+      <p:bldP spid="501782" grpId="0"/>
+      <p:bldP spid="501783" grpId="0"/>
+      <p:bldP spid="20" grpId="0" animBg="1"/>
+      <p:bldP spid="21" grpId="0"/>
     </p:bldLst>
   </p:timing>
 </p:sld>
